--- a/Nhom10-report.pptx
+++ b/Nhom10-report.pptx
@@ -3449,14 +3449,7 @@
                 <a:latin typeface="Times New Roman" panose="02020603050405020304" pitchFamily="18" charset="0"/>
                 <a:cs typeface="Times New Roman" panose="02020603050405020304" pitchFamily="18" charset="0"/>
               </a:rPr>
-              <a:t>Link </a:t>
-            </a:r>
-            <a:r>
-              <a:rPr lang="en-US" sz="2000" b="1">
-                <a:latin typeface="Times New Roman" panose="02020603050405020304" pitchFamily="18" charset="0"/>
-                <a:cs typeface="Times New Roman" panose="02020603050405020304" pitchFamily="18" charset="0"/>
-              </a:rPr>
-              <a:t>GitHub:</a:t>
+              <a:t>Link GitHub:</a:t>
             </a:r>
           </a:p>
           <a:p>
@@ -6116,14 +6109,14 @@
             <p:ph idx="1"/>
             <p:extLst>
               <p:ext uri="{D42A27DB-BD31-4B8C-83A1-F6EECF244321}">
-                <p14:modId xmlns:p14="http://schemas.microsoft.com/office/powerpoint/2010/main" val="1482014833"/>
+                <p14:modId xmlns:p14="http://schemas.microsoft.com/office/powerpoint/2010/main" val="3018594607"/>
               </p:ext>
             </p:extLst>
           </p:nvPr>
         </p:nvGraphicFramePr>
         <p:xfrm>
           <a:off x="838200" y="1825625"/>
-          <a:ext cx="9626600" cy="1849120"/>
+          <a:ext cx="10756900" cy="1849120"/>
         </p:xfrm>
         <a:graphic>
           <a:graphicData uri="http://schemas.openxmlformats.org/drawingml/2006/table">
@@ -6132,21 +6125,21 @@
                 <a:tableStyleId>{93296810-A885-4BE3-A3E7-6D5BEEA58F35}</a:tableStyleId>
               </a:tblPr>
               <a:tblGrid>
-                <a:gridCol w="2832100">
+                <a:gridCol w="3164629">
                   <a:extLst>
                     <a:ext uri="{9D8B030D-6E8A-4147-A177-3AD203B41FA5}">
                       <a16:colId xmlns:a16="http://schemas.microsoft.com/office/drawing/2014/main" val="3759280923"/>
                     </a:ext>
                   </a:extLst>
                 </a:gridCol>
-                <a:gridCol w="2832100">
+                <a:gridCol w="3164629">
                   <a:extLst>
                     <a:ext uri="{9D8B030D-6E8A-4147-A177-3AD203B41FA5}">
                       <a16:colId xmlns:a16="http://schemas.microsoft.com/office/drawing/2014/main" val="2277304484"/>
                     </a:ext>
                   </a:extLst>
                 </a:gridCol>
-                <a:gridCol w="3962400">
+                <a:gridCol w="4427642">
                   <a:extLst>
                     <a:ext uri="{9D8B030D-6E8A-4147-A177-3AD203B41FA5}">
                       <a16:colId xmlns:a16="http://schemas.microsoft.com/office/drawing/2014/main" val="703490220"/>
@@ -6327,6 +6320,10 @@
                         <a:rPr lang="en-US" dirty="0" err="1"/>
                         <a:t>Hình</a:t>
                       </a:r>
+                      <a:r>
+                        <a:rPr lang="en-US" dirty="0"/>
+                        <a:t> , EDA</a:t>
+                      </a:r>
                       <a:endParaRPr lang="vi-VN" dirty="0"/>
                     </a:p>
                   </a:txBody>
@@ -6407,6 +6404,10 @@
                         <a:rPr lang="en-US" dirty="0" err="1"/>
                         <a:t>Hình</a:t>
                       </a:r>
+                      <a:r>
+                        <a:rPr lang="en-US" dirty="0"/>
+                        <a:t> , EDA</a:t>
+                      </a:r>
                       <a:endParaRPr lang="vi-VN" dirty="0"/>
                     </a:p>
                   </a:txBody>
@@ -6483,6 +6484,10 @@
                         <a:rPr lang="en-US" dirty="0" err="1"/>
                         <a:t>Hình</a:t>
                       </a:r>
+                      <a:r>
+                        <a:rPr lang="en-US" dirty="0"/>
+                        <a:t> , EDA</a:t>
+                      </a:r>
                       <a:endParaRPr lang="vi-VN" dirty="0"/>
                     </a:p>
                   </a:txBody>
@@ -6554,10 +6559,38 @@
                     <a:bodyPr/>
                     <a:lstStyle/>
                     <a:p>
-                      <a:pPr algn="ctr"/>
+                      <a:pPr marL="0" marR="0" lvl="0" indent="0" algn="ctr" defTabSz="914400" rtl="0" eaLnBrk="1" fontAlgn="auto" latinLnBrk="0" hangingPunct="1">
+                        <a:lnSpc>
+                          <a:spcPct val="100000"/>
+                        </a:lnSpc>
+                        <a:spcBef>
+                          <a:spcPts val="0"/>
+                        </a:spcBef>
+                        <a:spcAft>
+                          <a:spcPts val="0"/>
+                        </a:spcAft>
+                        <a:buClrTx/>
+                        <a:buSzTx/>
+                        <a:buFontTx/>
+                        <a:buNone/>
+                        <a:tabLst/>
+                        <a:defRPr/>
+                      </a:pPr>
+                      <a:r>
+                        <a:rPr lang="en-US" dirty="0" err="1"/>
+                        <a:t>Mô</a:t>
+                      </a:r>
                       <a:r>
                         <a:rPr lang="en-US" dirty="0"/>
-                        <a:t>EDA, </a:t>
+                        <a:t> </a:t>
+                      </a:r>
+                      <a:r>
+                        <a:rPr lang="en-US" dirty="0" err="1"/>
+                        <a:t>Hình</a:t>
+                      </a:r>
+                      <a:r>
+                        <a:rPr lang="en-US" dirty="0"/>
+                        <a:t> , EDA, </a:t>
                       </a:r>
                       <a:r>
                         <a:rPr lang="en-US" dirty="0" err="1"/>
@@ -7549,6 +7582,16 @@
                 <a:latin typeface="Times New Roman" panose="02020603050405020304" pitchFamily="18" charset="0"/>
                 <a:cs typeface="Times New Roman" panose="02020603050405020304" pitchFamily="18" charset="0"/>
               </a:rPr>
+              <a:t>Decision Tree</a:t>
+            </a:r>
+          </a:p>
+          <a:p>
+            <a:pPr lvl="1"/>
+            <a:r>
+              <a:rPr lang="en-US" dirty="0">
+                <a:latin typeface="Times New Roman" panose="02020603050405020304" pitchFamily="18" charset="0"/>
+                <a:cs typeface="Times New Roman" panose="02020603050405020304" pitchFamily="18" charset="0"/>
+              </a:rPr>
               <a:t>linear regression,</a:t>
             </a:r>
           </a:p>
@@ -8513,13 +8556,10 @@
               </a:rPr>
               <a:t>loại</a:t>
             </a:r>
-            <a:r>
-              <a:rPr lang="en-US" dirty="0">
-                <a:latin typeface="Times New Roman" panose="02020603050405020304" pitchFamily="18" charset="0"/>
-                <a:cs typeface="Times New Roman" panose="02020603050405020304" pitchFamily="18" charset="0"/>
-              </a:rPr>
-              <a:t>, </a:t>
-            </a:r>
+            <a:endParaRPr lang="en-US" dirty="0">
+              <a:latin typeface="Times New Roman" panose="02020603050405020304" pitchFamily="18" charset="0"/>
+              <a:cs typeface="Times New Roman" panose="02020603050405020304" pitchFamily="18" charset="0"/>
+            </a:endParaRPr>
           </a:p>
           <a:p>
             <a:pPr lvl="1"/>

--- a/Nhom10-report.pptx
+++ b/Nhom10-report.pptx
@@ -5,7 +5,7 @@
     <p:sldMasterId id="2147483648" r:id="rId1"/>
   </p:sldMasterIdLst>
   <p:notesMasterIdLst>
-    <p:notesMasterId r:id="rId20"/>
+    <p:notesMasterId r:id="rId22"/>
   </p:notesMasterIdLst>
   <p:sldIdLst>
     <p:sldId id="256" r:id="rId2"/>
@@ -19,13 +19,15 @@
     <p:sldId id="263" r:id="rId10"/>
     <p:sldId id="264" r:id="rId11"/>
     <p:sldId id="265" r:id="rId12"/>
-    <p:sldId id="272" r:id="rId13"/>
-    <p:sldId id="273" r:id="rId14"/>
-    <p:sldId id="266" r:id="rId15"/>
-    <p:sldId id="269" r:id="rId16"/>
-    <p:sldId id="270" r:id="rId17"/>
-    <p:sldId id="267" r:id="rId18"/>
-    <p:sldId id="268" r:id="rId19"/>
+    <p:sldId id="275" r:id="rId13"/>
+    <p:sldId id="272" r:id="rId14"/>
+    <p:sldId id="273" r:id="rId15"/>
+    <p:sldId id="276" r:id="rId16"/>
+    <p:sldId id="266" r:id="rId17"/>
+    <p:sldId id="269" r:id="rId18"/>
+    <p:sldId id="270" r:id="rId19"/>
+    <p:sldId id="267" r:id="rId20"/>
+    <p:sldId id="268" r:id="rId21"/>
   </p:sldIdLst>
   <p:sldSz cx="12192000" cy="6858000"/>
   <p:notesSz cx="6858000" cy="9144000"/>
@@ -3992,6 +3994,365 @@
           <p:cNvPr id="4" name="Slide Number Placeholder 3">
             <a:extLst>
               <a:ext uri="{FF2B5EF4-FFF2-40B4-BE49-F238E27FC236}">
+                <a16:creationId xmlns:a16="http://schemas.microsoft.com/office/drawing/2014/main" id="{C4135173-597D-6764-F55A-389FC5CCD573}"/>
+              </a:ext>
+            </a:extLst>
+          </p:cNvPr>
+          <p:cNvSpPr>
+            <a:spLocks noGrp="1"/>
+          </p:cNvSpPr>
+          <p:nvPr>
+            <p:ph type="sldNum" sz="quarter" idx="12"/>
+          </p:nvPr>
+        </p:nvSpPr>
+        <p:spPr/>
+        <p:txBody>
+          <a:bodyPr/>
+          <a:lstStyle/>
+          <a:p>
+            <a:fld id="{D1E82683-5C6A-4808-A0A5-6DC033041A1F}" type="slidenum">
+              <a:rPr lang="en-US" smtClean="0"/>
+              <a:t>12</a:t>
+            </a:fld>
+            <a:endParaRPr lang="en-US"/>
+          </a:p>
+        </p:txBody>
+      </p:sp>
+      <p:sp>
+        <p:nvSpPr>
+          <p:cNvPr id="17" name="TextBox 16">
+            <a:extLst>
+              <a:ext uri="{FF2B5EF4-FFF2-40B4-BE49-F238E27FC236}">
+                <a16:creationId xmlns:a16="http://schemas.microsoft.com/office/drawing/2014/main" id="{26C045E9-54C1-E65B-B72A-FA28518DEA3A}"/>
+              </a:ext>
+            </a:extLst>
+          </p:cNvPr>
+          <p:cNvSpPr txBox="1"/>
+          <p:nvPr/>
+        </p:nvSpPr>
+        <p:spPr>
+          <a:xfrm>
+            <a:off x="290694" y="0"/>
+            <a:ext cx="4649030" cy="1015663"/>
+          </a:xfrm>
+          <a:prstGeom prst="rect">
+            <a:avLst/>
+          </a:prstGeom>
+          <a:noFill/>
+        </p:spPr>
+        <p:txBody>
+          <a:bodyPr wrap="none" rtlCol="0">
+            <a:spAutoFit/>
+          </a:bodyPr>
+          <a:lstStyle/>
+          <a:p>
+            <a:r>
+              <a:rPr lang="en-US" sz="3000" b="1" dirty="0" err="1">
+                <a:latin typeface="Times New Roman" panose="02020603050405020304" pitchFamily="18" charset="0"/>
+                <a:cs typeface="Times New Roman" panose="02020603050405020304" pitchFamily="18" charset="0"/>
+              </a:rPr>
+              <a:t>Sự</a:t>
+            </a:r>
+            <a:r>
+              <a:rPr lang="en-US" sz="3000" b="1" dirty="0">
+                <a:latin typeface="Times New Roman" panose="02020603050405020304" pitchFamily="18" charset="0"/>
+                <a:cs typeface="Times New Roman" panose="02020603050405020304" pitchFamily="18" charset="0"/>
+              </a:rPr>
+              <a:t> </a:t>
+            </a:r>
+            <a:r>
+              <a:rPr lang="en-US" sz="3000" b="1" dirty="0" err="1">
+                <a:latin typeface="Times New Roman" panose="02020603050405020304" pitchFamily="18" charset="0"/>
+                <a:cs typeface="Times New Roman" panose="02020603050405020304" pitchFamily="18" charset="0"/>
+              </a:rPr>
+              <a:t>ảnh</a:t>
+            </a:r>
+            <a:r>
+              <a:rPr lang="en-US" sz="3000" b="1" dirty="0">
+                <a:latin typeface="Times New Roman" panose="02020603050405020304" pitchFamily="18" charset="0"/>
+                <a:cs typeface="Times New Roman" panose="02020603050405020304" pitchFamily="18" charset="0"/>
+              </a:rPr>
+              <a:t> </a:t>
+            </a:r>
+            <a:r>
+              <a:rPr lang="en-US" sz="3000" b="1" dirty="0" err="1">
+                <a:latin typeface="Times New Roman" panose="02020603050405020304" pitchFamily="18" charset="0"/>
+                <a:cs typeface="Times New Roman" panose="02020603050405020304" pitchFamily="18" charset="0"/>
+              </a:rPr>
+              <a:t>hưởng</a:t>
+            </a:r>
+            <a:r>
+              <a:rPr lang="en-US" sz="3000" b="1" dirty="0">
+                <a:latin typeface="Times New Roman" panose="02020603050405020304" pitchFamily="18" charset="0"/>
+                <a:cs typeface="Times New Roman" panose="02020603050405020304" pitchFamily="18" charset="0"/>
+              </a:rPr>
+              <a:t> </a:t>
+            </a:r>
+            <a:r>
+              <a:rPr lang="en-US" sz="3000" b="1" dirty="0" err="1">
+                <a:latin typeface="Times New Roman" panose="02020603050405020304" pitchFamily="18" charset="0"/>
+                <a:cs typeface="Times New Roman" panose="02020603050405020304" pitchFamily="18" charset="0"/>
+              </a:rPr>
+              <a:t>đến</a:t>
+            </a:r>
+            <a:r>
+              <a:rPr lang="en-US" sz="3000" b="1" dirty="0">
+                <a:latin typeface="Times New Roman" panose="02020603050405020304" pitchFamily="18" charset="0"/>
+                <a:cs typeface="Times New Roman" panose="02020603050405020304" pitchFamily="18" charset="0"/>
+              </a:rPr>
+              <a:t> </a:t>
+            </a:r>
+            <a:r>
+              <a:rPr lang="en-US" sz="3000" b="1" dirty="0" err="1">
+                <a:latin typeface="Times New Roman" panose="02020603050405020304" pitchFamily="18" charset="0"/>
+                <a:cs typeface="Times New Roman" panose="02020603050405020304" pitchFamily="18" charset="0"/>
+              </a:rPr>
+              <a:t>mô</a:t>
+            </a:r>
+            <a:r>
+              <a:rPr lang="en-US" sz="3000" b="1" dirty="0">
+                <a:latin typeface="Times New Roman" panose="02020603050405020304" pitchFamily="18" charset="0"/>
+                <a:cs typeface="Times New Roman" panose="02020603050405020304" pitchFamily="18" charset="0"/>
+              </a:rPr>
+              <a:t> </a:t>
+            </a:r>
+            <a:r>
+              <a:rPr lang="en-US" sz="3000" b="1" dirty="0" err="1">
+                <a:latin typeface="Times New Roman" panose="02020603050405020304" pitchFamily="18" charset="0"/>
+                <a:cs typeface="Times New Roman" panose="02020603050405020304" pitchFamily="18" charset="0"/>
+              </a:rPr>
+              <a:t>hình</a:t>
+            </a:r>
+            <a:endParaRPr lang="vi-VN" sz="3200" b="1" dirty="0"/>
+          </a:p>
+          <a:p>
+            <a:endParaRPr lang="vi-VN" sz="3000" b="1" dirty="0">
+              <a:latin typeface="Times New Roman" panose="02020603050405020304" pitchFamily="18" charset="0"/>
+              <a:cs typeface="Times New Roman" panose="02020603050405020304" pitchFamily="18" charset="0"/>
+            </a:endParaRPr>
+          </a:p>
+        </p:txBody>
+      </p:sp>
+      <p:graphicFrame>
+        <p:nvGraphicFramePr>
+          <p:cNvPr id="6" name="Table 7">
+            <a:extLst>
+              <a:ext uri="{FF2B5EF4-FFF2-40B4-BE49-F238E27FC236}">
+                <a16:creationId xmlns:a16="http://schemas.microsoft.com/office/drawing/2014/main" id="{54841457-8376-2302-A533-39F811BE7190}"/>
+              </a:ext>
+            </a:extLst>
+          </p:cNvPr>
+          <p:cNvGraphicFramePr>
+            <a:graphicFrameLocks noGrp="1"/>
+          </p:cNvGraphicFramePr>
+          <p:nvPr/>
+        </p:nvGraphicFramePr>
+        <p:xfrm>
+          <a:off x="1521097" y="1908386"/>
+          <a:ext cx="9149806" cy="2415420"/>
+        </p:xfrm>
+        <a:graphic>
+          <a:graphicData uri="http://schemas.openxmlformats.org/drawingml/2006/table">
+            <a:tbl>
+              <a:tblPr firstRow="1" bandRow="1">
+                <a:tableStyleId>{5C22544A-7EE6-4342-B048-85BDC9FD1C3A}</a:tableStyleId>
+              </a:tblPr>
+              <a:tblGrid>
+                <a:gridCol w="4574903">
+                  <a:extLst>
+                    <a:ext uri="{9D8B030D-6E8A-4147-A177-3AD203B41FA5}">
+                      <a16:colId xmlns:a16="http://schemas.microsoft.com/office/drawing/2014/main" val="1084309117"/>
+                    </a:ext>
+                  </a:extLst>
+                </a:gridCol>
+                <a:gridCol w="4574903">
+                  <a:extLst>
+                    <a:ext uri="{9D8B030D-6E8A-4147-A177-3AD203B41FA5}">
+                      <a16:colId xmlns:a16="http://schemas.microsoft.com/office/drawing/2014/main" val="749428022"/>
+                    </a:ext>
+                  </a:extLst>
+                </a:gridCol>
+              </a:tblGrid>
+              <a:tr h="603855">
+                <a:tc>
+                  <a:txBody>
+                    <a:bodyPr/>
+                    <a:lstStyle/>
+                    <a:p>
+                      <a:pPr algn="ctr"/>
+                      <a:r>
+                        <a:rPr lang="vi-VN" dirty="0"/>
+                        <a:t>Biến tương quan đối với giá</a:t>
+                      </a:r>
+                    </a:p>
+                  </a:txBody>
+                  <a:tcPr/>
+                </a:tc>
+                <a:tc>
+                  <a:txBody>
+                    <a:bodyPr/>
+                    <a:lstStyle/>
+                    <a:p>
+                      <a:pPr algn="ctr"/>
+                      <a:r>
+                        <a:rPr lang="vi-VN" dirty="0"/>
+                        <a:t>R-squared</a:t>
+                      </a:r>
+                    </a:p>
+                  </a:txBody>
+                  <a:tcPr/>
+                </a:tc>
+                <a:extLst>
+                  <a:ext uri="{0D108BD9-81ED-4DB2-BD59-A6C34878D82A}">
+                    <a16:rowId xmlns:a16="http://schemas.microsoft.com/office/drawing/2014/main" val="694011950"/>
+                  </a:ext>
+                </a:extLst>
+              </a:tr>
+              <a:tr h="603855">
+                <a:tc>
+                  <a:txBody>
+                    <a:bodyPr/>
+                    <a:lstStyle/>
+                    <a:p>
+                      <a:pPr algn="ctr"/>
+                      <a:r>
+                        <a:rPr lang="vi-VN" dirty="0"/>
+                        <a:t>ram</a:t>
+                      </a:r>
+                    </a:p>
+                  </a:txBody>
+                  <a:tcPr/>
+                </a:tc>
+                <a:tc>
+                  <a:txBody>
+                    <a:bodyPr/>
+                    <a:lstStyle/>
+                    <a:p>
+                      <a:pPr algn="ctr"/>
+                      <a:r>
+                        <a:rPr lang="vi-VN" dirty="0"/>
+                        <a:t>0.84</a:t>
+                      </a:r>
+                    </a:p>
+                  </a:txBody>
+                  <a:tcPr/>
+                </a:tc>
+                <a:extLst>
+                  <a:ext uri="{0D108BD9-81ED-4DB2-BD59-A6C34878D82A}">
+                    <a16:rowId xmlns:a16="http://schemas.microsoft.com/office/drawing/2014/main" val="1746795365"/>
+                  </a:ext>
+                </a:extLst>
+              </a:tr>
+              <a:tr h="603855">
+                <a:tc>
+                  <a:txBody>
+                    <a:bodyPr/>
+                    <a:lstStyle/>
+                    <a:p>
+                      <a:pPr algn="ctr"/>
+                      <a:r>
+                        <a:rPr lang="vi-VN" dirty="0"/>
+                        <a:t>ram+ battery_power</a:t>
+                      </a:r>
+                    </a:p>
+                  </a:txBody>
+                  <a:tcPr/>
+                </a:tc>
+                <a:tc>
+                  <a:txBody>
+                    <a:bodyPr/>
+                    <a:lstStyle/>
+                    <a:p>
+                      <a:pPr algn="ctr"/>
+                      <a:r>
+                        <a:rPr lang="vi-VN" dirty="0"/>
+                        <a:t>0.88</a:t>
+                      </a:r>
+                    </a:p>
+                  </a:txBody>
+                  <a:tcPr/>
+                </a:tc>
+                <a:extLst>
+                  <a:ext uri="{0D108BD9-81ED-4DB2-BD59-A6C34878D82A}">
+                    <a16:rowId xmlns:a16="http://schemas.microsoft.com/office/drawing/2014/main" val="1680074031"/>
+                  </a:ext>
+                </a:extLst>
+              </a:tr>
+              <a:tr h="603855">
+                <a:tc>
+                  <a:txBody>
+                    <a:bodyPr/>
+                    <a:lstStyle/>
+                    <a:p>
+                      <a:pPr algn="ctr"/>
+                      <a:r>
+                        <a:rPr lang="en-GB" dirty="0" err="1"/>
+                        <a:t>ram+battery_power+px_height</a:t>
+                      </a:r>
+                      <a:endParaRPr lang="vi-VN" dirty="0"/>
+                    </a:p>
+                  </a:txBody>
+                  <a:tcPr/>
+                </a:tc>
+                <a:tc>
+                  <a:txBody>
+                    <a:bodyPr/>
+                    <a:lstStyle/>
+                    <a:p>
+                      <a:pPr algn="ctr"/>
+                      <a:r>
+                        <a:rPr lang="vi-VN" dirty="0"/>
+                        <a:t>0.91</a:t>
+                      </a:r>
+                    </a:p>
+                  </a:txBody>
+                  <a:tcPr/>
+                </a:tc>
+                <a:extLst>
+                  <a:ext uri="{0D108BD9-81ED-4DB2-BD59-A6C34878D82A}">
+                    <a16:rowId xmlns:a16="http://schemas.microsoft.com/office/drawing/2014/main" val="3367016082"/>
+                  </a:ext>
+                </a:extLst>
+              </a:tr>
+            </a:tbl>
+          </a:graphicData>
+        </a:graphic>
+      </p:graphicFrame>
+    </p:spTree>
+    <p:extLst>
+      <p:ext uri="{BB962C8B-B14F-4D97-AF65-F5344CB8AC3E}">
+        <p14:creationId xmlns:p14="http://schemas.microsoft.com/office/powerpoint/2010/main" val="2076951143"/>
+      </p:ext>
+    </p:extLst>
+  </p:cSld>
+  <p:clrMapOvr>
+    <a:masterClrMapping/>
+  </p:clrMapOvr>
+</p:sld>
+</file>
+
+<file path=ppt/slides/slide13.xml><?xml version="1.0" encoding="utf-8"?>
+<p:sld xmlns:a="http://schemas.openxmlformats.org/drawingml/2006/main" xmlns:r="http://schemas.openxmlformats.org/officeDocument/2006/relationships" xmlns:p="http://schemas.openxmlformats.org/presentationml/2006/main">
+  <p:cSld>
+    <p:spTree>
+      <p:nvGrpSpPr>
+        <p:cNvPr id="1" name=""/>
+        <p:cNvGrpSpPr/>
+        <p:nvPr/>
+      </p:nvGrpSpPr>
+      <p:grpSpPr>
+        <a:xfrm>
+          <a:off x="0" y="0"/>
+          <a:ext cx="0" cy="0"/>
+          <a:chOff x="0" y="0"/>
+          <a:chExt cx="0" cy="0"/>
+        </a:xfrm>
+      </p:grpSpPr>
+      <p:sp>
+        <p:nvSpPr>
+          <p:cNvPr id="4" name="Slide Number Placeholder 3">
+            <a:extLst>
+              <a:ext uri="{FF2B5EF4-FFF2-40B4-BE49-F238E27FC236}">
                 <a16:creationId xmlns:a16="http://schemas.microsoft.com/office/drawing/2014/main" id="{BB3483FB-3D4B-C99D-5BC6-7D4BD3C4EC55}"/>
               </a:ext>
             </a:extLst>
@@ -4010,7 +4371,7 @@
           <a:p>
             <a:fld id="{D1E82683-5C6A-4808-A0A5-6DC033041A1F}" type="slidenum">
               <a:rPr lang="en-US" smtClean="0"/>
-              <a:t>12</a:t>
+              <a:t>13</a:t>
             </a:fld>
             <a:endParaRPr lang="en-US"/>
           </a:p>
@@ -4101,7 +4462,7 @@
 </p:sld>
 </file>
 
-<file path=ppt/slides/slide13.xml><?xml version="1.0" encoding="utf-8"?>
+<file path=ppt/slides/slide14.xml><?xml version="1.0" encoding="utf-8"?>
 <p:sld xmlns:a="http://schemas.openxmlformats.org/drawingml/2006/main" xmlns:r="http://schemas.openxmlformats.org/officeDocument/2006/relationships" xmlns:p="http://schemas.openxmlformats.org/presentationml/2006/main">
   <p:cSld>
     <p:spTree>
@@ -4141,7 +4502,7 @@
           <a:p>
             <a:fld id="{D1E82683-5C6A-4808-A0A5-6DC033041A1F}" type="slidenum">
               <a:rPr lang="en-US" smtClean="0"/>
-              <a:t>13</a:t>
+              <a:t>14</a:t>
             </a:fld>
             <a:endParaRPr lang="en-US"/>
           </a:p>
@@ -4468,7 +4829,7 @@
 </p:sld>
 </file>
 
-<file path=ppt/slides/slide14.xml><?xml version="1.0" encoding="utf-8"?>
+<file path=ppt/slides/slide15.xml><?xml version="1.0" encoding="utf-8"?>
 <p:sld xmlns:a="http://schemas.openxmlformats.org/drawingml/2006/main" xmlns:r="http://schemas.openxmlformats.org/officeDocument/2006/relationships" xmlns:p="http://schemas.openxmlformats.org/presentationml/2006/main">
   <p:cSld>
     <p:spTree>
@@ -4508,7 +4869,301 @@
           <a:p>
             <a:fld id="{D1E82683-5C6A-4808-A0A5-6DC033041A1F}" type="slidenum">
               <a:rPr lang="en-US" smtClean="0"/>
-              <a:t>14</a:t>
+              <a:t>15</a:t>
+            </a:fld>
+            <a:endParaRPr lang="en-US"/>
+          </a:p>
+        </p:txBody>
+      </p:sp>
+      <p:sp>
+        <p:nvSpPr>
+          <p:cNvPr id="17" name="TextBox 16">
+            <a:extLst>
+              <a:ext uri="{FF2B5EF4-FFF2-40B4-BE49-F238E27FC236}">
+                <a16:creationId xmlns:a16="http://schemas.microsoft.com/office/drawing/2014/main" id="{26C045E9-54C1-E65B-B72A-FA28518DEA3A}"/>
+              </a:ext>
+            </a:extLst>
+          </p:cNvPr>
+          <p:cNvSpPr txBox="1"/>
+          <p:nvPr/>
+        </p:nvSpPr>
+        <p:spPr>
+          <a:xfrm>
+            <a:off x="290694" y="0"/>
+            <a:ext cx="2906565" cy="1015663"/>
+          </a:xfrm>
+          <a:prstGeom prst="rect">
+            <a:avLst/>
+          </a:prstGeom>
+          <a:noFill/>
+        </p:spPr>
+        <p:txBody>
+          <a:bodyPr wrap="none" rtlCol="0">
+            <a:spAutoFit/>
+          </a:bodyPr>
+          <a:lstStyle/>
+          <a:p>
+            <a:r>
+              <a:rPr lang="en-US" sz="3000" b="1" dirty="0">
+                <a:latin typeface="Times New Roman" panose="02020603050405020304" pitchFamily="18" charset="0"/>
+                <a:cs typeface="Times New Roman" panose="02020603050405020304" pitchFamily="18" charset="0"/>
+              </a:rPr>
+              <a:t>So </a:t>
+            </a:r>
+            <a:r>
+              <a:rPr lang="en-US" sz="3000" b="1" dirty="0" err="1">
+                <a:latin typeface="Times New Roman" panose="02020603050405020304" pitchFamily="18" charset="0"/>
+                <a:cs typeface="Times New Roman" panose="02020603050405020304" pitchFamily="18" charset="0"/>
+              </a:rPr>
+              <a:t>sánh</a:t>
+            </a:r>
+            <a:r>
+              <a:rPr lang="en-US" sz="3000" b="1" dirty="0">
+                <a:latin typeface="Times New Roman" panose="02020603050405020304" pitchFamily="18" charset="0"/>
+                <a:cs typeface="Times New Roman" panose="02020603050405020304" pitchFamily="18" charset="0"/>
+              </a:rPr>
+              <a:t> </a:t>
+            </a:r>
+            <a:r>
+              <a:rPr lang="en-US" sz="3000" b="1" dirty="0" err="1">
+                <a:latin typeface="Times New Roman" panose="02020603050405020304" pitchFamily="18" charset="0"/>
+                <a:cs typeface="Times New Roman" panose="02020603050405020304" pitchFamily="18" charset="0"/>
+              </a:rPr>
+              <a:t>mô</a:t>
+            </a:r>
+            <a:r>
+              <a:rPr lang="en-US" sz="3000" b="1" dirty="0">
+                <a:latin typeface="Times New Roman" panose="02020603050405020304" pitchFamily="18" charset="0"/>
+                <a:cs typeface="Times New Roman" panose="02020603050405020304" pitchFamily="18" charset="0"/>
+              </a:rPr>
+              <a:t> </a:t>
+            </a:r>
+            <a:r>
+              <a:rPr lang="en-US" sz="3000" b="1" dirty="0" err="1">
+                <a:latin typeface="Times New Roman" panose="02020603050405020304" pitchFamily="18" charset="0"/>
+                <a:cs typeface="Times New Roman" panose="02020603050405020304" pitchFamily="18" charset="0"/>
+              </a:rPr>
+              <a:t>hình</a:t>
+            </a:r>
+            <a:endParaRPr lang="vi-VN" sz="3200" b="1" dirty="0"/>
+          </a:p>
+          <a:p>
+            <a:endParaRPr lang="vi-VN" sz="3000" b="1" dirty="0">
+              <a:latin typeface="Times New Roman" panose="02020603050405020304" pitchFamily="18" charset="0"/>
+              <a:cs typeface="Times New Roman" panose="02020603050405020304" pitchFamily="18" charset="0"/>
+            </a:endParaRPr>
+          </a:p>
+        </p:txBody>
+      </p:sp>
+      <p:graphicFrame>
+        <p:nvGraphicFramePr>
+          <p:cNvPr id="6" name="Table 7">
+            <a:extLst>
+              <a:ext uri="{FF2B5EF4-FFF2-40B4-BE49-F238E27FC236}">
+                <a16:creationId xmlns:a16="http://schemas.microsoft.com/office/drawing/2014/main" id="{54841457-8376-2302-A533-39F811BE7190}"/>
+              </a:ext>
+            </a:extLst>
+          </p:cNvPr>
+          <p:cNvGraphicFramePr>
+            <a:graphicFrameLocks noGrp="1"/>
+          </p:cNvGraphicFramePr>
+          <p:nvPr>
+            <p:extLst>
+              <p:ext uri="{D42A27DB-BD31-4B8C-83A1-F6EECF244321}">
+                <p14:modId xmlns:p14="http://schemas.microsoft.com/office/powerpoint/2010/main" val="2609145102"/>
+              </p:ext>
+            </p:extLst>
+          </p:nvPr>
+        </p:nvGraphicFramePr>
+        <p:xfrm>
+          <a:off x="1521097" y="1908386"/>
+          <a:ext cx="9149806" cy="1811565"/>
+        </p:xfrm>
+        <a:graphic>
+          <a:graphicData uri="http://schemas.openxmlformats.org/drawingml/2006/table">
+            <a:tbl>
+              <a:tblPr firstRow="1" bandRow="1">
+                <a:tableStyleId>{5C22544A-7EE6-4342-B048-85BDC9FD1C3A}</a:tableStyleId>
+              </a:tblPr>
+              <a:tblGrid>
+                <a:gridCol w="4574903">
+                  <a:extLst>
+                    <a:ext uri="{9D8B030D-6E8A-4147-A177-3AD203B41FA5}">
+                      <a16:colId xmlns:a16="http://schemas.microsoft.com/office/drawing/2014/main" val="1084309117"/>
+                    </a:ext>
+                  </a:extLst>
+                </a:gridCol>
+                <a:gridCol w="4574903">
+                  <a:extLst>
+                    <a:ext uri="{9D8B030D-6E8A-4147-A177-3AD203B41FA5}">
+                      <a16:colId xmlns:a16="http://schemas.microsoft.com/office/drawing/2014/main" val="749428022"/>
+                    </a:ext>
+                  </a:extLst>
+                </a:gridCol>
+              </a:tblGrid>
+              <a:tr h="603855">
+                <a:tc>
+                  <a:txBody>
+                    <a:bodyPr/>
+                    <a:lstStyle/>
+                    <a:p>
+                      <a:pPr algn="ctr"/>
+                      <a:r>
+                        <a:rPr lang="vi-VN" dirty="0"/>
+                        <a:t>Mô Hình</a:t>
+                      </a:r>
+                    </a:p>
+                  </a:txBody>
+                  <a:tcPr/>
+                </a:tc>
+                <a:tc>
+                  <a:txBody>
+                    <a:bodyPr/>
+                    <a:lstStyle/>
+                    <a:p>
+                      <a:pPr algn="ctr"/>
+                      <a:r>
+                        <a:rPr lang="vi-VN" dirty="0"/>
+                        <a:t>R-squared</a:t>
+                      </a:r>
+                    </a:p>
+                  </a:txBody>
+                  <a:tcPr/>
+                </a:tc>
+                <a:extLst>
+                  <a:ext uri="{0D108BD9-81ED-4DB2-BD59-A6C34878D82A}">
+                    <a16:rowId xmlns:a16="http://schemas.microsoft.com/office/drawing/2014/main" val="694011950"/>
+                  </a:ext>
+                </a:extLst>
+              </a:tr>
+              <a:tr h="603855">
+                <a:tc>
+                  <a:txBody>
+                    <a:bodyPr/>
+                    <a:lstStyle/>
+                    <a:p>
+                      <a:pPr algn="ctr"/>
+                      <a:r>
+                        <a:rPr lang="vi-VN" dirty="0"/>
+                        <a:t>K-Nearest Neighbors</a:t>
+                      </a:r>
+                    </a:p>
+                  </a:txBody>
+                  <a:tcPr/>
+                </a:tc>
+                <a:tc>
+                  <a:txBody>
+                    <a:bodyPr/>
+                    <a:lstStyle/>
+                    <a:p>
+                      <a:pPr algn="ctr"/>
+                      <a:r>
+                        <a:rPr lang="vi-VN" dirty="0"/>
+                        <a:t>0.84</a:t>
+                      </a:r>
+                    </a:p>
+                  </a:txBody>
+                  <a:tcPr/>
+                </a:tc>
+                <a:extLst>
+                  <a:ext uri="{0D108BD9-81ED-4DB2-BD59-A6C34878D82A}">
+                    <a16:rowId xmlns:a16="http://schemas.microsoft.com/office/drawing/2014/main" val="1746795365"/>
+                  </a:ext>
+                </a:extLst>
+              </a:tr>
+              <a:tr h="603855">
+                <a:tc>
+                  <a:txBody>
+                    <a:bodyPr/>
+                    <a:lstStyle/>
+                    <a:p>
+                      <a:pPr algn="ctr"/>
+                      <a:r>
+                        <a:rPr lang="vi-VN" dirty="0"/>
+                        <a:t>Decision Tree</a:t>
+                      </a:r>
+                    </a:p>
+                  </a:txBody>
+                  <a:tcPr/>
+                </a:tc>
+                <a:tc>
+                  <a:txBody>
+                    <a:bodyPr/>
+                    <a:lstStyle/>
+                    <a:p>
+                      <a:pPr algn="ctr"/>
+                      <a:r>
+                        <a:rPr lang="vi-VN" dirty="0"/>
+                        <a:t>0.94</a:t>
+                      </a:r>
+                    </a:p>
+                  </a:txBody>
+                  <a:tcPr/>
+                </a:tc>
+                <a:extLst>
+                  <a:ext uri="{0D108BD9-81ED-4DB2-BD59-A6C34878D82A}">
+                    <a16:rowId xmlns:a16="http://schemas.microsoft.com/office/drawing/2014/main" val="1680074031"/>
+                  </a:ext>
+                </a:extLst>
+              </a:tr>
+            </a:tbl>
+          </a:graphicData>
+        </a:graphic>
+      </p:graphicFrame>
+    </p:spTree>
+    <p:extLst>
+      <p:ext uri="{BB962C8B-B14F-4D97-AF65-F5344CB8AC3E}">
+        <p14:creationId xmlns:p14="http://schemas.microsoft.com/office/powerpoint/2010/main" val="4112338594"/>
+      </p:ext>
+    </p:extLst>
+  </p:cSld>
+  <p:clrMapOvr>
+    <a:masterClrMapping/>
+  </p:clrMapOvr>
+</p:sld>
+</file>
+
+<file path=ppt/slides/slide16.xml><?xml version="1.0" encoding="utf-8"?>
+<p:sld xmlns:a="http://schemas.openxmlformats.org/drawingml/2006/main" xmlns:r="http://schemas.openxmlformats.org/officeDocument/2006/relationships" xmlns:p="http://schemas.openxmlformats.org/presentationml/2006/main">
+  <p:cSld>
+    <p:spTree>
+      <p:nvGrpSpPr>
+        <p:cNvPr id="1" name=""/>
+        <p:cNvGrpSpPr/>
+        <p:nvPr/>
+      </p:nvGrpSpPr>
+      <p:grpSpPr>
+        <a:xfrm>
+          <a:off x="0" y="0"/>
+          <a:ext cx="0" cy="0"/>
+          <a:chOff x="0" y="0"/>
+          <a:chExt cx="0" cy="0"/>
+        </a:xfrm>
+      </p:grpSpPr>
+      <p:sp>
+        <p:nvSpPr>
+          <p:cNvPr id="4" name="Slide Number Placeholder 3">
+            <a:extLst>
+              <a:ext uri="{FF2B5EF4-FFF2-40B4-BE49-F238E27FC236}">
+                <a16:creationId xmlns:a16="http://schemas.microsoft.com/office/drawing/2014/main" id="{C4135173-597D-6764-F55A-389FC5CCD573}"/>
+              </a:ext>
+            </a:extLst>
+          </p:cNvPr>
+          <p:cNvSpPr>
+            <a:spLocks noGrp="1"/>
+          </p:cNvSpPr>
+          <p:nvPr>
+            <p:ph type="sldNum" sz="quarter" idx="12"/>
+          </p:nvPr>
+        </p:nvSpPr>
+        <p:spPr/>
+        <p:txBody>
+          <a:bodyPr/>
+          <a:lstStyle/>
+          <a:p>
+            <a:fld id="{D1E82683-5C6A-4808-A0A5-6DC033041A1F}" type="slidenum">
+              <a:rPr lang="en-US" smtClean="0"/>
+              <a:t>16</a:t>
             </a:fld>
             <a:endParaRPr lang="en-US"/>
           </a:p>
@@ -4607,7 +5262,7 @@
           <p:nvPr>
             <p:extLst>
               <p:ext uri="{D42A27DB-BD31-4B8C-83A1-F6EECF244321}">
-                <p14:modId xmlns:p14="http://schemas.microsoft.com/office/powerpoint/2010/main" val="929149080"/>
+                <p14:modId xmlns:p14="http://schemas.microsoft.com/office/powerpoint/2010/main" val="1734537024"/>
               </p:ext>
             </p:extLst>
           </p:nvPr>
@@ -4727,9 +5382,10 @@
                     <a:p>
                       <a:pPr algn="ctr"/>
                       <a:r>
-                        <a:rPr lang="vi-VN" dirty="0"/>
+                        <a:rPr lang="vi-VN"/>
                         <a:t>0.24</a:t>
                       </a:r>
+                      <a:endParaRPr lang="vi-VN" dirty="0"/>
                     </a:p>
                   </a:txBody>
                   <a:tcPr/>
@@ -4871,7 +5527,7 @@
           <p:nvPr>
             <p:extLst>
               <p:ext uri="{D42A27DB-BD31-4B8C-83A1-F6EECF244321}">
-                <p14:modId xmlns:p14="http://schemas.microsoft.com/office/powerpoint/2010/main" val="2605718942"/>
+                <p14:modId xmlns:p14="http://schemas.microsoft.com/office/powerpoint/2010/main" val="3490332569"/>
               </p:ext>
             </p:extLst>
           </p:nvPr>
@@ -4983,9 +5639,10 @@
                     <a:p>
                       <a:pPr algn="ctr"/>
                       <a:r>
-                        <a:rPr lang="vi-VN" dirty="0"/>
+                        <a:rPr lang="vi-VN"/>
                         <a:t>0.29</a:t>
                       </a:r>
+                      <a:endParaRPr lang="vi-VN" dirty="0"/>
                     </a:p>
                   </a:txBody>
                   <a:tcPr/>
@@ -5202,7 +5859,7 @@
 </p:sld>
 </file>
 
-<file path=ppt/slides/slide15.xml><?xml version="1.0" encoding="utf-8"?>
+<file path=ppt/slides/slide17.xml><?xml version="1.0" encoding="utf-8"?>
 <p:sld xmlns:a="http://schemas.openxmlformats.org/drawingml/2006/main" xmlns:r="http://schemas.openxmlformats.org/officeDocument/2006/relationships" xmlns:p="http://schemas.openxmlformats.org/presentationml/2006/main">
   <p:cSld>
     <p:bg>
@@ -5299,7 +5956,7 @@
                   <a:spcPts val="600"/>
                 </a:spcAft>
               </a:pPr>
-              <a:t>15</a:t>
+              <a:t>17</a:t>
             </a:fld>
             <a:endParaRPr lang="en-US"/>
           </a:p>
@@ -5360,7 +6017,7 @@
 </p:sld>
 </file>
 
-<file path=ppt/slides/slide16.xml><?xml version="1.0" encoding="utf-8"?>
+<file path=ppt/slides/slide18.xml><?xml version="1.0" encoding="utf-8"?>
 <p:sld xmlns:a="http://schemas.openxmlformats.org/drawingml/2006/main" xmlns:r="http://schemas.openxmlformats.org/officeDocument/2006/relationships" xmlns:p="http://schemas.openxmlformats.org/presentationml/2006/main">
   <p:cSld>
     <p:bg>
@@ -5457,7 +6114,7 @@
                   <a:spcPts val="600"/>
                 </a:spcAft>
               </a:pPr>
-              <a:t>16</a:t>
+              <a:t>18</a:t>
             </a:fld>
             <a:endParaRPr lang="en-US"/>
           </a:p>
@@ -5518,7 +6175,7 @@
 </p:sld>
 </file>
 
-<file path=ppt/slides/slide17.xml><?xml version="1.0" encoding="utf-8"?>
+<file path=ppt/slides/slide19.xml><?xml version="1.0" encoding="utf-8"?>
 <p:sld xmlns:a="http://schemas.openxmlformats.org/drawingml/2006/main" xmlns:r="http://schemas.openxmlformats.org/officeDocument/2006/relationships" xmlns:p="http://schemas.openxmlformats.org/presentationml/2006/main">
   <p:cSld>
     <p:spTree>
@@ -5722,7 +6379,7 @@
           <a:p>
             <a:fld id="{D1E82683-5C6A-4808-A0A5-6DC033041A1F}" type="slidenum">
               <a:rPr lang="en-US" smtClean="0"/>
-              <a:t>17</a:t>
+              <a:t>19</a:t>
             </a:fld>
             <a:endParaRPr lang="en-US"/>
           </a:p>
@@ -5732,300 +6389,6 @@
     <p:extLst>
       <p:ext uri="{BB962C8B-B14F-4D97-AF65-F5344CB8AC3E}">
         <p14:creationId xmlns:p14="http://schemas.microsoft.com/office/powerpoint/2010/main" val="765333561"/>
-      </p:ext>
-    </p:extLst>
-  </p:cSld>
-  <p:clrMapOvr>
-    <a:masterClrMapping/>
-  </p:clrMapOvr>
-</p:sld>
-</file>
-
-<file path=ppt/slides/slide18.xml><?xml version="1.0" encoding="utf-8"?>
-<p:sld xmlns:a="http://schemas.openxmlformats.org/drawingml/2006/main" xmlns:r="http://schemas.openxmlformats.org/officeDocument/2006/relationships" xmlns:p="http://schemas.openxmlformats.org/presentationml/2006/main">
-  <p:cSld>
-    <p:bg>
-      <p:bgPr>
-        <a:solidFill>
-          <a:schemeClr val="bg1"/>
-        </a:solidFill>
-        <a:effectLst/>
-      </p:bgPr>
-    </p:bg>
-    <p:spTree>
-      <p:nvGrpSpPr>
-        <p:cNvPr id="1" name=""/>
-        <p:cNvGrpSpPr/>
-        <p:nvPr/>
-      </p:nvGrpSpPr>
-      <p:grpSpPr>
-        <a:xfrm>
-          <a:off x="0" y="0"/>
-          <a:ext cx="0" cy="0"/>
-          <a:chOff x="0" y="0"/>
-          <a:chExt cx="0" cy="0"/>
-        </a:xfrm>
-      </p:grpSpPr>
-      <p:sp>
-        <p:nvSpPr>
-          <p:cNvPr id="71" name="Rectangle 70">
-            <a:extLst>
-              <a:ext uri="{FF2B5EF4-FFF2-40B4-BE49-F238E27FC236}">
-                <a16:creationId xmlns:a16="http://schemas.microsoft.com/office/drawing/2014/main" id="{42A4FC2C-047E-45A5-965D-8E1E3BF09BC6}"/>
-              </a:ext>
-              <a:ext uri="{C183D7F6-B498-43B3-948B-1728B52AA6E4}">
-                <adec:decorative xmlns:adec="http://schemas.microsoft.com/office/drawing/2017/decorative" val="1"/>
-              </a:ext>
-            </a:extLst>
-          </p:cNvPr>
-          <p:cNvSpPr>
-            <a:spLocks noGrp="1" noRot="1" noChangeAspect="1" noMove="1" noResize="1" noEditPoints="1" noAdjustHandles="1" noChangeArrowheads="1" noChangeShapeType="1" noTextEdit="1"/>
-          </p:cNvSpPr>
-          <p:nvPr>
-            <p:extLst>
-              <p:ext uri="{386F3935-93C4-4BCD-93E2-E3B085C9AB24}">
-                <p16:designElem xmlns:p16="http://schemas.microsoft.com/office/powerpoint/2015/main" val="1"/>
-              </p:ext>
-            </p:extLst>
-          </p:nvPr>
-        </p:nvSpPr>
-        <p:spPr bwMode="white">
-          <a:xfrm>
-            <a:off x="1524" y="0"/>
-            <a:ext cx="12188952" cy="6858000"/>
-          </a:xfrm>
-          <a:prstGeom prst="rect">
-            <a:avLst/>
-          </a:prstGeom>
-          <a:noFill/>
-          <a:ln>
-            <a:noFill/>
-          </a:ln>
-        </p:spPr>
-        <p:style>
-          <a:lnRef idx="2">
-            <a:schemeClr val="accent1">
-              <a:shade val="50000"/>
-            </a:schemeClr>
-          </a:lnRef>
-          <a:fillRef idx="1">
-            <a:schemeClr val="accent1"/>
-          </a:fillRef>
-          <a:effectRef idx="0">
-            <a:schemeClr val="accent1"/>
-          </a:effectRef>
-          <a:fontRef idx="minor">
-            <a:schemeClr val="lt1"/>
-          </a:fontRef>
-        </p:style>
-        <p:txBody>
-          <a:bodyPr rtlCol="0" anchor="ctr"/>
-          <a:lstStyle>
-            <a:defPPr>
-              <a:defRPr lang="en-US"/>
-            </a:defPPr>
-            <a:lvl1pPr marL="0" algn="l" defTabSz="914400" rtl="0" eaLnBrk="1" latinLnBrk="0" hangingPunct="1">
-              <a:defRPr sz="1800" kern="1200">
-                <a:solidFill>
-                  <a:schemeClr val="lt1"/>
-                </a:solidFill>
-                <a:latin typeface="+mn-lt"/>
-                <a:ea typeface="+mn-ea"/>
-                <a:cs typeface="+mn-cs"/>
-              </a:defRPr>
-            </a:lvl1pPr>
-            <a:lvl2pPr marL="457200" algn="l" defTabSz="914400" rtl="0" eaLnBrk="1" latinLnBrk="0" hangingPunct="1">
-              <a:defRPr sz="1800" kern="1200">
-                <a:solidFill>
-                  <a:schemeClr val="lt1"/>
-                </a:solidFill>
-                <a:latin typeface="+mn-lt"/>
-                <a:ea typeface="+mn-ea"/>
-                <a:cs typeface="+mn-cs"/>
-              </a:defRPr>
-            </a:lvl2pPr>
-            <a:lvl3pPr marL="914400" algn="l" defTabSz="914400" rtl="0" eaLnBrk="1" latinLnBrk="0" hangingPunct="1">
-              <a:defRPr sz="1800" kern="1200">
-                <a:solidFill>
-                  <a:schemeClr val="lt1"/>
-                </a:solidFill>
-                <a:latin typeface="+mn-lt"/>
-                <a:ea typeface="+mn-ea"/>
-                <a:cs typeface="+mn-cs"/>
-              </a:defRPr>
-            </a:lvl3pPr>
-            <a:lvl4pPr marL="1371600" algn="l" defTabSz="914400" rtl="0" eaLnBrk="1" latinLnBrk="0" hangingPunct="1">
-              <a:defRPr sz="1800" kern="1200">
-                <a:solidFill>
-                  <a:schemeClr val="lt1"/>
-                </a:solidFill>
-                <a:latin typeface="+mn-lt"/>
-                <a:ea typeface="+mn-ea"/>
-                <a:cs typeface="+mn-cs"/>
-              </a:defRPr>
-            </a:lvl4pPr>
-            <a:lvl5pPr marL="1828800" algn="l" defTabSz="914400" rtl="0" eaLnBrk="1" latinLnBrk="0" hangingPunct="1">
-              <a:defRPr sz="1800" kern="1200">
-                <a:solidFill>
-                  <a:schemeClr val="lt1"/>
-                </a:solidFill>
-                <a:latin typeface="+mn-lt"/>
-                <a:ea typeface="+mn-ea"/>
-                <a:cs typeface="+mn-cs"/>
-              </a:defRPr>
-            </a:lvl5pPr>
-            <a:lvl6pPr marL="2286000" algn="l" defTabSz="914400" rtl="0" eaLnBrk="1" latinLnBrk="0" hangingPunct="1">
-              <a:defRPr sz="1800" kern="1200">
-                <a:solidFill>
-                  <a:schemeClr val="lt1"/>
-                </a:solidFill>
-                <a:latin typeface="+mn-lt"/>
-                <a:ea typeface="+mn-ea"/>
-                <a:cs typeface="+mn-cs"/>
-              </a:defRPr>
-            </a:lvl6pPr>
-            <a:lvl7pPr marL="2743200" algn="l" defTabSz="914400" rtl="0" eaLnBrk="1" latinLnBrk="0" hangingPunct="1">
-              <a:defRPr sz="1800" kern="1200">
-                <a:solidFill>
-                  <a:schemeClr val="lt1"/>
-                </a:solidFill>
-                <a:latin typeface="+mn-lt"/>
-                <a:ea typeface="+mn-ea"/>
-                <a:cs typeface="+mn-cs"/>
-              </a:defRPr>
-            </a:lvl7pPr>
-            <a:lvl8pPr marL="3200400" algn="l" defTabSz="914400" rtl="0" eaLnBrk="1" latinLnBrk="0" hangingPunct="1">
-              <a:defRPr sz="1800" kern="1200">
-                <a:solidFill>
-                  <a:schemeClr val="lt1"/>
-                </a:solidFill>
-                <a:latin typeface="+mn-lt"/>
-                <a:ea typeface="+mn-ea"/>
-                <a:cs typeface="+mn-cs"/>
-              </a:defRPr>
-            </a:lvl8pPr>
-            <a:lvl9pPr marL="3657600" algn="l" defTabSz="914400" rtl="0" eaLnBrk="1" latinLnBrk="0" hangingPunct="1">
-              <a:defRPr sz="1800" kern="1200">
-                <a:solidFill>
-                  <a:schemeClr val="lt1"/>
-                </a:solidFill>
-                <a:latin typeface="+mn-lt"/>
-                <a:ea typeface="+mn-ea"/>
-                <a:cs typeface="+mn-cs"/>
-              </a:defRPr>
-            </a:lvl9pPr>
-          </a:lstStyle>
-          <a:p>
-            <a:pPr algn="ctr"/>
-            <a:endParaRPr lang="en-US"/>
-          </a:p>
-        </p:txBody>
-      </p:sp>
-      <p:pic>
-        <p:nvPicPr>
-          <p:cNvPr id="2050" name="Picture 2" descr="Thank you for listening' card | Thank you for listening, Thank you  wallpaper, Thank you for listening powerpoint cute">
-            <a:extLst>
-              <a:ext uri="{FF2B5EF4-FFF2-40B4-BE49-F238E27FC236}">
-                <a16:creationId xmlns:a16="http://schemas.microsoft.com/office/drawing/2014/main" id="{44FF87BA-0CF5-C27D-F7CD-DB082D96DBD1}"/>
-              </a:ext>
-            </a:extLst>
-          </p:cNvPr>
-          <p:cNvPicPr>
-            <a:picLocks noGrp="1" noChangeAspect="1" noChangeArrowheads="1"/>
-          </p:cNvPicPr>
-          <p:nvPr>
-            <p:ph idx="1"/>
-          </p:nvPr>
-        </p:nvPicPr>
-        <p:blipFill rotWithShape="1">
-          <a:blip r:embed="rId2">
-            <a:extLst>
-              <a:ext uri="{28A0092B-C50C-407E-A947-70E740481C1C}">
-                <a14:useLocalDpi xmlns:a14="http://schemas.microsoft.com/office/drawing/2010/main" val="0"/>
-              </a:ext>
-            </a:extLst>
-          </a:blip>
-          <a:srcRect t="5323" b="19691"/>
-          <a:stretch/>
-        </p:blipFill>
-        <p:spPr bwMode="auto">
-          <a:xfrm>
-            <a:off x="20" y="1282"/>
-            <a:ext cx="12191980" cy="6856718"/>
-          </a:xfrm>
-          <a:prstGeom prst="rect">
-            <a:avLst/>
-          </a:prstGeom>
-          <a:noFill/>
-          <a:extLst>
-            <a:ext uri="{909E8E84-426E-40DD-AFC4-6F175D3DCCD1}">
-              <a14:hiddenFill xmlns:a14="http://schemas.microsoft.com/office/drawing/2010/main">
-                <a:solidFill>
-                  <a:srgbClr val="FFFFFF"/>
-                </a:solidFill>
-              </a14:hiddenFill>
-            </a:ext>
-          </a:extLst>
-        </p:spPr>
-      </p:pic>
-      <p:sp>
-        <p:nvSpPr>
-          <p:cNvPr id="4" name="Slide Number Placeholder 3">
-            <a:extLst>
-              <a:ext uri="{FF2B5EF4-FFF2-40B4-BE49-F238E27FC236}">
-                <a16:creationId xmlns:a16="http://schemas.microsoft.com/office/drawing/2014/main" id="{C4135173-597D-6764-F55A-389FC5CCD573}"/>
-              </a:ext>
-            </a:extLst>
-          </p:cNvPr>
-          <p:cNvSpPr>
-            <a:spLocks noGrp="1"/>
-          </p:cNvSpPr>
-          <p:nvPr>
-            <p:ph type="sldNum" sz="quarter" idx="12"/>
-          </p:nvPr>
-        </p:nvSpPr>
-        <p:spPr>
-          <a:xfrm>
-            <a:off x="8610600" y="6356350"/>
-            <a:ext cx="2743200" cy="365125"/>
-          </a:xfrm>
-        </p:spPr>
-        <p:txBody>
-          <a:bodyPr vert="horz" lIns="91440" tIns="45720" rIns="91440" bIns="45720" rtlCol="0" anchor="ctr">
-            <a:normAutofit/>
-          </a:bodyPr>
-          <a:lstStyle/>
-          <a:p>
-            <a:pPr>
-              <a:spcAft>
-                <a:spcPts val="600"/>
-              </a:spcAft>
-            </a:pPr>
-            <a:fld id="{D1E82683-5C6A-4808-A0A5-6DC033041A1F}" type="slidenum">
-              <a:rPr lang="en-US">
-                <a:solidFill>
-                  <a:srgbClr val="FFFFFF"/>
-                </a:solidFill>
-              </a:rPr>
-              <a:pPr>
-                <a:spcAft>
-                  <a:spcPts val="600"/>
-                </a:spcAft>
-              </a:pPr>
-              <a:t>18</a:t>
-            </a:fld>
-            <a:endParaRPr lang="en-US">
-              <a:solidFill>
-                <a:srgbClr val="FFFFFF"/>
-              </a:solidFill>
-            </a:endParaRPr>
-          </a:p>
-        </p:txBody>
-      </p:sp>
-    </p:spTree>
-    <p:extLst>
-      <p:ext uri="{BB962C8B-B14F-4D97-AF65-F5344CB8AC3E}">
-        <p14:creationId xmlns:p14="http://schemas.microsoft.com/office/powerpoint/2010/main" val="1459019946"/>
       </p:ext>
     </p:extLst>
   </p:cSld>
@@ -6750,6 +7113,300 @@
 </p:sld>
 </file>
 
+<file path=ppt/slides/slide20.xml><?xml version="1.0" encoding="utf-8"?>
+<p:sld xmlns:a="http://schemas.openxmlformats.org/drawingml/2006/main" xmlns:r="http://schemas.openxmlformats.org/officeDocument/2006/relationships" xmlns:p="http://schemas.openxmlformats.org/presentationml/2006/main">
+  <p:cSld>
+    <p:bg>
+      <p:bgPr>
+        <a:solidFill>
+          <a:schemeClr val="bg1"/>
+        </a:solidFill>
+        <a:effectLst/>
+      </p:bgPr>
+    </p:bg>
+    <p:spTree>
+      <p:nvGrpSpPr>
+        <p:cNvPr id="1" name=""/>
+        <p:cNvGrpSpPr/>
+        <p:nvPr/>
+      </p:nvGrpSpPr>
+      <p:grpSpPr>
+        <a:xfrm>
+          <a:off x="0" y="0"/>
+          <a:ext cx="0" cy="0"/>
+          <a:chOff x="0" y="0"/>
+          <a:chExt cx="0" cy="0"/>
+        </a:xfrm>
+      </p:grpSpPr>
+      <p:sp>
+        <p:nvSpPr>
+          <p:cNvPr id="71" name="Rectangle 70">
+            <a:extLst>
+              <a:ext uri="{FF2B5EF4-FFF2-40B4-BE49-F238E27FC236}">
+                <a16:creationId xmlns:a16="http://schemas.microsoft.com/office/drawing/2014/main" id="{42A4FC2C-047E-45A5-965D-8E1E3BF09BC6}"/>
+              </a:ext>
+              <a:ext uri="{C183D7F6-B498-43B3-948B-1728B52AA6E4}">
+                <adec:decorative xmlns:adec="http://schemas.microsoft.com/office/drawing/2017/decorative" val="1"/>
+              </a:ext>
+            </a:extLst>
+          </p:cNvPr>
+          <p:cNvSpPr>
+            <a:spLocks noGrp="1" noRot="1" noChangeAspect="1" noMove="1" noResize="1" noEditPoints="1" noAdjustHandles="1" noChangeArrowheads="1" noChangeShapeType="1" noTextEdit="1"/>
+          </p:cNvSpPr>
+          <p:nvPr>
+            <p:extLst>
+              <p:ext uri="{386F3935-93C4-4BCD-93E2-E3B085C9AB24}">
+                <p16:designElem xmlns:p16="http://schemas.microsoft.com/office/powerpoint/2015/main" val="1"/>
+              </p:ext>
+            </p:extLst>
+          </p:nvPr>
+        </p:nvSpPr>
+        <p:spPr bwMode="white">
+          <a:xfrm>
+            <a:off x="1524" y="0"/>
+            <a:ext cx="12188952" cy="6858000"/>
+          </a:xfrm>
+          <a:prstGeom prst="rect">
+            <a:avLst/>
+          </a:prstGeom>
+          <a:noFill/>
+          <a:ln>
+            <a:noFill/>
+          </a:ln>
+        </p:spPr>
+        <p:style>
+          <a:lnRef idx="2">
+            <a:schemeClr val="accent1">
+              <a:shade val="50000"/>
+            </a:schemeClr>
+          </a:lnRef>
+          <a:fillRef idx="1">
+            <a:schemeClr val="accent1"/>
+          </a:fillRef>
+          <a:effectRef idx="0">
+            <a:schemeClr val="accent1"/>
+          </a:effectRef>
+          <a:fontRef idx="minor">
+            <a:schemeClr val="lt1"/>
+          </a:fontRef>
+        </p:style>
+        <p:txBody>
+          <a:bodyPr rtlCol="0" anchor="ctr"/>
+          <a:lstStyle>
+            <a:defPPr>
+              <a:defRPr lang="en-US"/>
+            </a:defPPr>
+            <a:lvl1pPr marL="0" algn="l" defTabSz="914400" rtl="0" eaLnBrk="1" latinLnBrk="0" hangingPunct="1">
+              <a:defRPr sz="1800" kern="1200">
+                <a:solidFill>
+                  <a:schemeClr val="lt1"/>
+                </a:solidFill>
+                <a:latin typeface="+mn-lt"/>
+                <a:ea typeface="+mn-ea"/>
+                <a:cs typeface="+mn-cs"/>
+              </a:defRPr>
+            </a:lvl1pPr>
+            <a:lvl2pPr marL="457200" algn="l" defTabSz="914400" rtl="0" eaLnBrk="1" latinLnBrk="0" hangingPunct="1">
+              <a:defRPr sz="1800" kern="1200">
+                <a:solidFill>
+                  <a:schemeClr val="lt1"/>
+                </a:solidFill>
+                <a:latin typeface="+mn-lt"/>
+                <a:ea typeface="+mn-ea"/>
+                <a:cs typeface="+mn-cs"/>
+              </a:defRPr>
+            </a:lvl2pPr>
+            <a:lvl3pPr marL="914400" algn="l" defTabSz="914400" rtl="0" eaLnBrk="1" latinLnBrk="0" hangingPunct="1">
+              <a:defRPr sz="1800" kern="1200">
+                <a:solidFill>
+                  <a:schemeClr val="lt1"/>
+                </a:solidFill>
+                <a:latin typeface="+mn-lt"/>
+                <a:ea typeface="+mn-ea"/>
+                <a:cs typeface="+mn-cs"/>
+              </a:defRPr>
+            </a:lvl3pPr>
+            <a:lvl4pPr marL="1371600" algn="l" defTabSz="914400" rtl="0" eaLnBrk="1" latinLnBrk="0" hangingPunct="1">
+              <a:defRPr sz="1800" kern="1200">
+                <a:solidFill>
+                  <a:schemeClr val="lt1"/>
+                </a:solidFill>
+                <a:latin typeface="+mn-lt"/>
+                <a:ea typeface="+mn-ea"/>
+                <a:cs typeface="+mn-cs"/>
+              </a:defRPr>
+            </a:lvl4pPr>
+            <a:lvl5pPr marL="1828800" algn="l" defTabSz="914400" rtl="0" eaLnBrk="1" latinLnBrk="0" hangingPunct="1">
+              <a:defRPr sz="1800" kern="1200">
+                <a:solidFill>
+                  <a:schemeClr val="lt1"/>
+                </a:solidFill>
+                <a:latin typeface="+mn-lt"/>
+                <a:ea typeface="+mn-ea"/>
+                <a:cs typeface="+mn-cs"/>
+              </a:defRPr>
+            </a:lvl5pPr>
+            <a:lvl6pPr marL="2286000" algn="l" defTabSz="914400" rtl="0" eaLnBrk="1" latinLnBrk="0" hangingPunct="1">
+              <a:defRPr sz="1800" kern="1200">
+                <a:solidFill>
+                  <a:schemeClr val="lt1"/>
+                </a:solidFill>
+                <a:latin typeface="+mn-lt"/>
+                <a:ea typeface="+mn-ea"/>
+                <a:cs typeface="+mn-cs"/>
+              </a:defRPr>
+            </a:lvl6pPr>
+            <a:lvl7pPr marL="2743200" algn="l" defTabSz="914400" rtl="0" eaLnBrk="1" latinLnBrk="0" hangingPunct="1">
+              <a:defRPr sz="1800" kern="1200">
+                <a:solidFill>
+                  <a:schemeClr val="lt1"/>
+                </a:solidFill>
+                <a:latin typeface="+mn-lt"/>
+                <a:ea typeface="+mn-ea"/>
+                <a:cs typeface="+mn-cs"/>
+              </a:defRPr>
+            </a:lvl7pPr>
+            <a:lvl8pPr marL="3200400" algn="l" defTabSz="914400" rtl="0" eaLnBrk="1" latinLnBrk="0" hangingPunct="1">
+              <a:defRPr sz="1800" kern="1200">
+                <a:solidFill>
+                  <a:schemeClr val="lt1"/>
+                </a:solidFill>
+                <a:latin typeface="+mn-lt"/>
+                <a:ea typeface="+mn-ea"/>
+                <a:cs typeface="+mn-cs"/>
+              </a:defRPr>
+            </a:lvl8pPr>
+            <a:lvl9pPr marL="3657600" algn="l" defTabSz="914400" rtl="0" eaLnBrk="1" latinLnBrk="0" hangingPunct="1">
+              <a:defRPr sz="1800" kern="1200">
+                <a:solidFill>
+                  <a:schemeClr val="lt1"/>
+                </a:solidFill>
+                <a:latin typeface="+mn-lt"/>
+                <a:ea typeface="+mn-ea"/>
+                <a:cs typeface="+mn-cs"/>
+              </a:defRPr>
+            </a:lvl9pPr>
+          </a:lstStyle>
+          <a:p>
+            <a:pPr algn="ctr"/>
+            <a:endParaRPr lang="en-US"/>
+          </a:p>
+        </p:txBody>
+      </p:sp>
+      <p:pic>
+        <p:nvPicPr>
+          <p:cNvPr id="2050" name="Picture 2" descr="Thank you for listening' card | Thank you for listening, Thank you  wallpaper, Thank you for listening powerpoint cute">
+            <a:extLst>
+              <a:ext uri="{FF2B5EF4-FFF2-40B4-BE49-F238E27FC236}">
+                <a16:creationId xmlns:a16="http://schemas.microsoft.com/office/drawing/2014/main" id="{44FF87BA-0CF5-C27D-F7CD-DB082D96DBD1}"/>
+              </a:ext>
+            </a:extLst>
+          </p:cNvPr>
+          <p:cNvPicPr>
+            <a:picLocks noGrp="1" noChangeAspect="1" noChangeArrowheads="1"/>
+          </p:cNvPicPr>
+          <p:nvPr>
+            <p:ph idx="1"/>
+          </p:nvPr>
+        </p:nvPicPr>
+        <p:blipFill rotWithShape="1">
+          <a:blip r:embed="rId2">
+            <a:extLst>
+              <a:ext uri="{28A0092B-C50C-407E-A947-70E740481C1C}">
+                <a14:useLocalDpi xmlns:a14="http://schemas.microsoft.com/office/drawing/2010/main" val="0"/>
+              </a:ext>
+            </a:extLst>
+          </a:blip>
+          <a:srcRect t="5323" b="19691"/>
+          <a:stretch/>
+        </p:blipFill>
+        <p:spPr bwMode="auto">
+          <a:xfrm>
+            <a:off x="20" y="1282"/>
+            <a:ext cx="12191980" cy="6856718"/>
+          </a:xfrm>
+          <a:prstGeom prst="rect">
+            <a:avLst/>
+          </a:prstGeom>
+          <a:noFill/>
+          <a:extLst>
+            <a:ext uri="{909E8E84-426E-40DD-AFC4-6F175D3DCCD1}">
+              <a14:hiddenFill xmlns:a14="http://schemas.microsoft.com/office/drawing/2010/main">
+                <a:solidFill>
+                  <a:srgbClr val="FFFFFF"/>
+                </a:solidFill>
+              </a14:hiddenFill>
+            </a:ext>
+          </a:extLst>
+        </p:spPr>
+      </p:pic>
+      <p:sp>
+        <p:nvSpPr>
+          <p:cNvPr id="4" name="Slide Number Placeholder 3">
+            <a:extLst>
+              <a:ext uri="{FF2B5EF4-FFF2-40B4-BE49-F238E27FC236}">
+                <a16:creationId xmlns:a16="http://schemas.microsoft.com/office/drawing/2014/main" id="{C4135173-597D-6764-F55A-389FC5CCD573}"/>
+              </a:ext>
+            </a:extLst>
+          </p:cNvPr>
+          <p:cNvSpPr>
+            <a:spLocks noGrp="1"/>
+          </p:cNvSpPr>
+          <p:nvPr>
+            <p:ph type="sldNum" sz="quarter" idx="12"/>
+          </p:nvPr>
+        </p:nvSpPr>
+        <p:spPr>
+          <a:xfrm>
+            <a:off x="8610600" y="6356350"/>
+            <a:ext cx="2743200" cy="365125"/>
+          </a:xfrm>
+        </p:spPr>
+        <p:txBody>
+          <a:bodyPr vert="horz" lIns="91440" tIns="45720" rIns="91440" bIns="45720" rtlCol="0" anchor="ctr">
+            <a:normAutofit/>
+          </a:bodyPr>
+          <a:lstStyle/>
+          <a:p>
+            <a:pPr>
+              <a:spcAft>
+                <a:spcPts val="600"/>
+              </a:spcAft>
+            </a:pPr>
+            <a:fld id="{D1E82683-5C6A-4808-A0A5-6DC033041A1F}" type="slidenum">
+              <a:rPr lang="en-US">
+                <a:solidFill>
+                  <a:srgbClr val="FFFFFF"/>
+                </a:solidFill>
+              </a:rPr>
+              <a:pPr>
+                <a:spcAft>
+                  <a:spcPts val="600"/>
+                </a:spcAft>
+              </a:pPr>
+              <a:t>20</a:t>
+            </a:fld>
+            <a:endParaRPr lang="en-US">
+              <a:solidFill>
+                <a:srgbClr val="FFFFFF"/>
+              </a:solidFill>
+            </a:endParaRPr>
+          </a:p>
+        </p:txBody>
+      </p:sp>
+    </p:spTree>
+    <p:extLst>
+      <p:ext uri="{BB962C8B-B14F-4D97-AF65-F5344CB8AC3E}">
+        <p14:creationId xmlns:p14="http://schemas.microsoft.com/office/powerpoint/2010/main" val="1459019946"/>
+      </p:ext>
+    </p:extLst>
+  </p:cSld>
+  <p:clrMapOvr>
+    <a:masterClrMapping/>
+  </p:clrMapOvr>
+</p:sld>
+</file>
+
 <file path=ppt/slides/slide3.xml><?xml version="1.0" encoding="utf-8"?>
 <p:sld xmlns:a="http://schemas.openxmlformats.org/drawingml/2006/main" xmlns:r="http://schemas.openxmlformats.org/officeDocument/2006/relationships" xmlns:p="http://schemas.openxmlformats.org/presentationml/2006/main">
   <p:cSld>

--- a/Nhom10-report.pptx
+++ b/Nhom10-report.pptx
@@ -3455,10 +3455,13 @@
             </a:r>
           </a:p>
           <a:p>
-            <a:endParaRPr lang="en-US" sz="2000" b="1" dirty="0">
-              <a:latin typeface="Times New Roman" panose="02020603050405020304" pitchFamily="18" charset="0"/>
-              <a:cs typeface="Times New Roman" panose="02020603050405020304" pitchFamily="18" charset="0"/>
-            </a:endParaRPr>
+            <a:r>
+              <a:rPr lang="en-US" sz="2000" dirty="0">
+                <a:latin typeface="Times New Roman" panose="02020603050405020304" pitchFamily="18" charset="0"/>
+                <a:cs typeface="Times New Roman" panose="02020603050405020304" pitchFamily="18" charset="0"/>
+              </a:rPr>
+              <a:t>https://github.com/quocdunglxag123/Project-DM-Nhom10.git</a:t>
+            </a:r>
           </a:p>
           <a:p>
             <a:r>

--- a/Nhom10-report.pptx
+++ b/Nhom10-report.pptx
@@ -5,7 +5,7 @@
     <p:sldMasterId id="2147483648" r:id="rId1"/>
   </p:sldMasterIdLst>
   <p:notesMasterIdLst>
-    <p:notesMasterId r:id="rId22"/>
+    <p:notesMasterId r:id="rId24"/>
   </p:notesMasterIdLst>
   <p:sldIdLst>
     <p:sldId id="256" r:id="rId2"/>
@@ -14,20 +14,22 @@
     <p:sldId id="258" r:id="rId5"/>
     <p:sldId id="259" r:id="rId6"/>
     <p:sldId id="260" r:id="rId7"/>
-    <p:sldId id="261" r:id="rId8"/>
-    <p:sldId id="262" r:id="rId9"/>
-    <p:sldId id="263" r:id="rId10"/>
-    <p:sldId id="264" r:id="rId11"/>
-    <p:sldId id="265" r:id="rId12"/>
-    <p:sldId id="275" r:id="rId13"/>
-    <p:sldId id="272" r:id="rId14"/>
-    <p:sldId id="273" r:id="rId15"/>
-    <p:sldId id="276" r:id="rId16"/>
-    <p:sldId id="266" r:id="rId17"/>
-    <p:sldId id="269" r:id="rId18"/>
-    <p:sldId id="270" r:id="rId19"/>
-    <p:sldId id="267" r:id="rId20"/>
-    <p:sldId id="268" r:id="rId21"/>
+    <p:sldId id="278" r:id="rId8"/>
+    <p:sldId id="261" r:id="rId9"/>
+    <p:sldId id="262" r:id="rId10"/>
+    <p:sldId id="263" r:id="rId11"/>
+    <p:sldId id="264" r:id="rId12"/>
+    <p:sldId id="265" r:id="rId13"/>
+    <p:sldId id="275" r:id="rId14"/>
+    <p:sldId id="272" r:id="rId15"/>
+    <p:sldId id="273" r:id="rId16"/>
+    <p:sldId id="277" r:id="rId17"/>
+    <p:sldId id="276" r:id="rId18"/>
+    <p:sldId id="266" r:id="rId19"/>
+    <p:sldId id="269" r:id="rId20"/>
+    <p:sldId id="270" r:id="rId21"/>
+    <p:sldId id="267" r:id="rId22"/>
+    <p:sldId id="268" r:id="rId23"/>
   </p:sldIdLst>
   <p:sldSz cx="12192000" cy="6858000"/>
   <p:notesSz cx="6858000" cy="9144000"/>
@@ -3675,6 +3677,171 @@
           <p:cNvPr id="6" name="Content Placeholder 5">
             <a:extLst>
               <a:ext uri="{FF2B5EF4-FFF2-40B4-BE49-F238E27FC236}">
+                <a16:creationId xmlns:a16="http://schemas.microsoft.com/office/drawing/2014/main" id="{54716314-7F6A-F603-6B47-A45283558541}"/>
+              </a:ext>
+            </a:extLst>
+          </p:cNvPr>
+          <p:cNvPicPr>
+            <a:picLocks noGrp="1" noChangeAspect="1"/>
+          </p:cNvPicPr>
+          <p:nvPr>
+            <p:ph idx="1"/>
+          </p:nvPr>
+        </p:nvPicPr>
+        <p:blipFill>
+          <a:blip r:embed="rId2"/>
+          <a:stretch>
+            <a:fillRect/>
+          </a:stretch>
+        </p:blipFill>
+        <p:spPr>
+          <a:xfrm>
+            <a:off x="2102403" y="643466"/>
+            <a:ext cx="8713992" cy="6078009"/>
+          </a:xfrm>
+          <a:prstGeom prst="rect">
+            <a:avLst/>
+          </a:prstGeom>
+        </p:spPr>
+      </p:pic>
+      <p:sp>
+        <p:nvSpPr>
+          <p:cNvPr id="4" name="Slide Number Placeholder 3">
+            <a:extLst>
+              <a:ext uri="{FF2B5EF4-FFF2-40B4-BE49-F238E27FC236}">
+                <a16:creationId xmlns:a16="http://schemas.microsoft.com/office/drawing/2014/main" id="{238225F0-E9A8-2D61-CA3F-B32F7A60EB22}"/>
+              </a:ext>
+            </a:extLst>
+          </p:cNvPr>
+          <p:cNvSpPr>
+            <a:spLocks noGrp="1"/>
+          </p:cNvSpPr>
+          <p:nvPr>
+            <p:ph type="sldNum" sz="quarter" idx="12"/>
+          </p:nvPr>
+        </p:nvSpPr>
+        <p:spPr>
+          <a:xfrm>
+            <a:off x="8610600" y="6356350"/>
+            <a:ext cx="2743200" cy="365125"/>
+          </a:xfrm>
+        </p:spPr>
+        <p:txBody>
+          <a:bodyPr vert="horz" lIns="91440" tIns="45720" rIns="91440" bIns="45720" rtlCol="0" anchor="ctr">
+            <a:normAutofit/>
+          </a:bodyPr>
+          <a:lstStyle/>
+          <a:p>
+            <a:pPr>
+              <a:spcAft>
+                <a:spcPts val="600"/>
+              </a:spcAft>
+            </a:pPr>
+            <a:fld id="{D1E82683-5C6A-4808-A0A5-6DC033041A1F}" type="slidenum">
+              <a:rPr lang="en-US" smtClean="0"/>
+              <a:pPr>
+                <a:spcAft>
+                  <a:spcPts val="600"/>
+                </a:spcAft>
+              </a:pPr>
+              <a:t>10</a:t>
+            </a:fld>
+            <a:endParaRPr lang="en-US"/>
+          </a:p>
+        </p:txBody>
+      </p:sp>
+      <p:sp>
+        <p:nvSpPr>
+          <p:cNvPr id="8" name="TextBox 7">
+            <a:extLst>
+              <a:ext uri="{FF2B5EF4-FFF2-40B4-BE49-F238E27FC236}">
+                <a16:creationId xmlns:a16="http://schemas.microsoft.com/office/drawing/2014/main" id="{8748D68A-21BF-7BC8-2158-3B8A3938D5B9}"/>
+              </a:ext>
+            </a:extLst>
+          </p:cNvPr>
+          <p:cNvSpPr txBox="1"/>
+          <p:nvPr/>
+        </p:nvSpPr>
+        <p:spPr>
+          <a:xfrm>
+            <a:off x="0" y="0"/>
+            <a:ext cx="2305439" cy="553998"/>
+          </a:xfrm>
+          <a:prstGeom prst="rect">
+            <a:avLst/>
+          </a:prstGeom>
+          <a:noFill/>
+        </p:spPr>
+        <p:txBody>
+          <a:bodyPr wrap="none" rtlCol="0">
+            <a:spAutoFit/>
+          </a:bodyPr>
+          <a:lstStyle/>
+          <a:p>
+            <a:r>
+              <a:rPr lang="en-US" sz="3000" b="1" dirty="0" err="1">
+                <a:latin typeface="Times New Roman" panose="02020603050405020304" pitchFamily="18" charset="0"/>
+                <a:cs typeface="Times New Roman" panose="02020603050405020304" pitchFamily="18" charset="0"/>
+              </a:rPr>
+              <a:t>Tương</a:t>
+            </a:r>
+            <a:r>
+              <a:rPr lang="en-US" sz="3000" b="1" dirty="0">
+                <a:latin typeface="Times New Roman" panose="02020603050405020304" pitchFamily="18" charset="0"/>
+                <a:cs typeface="Times New Roman" panose="02020603050405020304" pitchFamily="18" charset="0"/>
+              </a:rPr>
+              <a:t> Quan</a:t>
+            </a:r>
+            <a:endParaRPr lang="vi-VN" sz="3000" b="1" dirty="0">
+              <a:latin typeface="Times New Roman" panose="02020603050405020304" pitchFamily="18" charset="0"/>
+              <a:cs typeface="Times New Roman" panose="02020603050405020304" pitchFamily="18" charset="0"/>
+            </a:endParaRPr>
+          </a:p>
+        </p:txBody>
+      </p:sp>
+    </p:spTree>
+    <p:extLst>
+      <p:ext uri="{BB962C8B-B14F-4D97-AF65-F5344CB8AC3E}">
+        <p14:creationId xmlns:p14="http://schemas.microsoft.com/office/powerpoint/2010/main" val="720044232"/>
+      </p:ext>
+    </p:extLst>
+  </p:cSld>
+  <p:clrMapOvr>
+    <a:masterClrMapping/>
+  </p:clrMapOvr>
+</p:sld>
+</file>
+
+<file path=ppt/slides/slide11.xml><?xml version="1.0" encoding="utf-8"?>
+<p:sld xmlns:a="http://schemas.openxmlformats.org/drawingml/2006/main" xmlns:r="http://schemas.openxmlformats.org/officeDocument/2006/relationships" xmlns:p="http://schemas.openxmlformats.org/presentationml/2006/main">
+  <p:cSld>
+    <p:bg>
+      <p:bgPr>
+        <a:solidFill>
+          <a:schemeClr val="bg1"/>
+        </a:solidFill>
+        <a:effectLst/>
+      </p:bgPr>
+    </p:bg>
+    <p:spTree>
+      <p:nvGrpSpPr>
+        <p:cNvPr id="1" name=""/>
+        <p:cNvGrpSpPr/>
+        <p:nvPr/>
+      </p:nvGrpSpPr>
+      <p:grpSpPr>
+        <a:xfrm>
+          <a:off x="0" y="0"/>
+          <a:ext cx="0" cy="0"/>
+          <a:chOff x="0" y="0"/>
+          <a:chExt cx="0" cy="0"/>
+        </a:xfrm>
+      </p:grpSpPr>
+      <p:pic>
+        <p:nvPicPr>
+          <p:cNvPr id="6" name="Content Placeholder 5">
+            <a:extLst>
+              <a:ext uri="{FF2B5EF4-FFF2-40B4-BE49-F238E27FC236}">
                 <a16:creationId xmlns:a16="http://schemas.microsoft.com/office/drawing/2014/main" id="{3FAC503C-5F00-F792-D192-70934FA89488}"/>
               </a:ext>
             </a:extLst>
@@ -3742,7 +3909,7 @@
                   <a:spcPts val="600"/>
                 </a:spcAft>
               </a:pPr>
-              <a:t>10</a:t>
+              <a:t>11</a:t>
             </a:fld>
             <a:endParaRPr lang="en-US"/>
           </a:p>
@@ -3810,7 +3977,7 @@
 </p:sld>
 </file>
 
-<file path=ppt/slides/slide11.xml><?xml version="1.0" encoding="utf-8"?>
+<file path=ppt/slides/slide12.xml><?xml version="1.0" encoding="utf-8"?>
 <p:sld xmlns:a="http://schemas.openxmlformats.org/drawingml/2006/main" xmlns:r="http://schemas.openxmlformats.org/officeDocument/2006/relationships" xmlns:p="http://schemas.openxmlformats.org/presentationml/2006/main">
   <p:cSld>
     <p:bg>
@@ -3907,7 +4074,7 @@
                   <a:spcPts val="600"/>
                 </a:spcAft>
               </a:pPr>
-              <a:t>11</a:t>
+              <a:t>12</a:t>
             </a:fld>
             <a:endParaRPr lang="en-US"/>
           </a:p>
@@ -3975,7 +4142,7 @@
 </p:sld>
 </file>
 
-<file path=ppt/slides/slide12.xml><?xml version="1.0" encoding="utf-8"?>
+<file path=ppt/slides/slide13.xml><?xml version="1.0" encoding="utf-8"?>
 <p:sld xmlns:a="http://schemas.openxmlformats.org/drawingml/2006/main" xmlns:r="http://schemas.openxmlformats.org/officeDocument/2006/relationships" xmlns:p="http://schemas.openxmlformats.org/presentationml/2006/main">
   <p:cSld>
     <p:spTree>
@@ -4015,7 +4182,7 @@
           <a:p>
             <a:fld id="{D1E82683-5C6A-4808-A0A5-6DC033041A1F}" type="slidenum">
               <a:rPr lang="en-US" smtClean="0"/>
-              <a:t>12</a:t>
+              <a:t>13</a:t>
             </a:fld>
             <a:endParaRPr lang="en-US"/>
           </a:p>
@@ -4334,7 +4501,7 @@
 </p:sld>
 </file>
 
-<file path=ppt/slides/slide13.xml><?xml version="1.0" encoding="utf-8"?>
+<file path=ppt/slides/slide14.xml><?xml version="1.0" encoding="utf-8"?>
 <p:sld xmlns:a="http://schemas.openxmlformats.org/drawingml/2006/main" xmlns:r="http://schemas.openxmlformats.org/officeDocument/2006/relationships" xmlns:p="http://schemas.openxmlformats.org/presentationml/2006/main">
   <p:cSld>
     <p:spTree>
@@ -4374,7 +4541,7 @@
           <a:p>
             <a:fld id="{D1E82683-5C6A-4808-A0A5-6DC033041A1F}" type="slidenum">
               <a:rPr lang="en-US" smtClean="0"/>
-              <a:t>13</a:t>
+              <a:t>14</a:t>
             </a:fld>
             <a:endParaRPr lang="en-US"/>
           </a:p>
@@ -4465,7 +4632,7 @@
 </p:sld>
 </file>
 
-<file path=ppt/slides/slide14.xml><?xml version="1.0" encoding="utf-8"?>
+<file path=ppt/slides/slide15.xml><?xml version="1.0" encoding="utf-8"?>
 <p:sld xmlns:a="http://schemas.openxmlformats.org/drawingml/2006/main" xmlns:r="http://schemas.openxmlformats.org/officeDocument/2006/relationships" xmlns:p="http://schemas.openxmlformats.org/presentationml/2006/main">
   <p:cSld>
     <p:spTree>
@@ -4505,7 +4672,7 @@
           <a:p>
             <a:fld id="{D1E82683-5C6A-4808-A0A5-6DC033041A1F}" type="slidenum">
               <a:rPr lang="en-US" smtClean="0"/>
-              <a:t>14</a:t>
+              <a:t>15</a:t>
             </a:fld>
             <a:endParaRPr lang="en-US"/>
           </a:p>
@@ -4832,7 +4999,7 @@
 </p:sld>
 </file>
 
-<file path=ppt/slides/slide15.xml><?xml version="1.0" encoding="utf-8"?>
+<file path=ppt/slides/slide16.xml><?xml version="1.0" encoding="utf-8"?>
 <p:sld xmlns:a="http://schemas.openxmlformats.org/drawingml/2006/main" xmlns:r="http://schemas.openxmlformats.org/officeDocument/2006/relationships" xmlns:p="http://schemas.openxmlformats.org/presentationml/2006/main">
   <p:cSld>
     <p:spTree>
@@ -4872,7 +5039,289 @@
           <a:p>
             <a:fld id="{D1E82683-5C6A-4808-A0A5-6DC033041A1F}" type="slidenum">
               <a:rPr lang="en-US" smtClean="0"/>
-              <a:t>15</a:t>
+              <a:t>16</a:t>
+            </a:fld>
+            <a:endParaRPr lang="en-US"/>
+          </a:p>
+        </p:txBody>
+      </p:sp>
+      <p:sp>
+        <p:nvSpPr>
+          <p:cNvPr id="17" name="TextBox 16">
+            <a:extLst>
+              <a:ext uri="{FF2B5EF4-FFF2-40B4-BE49-F238E27FC236}">
+                <a16:creationId xmlns:a16="http://schemas.microsoft.com/office/drawing/2014/main" id="{26C045E9-54C1-E65B-B72A-FA28518DEA3A}"/>
+              </a:ext>
+            </a:extLst>
+          </p:cNvPr>
+          <p:cNvSpPr txBox="1"/>
+          <p:nvPr/>
+        </p:nvSpPr>
+        <p:spPr>
+          <a:xfrm>
+            <a:off x="290694" y="0"/>
+            <a:ext cx="6075702" cy="553998"/>
+          </a:xfrm>
+          <a:prstGeom prst="rect">
+            <a:avLst/>
+          </a:prstGeom>
+          <a:noFill/>
+        </p:spPr>
+        <p:txBody>
+          <a:bodyPr wrap="none" rtlCol="0">
+            <a:spAutoFit/>
+          </a:bodyPr>
+          <a:lstStyle/>
+          <a:p>
+            <a:r>
+              <a:rPr lang="vi-VN" sz="3000" b="1" dirty="0">
+                <a:latin typeface="Times New Roman" panose="02020603050405020304" pitchFamily="18" charset="0"/>
+                <a:cs typeface="Times New Roman" panose="02020603050405020304" pitchFamily="18" charset="0"/>
+              </a:rPr>
+              <a:t>Sự ảnh hưởng của biến tương quan</a:t>
+            </a:r>
+          </a:p>
+        </p:txBody>
+      </p:sp>
+      <p:graphicFrame>
+        <p:nvGraphicFramePr>
+          <p:cNvPr id="6" name="Table 7">
+            <a:extLst>
+              <a:ext uri="{FF2B5EF4-FFF2-40B4-BE49-F238E27FC236}">
+                <a16:creationId xmlns:a16="http://schemas.microsoft.com/office/drawing/2014/main" id="{54841457-8376-2302-A533-39F811BE7190}"/>
+              </a:ext>
+            </a:extLst>
+          </p:cNvPr>
+          <p:cNvGraphicFramePr>
+            <a:graphicFrameLocks noGrp="1"/>
+          </p:cNvGraphicFramePr>
+          <p:nvPr/>
+        </p:nvGraphicFramePr>
+        <p:xfrm>
+          <a:off x="1521097" y="1908386"/>
+          <a:ext cx="9149806" cy="2415420"/>
+        </p:xfrm>
+        <a:graphic>
+          <a:graphicData uri="http://schemas.openxmlformats.org/drawingml/2006/table">
+            <a:tbl>
+              <a:tblPr firstRow="1" bandRow="1">
+                <a:tableStyleId>{5C22544A-7EE6-4342-B048-85BDC9FD1C3A}</a:tableStyleId>
+              </a:tblPr>
+              <a:tblGrid>
+                <a:gridCol w="4574903">
+                  <a:extLst>
+                    <a:ext uri="{9D8B030D-6E8A-4147-A177-3AD203B41FA5}">
+                      <a16:colId xmlns:a16="http://schemas.microsoft.com/office/drawing/2014/main" val="1084309117"/>
+                    </a:ext>
+                  </a:extLst>
+                </a:gridCol>
+                <a:gridCol w="4574903">
+                  <a:extLst>
+                    <a:ext uri="{9D8B030D-6E8A-4147-A177-3AD203B41FA5}">
+                      <a16:colId xmlns:a16="http://schemas.microsoft.com/office/drawing/2014/main" val="749428022"/>
+                    </a:ext>
+                  </a:extLst>
+                </a:gridCol>
+              </a:tblGrid>
+              <a:tr h="603855">
+                <a:tc>
+                  <a:txBody>
+                    <a:bodyPr/>
+                    <a:lstStyle/>
+                    <a:p>
+                      <a:pPr algn="ctr"/>
+                      <a:r>
+                        <a:rPr lang="vi-VN" dirty="0"/>
+                        <a:t>Biến tương quan đối với giá</a:t>
+                      </a:r>
+                    </a:p>
+                  </a:txBody>
+                  <a:tcPr/>
+                </a:tc>
+                <a:tc>
+                  <a:txBody>
+                    <a:bodyPr/>
+                    <a:lstStyle/>
+                    <a:p>
+                      <a:pPr algn="ctr"/>
+                      <a:r>
+                        <a:rPr lang="vi-VN" dirty="0"/>
+                        <a:t>R-squared</a:t>
+                      </a:r>
+                    </a:p>
+                  </a:txBody>
+                  <a:tcPr/>
+                </a:tc>
+                <a:extLst>
+                  <a:ext uri="{0D108BD9-81ED-4DB2-BD59-A6C34878D82A}">
+                    <a16:rowId xmlns:a16="http://schemas.microsoft.com/office/drawing/2014/main" val="694011950"/>
+                  </a:ext>
+                </a:extLst>
+              </a:tr>
+              <a:tr h="603855">
+                <a:tc>
+                  <a:txBody>
+                    <a:bodyPr/>
+                    <a:lstStyle/>
+                    <a:p>
+                      <a:pPr algn="ctr"/>
+                      <a:r>
+                        <a:rPr lang="vi-VN" dirty="0"/>
+                        <a:t>ram</a:t>
+                      </a:r>
+                    </a:p>
+                  </a:txBody>
+                  <a:tcPr/>
+                </a:tc>
+                <a:tc>
+                  <a:txBody>
+                    <a:bodyPr/>
+                    <a:lstStyle/>
+                    <a:p>
+                      <a:pPr algn="ctr"/>
+                      <a:r>
+                        <a:rPr lang="vi-VN" dirty="0"/>
+                        <a:t>0.84</a:t>
+                      </a:r>
+                    </a:p>
+                  </a:txBody>
+                  <a:tcPr/>
+                </a:tc>
+                <a:extLst>
+                  <a:ext uri="{0D108BD9-81ED-4DB2-BD59-A6C34878D82A}">
+                    <a16:rowId xmlns:a16="http://schemas.microsoft.com/office/drawing/2014/main" val="1746795365"/>
+                  </a:ext>
+                </a:extLst>
+              </a:tr>
+              <a:tr h="603855">
+                <a:tc>
+                  <a:txBody>
+                    <a:bodyPr/>
+                    <a:lstStyle/>
+                    <a:p>
+                      <a:pPr algn="ctr"/>
+                      <a:r>
+                        <a:rPr lang="vi-VN" dirty="0"/>
+                        <a:t>ram+ battery_power</a:t>
+                      </a:r>
+                    </a:p>
+                  </a:txBody>
+                  <a:tcPr/>
+                </a:tc>
+                <a:tc>
+                  <a:txBody>
+                    <a:bodyPr/>
+                    <a:lstStyle/>
+                    <a:p>
+                      <a:pPr algn="ctr"/>
+                      <a:r>
+                        <a:rPr lang="vi-VN" dirty="0"/>
+                        <a:t>0.88</a:t>
+                      </a:r>
+                    </a:p>
+                  </a:txBody>
+                  <a:tcPr/>
+                </a:tc>
+                <a:extLst>
+                  <a:ext uri="{0D108BD9-81ED-4DB2-BD59-A6C34878D82A}">
+                    <a16:rowId xmlns:a16="http://schemas.microsoft.com/office/drawing/2014/main" val="1680074031"/>
+                  </a:ext>
+                </a:extLst>
+              </a:tr>
+              <a:tr h="603855">
+                <a:tc>
+                  <a:txBody>
+                    <a:bodyPr/>
+                    <a:lstStyle/>
+                    <a:p>
+                      <a:pPr algn="ctr"/>
+                      <a:r>
+                        <a:rPr lang="en-GB" dirty="0" err="1"/>
+                        <a:t>ram+battery_power+px_height</a:t>
+                      </a:r>
+                      <a:endParaRPr lang="vi-VN" dirty="0"/>
+                    </a:p>
+                  </a:txBody>
+                  <a:tcPr/>
+                </a:tc>
+                <a:tc>
+                  <a:txBody>
+                    <a:bodyPr/>
+                    <a:lstStyle/>
+                    <a:p>
+                      <a:pPr algn="ctr"/>
+                      <a:r>
+                        <a:rPr lang="vi-VN" dirty="0"/>
+                        <a:t>0.91</a:t>
+                      </a:r>
+                    </a:p>
+                  </a:txBody>
+                  <a:tcPr/>
+                </a:tc>
+                <a:extLst>
+                  <a:ext uri="{0D108BD9-81ED-4DB2-BD59-A6C34878D82A}">
+                    <a16:rowId xmlns:a16="http://schemas.microsoft.com/office/drawing/2014/main" val="3367016082"/>
+                  </a:ext>
+                </a:extLst>
+              </a:tr>
+            </a:tbl>
+          </a:graphicData>
+        </a:graphic>
+      </p:graphicFrame>
+    </p:spTree>
+    <p:extLst>
+      <p:ext uri="{BB962C8B-B14F-4D97-AF65-F5344CB8AC3E}">
+        <p14:creationId xmlns:p14="http://schemas.microsoft.com/office/powerpoint/2010/main" val="3442997314"/>
+      </p:ext>
+    </p:extLst>
+  </p:cSld>
+  <p:clrMapOvr>
+    <a:masterClrMapping/>
+  </p:clrMapOvr>
+</p:sld>
+</file>
+
+<file path=ppt/slides/slide17.xml><?xml version="1.0" encoding="utf-8"?>
+<p:sld xmlns:a="http://schemas.openxmlformats.org/drawingml/2006/main" xmlns:r="http://schemas.openxmlformats.org/officeDocument/2006/relationships" xmlns:p="http://schemas.openxmlformats.org/presentationml/2006/main">
+  <p:cSld>
+    <p:spTree>
+      <p:nvGrpSpPr>
+        <p:cNvPr id="1" name=""/>
+        <p:cNvGrpSpPr/>
+        <p:nvPr/>
+      </p:nvGrpSpPr>
+      <p:grpSpPr>
+        <a:xfrm>
+          <a:off x="0" y="0"/>
+          <a:ext cx="0" cy="0"/>
+          <a:chOff x="0" y="0"/>
+          <a:chExt cx="0" cy="0"/>
+        </a:xfrm>
+      </p:grpSpPr>
+      <p:sp>
+        <p:nvSpPr>
+          <p:cNvPr id="4" name="Slide Number Placeholder 3">
+            <a:extLst>
+              <a:ext uri="{FF2B5EF4-FFF2-40B4-BE49-F238E27FC236}">
+                <a16:creationId xmlns:a16="http://schemas.microsoft.com/office/drawing/2014/main" id="{C4135173-597D-6764-F55A-389FC5CCD573}"/>
+              </a:ext>
+            </a:extLst>
+          </p:cNvPr>
+          <p:cNvSpPr>
+            <a:spLocks noGrp="1"/>
+          </p:cNvSpPr>
+          <p:nvPr>
+            <p:ph type="sldNum" sz="quarter" idx="12"/>
+          </p:nvPr>
+        </p:nvSpPr>
+        <p:spPr/>
+        <p:txBody>
+          <a:bodyPr/>
+          <a:lstStyle/>
+          <a:p>
+            <a:fld id="{D1E82683-5C6A-4808-A0A5-6DC033041A1F}" type="slidenum">
+              <a:rPr lang="en-US" smtClean="0"/>
+              <a:t>17</a:t>
             </a:fld>
             <a:endParaRPr lang="en-US"/>
           </a:p>
@@ -4973,7 +5422,7 @@
           <p:nvPr>
             <p:extLst>
               <p:ext uri="{D42A27DB-BD31-4B8C-83A1-F6EECF244321}">
-                <p14:modId xmlns:p14="http://schemas.microsoft.com/office/powerpoint/2010/main" val="2609145102"/>
+                <p14:modId xmlns:p14="http://schemas.microsoft.com/office/powerpoint/2010/main" val="412302957"/>
               </p:ext>
             </p:extLst>
           </p:nvPr>
@@ -5062,7 +5511,7 @@
                       <a:pPr algn="ctr"/>
                       <a:r>
                         <a:rPr lang="vi-VN" dirty="0"/>
-                        <a:t>0.84</a:t>
+                        <a:t>0.91</a:t>
                       </a:r>
                     </a:p>
                   </a:txBody>
@@ -5097,7 +5546,7 @@
                       <a:pPr algn="ctr"/>
                       <a:r>
                         <a:rPr lang="vi-VN" dirty="0"/>
-                        <a:t>0.94</a:t>
+                        <a:t>0.89</a:t>
                       </a:r>
                     </a:p>
                   </a:txBody>
@@ -5126,7 +5575,7 @@
 </p:sld>
 </file>
 
-<file path=ppt/slides/slide16.xml><?xml version="1.0" encoding="utf-8"?>
+<file path=ppt/slides/slide18.xml><?xml version="1.0" encoding="utf-8"?>
 <p:sld xmlns:a="http://schemas.openxmlformats.org/drawingml/2006/main" xmlns:r="http://schemas.openxmlformats.org/officeDocument/2006/relationships" xmlns:p="http://schemas.openxmlformats.org/presentationml/2006/main">
   <p:cSld>
     <p:spTree>
@@ -5166,7 +5615,7 @@
           <a:p>
             <a:fld id="{D1E82683-5C6A-4808-A0A5-6DC033041A1F}" type="slidenum">
               <a:rPr lang="en-US" smtClean="0"/>
-              <a:t>16</a:t>
+              <a:t>18</a:t>
             </a:fld>
             <a:endParaRPr lang="en-US"/>
           </a:p>
@@ -5265,14 +5714,14 @@
           <p:nvPr>
             <p:extLst>
               <p:ext uri="{D42A27DB-BD31-4B8C-83A1-F6EECF244321}">
-                <p14:modId xmlns:p14="http://schemas.microsoft.com/office/powerpoint/2010/main" val="1734537024"/>
+                <p14:modId xmlns:p14="http://schemas.microsoft.com/office/powerpoint/2010/main" val="4267944032"/>
               </p:ext>
             </p:extLst>
           </p:nvPr>
         </p:nvGraphicFramePr>
         <p:xfrm>
-          <a:off x="2506896" y="1162110"/>
-          <a:ext cx="7607299" cy="1483360"/>
+          <a:off x="2523744" y="1162110"/>
+          <a:ext cx="7590451" cy="1483360"/>
         </p:xfrm>
         <a:graphic>
           <a:graphicData uri="http://schemas.openxmlformats.org/drawingml/2006/table">
@@ -5281,7 +5730,7 @@
                 <a:tableStyleId>{5C22544A-7EE6-4342-B048-85BDC9FD1C3A}</a:tableStyleId>
               </a:tblPr>
               <a:tblGrid>
-                <a:gridCol w="2921000">
+                <a:gridCol w="2904152">
                   <a:extLst>
                     <a:ext uri="{9D8B030D-6E8A-4147-A177-3AD203B41FA5}">
                       <a16:colId xmlns:a16="http://schemas.microsoft.com/office/drawing/2014/main" val="2949401003"/>
@@ -5862,7 +6311,7 @@
 </p:sld>
 </file>
 
-<file path=ppt/slides/slide17.xml><?xml version="1.0" encoding="utf-8"?>
+<file path=ppt/slides/slide19.xml><?xml version="1.0" encoding="utf-8"?>
 <p:sld xmlns:a="http://schemas.openxmlformats.org/drawingml/2006/main" xmlns:r="http://schemas.openxmlformats.org/officeDocument/2006/relationships" xmlns:p="http://schemas.openxmlformats.org/presentationml/2006/main">
   <p:cSld>
     <p:bg>
@@ -5959,7 +6408,7 @@
                   <a:spcPts val="600"/>
                 </a:spcAft>
               </a:pPr>
-              <a:t>17</a:t>
+              <a:t>19</a:t>
             </a:fld>
             <a:endParaRPr lang="en-US"/>
           </a:p>
@@ -6011,387 +6460,6 @@
     <p:extLst>
       <p:ext uri="{BB962C8B-B14F-4D97-AF65-F5344CB8AC3E}">
         <p14:creationId xmlns:p14="http://schemas.microsoft.com/office/powerpoint/2010/main" val="2090007731"/>
-      </p:ext>
-    </p:extLst>
-  </p:cSld>
-  <p:clrMapOvr>
-    <a:masterClrMapping/>
-  </p:clrMapOvr>
-</p:sld>
-</file>
-
-<file path=ppt/slides/slide18.xml><?xml version="1.0" encoding="utf-8"?>
-<p:sld xmlns:a="http://schemas.openxmlformats.org/drawingml/2006/main" xmlns:r="http://schemas.openxmlformats.org/officeDocument/2006/relationships" xmlns:p="http://schemas.openxmlformats.org/presentationml/2006/main">
-  <p:cSld>
-    <p:bg>
-      <p:bgPr>
-        <a:solidFill>
-          <a:schemeClr val="bg1"/>
-        </a:solidFill>
-        <a:effectLst/>
-      </p:bgPr>
-    </p:bg>
-    <p:spTree>
-      <p:nvGrpSpPr>
-        <p:cNvPr id="1" name=""/>
-        <p:cNvGrpSpPr/>
-        <p:nvPr/>
-      </p:nvGrpSpPr>
-      <p:grpSpPr>
-        <a:xfrm>
-          <a:off x="0" y="0"/>
-          <a:ext cx="0" cy="0"/>
-          <a:chOff x="0" y="0"/>
-          <a:chExt cx="0" cy="0"/>
-        </a:xfrm>
-      </p:grpSpPr>
-      <p:pic>
-        <p:nvPicPr>
-          <p:cNvPr id="6" name="Content Placeholder 5">
-            <a:extLst>
-              <a:ext uri="{FF2B5EF4-FFF2-40B4-BE49-F238E27FC236}">
-                <a16:creationId xmlns:a16="http://schemas.microsoft.com/office/drawing/2014/main" id="{54B60A52-26CC-4FCC-E034-032E2CAFFAE5}"/>
-              </a:ext>
-            </a:extLst>
-          </p:cNvPr>
-          <p:cNvPicPr>
-            <a:picLocks noGrp="1" noChangeAspect="1"/>
-          </p:cNvPicPr>
-          <p:nvPr>
-            <p:ph idx="1"/>
-          </p:nvPr>
-        </p:nvPicPr>
-        <p:blipFill>
-          <a:blip r:embed="rId2"/>
-          <a:stretch>
-            <a:fillRect/>
-          </a:stretch>
-        </p:blipFill>
-        <p:spPr>
-          <a:xfrm>
-            <a:off x="605365" y="796395"/>
-            <a:ext cx="9774499" cy="5742517"/>
-          </a:xfrm>
-          <a:prstGeom prst="rect">
-            <a:avLst/>
-          </a:prstGeom>
-        </p:spPr>
-      </p:pic>
-      <p:sp>
-        <p:nvSpPr>
-          <p:cNvPr id="4" name="Slide Number Placeholder 3">
-            <a:extLst>
-              <a:ext uri="{FF2B5EF4-FFF2-40B4-BE49-F238E27FC236}">
-                <a16:creationId xmlns:a16="http://schemas.microsoft.com/office/drawing/2014/main" id="{BDA356ED-7CDF-D9A4-8CF0-1527E61B46EE}"/>
-              </a:ext>
-            </a:extLst>
-          </p:cNvPr>
-          <p:cNvSpPr>
-            <a:spLocks noGrp="1"/>
-          </p:cNvSpPr>
-          <p:nvPr>
-            <p:ph type="sldNum" sz="quarter" idx="12"/>
-          </p:nvPr>
-        </p:nvSpPr>
-        <p:spPr>
-          <a:xfrm>
-            <a:off x="8610600" y="6356350"/>
-            <a:ext cx="2743200" cy="365125"/>
-          </a:xfrm>
-        </p:spPr>
-        <p:txBody>
-          <a:bodyPr vert="horz" lIns="91440" tIns="45720" rIns="91440" bIns="45720" rtlCol="0" anchor="ctr">
-            <a:normAutofit/>
-          </a:bodyPr>
-          <a:lstStyle/>
-          <a:p>
-            <a:pPr>
-              <a:spcAft>
-                <a:spcPts val="600"/>
-              </a:spcAft>
-            </a:pPr>
-            <a:fld id="{D1E82683-5C6A-4808-A0A5-6DC033041A1F}" type="slidenum">
-              <a:rPr lang="en-US" smtClean="0"/>
-              <a:pPr>
-                <a:spcAft>
-                  <a:spcPts val="600"/>
-                </a:spcAft>
-              </a:pPr>
-              <a:t>18</a:t>
-            </a:fld>
-            <a:endParaRPr lang="en-US"/>
-          </a:p>
-        </p:txBody>
-      </p:sp>
-      <p:sp>
-        <p:nvSpPr>
-          <p:cNvPr id="9" name="TextBox 8">
-            <a:extLst>
-              <a:ext uri="{FF2B5EF4-FFF2-40B4-BE49-F238E27FC236}">
-                <a16:creationId xmlns:a16="http://schemas.microsoft.com/office/drawing/2014/main" id="{8B442AB2-F481-E1CF-8309-34A53CB2EF70}"/>
-              </a:ext>
-            </a:extLst>
-          </p:cNvPr>
-          <p:cNvSpPr txBox="1"/>
-          <p:nvPr/>
-        </p:nvSpPr>
-        <p:spPr>
-          <a:xfrm>
-            <a:off x="0" y="0"/>
-            <a:ext cx="4894866" cy="553998"/>
-          </a:xfrm>
-          <a:prstGeom prst="rect">
-            <a:avLst/>
-          </a:prstGeom>
-          <a:noFill/>
-        </p:spPr>
-        <p:txBody>
-          <a:bodyPr wrap="none" rtlCol="0">
-            <a:spAutoFit/>
-          </a:bodyPr>
-          <a:lstStyle/>
-          <a:p>
-            <a:r>
-              <a:rPr lang="en-US" sz="3000" b="1" dirty="0">
-                <a:latin typeface="Times New Roman" panose="02020603050405020304" pitchFamily="18" charset="0"/>
-                <a:cs typeface="Times New Roman" panose="02020603050405020304" pitchFamily="18" charset="0"/>
-              </a:rPr>
-              <a:t>Summary Linear Regression</a:t>
-            </a:r>
-            <a:endParaRPr lang="vi-VN" sz="3000" b="1" dirty="0">
-              <a:latin typeface="Times New Roman" panose="02020603050405020304" pitchFamily="18" charset="0"/>
-              <a:cs typeface="Times New Roman" panose="02020603050405020304" pitchFamily="18" charset="0"/>
-            </a:endParaRPr>
-          </a:p>
-        </p:txBody>
-      </p:sp>
-    </p:spTree>
-    <p:extLst>
-      <p:ext uri="{BB962C8B-B14F-4D97-AF65-F5344CB8AC3E}">
-        <p14:creationId xmlns:p14="http://schemas.microsoft.com/office/powerpoint/2010/main" val="1379571226"/>
-      </p:ext>
-    </p:extLst>
-  </p:cSld>
-  <p:clrMapOvr>
-    <a:masterClrMapping/>
-  </p:clrMapOvr>
-</p:sld>
-</file>
-
-<file path=ppt/slides/slide19.xml><?xml version="1.0" encoding="utf-8"?>
-<p:sld xmlns:a="http://schemas.openxmlformats.org/drawingml/2006/main" xmlns:r="http://schemas.openxmlformats.org/officeDocument/2006/relationships" xmlns:p="http://schemas.openxmlformats.org/presentationml/2006/main">
-  <p:cSld>
-    <p:spTree>
-      <p:nvGrpSpPr>
-        <p:cNvPr id="1" name=""/>
-        <p:cNvGrpSpPr/>
-        <p:nvPr/>
-      </p:nvGrpSpPr>
-      <p:grpSpPr>
-        <a:xfrm>
-          <a:off x="0" y="0"/>
-          <a:ext cx="0" cy="0"/>
-          <a:chOff x="0" y="0"/>
-          <a:chExt cx="0" cy="0"/>
-        </a:xfrm>
-      </p:grpSpPr>
-      <p:sp>
-        <p:nvSpPr>
-          <p:cNvPr id="2" name="Title 1">
-            <a:extLst>
-              <a:ext uri="{FF2B5EF4-FFF2-40B4-BE49-F238E27FC236}">
-                <a16:creationId xmlns:a16="http://schemas.microsoft.com/office/drawing/2014/main" id="{E4F1A210-F6D5-DFBA-D657-98482CCFC09D}"/>
-              </a:ext>
-            </a:extLst>
-          </p:cNvPr>
-          <p:cNvSpPr>
-            <a:spLocks noGrp="1"/>
-          </p:cNvSpPr>
-          <p:nvPr>
-            <p:ph type="title"/>
-          </p:nvPr>
-        </p:nvSpPr>
-        <p:spPr/>
-        <p:txBody>
-          <a:bodyPr/>
-          <a:lstStyle/>
-          <a:p>
-            <a:r>
-              <a:rPr lang="en-US" dirty="0" err="1"/>
-              <a:t>Kết</a:t>
-            </a:r>
-            <a:r>
-              <a:rPr lang="en-US" dirty="0"/>
-              <a:t> </a:t>
-            </a:r>
-            <a:r>
-              <a:rPr lang="en-US" dirty="0" err="1"/>
-              <a:t>Luận</a:t>
-            </a:r>
-            <a:endParaRPr lang="vi-VN" dirty="0"/>
-          </a:p>
-        </p:txBody>
-      </p:sp>
-      <p:sp>
-        <p:nvSpPr>
-          <p:cNvPr id="3" name="Content Placeholder 2">
-            <a:extLst>
-              <a:ext uri="{FF2B5EF4-FFF2-40B4-BE49-F238E27FC236}">
-                <a16:creationId xmlns:a16="http://schemas.microsoft.com/office/drawing/2014/main" id="{BC56601A-668F-7F32-EFD4-30E1C7435747}"/>
-              </a:ext>
-            </a:extLst>
-          </p:cNvPr>
-          <p:cNvSpPr>
-            <a:spLocks noGrp="1"/>
-          </p:cNvSpPr>
-          <p:nvPr>
-            <p:ph idx="1"/>
-          </p:nvPr>
-        </p:nvSpPr>
-        <p:spPr>
-          <a:xfrm>
-            <a:off x="749300" y="1690688"/>
-            <a:ext cx="10515600" cy="4351338"/>
-          </a:xfrm>
-        </p:spPr>
-        <p:txBody>
-          <a:bodyPr>
-            <a:noAutofit/>
-          </a:bodyPr>
-          <a:lstStyle/>
-          <a:p>
-            <a:pPr marL="0" indent="0">
-              <a:lnSpc>
-                <a:spcPct val="120000"/>
-              </a:lnSpc>
-              <a:buNone/>
-            </a:pPr>
-            <a:r>
-              <a:rPr lang="vi-VN" sz="1500" dirty="0">
-                <a:latin typeface="+mj-lt"/>
-              </a:rPr>
-              <a:t>-Mô hình nào tốt hơn: SVM , Linear Regression, KNN, Decision Tree?</a:t>
-            </a:r>
-          </a:p>
-          <a:p>
-            <a:pPr marL="0" indent="0">
-              <a:lnSpc>
-                <a:spcPct val="120000"/>
-              </a:lnSpc>
-              <a:buNone/>
-            </a:pPr>
-            <a:r>
-              <a:rPr lang="vi-VN" sz="1500" dirty="0">
-                <a:latin typeface="+mj-lt"/>
-              </a:rPr>
-              <a:t>-Từ kết quả, Nhóm thấy rằng các giá trị của Mô hình Linear Regression cho RMSE và MSE tương ứng nhỏ hơn </a:t>
-            </a:r>
-          </a:p>
-          <a:p>
-            <a:pPr marL="0" indent="0">
-              <a:lnSpc>
-                <a:spcPct val="120000"/>
-              </a:lnSpc>
-              <a:buNone/>
-            </a:pPr>
-            <a:r>
-              <a:rPr lang="vi-VN" sz="1500" dirty="0">
-                <a:latin typeface="+mj-lt"/>
-              </a:rPr>
-              <a:t>-Vì vậy, Mô hình Linear Regression hoạt động tốt hơn mô hình SVM , Linear Regression, KNN, Decision Tree</a:t>
-            </a:r>
-          </a:p>
-          <a:p>
-            <a:pPr marL="0" indent="0">
-              <a:lnSpc>
-                <a:spcPct val="120000"/>
-              </a:lnSpc>
-              <a:buNone/>
-            </a:pPr>
-            <a:r>
-              <a:rPr lang="vi-VN" sz="1500" dirty="0">
-                <a:latin typeface="+mj-lt"/>
-              </a:rPr>
-              <a:t>-Giải quyết câu hỏi trọng tâm của Nhóm: Tính năng nào quan trọng nhất trong việc dự đoán Giá điện thoại di động?</a:t>
-            </a:r>
-          </a:p>
-          <a:p>
-            <a:pPr marL="0" indent="0">
-              <a:lnSpc>
-                <a:spcPct val="120000"/>
-              </a:lnSpc>
-              <a:buNone/>
-            </a:pPr>
-            <a:r>
-              <a:rPr lang="vi-VN" sz="1500" dirty="0">
-                <a:latin typeface="+mj-lt"/>
-              </a:rPr>
-              <a:t>-Đầu tiên, nhìn vào ma trận tương quan, Nhóm thấy rằng ram là biến có tương quan nhất với phạm vi giá, năng lượng pin là biến có tương quan nhiều thứ hai với phạm vi giá và chiều cao px là biến tương quan thứ ba với phạm vi giá.</a:t>
-            </a:r>
-          </a:p>
-          <a:p>
-            <a:pPr marL="0" indent="0">
-              <a:lnSpc>
-                <a:spcPct val="120000"/>
-              </a:lnSpc>
-              <a:buNone/>
-            </a:pPr>
-            <a:r>
-              <a:rPr lang="vi-VN" sz="1500" dirty="0">
-                <a:latin typeface="+mj-lt"/>
-              </a:rPr>
-              <a:t>- Ở  phần summary của Mô hình Linear Regression, thấy rằng cả 3 biến (ram, battery power, pixel height) đều có t-values cao, nghĩa là chúng đều quan trọng trong việc dự đoán biến y của nhóm. Cụ thể, ram có t-values cao nhất, battery power, có t-values cao thứ hai và pixel height có t-values cao thứ ba. "Thứ tự của tầm quan trọng thay đổi" này trực tiếp tương ứng với những phát hiện của nhóm từ ma trận tương quan nhóm đã làm!</a:t>
-            </a:r>
-          </a:p>
-          <a:p>
-            <a:pPr marL="0" indent="0">
-              <a:lnSpc>
-                <a:spcPct val="120000"/>
-              </a:lnSpc>
-              <a:buNone/>
-            </a:pPr>
-            <a:r>
-              <a:rPr lang="vi-VN" sz="1500" dirty="0">
-                <a:latin typeface="+mj-lt"/>
-              </a:rPr>
-              <a:t>-Tóm lại, các tính năng quan trọng nhất trong việc dự đoán giá của một chiếc Điện thoại di động là ram, battery power, pixel height.</a:t>
-            </a:r>
-          </a:p>
-        </p:txBody>
-      </p:sp>
-      <p:sp>
-        <p:nvSpPr>
-          <p:cNvPr id="4" name="Slide Number Placeholder 3">
-            <a:extLst>
-              <a:ext uri="{FF2B5EF4-FFF2-40B4-BE49-F238E27FC236}">
-                <a16:creationId xmlns:a16="http://schemas.microsoft.com/office/drawing/2014/main" id="{C4135173-597D-6764-F55A-389FC5CCD573}"/>
-              </a:ext>
-            </a:extLst>
-          </p:cNvPr>
-          <p:cNvSpPr>
-            <a:spLocks noGrp="1"/>
-          </p:cNvSpPr>
-          <p:nvPr>
-            <p:ph type="sldNum" sz="quarter" idx="12"/>
-          </p:nvPr>
-        </p:nvSpPr>
-        <p:spPr/>
-        <p:txBody>
-          <a:bodyPr/>
-          <a:lstStyle/>
-          <a:p>
-            <a:fld id="{D1E82683-5C6A-4808-A0A5-6DC033041A1F}" type="slidenum">
-              <a:rPr lang="en-US" smtClean="0"/>
-              <a:t>19</a:t>
-            </a:fld>
-            <a:endParaRPr lang="en-US"/>
-          </a:p>
-        </p:txBody>
-      </p:sp>
-    </p:spTree>
-    <p:extLst>
-      <p:ext uri="{BB962C8B-B14F-4D97-AF65-F5344CB8AC3E}">
-        <p14:creationId xmlns:p14="http://schemas.microsoft.com/office/powerpoint/2010/main" val="765333561"/>
       </p:ext>
     </p:extLst>
   </p:cSld>
@@ -7141,6 +7209,387 @@
           <a:chExt cx="0" cy="0"/>
         </a:xfrm>
       </p:grpSpPr>
+      <p:pic>
+        <p:nvPicPr>
+          <p:cNvPr id="6" name="Content Placeholder 5">
+            <a:extLst>
+              <a:ext uri="{FF2B5EF4-FFF2-40B4-BE49-F238E27FC236}">
+                <a16:creationId xmlns:a16="http://schemas.microsoft.com/office/drawing/2014/main" id="{54B60A52-26CC-4FCC-E034-032E2CAFFAE5}"/>
+              </a:ext>
+            </a:extLst>
+          </p:cNvPr>
+          <p:cNvPicPr>
+            <a:picLocks noGrp="1" noChangeAspect="1"/>
+          </p:cNvPicPr>
+          <p:nvPr>
+            <p:ph idx="1"/>
+          </p:nvPr>
+        </p:nvPicPr>
+        <p:blipFill>
+          <a:blip r:embed="rId2"/>
+          <a:stretch>
+            <a:fillRect/>
+          </a:stretch>
+        </p:blipFill>
+        <p:spPr>
+          <a:xfrm>
+            <a:off x="605365" y="796395"/>
+            <a:ext cx="9774499" cy="5742517"/>
+          </a:xfrm>
+          <a:prstGeom prst="rect">
+            <a:avLst/>
+          </a:prstGeom>
+        </p:spPr>
+      </p:pic>
+      <p:sp>
+        <p:nvSpPr>
+          <p:cNvPr id="4" name="Slide Number Placeholder 3">
+            <a:extLst>
+              <a:ext uri="{FF2B5EF4-FFF2-40B4-BE49-F238E27FC236}">
+                <a16:creationId xmlns:a16="http://schemas.microsoft.com/office/drawing/2014/main" id="{BDA356ED-7CDF-D9A4-8CF0-1527E61B46EE}"/>
+              </a:ext>
+            </a:extLst>
+          </p:cNvPr>
+          <p:cNvSpPr>
+            <a:spLocks noGrp="1"/>
+          </p:cNvSpPr>
+          <p:nvPr>
+            <p:ph type="sldNum" sz="quarter" idx="12"/>
+          </p:nvPr>
+        </p:nvSpPr>
+        <p:spPr>
+          <a:xfrm>
+            <a:off x="8610600" y="6356350"/>
+            <a:ext cx="2743200" cy="365125"/>
+          </a:xfrm>
+        </p:spPr>
+        <p:txBody>
+          <a:bodyPr vert="horz" lIns="91440" tIns="45720" rIns="91440" bIns="45720" rtlCol="0" anchor="ctr">
+            <a:normAutofit/>
+          </a:bodyPr>
+          <a:lstStyle/>
+          <a:p>
+            <a:pPr>
+              <a:spcAft>
+                <a:spcPts val="600"/>
+              </a:spcAft>
+            </a:pPr>
+            <a:fld id="{D1E82683-5C6A-4808-A0A5-6DC033041A1F}" type="slidenum">
+              <a:rPr lang="en-US" smtClean="0"/>
+              <a:pPr>
+                <a:spcAft>
+                  <a:spcPts val="600"/>
+                </a:spcAft>
+              </a:pPr>
+              <a:t>20</a:t>
+            </a:fld>
+            <a:endParaRPr lang="en-US"/>
+          </a:p>
+        </p:txBody>
+      </p:sp>
+      <p:sp>
+        <p:nvSpPr>
+          <p:cNvPr id="9" name="TextBox 8">
+            <a:extLst>
+              <a:ext uri="{FF2B5EF4-FFF2-40B4-BE49-F238E27FC236}">
+                <a16:creationId xmlns:a16="http://schemas.microsoft.com/office/drawing/2014/main" id="{8B442AB2-F481-E1CF-8309-34A53CB2EF70}"/>
+              </a:ext>
+            </a:extLst>
+          </p:cNvPr>
+          <p:cNvSpPr txBox="1"/>
+          <p:nvPr/>
+        </p:nvSpPr>
+        <p:spPr>
+          <a:xfrm>
+            <a:off x="0" y="0"/>
+            <a:ext cx="4894866" cy="553998"/>
+          </a:xfrm>
+          <a:prstGeom prst="rect">
+            <a:avLst/>
+          </a:prstGeom>
+          <a:noFill/>
+        </p:spPr>
+        <p:txBody>
+          <a:bodyPr wrap="none" rtlCol="0">
+            <a:spAutoFit/>
+          </a:bodyPr>
+          <a:lstStyle/>
+          <a:p>
+            <a:r>
+              <a:rPr lang="en-US" sz="3000" b="1" dirty="0">
+                <a:latin typeface="Times New Roman" panose="02020603050405020304" pitchFamily="18" charset="0"/>
+                <a:cs typeface="Times New Roman" panose="02020603050405020304" pitchFamily="18" charset="0"/>
+              </a:rPr>
+              <a:t>Summary Linear Regression</a:t>
+            </a:r>
+            <a:endParaRPr lang="vi-VN" sz="3000" b="1" dirty="0">
+              <a:latin typeface="Times New Roman" panose="02020603050405020304" pitchFamily="18" charset="0"/>
+              <a:cs typeface="Times New Roman" panose="02020603050405020304" pitchFamily="18" charset="0"/>
+            </a:endParaRPr>
+          </a:p>
+        </p:txBody>
+      </p:sp>
+    </p:spTree>
+    <p:extLst>
+      <p:ext uri="{BB962C8B-B14F-4D97-AF65-F5344CB8AC3E}">
+        <p14:creationId xmlns:p14="http://schemas.microsoft.com/office/powerpoint/2010/main" val="1379571226"/>
+      </p:ext>
+    </p:extLst>
+  </p:cSld>
+  <p:clrMapOvr>
+    <a:masterClrMapping/>
+  </p:clrMapOvr>
+</p:sld>
+</file>
+
+<file path=ppt/slides/slide21.xml><?xml version="1.0" encoding="utf-8"?>
+<p:sld xmlns:a="http://schemas.openxmlformats.org/drawingml/2006/main" xmlns:r="http://schemas.openxmlformats.org/officeDocument/2006/relationships" xmlns:p="http://schemas.openxmlformats.org/presentationml/2006/main">
+  <p:cSld>
+    <p:spTree>
+      <p:nvGrpSpPr>
+        <p:cNvPr id="1" name=""/>
+        <p:cNvGrpSpPr/>
+        <p:nvPr/>
+      </p:nvGrpSpPr>
+      <p:grpSpPr>
+        <a:xfrm>
+          <a:off x="0" y="0"/>
+          <a:ext cx="0" cy="0"/>
+          <a:chOff x="0" y="0"/>
+          <a:chExt cx="0" cy="0"/>
+        </a:xfrm>
+      </p:grpSpPr>
+      <p:sp>
+        <p:nvSpPr>
+          <p:cNvPr id="2" name="Title 1">
+            <a:extLst>
+              <a:ext uri="{FF2B5EF4-FFF2-40B4-BE49-F238E27FC236}">
+                <a16:creationId xmlns:a16="http://schemas.microsoft.com/office/drawing/2014/main" id="{E4F1A210-F6D5-DFBA-D657-98482CCFC09D}"/>
+              </a:ext>
+            </a:extLst>
+          </p:cNvPr>
+          <p:cNvSpPr>
+            <a:spLocks noGrp="1"/>
+          </p:cNvSpPr>
+          <p:nvPr>
+            <p:ph type="title"/>
+          </p:nvPr>
+        </p:nvSpPr>
+        <p:spPr/>
+        <p:txBody>
+          <a:bodyPr/>
+          <a:lstStyle/>
+          <a:p>
+            <a:r>
+              <a:rPr lang="en-US" dirty="0" err="1"/>
+              <a:t>Kết</a:t>
+            </a:r>
+            <a:r>
+              <a:rPr lang="en-US" dirty="0"/>
+              <a:t> </a:t>
+            </a:r>
+            <a:r>
+              <a:rPr lang="en-US" dirty="0" err="1"/>
+              <a:t>Luận</a:t>
+            </a:r>
+            <a:endParaRPr lang="vi-VN" dirty="0"/>
+          </a:p>
+        </p:txBody>
+      </p:sp>
+      <p:sp>
+        <p:nvSpPr>
+          <p:cNvPr id="3" name="Content Placeholder 2">
+            <a:extLst>
+              <a:ext uri="{FF2B5EF4-FFF2-40B4-BE49-F238E27FC236}">
+                <a16:creationId xmlns:a16="http://schemas.microsoft.com/office/drawing/2014/main" id="{BC56601A-668F-7F32-EFD4-30E1C7435747}"/>
+              </a:ext>
+            </a:extLst>
+          </p:cNvPr>
+          <p:cNvSpPr>
+            <a:spLocks noGrp="1"/>
+          </p:cNvSpPr>
+          <p:nvPr>
+            <p:ph idx="1"/>
+          </p:nvPr>
+        </p:nvSpPr>
+        <p:spPr>
+          <a:xfrm>
+            <a:off x="749300" y="1690688"/>
+            <a:ext cx="10515600" cy="4351338"/>
+          </a:xfrm>
+        </p:spPr>
+        <p:txBody>
+          <a:bodyPr>
+            <a:noAutofit/>
+          </a:bodyPr>
+          <a:lstStyle/>
+          <a:p>
+            <a:pPr marL="0" indent="0">
+              <a:lnSpc>
+                <a:spcPct val="120000"/>
+              </a:lnSpc>
+              <a:buNone/>
+            </a:pPr>
+            <a:r>
+              <a:rPr lang="vi-VN" sz="1500" dirty="0">
+                <a:latin typeface="+mj-lt"/>
+              </a:rPr>
+              <a:t>-Mô hình nào tốt hơn: SVM , Linear Regression, KNN, Decision Tree?</a:t>
+            </a:r>
+          </a:p>
+          <a:p>
+            <a:pPr marL="0" indent="0">
+              <a:lnSpc>
+                <a:spcPct val="120000"/>
+              </a:lnSpc>
+              <a:buNone/>
+            </a:pPr>
+            <a:r>
+              <a:rPr lang="vi-VN" sz="1500" dirty="0">
+                <a:latin typeface="+mj-lt"/>
+              </a:rPr>
+              <a:t>-Từ kết quả, Nhóm thấy rằng các giá trị của Mô hình Linear Regression cho RMSE và MSE tương ứng nhỏ hơn </a:t>
+            </a:r>
+          </a:p>
+          <a:p>
+            <a:pPr marL="0" indent="0">
+              <a:lnSpc>
+                <a:spcPct val="120000"/>
+              </a:lnSpc>
+              <a:buNone/>
+            </a:pPr>
+            <a:r>
+              <a:rPr lang="vi-VN" sz="1500" dirty="0">
+                <a:latin typeface="+mj-lt"/>
+              </a:rPr>
+              <a:t>-Vì vậy, Mô hình Linear Regression hoạt động tốt hơn mô hình SVM , Linear Regression, KNN, Decision Tree</a:t>
+            </a:r>
+          </a:p>
+          <a:p>
+            <a:pPr marL="0" indent="0">
+              <a:lnSpc>
+                <a:spcPct val="120000"/>
+              </a:lnSpc>
+              <a:buNone/>
+            </a:pPr>
+            <a:r>
+              <a:rPr lang="vi-VN" sz="1500" dirty="0">
+                <a:latin typeface="+mj-lt"/>
+              </a:rPr>
+              <a:t>-Giải quyết câu hỏi trọng tâm của Nhóm: Tính năng nào quan trọng nhất trong việc dự đoán Giá điện thoại di động?</a:t>
+            </a:r>
+          </a:p>
+          <a:p>
+            <a:pPr marL="0" indent="0">
+              <a:lnSpc>
+                <a:spcPct val="120000"/>
+              </a:lnSpc>
+              <a:buNone/>
+            </a:pPr>
+            <a:r>
+              <a:rPr lang="vi-VN" sz="1500" dirty="0">
+                <a:latin typeface="+mj-lt"/>
+              </a:rPr>
+              <a:t>-Đầu tiên, nhìn vào ma trận tương quan, Nhóm thấy rằng ram là biến có tương quan nhất với phạm vi giá, năng lượng pin là biến có tương quan nhiều thứ hai với phạm vi giá và chiều cao px là biến tương quan thứ ba với phạm vi giá.</a:t>
+            </a:r>
+          </a:p>
+          <a:p>
+            <a:pPr marL="0" indent="0">
+              <a:lnSpc>
+                <a:spcPct val="120000"/>
+              </a:lnSpc>
+              <a:buNone/>
+            </a:pPr>
+            <a:r>
+              <a:rPr lang="vi-VN" sz="1500" dirty="0">
+                <a:latin typeface="+mj-lt"/>
+              </a:rPr>
+              <a:t>- Ở  phần summary của Mô hình Linear Regression, thấy rằng cả 3 biến (ram, battery power, pixel height) đều có t-values cao, nghĩa là chúng đều quan trọng trong việc dự đoán biến y của nhóm. Cụ thể, ram có t-values cao nhất, battery power, có t-values cao thứ hai và pixel height có t-values cao thứ ba. "Thứ tự của tầm quan trọng thay đổi" này trực tiếp tương ứng với những phát hiện của nhóm từ ma trận tương quan nhóm đã làm!</a:t>
+            </a:r>
+          </a:p>
+          <a:p>
+            <a:pPr marL="0" indent="0">
+              <a:lnSpc>
+                <a:spcPct val="120000"/>
+              </a:lnSpc>
+              <a:buNone/>
+            </a:pPr>
+            <a:r>
+              <a:rPr lang="vi-VN" sz="1500" dirty="0">
+                <a:latin typeface="+mj-lt"/>
+              </a:rPr>
+              <a:t>-Tóm lại, các tính năng quan trọng nhất trong việc dự đoán giá của một chiếc Điện thoại di động là ram, battery power, pixel height.</a:t>
+            </a:r>
+          </a:p>
+        </p:txBody>
+      </p:sp>
+      <p:sp>
+        <p:nvSpPr>
+          <p:cNvPr id="4" name="Slide Number Placeholder 3">
+            <a:extLst>
+              <a:ext uri="{FF2B5EF4-FFF2-40B4-BE49-F238E27FC236}">
+                <a16:creationId xmlns:a16="http://schemas.microsoft.com/office/drawing/2014/main" id="{C4135173-597D-6764-F55A-389FC5CCD573}"/>
+              </a:ext>
+            </a:extLst>
+          </p:cNvPr>
+          <p:cNvSpPr>
+            <a:spLocks noGrp="1"/>
+          </p:cNvSpPr>
+          <p:nvPr>
+            <p:ph type="sldNum" sz="quarter" idx="12"/>
+          </p:nvPr>
+        </p:nvSpPr>
+        <p:spPr/>
+        <p:txBody>
+          <a:bodyPr/>
+          <a:lstStyle/>
+          <a:p>
+            <a:fld id="{D1E82683-5C6A-4808-A0A5-6DC033041A1F}" type="slidenum">
+              <a:rPr lang="en-US" smtClean="0"/>
+              <a:t>21</a:t>
+            </a:fld>
+            <a:endParaRPr lang="en-US"/>
+          </a:p>
+        </p:txBody>
+      </p:sp>
+    </p:spTree>
+    <p:extLst>
+      <p:ext uri="{BB962C8B-B14F-4D97-AF65-F5344CB8AC3E}">
+        <p14:creationId xmlns:p14="http://schemas.microsoft.com/office/powerpoint/2010/main" val="765333561"/>
+      </p:ext>
+    </p:extLst>
+  </p:cSld>
+  <p:clrMapOvr>
+    <a:masterClrMapping/>
+  </p:clrMapOvr>
+</p:sld>
+</file>
+
+<file path=ppt/slides/slide22.xml><?xml version="1.0" encoding="utf-8"?>
+<p:sld xmlns:a="http://schemas.openxmlformats.org/drawingml/2006/main" xmlns:r="http://schemas.openxmlformats.org/officeDocument/2006/relationships" xmlns:p="http://schemas.openxmlformats.org/presentationml/2006/main">
+  <p:cSld>
+    <p:bg>
+      <p:bgPr>
+        <a:solidFill>
+          <a:schemeClr val="bg1"/>
+        </a:solidFill>
+        <a:effectLst/>
+      </p:bgPr>
+    </p:bg>
+    <p:spTree>
+      <p:nvGrpSpPr>
+        <p:cNvPr id="1" name=""/>
+        <p:cNvGrpSpPr/>
+        <p:nvPr/>
+      </p:nvGrpSpPr>
+      <p:grpSpPr>
+        <a:xfrm>
+          <a:off x="0" y="0"/>
+          <a:ext cx="0" cy="0"/>
+          <a:chOff x="0" y="0"/>
+          <a:chExt cx="0" cy="0"/>
+        </a:xfrm>
+      </p:grpSpPr>
       <p:sp>
         <p:nvSpPr>
           <p:cNvPr id="71" name="Rectangle 70">
@@ -7387,7 +7836,7 @@
                   <a:spcPts val="600"/>
                 </a:spcAft>
               </a:pPr>
-              <a:t>20</a:t>
+              <a:t>22</a:t>
             </a:fld>
             <a:endParaRPr lang="en-US">
               <a:solidFill>
@@ -10214,6 +10663,661 @@
 <file path=ppt/slides/slide7.xml><?xml version="1.0" encoding="utf-8"?>
 <p:sld xmlns:a="http://schemas.openxmlformats.org/drawingml/2006/main" xmlns:r="http://schemas.openxmlformats.org/officeDocument/2006/relationships" xmlns:p="http://schemas.openxmlformats.org/presentationml/2006/main">
   <p:cSld>
+    <p:spTree>
+      <p:nvGrpSpPr>
+        <p:cNvPr id="1" name=""/>
+        <p:cNvGrpSpPr/>
+        <p:nvPr/>
+      </p:nvGrpSpPr>
+      <p:grpSpPr>
+        <a:xfrm>
+          <a:off x="0" y="0"/>
+          <a:ext cx="0" cy="0"/>
+          <a:chOff x="0" y="0"/>
+          <a:chExt cx="0" cy="0"/>
+        </a:xfrm>
+      </p:grpSpPr>
+      <p:sp>
+        <p:nvSpPr>
+          <p:cNvPr id="2" name="Title 1"/>
+          <p:cNvSpPr>
+            <a:spLocks noGrp="1"/>
+          </p:cNvSpPr>
+          <p:nvPr>
+            <p:ph type="title"/>
+          </p:nvPr>
+        </p:nvSpPr>
+        <p:spPr>
+          <a:xfrm>
+            <a:off x="48718" y="0"/>
+            <a:ext cx="10515600" cy="759482"/>
+          </a:xfrm>
+        </p:spPr>
+        <p:txBody>
+          <a:bodyPr/>
+          <a:lstStyle/>
+          <a:p>
+            <a:r>
+              <a:rPr lang="en-US" b="1" dirty="0" err="1">
+                <a:latin typeface="Times New Roman" panose="02020603050405020304" pitchFamily="18" charset="0"/>
+                <a:ea typeface="Yu Gothic" panose="020B0400000000000000" pitchFamily="34" charset="-128"/>
+                <a:cs typeface="Times New Roman" panose="02020603050405020304" pitchFamily="18" charset="0"/>
+              </a:rPr>
+              <a:t>Tiền</a:t>
+            </a:r>
+            <a:r>
+              <a:rPr lang="en-US" b="1" dirty="0">
+                <a:latin typeface="Times New Roman" panose="02020603050405020304" pitchFamily="18" charset="0"/>
+                <a:ea typeface="Yu Gothic" panose="020B0400000000000000" pitchFamily="34" charset="-128"/>
+                <a:cs typeface="Times New Roman" panose="02020603050405020304" pitchFamily="18" charset="0"/>
+              </a:rPr>
+              <a:t> </a:t>
+            </a:r>
+            <a:r>
+              <a:rPr lang="en-US" b="1" dirty="0" err="1">
+                <a:latin typeface="Times New Roman" panose="02020603050405020304" pitchFamily="18" charset="0"/>
+                <a:ea typeface="Yu Gothic" panose="020B0400000000000000" pitchFamily="34" charset="-128"/>
+                <a:cs typeface="Times New Roman" panose="02020603050405020304" pitchFamily="18" charset="0"/>
+              </a:rPr>
+              <a:t>Xử</a:t>
+            </a:r>
+            <a:r>
+              <a:rPr lang="en-US" b="1" dirty="0">
+                <a:latin typeface="Times New Roman" panose="02020603050405020304" pitchFamily="18" charset="0"/>
+                <a:ea typeface="Yu Gothic" panose="020B0400000000000000" pitchFamily="34" charset="-128"/>
+                <a:cs typeface="Times New Roman" panose="02020603050405020304" pitchFamily="18" charset="0"/>
+              </a:rPr>
+              <a:t> </a:t>
+            </a:r>
+            <a:r>
+              <a:rPr lang="en-US" b="1" dirty="0" err="1">
+                <a:latin typeface="Times New Roman" panose="02020603050405020304" pitchFamily="18" charset="0"/>
+                <a:ea typeface="Yu Gothic" panose="020B0400000000000000" pitchFamily="34" charset="-128"/>
+                <a:cs typeface="Times New Roman" panose="02020603050405020304" pitchFamily="18" charset="0"/>
+              </a:rPr>
+              <a:t>Lý</a:t>
+            </a:r>
+            <a:endParaRPr lang="en-US" b="1" dirty="0">
+              <a:latin typeface="Times New Roman" panose="02020603050405020304" pitchFamily="18" charset="0"/>
+              <a:ea typeface="Yu Gothic" panose="020B0400000000000000" pitchFamily="34" charset="-128"/>
+              <a:cs typeface="Times New Roman" panose="02020603050405020304" pitchFamily="18" charset="0"/>
+            </a:endParaRPr>
+          </a:p>
+        </p:txBody>
+      </p:sp>
+      <p:sp>
+        <p:nvSpPr>
+          <p:cNvPr id="3" name="Content Placeholder 2"/>
+          <p:cNvSpPr>
+            <a:spLocks noGrp="1"/>
+          </p:cNvSpPr>
+          <p:nvPr>
+            <p:ph idx="1"/>
+          </p:nvPr>
+        </p:nvSpPr>
+        <p:spPr>
+          <a:xfrm>
+            <a:off x="283564" y="896312"/>
+            <a:ext cx="5022954" cy="5854260"/>
+          </a:xfrm>
+        </p:spPr>
+        <p:txBody>
+          <a:bodyPr>
+            <a:normAutofit fontScale="77500" lnSpcReduction="20000"/>
+          </a:bodyPr>
+          <a:lstStyle/>
+          <a:p>
+            <a:pPr>
+              <a:lnSpc>
+                <a:spcPct val="120000"/>
+              </a:lnSpc>
+            </a:pPr>
+            <a:r>
+              <a:rPr lang="vi-VN" sz="2800" dirty="0">
+                <a:latin typeface="Times New Roman" panose="02020603050405020304" pitchFamily="18" charset="0"/>
+                <a:cs typeface="Times New Roman" panose="02020603050405020304" pitchFamily="18" charset="0"/>
+              </a:rPr>
+              <a:t>Id</a:t>
+            </a:r>
+          </a:p>
+          <a:p>
+            <a:pPr>
+              <a:lnSpc>
+                <a:spcPct val="120000"/>
+              </a:lnSpc>
+            </a:pPr>
+            <a:r>
+              <a:rPr lang="vi-VN" sz="2800" dirty="0">
+                <a:latin typeface="Times New Roman" panose="02020603050405020304" pitchFamily="18" charset="0"/>
+                <a:cs typeface="Times New Roman" panose="02020603050405020304" pitchFamily="18" charset="0"/>
+              </a:rPr>
+              <a:t>battery_power: Tổng năng lượng pin có thể lưu trữ</a:t>
+            </a:r>
+          </a:p>
+          <a:p>
+            <a:pPr>
+              <a:lnSpc>
+                <a:spcPct val="120000"/>
+              </a:lnSpc>
+            </a:pPr>
+            <a:r>
+              <a:rPr lang="vi-VN" sz="2800" dirty="0">
+                <a:latin typeface="Times New Roman" panose="02020603050405020304" pitchFamily="18" charset="0"/>
+                <a:cs typeface="Times New Roman" panose="02020603050405020304" pitchFamily="18" charset="0"/>
+              </a:rPr>
+              <a:t>blue: Có bluetooth hay không</a:t>
+            </a:r>
+          </a:p>
+          <a:p>
+            <a:pPr>
+              <a:lnSpc>
+                <a:spcPct val="120000"/>
+              </a:lnSpc>
+            </a:pPr>
+            <a:r>
+              <a:rPr lang="vi-VN" sz="2800" dirty="0">
+                <a:latin typeface="Times New Roman" panose="02020603050405020304" pitchFamily="18" charset="0"/>
+                <a:cs typeface="Times New Roman" panose="02020603050405020304" pitchFamily="18" charset="0"/>
+              </a:rPr>
+              <a:t>clock_speed:tốc độ mà bộ vi xử lý thực hiện các lệnh</a:t>
+            </a:r>
+          </a:p>
+          <a:p>
+            <a:pPr>
+              <a:lnSpc>
+                <a:spcPct val="120000"/>
+              </a:lnSpc>
+            </a:pPr>
+            <a:r>
+              <a:rPr lang="vi-VN" sz="2800" dirty="0">
+                <a:latin typeface="Times New Roman" panose="02020603050405020304" pitchFamily="18" charset="0"/>
+                <a:cs typeface="Times New Roman" panose="02020603050405020304" pitchFamily="18" charset="0"/>
+              </a:rPr>
+              <a:t>dual_sim: có hỗ trợ hai sim hay không</a:t>
+            </a:r>
+          </a:p>
+          <a:p>
+            <a:pPr>
+              <a:lnSpc>
+                <a:spcPct val="120000"/>
+              </a:lnSpc>
+            </a:pPr>
+            <a:r>
+              <a:rPr lang="vi-VN" sz="2800" dirty="0">
+                <a:latin typeface="Times New Roman" panose="02020603050405020304" pitchFamily="18" charset="0"/>
+                <a:cs typeface="Times New Roman" panose="02020603050405020304" pitchFamily="18" charset="0"/>
+              </a:rPr>
+              <a:t>fc: Độ phân giải camera trước</a:t>
+            </a:r>
+          </a:p>
+          <a:p>
+            <a:pPr>
+              <a:lnSpc>
+                <a:spcPct val="120000"/>
+              </a:lnSpc>
+            </a:pPr>
+            <a:r>
+              <a:rPr lang="vi-VN" sz="2800" dirty="0">
+                <a:latin typeface="Times New Roman" panose="02020603050405020304" pitchFamily="18" charset="0"/>
+                <a:cs typeface="Times New Roman" panose="02020603050405020304" pitchFamily="18" charset="0"/>
+              </a:rPr>
+              <a:t>four_g: có 4g hay không</a:t>
+            </a:r>
+          </a:p>
+          <a:p>
+            <a:pPr>
+              <a:lnSpc>
+                <a:spcPct val="120000"/>
+              </a:lnSpc>
+            </a:pPr>
+            <a:r>
+              <a:rPr lang="vi-VN" sz="2800" dirty="0">
+                <a:latin typeface="Times New Roman" panose="02020603050405020304" pitchFamily="18" charset="0"/>
+                <a:cs typeface="Times New Roman" panose="02020603050405020304" pitchFamily="18" charset="0"/>
+              </a:rPr>
+              <a:t>int_memory: dung lượng bộ nhớ trong</a:t>
+            </a:r>
+          </a:p>
+          <a:p>
+            <a:pPr>
+              <a:lnSpc>
+                <a:spcPct val="120000"/>
+              </a:lnSpc>
+            </a:pPr>
+            <a:r>
+              <a:rPr lang="vi-VN" sz="2800" dirty="0">
+                <a:latin typeface="Times New Roman" panose="02020603050405020304" pitchFamily="18" charset="0"/>
+                <a:cs typeface="Times New Roman" panose="02020603050405020304" pitchFamily="18" charset="0"/>
+              </a:rPr>
+              <a:t>m_dep: độ dày điện thoại</a:t>
+            </a:r>
+          </a:p>
+          <a:p>
+            <a:pPr>
+              <a:lnSpc>
+                <a:spcPct val="120000"/>
+              </a:lnSpc>
+            </a:pPr>
+            <a:r>
+              <a:rPr lang="vi-VN" sz="2800" dirty="0">
+                <a:latin typeface="Times New Roman" panose="02020603050405020304" pitchFamily="18" charset="0"/>
+                <a:cs typeface="Times New Roman" panose="02020603050405020304" pitchFamily="18" charset="0"/>
+              </a:rPr>
+              <a:t>mobile_wt: độ nặng điện thoại</a:t>
+            </a:r>
+          </a:p>
+          <a:p>
+            <a:pPr>
+              <a:lnSpc>
+                <a:spcPct val="120000"/>
+              </a:lnSpc>
+            </a:pPr>
+            <a:r>
+              <a:rPr lang="vi-VN" sz="2800" dirty="0">
+                <a:latin typeface="Times New Roman" panose="02020603050405020304" pitchFamily="18" charset="0"/>
+                <a:cs typeface="Times New Roman" panose="02020603050405020304" pitchFamily="18" charset="0"/>
+              </a:rPr>
+              <a:t>n_cores:Số lõi của bộ xử lý</a:t>
+            </a:r>
+            <a:endParaRPr lang="en-US" b="1" dirty="0">
+              <a:latin typeface="Times New Roman" panose="02020603050405020304" pitchFamily="18" charset="0"/>
+              <a:cs typeface="Times New Roman" panose="02020603050405020304" pitchFamily="18" charset="0"/>
+            </a:endParaRPr>
+          </a:p>
+        </p:txBody>
+      </p:sp>
+      <p:sp>
+        <p:nvSpPr>
+          <p:cNvPr id="4" name="Slide Number Placeholder 3"/>
+          <p:cNvSpPr>
+            <a:spLocks noGrp="1"/>
+          </p:cNvSpPr>
+          <p:nvPr>
+            <p:ph type="sldNum" sz="quarter" idx="12"/>
+          </p:nvPr>
+        </p:nvSpPr>
+        <p:spPr/>
+        <p:txBody>
+          <a:bodyPr/>
+          <a:lstStyle/>
+          <a:p>
+            <a:fld id="{D1E82683-5C6A-4808-A0A5-6DC033041A1F}" type="slidenum">
+              <a:rPr lang="en-US" smtClean="0">
+                <a:latin typeface="Times New Roman" panose="02020603050405020304" pitchFamily="18" charset="0"/>
+                <a:cs typeface="Times New Roman" panose="02020603050405020304" pitchFamily="18" charset="0"/>
+              </a:rPr>
+              <a:t>7</a:t>
+            </a:fld>
+            <a:endParaRPr lang="en-US">
+              <a:latin typeface="Times New Roman" panose="02020603050405020304" pitchFamily="18" charset="0"/>
+              <a:cs typeface="Times New Roman" panose="02020603050405020304" pitchFamily="18" charset="0"/>
+            </a:endParaRPr>
+          </a:p>
+        </p:txBody>
+      </p:sp>
+      <p:sp>
+        <p:nvSpPr>
+          <p:cNvPr id="5" name="Content Placeholder 2">
+            <a:extLst>
+              <a:ext uri="{FF2B5EF4-FFF2-40B4-BE49-F238E27FC236}">
+                <a16:creationId xmlns:a16="http://schemas.microsoft.com/office/drawing/2014/main" id="{C633D742-CB07-8BFC-F95F-5AE4F3914E15}"/>
+              </a:ext>
+            </a:extLst>
+          </p:cNvPr>
+          <p:cNvSpPr txBox="1">
+            <a:spLocks/>
+          </p:cNvSpPr>
+          <p:nvPr/>
+        </p:nvSpPr>
+        <p:spPr>
+          <a:xfrm>
+            <a:off x="6096000" y="867215"/>
+            <a:ext cx="5022954" cy="5854260"/>
+          </a:xfrm>
+          <a:prstGeom prst="rect">
+            <a:avLst/>
+          </a:prstGeom>
+        </p:spPr>
+        <p:txBody>
+          <a:bodyPr vert="horz" lIns="91440" tIns="45720" rIns="91440" bIns="45720" rtlCol="0">
+            <a:normAutofit fontScale="62500" lnSpcReduction="20000"/>
+          </a:bodyPr>
+          <a:lstStyle>
+            <a:lvl1pPr marL="228600" indent="-228600" algn="l" defTabSz="914400" rtl="0" eaLnBrk="1" latinLnBrk="0" hangingPunct="1">
+              <a:lnSpc>
+                <a:spcPct val="90000"/>
+              </a:lnSpc>
+              <a:spcBef>
+                <a:spcPts val="1000"/>
+              </a:spcBef>
+              <a:buFont typeface="Arial" panose="020B0604020202020204" pitchFamily="34" charset="0"/>
+              <a:buChar char="•"/>
+              <a:defRPr sz="2800" kern="1200">
+                <a:solidFill>
+                  <a:schemeClr val="tx1"/>
+                </a:solidFill>
+                <a:latin typeface="+mn-lt"/>
+                <a:ea typeface="+mn-ea"/>
+                <a:cs typeface="+mn-cs"/>
+              </a:defRPr>
+            </a:lvl1pPr>
+            <a:lvl2pPr marL="685800" indent="-228600" algn="l" defTabSz="914400" rtl="0" eaLnBrk="1" latinLnBrk="0" hangingPunct="1">
+              <a:lnSpc>
+                <a:spcPct val="90000"/>
+              </a:lnSpc>
+              <a:spcBef>
+                <a:spcPts val="500"/>
+              </a:spcBef>
+              <a:buFont typeface="Arial" panose="020B0604020202020204" pitchFamily="34" charset="0"/>
+              <a:buChar char="•"/>
+              <a:defRPr sz="2400" kern="1200">
+                <a:solidFill>
+                  <a:schemeClr val="tx1"/>
+                </a:solidFill>
+                <a:latin typeface="+mn-lt"/>
+                <a:ea typeface="+mn-ea"/>
+                <a:cs typeface="+mn-cs"/>
+              </a:defRPr>
+            </a:lvl2pPr>
+            <a:lvl3pPr marL="1143000" indent="-228600" algn="l" defTabSz="914400" rtl="0" eaLnBrk="1" latinLnBrk="0" hangingPunct="1">
+              <a:lnSpc>
+                <a:spcPct val="90000"/>
+              </a:lnSpc>
+              <a:spcBef>
+                <a:spcPts val="500"/>
+              </a:spcBef>
+              <a:buFont typeface="Arial" panose="020B0604020202020204" pitchFamily="34" charset="0"/>
+              <a:buChar char="•"/>
+              <a:defRPr sz="2000" kern="1200">
+                <a:solidFill>
+                  <a:schemeClr val="tx1"/>
+                </a:solidFill>
+                <a:latin typeface="+mn-lt"/>
+                <a:ea typeface="+mn-ea"/>
+                <a:cs typeface="+mn-cs"/>
+              </a:defRPr>
+            </a:lvl3pPr>
+            <a:lvl4pPr marL="1600200" indent="-228600" algn="l" defTabSz="914400" rtl="0" eaLnBrk="1" latinLnBrk="0" hangingPunct="1">
+              <a:lnSpc>
+                <a:spcPct val="90000"/>
+              </a:lnSpc>
+              <a:spcBef>
+                <a:spcPts val="500"/>
+              </a:spcBef>
+              <a:buFont typeface="Arial" panose="020B0604020202020204" pitchFamily="34" charset="0"/>
+              <a:buChar char="•"/>
+              <a:defRPr sz="1800" kern="1200">
+                <a:solidFill>
+                  <a:schemeClr val="tx1"/>
+                </a:solidFill>
+                <a:latin typeface="+mn-lt"/>
+                <a:ea typeface="+mn-ea"/>
+                <a:cs typeface="+mn-cs"/>
+              </a:defRPr>
+            </a:lvl4pPr>
+            <a:lvl5pPr marL="2057400" indent="-228600" algn="l" defTabSz="914400" rtl="0" eaLnBrk="1" latinLnBrk="0" hangingPunct="1">
+              <a:lnSpc>
+                <a:spcPct val="90000"/>
+              </a:lnSpc>
+              <a:spcBef>
+                <a:spcPts val="500"/>
+              </a:spcBef>
+              <a:buFont typeface="Arial" panose="020B0604020202020204" pitchFamily="34" charset="0"/>
+              <a:buChar char="•"/>
+              <a:defRPr sz="1800" kern="1200">
+                <a:solidFill>
+                  <a:schemeClr val="tx1"/>
+                </a:solidFill>
+                <a:latin typeface="+mn-lt"/>
+                <a:ea typeface="+mn-ea"/>
+                <a:cs typeface="+mn-cs"/>
+              </a:defRPr>
+            </a:lvl5pPr>
+            <a:lvl6pPr marL="2514600" indent="-228600" algn="l" defTabSz="914400" rtl="0" eaLnBrk="1" latinLnBrk="0" hangingPunct="1">
+              <a:lnSpc>
+                <a:spcPct val="90000"/>
+              </a:lnSpc>
+              <a:spcBef>
+                <a:spcPts val="500"/>
+              </a:spcBef>
+              <a:buFont typeface="Arial" panose="020B0604020202020204" pitchFamily="34" charset="0"/>
+              <a:buChar char="•"/>
+              <a:defRPr sz="1800" kern="1200">
+                <a:solidFill>
+                  <a:schemeClr val="tx1"/>
+                </a:solidFill>
+                <a:latin typeface="+mn-lt"/>
+                <a:ea typeface="+mn-ea"/>
+                <a:cs typeface="+mn-cs"/>
+              </a:defRPr>
+            </a:lvl6pPr>
+            <a:lvl7pPr marL="2971800" indent="-228600" algn="l" defTabSz="914400" rtl="0" eaLnBrk="1" latinLnBrk="0" hangingPunct="1">
+              <a:lnSpc>
+                <a:spcPct val="90000"/>
+              </a:lnSpc>
+              <a:spcBef>
+                <a:spcPts val="500"/>
+              </a:spcBef>
+              <a:buFont typeface="Arial" panose="020B0604020202020204" pitchFamily="34" charset="0"/>
+              <a:buChar char="•"/>
+              <a:defRPr sz="1800" kern="1200">
+                <a:solidFill>
+                  <a:schemeClr val="tx1"/>
+                </a:solidFill>
+                <a:latin typeface="+mn-lt"/>
+                <a:ea typeface="+mn-ea"/>
+                <a:cs typeface="+mn-cs"/>
+              </a:defRPr>
+            </a:lvl7pPr>
+            <a:lvl8pPr marL="3429000" indent="-228600" algn="l" defTabSz="914400" rtl="0" eaLnBrk="1" latinLnBrk="0" hangingPunct="1">
+              <a:lnSpc>
+                <a:spcPct val="90000"/>
+              </a:lnSpc>
+              <a:spcBef>
+                <a:spcPts val="500"/>
+              </a:spcBef>
+              <a:buFont typeface="Arial" panose="020B0604020202020204" pitchFamily="34" charset="0"/>
+              <a:buChar char="•"/>
+              <a:defRPr sz="1800" kern="1200">
+                <a:solidFill>
+                  <a:schemeClr val="tx1"/>
+                </a:solidFill>
+                <a:latin typeface="+mn-lt"/>
+                <a:ea typeface="+mn-ea"/>
+                <a:cs typeface="+mn-cs"/>
+              </a:defRPr>
+            </a:lvl8pPr>
+            <a:lvl9pPr marL="3886200" indent="-228600" algn="l" defTabSz="914400" rtl="0" eaLnBrk="1" latinLnBrk="0" hangingPunct="1">
+              <a:lnSpc>
+                <a:spcPct val="90000"/>
+              </a:lnSpc>
+              <a:spcBef>
+                <a:spcPts val="500"/>
+              </a:spcBef>
+              <a:buFont typeface="Arial" panose="020B0604020202020204" pitchFamily="34" charset="0"/>
+              <a:buChar char="•"/>
+              <a:defRPr sz="1800" kern="1200">
+                <a:solidFill>
+                  <a:schemeClr val="tx1"/>
+                </a:solidFill>
+                <a:latin typeface="+mn-lt"/>
+                <a:ea typeface="+mn-ea"/>
+                <a:cs typeface="+mn-cs"/>
+              </a:defRPr>
+            </a:lvl9pPr>
+          </a:lstStyle>
+          <a:p>
+            <a:pPr>
+              <a:lnSpc>
+                <a:spcPct val="120000"/>
+              </a:lnSpc>
+            </a:pPr>
+            <a:r>
+              <a:rPr lang="vi-VN" sz="2800" dirty="0">
+                <a:latin typeface="Times New Roman" panose="02020603050405020304" pitchFamily="18" charset="0"/>
+                <a:cs typeface="Times New Roman" panose="02020603050405020304" pitchFamily="18" charset="0"/>
+              </a:rPr>
+              <a:t>pc: Độ phân giải camera sau</a:t>
+            </a:r>
+          </a:p>
+          <a:p>
+            <a:pPr>
+              <a:lnSpc>
+                <a:spcPct val="120000"/>
+              </a:lnSpc>
+            </a:pPr>
+            <a:r>
+              <a:rPr lang="vi-VN" sz="2800" dirty="0">
+                <a:latin typeface="Times New Roman" panose="02020603050405020304" pitchFamily="18" charset="0"/>
+                <a:cs typeface="Times New Roman" panose="02020603050405020304" pitchFamily="18" charset="0"/>
+              </a:rPr>
+              <a:t>px_height: chiều cao của độ phân giải màn hình</a:t>
+            </a:r>
+          </a:p>
+          <a:p>
+            <a:pPr>
+              <a:lnSpc>
+                <a:spcPct val="120000"/>
+              </a:lnSpc>
+            </a:pPr>
+            <a:r>
+              <a:rPr lang="vi-VN" sz="2800" dirty="0">
+                <a:latin typeface="Times New Roman" panose="02020603050405020304" pitchFamily="18" charset="0"/>
+                <a:cs typeface="Times New Roman" panose="02020603050405020304" pitchFamily="18" charset="0"/>
+              </a:rPr>
+              <a:t>px_width: chiều rộng của độ phân giải màn hình</a:t>
+            </a:r>
+          </a:p>
+          <a:p>
+            <a:pPr>
+              <a:lnSpc>
+                <a:spcPct val="120000"/>
+              </a:lnSpc>
+            </a:pPr>
+            <a:r>
+              <a:rPr lang="vi-VN" sz="2800" dirty="0">
+                <a:latin typeface="Times New Roman" panose="02020603050405020304" pitchFamily="18" charset="0"/>
+                <a:cs typeface="Times New Roman" panose="02020603050405020304" pitchFamily="18" charset="0"/>
+              </a:rPr>
+              <a:t>ram: Dung lượng của Ram</a:t>
+            </a:r>
+          </a:p>
+          <a:p>
+            <a:pPr>
+              <a:lnSpc>
+                <a:spcPct val="120000"/>
+              </a:lnSpc>
+            </a:pPr>
+            <a:r>
+              <a:rPr lang="vi-VN" sz="2800" dirty="0">
+                <a:latin typeface="Times New Roman" panose="02020603050405020304" pitchFamily="18" charset="0"/>
+                <a:cs typeface="Times New Roman" panose="02020603050405020304" pitchFamily="18" charset="0"/>
+              </a:rPr>
+              <a:t>sc_h: chiều cao màn hình</a:t>
+            </a:r>
+          </a:p>
+          <a:p>
+            <a:pPr>
+              <a:lnSpc>
+                <a:spcPct val="120000"/>
+              </a:lnSpc>
+            </a:pPr>
+            <a:r>
+              <a:rPr lang="vi-VN" sz="2800" dirty="0">
+                <a:latin typeface="Times New Roman" panose="02020603050405020304" pitchFamily="18" charset="0"/>
+                <a:cs typeface="Times New Roman" panose="02020603050405020304" pitchFamily="18" charset="0"/>
+              </a:rPr>
+              <a:t>sc_w: chiều rộng màn hình</a:t>
+            </a:r>
+          </a:p>
+          <a:p>
+            <a:pPr>
+              <a:lnSpc>
+                <a:spcPct val="120000"/>
+              </a:lnSpc>
+            </a:pPr>
+            <a:r>
+              <a:rPr lang="vi-VN" sz="2800" dirty="0">
+                <a:latin typeface="Times New Roman" panose="02020603050405020304" pitchFamily="18" charset="0"/>
+                <a:cs typeface="Times New Roman" panose="02020603050405020304" pitchFamily="18" charset="0"/>
+              </a:rPr>
+              <a:t>talk_time: thời gian dài nhất khi sạc điện thoại</a:t>
+            </a:r>
+          </a:p>
+          <a:p>
+            <a:pPr>
+              <a:lnSpc>
+                <a:spcPct val="120000"/>
+              </a:lnSpc>
+            </a:pPr>
+            <a:r>
+              <a:rPr lang="vi-VN" sz="2800" dirty="0">
+                <a:latin typeface="Times New Roman" panose="02020603050405020304" pitchFamily="18" charset="0"/>
+                <a:cs typeface="Times New Roman" panose="02020603050405020304" pitchFamily="18" charset="0"/>
+              </a:rPr>
+              <a:t>three_g: có 3g hay không</a:t>
+            </a:r>
+          </a:p>
+          <a:p>
+            <a:pPr>
+              <a:lnSpc>
+                <a:spcPct val="120000"/>
+              </a:lnSpc>
+            </a:pPr>
+            <a:r>
+              <a:rPr lang="vi-VN" sz="2800" dirty="0">
+                <a:latin typeface="Times New Roman" panose="02020603050405020304" pitchFamily="18" charset="0"/>
+                <a:cs typeface="Times New Roman" panose="02020603050405020304" pitchFamily="18" charset="0"/>
+              </a:rPr>
+              <a:t>touch_screen: có màn hình cảm ứng hay không</a:t>
+            </a:r>
+          </a:p>
+          <a:p>
+            <a:pPr>
+              <a:lnSpc>
+                <a:spcPct val="120000"/>
+              </a:lnSpc>
+            </a:pPr>
+            <a:r>
+              <a:rPr lang="vi-VN" sz="2800" dirty="0">
+                <a:latin typeface="Times New Roman" panose="02020603050405020304" pitchFamily="18" charset="0"/>
+                <a:cs typeface="Times New Roman" panose="02020603050405020304" pitchFamily="18" charset="0"/>
+              </a:rPr>
+              <a:t>wifi: có wifi hay không</a:t>
+            </a:r>
+          </a:p>
+          <a:p>
+            <a:pPr>
+              <a:lnSpc>
+                <a:spcPct val="120000"/>
+              </a:lnSpc>
+            </a:pPr>
+            <a:r>
+              <a:rPr lang="vi-VN" sz="2800" dirty="0">
+                <a:latin typeface="Times New Roman" panose="02020603050405020304" pitchFamily="18" charset="0"/>
+                <a:cs typeface="Times New Roman" panose="02020603050405020304" pitchFamily="18" charset="0"/>
+              </a:rPr>
+              <a:t>price_range: khoảng giá trị chi phí điện thoại (0,1,2,3)</a:t>
+            </a:r>
+          </a:p>
+        </p:txBody>
+      </p:sp>
+    </p:spTree>
+    <p:extLst>
+      <p:ext uri="{BB962C8B-B14F-4D97-AF65-F5344CB8AC3E}">
+        <p14:creationId xmlns:p14="http://schemas.microsoft.com/office/powerpoint/2010/main" val="1205681812"/>
+      </p:ext>
+    </p:extLst>
+  </p:cSld>
+  <p:clrMapOvr>
+    <a:masterClrMapping/>
+  </p:clrMapOvr>
+</p:sld>
+</file>
+
+<file path=ppt/slides/slide8.xml><?xml version="1.0" encoding="utf-8"?>
+<p:sld xmlns:a="http://schemas.openxmlformats.org/drawingml/2006/main" xmlns:r="http://schemas.openxmlformats.org/officeDocument/2006/relationships" xmlns:p="http://schemas.openxmlformats.org/presentationml/2006/main">
+  <p:cSld>
     <p:bg>
       <p:bgPr>
         <a:solidFill>
@@ -10306,7 +11410,7 @@
                   <a:spcPts val="600"/>
                 </a:spcAft>
               </a:pPr>
-              <a:t>7</a:t>
+              <a:t>8</a:t>
             </a:fld>
             <a:endParaRPr lang="en-US"/>
           </a:p>
@@ -10374,7 +11478,7 @@
 </p:sld>
 </file>
 
-<file path=ppt/slides/slide8.xml><?xml version="1.0" encoding="utf-8"?>
+<file path=ppt/slides/slide9.xml><?xml version="1.0" encoding="utf-8"?>
 <p:sld xmlns:a="http://schemas.openxmlformats.org/drawingml/2006/main" xmlns:r="http://schemas.openxmlformats.org/officeDocument/2006/relationships" xmlns:p="http://schemas.openxmlformats.org/presentationml/2006/main">
   <p:cSld>
     <p:bg>
@@ -10469,7 +11573,7 @@
                   <a:spcPts val="600"/>
                 </a:spcAft>
               </a:pPr>
-              <a:t>8</a:t>
+              <a:t>9</a:t>
             </a:fld>
             <a:endParaRPr lang="en-US"/>
           </a:p>
@@ -10528,171 +11632,6 @@
     <p:extLst>
       <p:ext uri="{BB962C8B-B14F-4D97-AF65-F5344CB8AC3E}">
         <p14:creationId xmlns:p14="http://schemas.microsoft.com/office/powerpoint/2010/main" val="1474499354"/>
-      </p:ext>
-    </p:extLst>
-  </p:cSld>
-  <p:clrMapOvr>
-    <a:masterClrMapping/>
-  </p:clrMapOvr>
-</p:sld>
-</file>
-
-<file path=ppt/slides/slide9.xml><?xml version="1.0" encoding="utf-8"?>
-<p:sld xmlns:a="http://schemas.openxmlformats.org/drawingml/2006/main" xmlns:r="http://schemas.openxmlformats.org/officeDocument/2006/relationships" xmlns:p="http://schemas.openxmlformats.org/presentationml/2006/main">
-  <p:cSld>
-    <p:bg>
-      <p:bgPr>
-        <a:solidFill>
-          <a:schemeClr val="bg1"/>
-        </a:solidFill>
-        <a:effectLst/>
-      </p:bgPr>
-    </p:bg>
-    <p:spTree>
-      <p:nvGrpSpPr>
-        <p:cNvPr id="1" name=""/>
-        <p:cNvGrpSpPr/>
-        <p:nvPr/>
-      </p:nvGrpSpPr>
-      <p:grpSpPr>
-        <a:xfrm>
-          <a:off x="0" y="0"/>
-          <a:ext cx="0" cy="0"/>
-          <a:chOff x="0" y="0"/>
-          <a:chExt cx="0" cy="0"/>
-        </a:xfrm>
-      </p:grpSpPr>
-      <p:pic>
-        <p:nvPicPr>
-          <p:cNvPr id="6" name="Content Placeholder 5">
-            <a:extLst>
-              <a:ext uri="{FF2B5EF4-FFF2-40B4-BE49-F238E27FC236}">
-                <a16:creationId xmlns:a16="http://schemas.microsoft.com/office/drawing/2014/main" id="{54716314-7F6A-F603-6B47-A45283558541}"/>
-              </a:ext>
-            </a:extLst>
-          </p:cNvPr>
-          <p:cNvPicPr>
-            <a:picLocks noGrp="1" noChangeAspect="1"/>
-          </p:cNvPicPr>
-          <p:nvPr>
-            <p:ph idx="1"/>
-          </p:nvPr>
-        </p:nvPicPr>
-        <p:blipFill>
-          <a:blip r:embed="rId2"/>
-          <a:stretch>
-            <a:fillRect/>
-          </a:stretch>
-        </p:blipFill>
-        <p:spPr>
-          <a:xfrm>
-            <a:off x="2102403" y="643466"/>
-            <a:ext cx="8713992" cy="6078009"/>
-          </a:xfrm>
-          <a:prstGeom prst="rect">
-            <a:avLst/>
-          </a:prstGeom>
-        </p:spPr>
-      </p:pic>
-      <p:sp>
-        <p:nvSpPr>
-          <p:cNvPr id="4" name="Slide Number Placeholder 3">
-            <a:extLst>
-              <a:ext uri="{FF2B5EF4-FFF2-40B4-BE49-F238E27FC236}">
-                <a16:creationId xmlns:a16="http://schemas.microsoft.com/office/drawing/2014/main" id="{238225F0-E9A8-2D61-CA3F-B32F7A60EB22}"/>
-              </a:ext>
-            </a:extLst>
-          </p:cNvPr>
-          <p:cNvSpPr>
-            <a:spLocks noGrp="1"/>
-          </p:cNvSpPr>
-          <p:nvPr>
-            <p:ph type="sldNum" sz="quarter" idx="12"/>
-          </p:nvPr>
-        </p:nvSpPr>
-        <p:spPr>
-          <a:xfrm>
-            <a:off x="8610600" y="6356350"/>
-            <a:ext cx="2743200" cy="365125"/>
-          </a:xfrm>
-        </p:spPr>
-        <p:txBody>
-          <a:bodyPr vert="horz" lIns="91440" tIns="45720" rIns="91440" bIns="45720" rtlCol="0" anchor="ctr">
-            <a:normAutofit/>
-          </a:bodyPr>
-          <a:lstStyle/>
-          <a:p>
-            <a:pPr>
-              <a:spcAft>
-                <a:spcPts val="600"/>
-              </a:spcAft>
-            </a:pPr>
-            <a:fld id="{D1E82683-5C6A-4808-A0A5-6DC033041A1F}" type="slidenum">
-              <a:rPr lang="en-US" smtClean="0"/>
-              <a:pPr>
-                <a:spcAft>
-                  <a:spcPts val="600"/>
-                </a:spcAft>
-              </a:pPr>
-              <a:t>9</a:t>
-            </a:fld>
-            <a:endParaRPr lang="en-US"/>
-          </a:p>
-        </p:txBody>
-      </p:sp>
-      <p:sp>
-        <p:nvSpPr>
-          <p:cNvPr id="8" name="TextBox 7">
-            <a:extLst>
-              <a:ext uri="{FF2B5EF4-FFF2-40B4-BE49-F238E27FC236}">
-                <a16:creationId xmlns:a16="http://schemas.microsoft.com/office/drawing/2014/main" id="{8748D68A-21BF-7BC8-2158-3B8A3938D5B9}"/>
-              </a:ext>
-            </a:extLst>
-          </p:cNvPr>
-          <p:cNvSpPr txBox="1"/>
-          <p:nvPr/>
-        </p:nvSpPr>
-        <p:spPr>
-          <a:xfrm>
-            <a:off x="0" y="0"/>
-            <a:ext cx="2305439" cy="553998"/>
-          </a:xfrm>
-          <a:prstGeom prst="rect">
-            <a:avLst/>
-          </a:prstGeom>
-          <a:noFill/>
-        </p:spPr>
-        <p:txBody>
-          <a:bodyPr wrap="none" rtlCol="0">
-            <a:spAutoFit/>
-          </a:bodyPr>
-          <a:lstStyle/>
-          <a:p>
-            <a:r>
-              <a:rPr lang="en-US" sz="3000" b="1" dirty="0" err="1">
-                <a:latin typeface="Times New Roman" panose="02020603050405020304" pitchFamily="18" charset="0"/>
-                <a:cs typeface="Times New Roman" panose="02020603050405020304" pitchFamily="18" charset="0"/>
-              </a:rPr>
-              <a:t>Tương</a:t>
-            </a:r>
-            <a:r>
-              <a:rPr lang="en-US" sz="3000" b="1" dirty="0">
-                <a:latin typeface="Times New Roman" panose="02020603050405020304" pitchFamily="18" charset="0"/>
-                <a:cs typeface="Times New Roman" panose="02020603050405020304" pitchFamily="18" charset="0"/>
-              </a:rPr>
-              <a:t> Quan</a:t>
-            </a:r>
-            <a:endParaRPr lang="vi-VN" sz="3000" b="1" dirty="0">
-              <a:latin typeface="Times New Roman" panose="02020603050405020304" pitchFamily="18" charset="0"/>
-              <a:cs typeface="Times New Roman" panose="02020603050405020304" pitchFamily="18" charset="0"/>
-            </a:endParaRPr>
-          </a:p>
-        </p:txBody>
-      </p:sp>
-    </p:spTree>
-    <p:extLst>
-      <p:ext uri="{BB962C8B-B14F-4D97-AF65-F5344CB8AC3E}">
-        <p14:creationId xmlns:p14="http://schemas.microsoft.com/office/powerpoint/2010/main" val="720044232"/>
       </p:ext>
     </p:extLst>
   </p:cSld>

--- a/Nhom10-report.pptx
+++ b/Nhom10-report.pptx
@@ -5,7 +5,7 @@
     <p:sldMasterId id="2147483648" r:id="rId1"/>
   </p:sldMasterIdLst>
   <p:notesMasterIdLst>
-    <p:notesMasterId r:id="rId24"/>
+    <p:notesMasterId r:id="rId22"/>
   </p:notesMasterIdLst>
   <p:sldIdLst>
     <p:sldId id="256" r:id="rId2"/>
@@ -14,22 +14,20 @@
     <p:sldId id="258" r:id="rId5"/>
     <p:sldId id="259" r:id="rId6"/>
     <p:sldId id="260" r:id="rId7"/>
-    <p:sldId id="278" r:id="rId8"/>
-    <p:sldId id="261" r:id="rId9"/>
-    <p:sldId id="262" r:id="rId10"/>
-    <p:sldId id="263" r:id="rId11"/>
-    <p:sldId id="264" r:id="rId12"/>
-    <p:sldId id="265" r:id="rId13"/>
-    <p:sldId id="275" r:id="rId14"/>
-    <p:sldId id="272" r:id="rId15"/>
-    <p:sldId id="273" r:id="rId16"/>
-    <p:sldId id="277" r:id="rId17"/>
-    <p:sldId id="276" r:id="rId18"/>
-    <p:sldId id="266" r:id="rId19"/>
-    <p:sldId id="269" r:id="rId20"/>
-    <p:sldId id="270" r:id="rId21"/>
-    <p:sldId id="267" r:id="rId22"/>
-    <p:sldId id="268" r:id="rId23"/>
+    <p:sldId id="261" r:id="rId8"/>
+    <p:sldId id="262" r:id="rId9"/>
+    <p:sldId id="263" r:id="rId10"/>
+    <p:sldId id="264" r:id="rId11"/>
+    <p:sldId id="265" r:id="rId12"/>
+    <p:sldId id="272" r:id="rId13"/>
+    <p:sldId id="273" r:id="rId14"/>
+    <p:sldId id="277" r:id="rId15"/>
+    <p:sldId id="276" r:id="rId16"/>
+    <p:sldId id="266" r:id="rId17"/>
+    <p:sldId id="269" r:id="rId18"/>
+    <p:sldId id="270" r:id="rId19"/>
+    <p:sldId id="267" r:id="rId20"/>
+    <p:sldId id="268" r:id="rId21"/>
   </p:sldIdLst>
   <p:sldSz cx="12192000" cy="6858000"/>
   <p:notesSz cx="6858000" cy="9144000"/>
@@ -218,7 +216,7 @@
           <a:p>
             <a:fld id="{48A62977-F16E-43C2-BF1E-4581F09EED31}" type="datetimeFigureOut">
               <a:rPr lang="en-US" smtClean="0"/>
-              <a:t>5/26/2022</a:t>
+              <a:t>5/27/2022</a:t>
             </a:fld>
             <a:endParaRPr lang="en-US"/>
           </a:p>
@@ -614,7 +612,7 @@
           <a:p>
             <a:fld id="{FC185471-DC1F-4008-A794-48562859E390}" type="datetime1">
               <a:rPr lang="en-US" smtClean="0"/>
-              <a:t>5/26/2022</a:t>
+              <a:t>5/27/2022</a:t>
             </a:fld>
             <a:endParaRPr lang="en-US"/>
           </a:p>
@@ -782,7 +780,7 @@
           <a:p>
             <a:fld id="{ECD10DEF-B11A-444B-8A2D-310F689394ED}" type="datetime1">
               <a:rPr lang="en-US" smtClean="0"/>
-              <a:t>5/26/2022</a:t>
+              <a:t>5/27/2022</a:t>
             </a:fld>
             <a:endParaRPr lang="en-US"/>
           </a:p>
@@ -960,7 +958,7 @@
           <a:p>
             <a:fld id="{9C395CF7-741E-4AD7-A061-8BA2D6E1FB9B}" type="datetime1">
               <a:rPr lang="en-US" smtClean="0"/>
-              <a:t>5/26/2022</a:t>
+              <a:t>5/27/2022</a:t>
             </a:fld>
             <a:endParaRPr lang="en-US"/>
           </a:p>
@@ -1128,7 +1126,7 @@
           <a:p>
             <a:fld id="{B46D805D-5BFE-47BD-B484-40196C3CB5DA}" type="datetime1">
               <a:rPr lang="en-US" smtClean="0"/>
-              <a:t>5/26/2022</a:t>
+              <a:t>5/27/2022</a:t>
             </a:fld>
             <a:endParaRPr lang="en-US"/>
           </a:p>
@@ -1373,7 +1371,7 @@
           <a:p>
             <a:fld id="{8EF09E42-11D2-47C6-9496-2A7845E160B9}" type="datetime1">
               <a:rPr lang="en-US" smtClean="0"/>
-              <a:t>5/26/2022</a:t>
+              <a:t>5/27/2022</a:t>
             </a:fld>
             <a:endParaRPr lang="en-US"/>
           </a:p>
@@ -1602,7 +1600,7 @@
           <a:p>
             <a:fld id="{C231AD3F-C210-4AC2-A244-DEE9B24FE838}" type="datetime1">
               <a:rPr lang="en-US" smtClean="0"/>
-              <a:t>5/26/2022</a:t>
+              <a:t>5/27/2022</a:t>
             </a:fld>
             <a:endParaRPr lang="en-US"/>
           </a:p>
@@ -1966,7 +1964,7 @@
           <a:p>
             <a:fld id="{2DFDD615-A466-4295-B871-EA555B9C4B5E}" type="datetime1">
               <a:rPr lang="en-US" smtClean="0"/>
-              <a:t>5/26/2022</a:t>
+              <a:t>5/27/2022</a:t>
             </a:fld>
             <a:endParaRPr lang="en-US"/>
           </a:p>
@@ -2083,7 +2081,7 @@
           <a:p>
             <a:fld id="{957C63D6-ADD9-4F28-B001-94E59944C49F}" type="datetime1">
               <a:rPr lang="en-US" smtClean="0"/>
-              <a:t>5/26/2022</a:t>
+              <a:t>5/27/2022</a:t>
             </a:fld>
             <a:endParaRPr lang="en-US"/>
           </a:p>
@@ -2178,7 +2176,7 @@
           <a:p>
             <a:fld id="{EEC55196-E06A-43BC-89D1-EA1D440F8A16}" type="datetime1">
               <a:rPr lang="en-US" smtClean="0"/>
-              <a:t>5/26/2022</a:t>
+              <a:t>5/27/2022</a:t>
             </a:fld>
             <a:endParaRPr lang="en-US"/>
           </a:p>
@@ -2453,7 +2451,7 @@
           <a:p>
             <a:fld id="{218AD66A-C71E-4480-9653-7EBC09D161E7}" type="datetime1">
               <a:rPr lang="en-US" smtClean="0"/>
-              <a:t>5/26/2022</a:t>
+              <a:t>5/27/2022</a:t>
             </a:fld>
             <a:endParaRPr lang="en-US"/>
           </a:p>
@@ -2705,7 +2703,7 @@
           <a:p>
             <a:fld id="{F5AA6B26-5554-4CB7-BCAA-7ECA19099CAE}" type="datetime1">
               <a:rPr lang="en-US" smtClean="0"/>
-              <a:t>5/26/2022</a:t>
+              <a:t>5/27/2022</a:t>
             </a:fld>
             <a:endParaRPr lang="en-US"/>
           </a:p>
@@ -2916,7 +2914,7 @@
           <a:p>
             <a:fld id="{2FFA8B41-688E-4A3F-8EF3-B4FB95B7E6C1}" type="datetime1">
               <a:rPr lang="en-US" smtClean="0"/>
-              <a:t>5/26/2022</a:t>
+              <a:t>5/27/2022</a:t>
             </a:fld>
             <a:endParaRPr lang="en-US"/>
           </a:p>
@@ -3677,171 +3675,6 @@
           <p:cNvPr id="6" name="Content Placeholder 5">
             <a:extLst>
               <a:ext uri="{FF2B5EF4-FFF2-40B4-BE49-F238E27FC236}">
-                <a16:creationId xmlns:a16="http://schemas.microsoft.com/office/drawing/2014/main" id="{54716314-7F6A-F603-6B47-A45283558541}"/>
-              </a:ext>
-            </a:extLst>
-          </p:cNvPr>
-          <p:cNvPicPr>
-            <a:picLocks noGrp="1" noChangeAspect="1"/>
-          </p:cNvPicPr>
-          <p:nvPr>
-            <p:ph idx="1"/>
-          </p:nvPr>
-        </p:nvPicPr>
-        <p:blipFill>
-          <a:blip r:embed="rId2"/>
-          <a:stretch>
-            <a:fillRect/>
-          </a:stretch>
-        </p:blipFill>
-        <p:spPr>
-          <a:xfrm>
-            <a:off x="2102403" y="643466"/>
-            <a:ext cx="8713992" cy="6078009"/>
-          </a:xfrm>
-          <a:prstGeom prst="rect">
-            <a:avLst/>
-          </a:prstGeom>
-        </p:spPr>
-      </p:pic>
-      <p:sp>
-        <p:nvSpPr>
-          <p:cNvPr id="4" name="Slide Number Placeholder 3">
-            <a:extLst>
-              <a:ext uri="{FF2B5EF4-FFF2-40B4-BE49-F238E27FC236}">
-                <a16:creationId xmlns:a16="http://schemas.microsoft.com/office/drawing/2014/main" id="{238225F0-E9A8-2D61-CA3F-B32F7A60EB22}"/>
-              </a:ext>
-            </a:extLst>
-          </p:cNvPr>
-          <p:cNvSpPr>
-            <a:spLocks noGrp="1"/>
-          </p:cNvSpPr>
-          <p:nvPr>
-            <p:ph type="sldNum" sz="quarter" idx="12"/>
-          </p:nvPr>
-        </p:nvSpPr>
-        <p:spPr>
-          <a:xfrm>
-            <a:off x="8610600" y="6356350"/>
-            <a:ext cx="2743200" cy="365125"/>
-          </a:xfrm>
-        </p:spPr>
-        <p:txBody>
-          <a:bodyPr vert="horz" lIns="91440" tIns="45720" rIns="91440" bIns="45720" rtlCol="0" anchor="ctr">
-            <a:normAutofit/>
-          </a:bodyPr>
-          <a:lstStyle/>
-          <a:p>
-            <a:pPr>
-              <a:spcAft>
-                <a:spcPts val="600"/>
-              </a:spcAft>
-            </a:pPr>
-            <a:fld id="{D1E82683-5C6A-4808-A0A5-6DC033041A1F}" type="slidenum">
-              <a:rPr lang="en-US" smtClean="0"/>
-              <a:pPr>
-                <a:spcAft>
-                  <a:spcPts val="600"/>
-                </a:spcAft>
-              </a:pPr>
-              <a:t>10</a:t>
-            </a:fld>
-            <a:endParaRPr lang="en-US"/>
-          </a:p>
-        </p:txBody>
-      </p:sp>
-      <p:sp>
-        <p:nvSpPr>
-          <p:cNvPr id="8" name="TextBox 7">
-            <a:extLst>
-              <a:ext uri="{FF2B5EF4-FFF2-40B4-BE49-F238E27FC236}">
-                <a16:creationId xmlns:a16="http://schemas.microsoft.com/office/drawing/2014/main" id="{8748D68A-21BF-7BC8-2158-3B8A3938D5B9}"/>
-              </a:ext>
-            </a:extLst>
-          </p:cNvPr>
-          <p:cNvSpPr txBox="1"/>
-          <p:nvPr/>
-        </p:nvSpPr>
-        <p:spPr>
-          <a:xfrm>
-            <a:off x="0" y="0"/>
-            <a:ext cx="2305439" cy="553998"/>
-          </a:xfrm>
-          <a:prstGeom prst="rect">
-            <a:avLst/>
-          </a:prstGeom>
-          <a:noFill/>
-        </p:spPr>
-        <p:txBody>
-          <a:bodyPr wrap="none" rtlCol="0">
-            <a:spAutoFit/>
-          </a:bodyPr>
-          <a:lstStyle/>
-          <a:p>
-            <a:r>
-              <a:rPr lang="en-US" sz="3000" b="1" dirty="0" err="1">
-                <a:latin typeface="Times New Roman" panose="02020603050405020304" pitchFamily="18" charset="0"/>
-                <a:cs typeface="Times New Roman" panose="02020603050405020304" pitchFamily="18" charset="0"/>
-              </a:rPr>
-              <a:t>Tương</a:t>
-            </a:r>
-            <a:r>
-              <a:rPr lang="en-US" sz="3000" b="1" dirty="0">
-                <a:latin typeface="Times New Roman" panose="02020603050405020304" pitchFamily="18" charset="0"/>
-                <a:cs typeface="Times New Roman" panose="02020603050405020304" pitchFamily="18" charset="0"/>
-              </a:rPr>
-              <a:t> Quan</a:t>
-            </a:r>
-            <a:endParaRPr lang="vi-VN" sz="3000" b="1" dirty="0">
-              <a:latin typeface="Times New Roman" panose="02020603050405020304" pitchFamily="18" charset="0"/>
-              <a:cs typeface="Times New Roman" panose="02020603050405020304" pitchFamily="18" charset="0"/>
-            </a:endParaRPr>
-          </a:p>
-        </p:txBody>
-      </p:sp>
-    </p:spTree>
-    <p:extLst>
-      <p:ext uri="{BB962C8B-B14F-4D97-AF65-F5344CB8AC3E}">
-        <p14:creationId xmlns:p14="http://schemas.microsoft.com/office/powerpoint/2010/main" val="720044232"/>
-      </p:ext>
-    </p:extLst>
-  </p:cSld>
-  <p:clrMapOvr>
-    <a:masterClrMapping/>
-  </p:clrMapOvr>
-</p:sld>
-</file>
-
-<file path=ppt/slides/slide11.xml><?xml version="1.0" encoding="utf-8"?>
-<p:sld xmlns:a="http://schemas.openxmlformats.org/drawingml/2006/main" xmlns:r="http://schemas.openxmlformats.org/officeDocument/2006/relationships" xmlns:p="http://schemas.openxmlformats.org/presentationml/2006/main">
-  <p:cSld>
-    <p:bg>
-      <p:bgPr>
-        <a:solidFill>
-          <a:schemeClr val="bg1"/>
-        </a:solidFill>
-        <a:effectLst/>
-      </p:bgPr>
-    </p:bg>
-    <p:spTree>
-      <p:nvGrpSpPr>
-        <p:cNvPr id="1" name=""/>
-        <p:cNvGrpSpPr/>
-        <p:nvPr/>
-      </p:nvGrpSpPr>
-      <p:grpSpPr>
-        <a:xfrm>
-          <a:off x="0" y="0"/>
-          <a:ext cx="0" cy="0"/>
-          <a:chOff x="0" y="0"/>
-          <a:chExt cx="0" cy="0"/>
-        </a:xfrm>
-      </p:grpSpPr>
-      <p:pic>
-        <p:nvPicPr>
-          <p:cNvPr id="6" name="Content Placeholder 5">
-            <a:extLst>
-              <a:ext uri="{FF2B5EF4-FFF2-40B4-BE49-F238E27FC236}">
                 <a16:creationId xmlns:a16="http://schemas.microsoft.com/office/drawing/2014/main" id="{3FAC503C-5F00-F792-D192-70934FA89488}"/>
               </a:ext>
             </a:extLst>
@@ -3909,7 +3742,7 @@
                   <a:spcPts val="600"/>
                 </a:spcAft>
               </a:pPr>
-              <a:t>11</a:t>
+              <a:t>10</a:t>
             </a:fld>
             <a:endParaRPr lang="en-US"/>
           </a:p>
@@ -3977,7 +3810,7 @@
 </p:sld>
 </file>
 
-<file path=ppt/slides/slide12.xml><?xml version="1.0" encoding="utf-8"?>
+<file path=ppt/slides/slide11.xml><?xml version="1.0" encoding="utf-8"?>
 <p:sld xmlns:a="http://schemas.openxmlformats.org/drawingml/2006/main" xmlns:r="http://schemas.openxmlformats.org/officeDocument/2006/relationships" xmlns:p="http://schemas.openxmlformats.org/presentationml/2006/main">
   <p:cSld>
     <p:bg>
@@ -4074,7 +3907,7 @@
                   <a:spcPts val="600"/>
                 </a:spcAft>
               </a:pPr>
-              <a:t>12</a:t>
+              <a:t>11</a:t>
             </a:fld>
             <a:endParaRPr lang="en-US"/>
           </a:p>
@@ -4133,6 +3966,137 @@
     <p:extLst>
       <p:ext uri="{BB962C8B-B14F-4D97-AF65-F5344CB8AC3E}">
         <p14:creationId xmlns:p14="http://schemas.microsoft.com/office/powerpoint/2010/main" val="4095175228"/>
+      </p:ext>
+    </p:extLst>
+  </p:cSld>
+  <p:clrMapOvr>
+    <a:masterClrMapping/>
+  </p:clrMapOvr>
+</p:sld>
+</file>
+
+<file path=ppt/slides/slide12.xml><?xml version="1.0" encoding="utf-8"?>
+<p:sld xmlns:a="http://schemas.openxmlformats.org/drawingml/2006/main" xmlns:r="http://schemas.openxmlformats.org/officeDocument/2006/relationships" xmlns:p="http://schemas.openxmlformats.org/presentationml/2006/main">
+  <p:cSld>
+    <p:spTree>
+      <p:nvGrpSpPr>
+        <p:cNvPr id="1" name=""/>
+        <p:cNvGrpSpPr/>
+        <p:nvPr/>
+      </p:nvGrpSpPr>
+      <p:grpSpPr>
+        <a:xfrm>
+          <a:off x="0" y="0"/>
+          <a:ext cx="0" cy="0"/>
+          <a:chOff x="0" y="0"/>
+          <a:chExt cx="0" cy="0"/>
+        </a:xfrm>
+      </p:grpSpPr>
+      <p:sp>
+        <p:nvSpPr>
+          <p:cNvPr id="4" name="Slide Number Placeholder 3">
+            <a:extLst>
+              <a:ext uri="{FF2B5EF4-FFF2-40B4-BE49-F238E27FC236}">
+                <a16:creationId xmlns:a16="http://schemas.microsoft.com/office/drawing/2014/main" id="{BB3483FB-3D4B-C99D-5BC6-7D4BD3C4EC55}"/>
+              </a:ext>
+            </a:extLst>
+          </p:cNvPr>
+          <p:cNvSpPr>
+            <a:spLocks noGrp="1"/>
+          </p:cNvSpPr>
+          <p:nvPr>
+            <p:ph type="sldNum" sz="quarter" idx="12"/>
+          </p:nvPr>
+        </p:nvSpPr>
+        <p:spPr/>
+        <p:txBody>
+          <a:bodyPr/>
+          <a:lstStyle/>
+          <a:p>
+            <a:fld id="{D1E82683-5C6A-4808-A0A5-6DC033041A1F}" type="slidenum">
+              <a:rPr lang="en-US" smtClean="0"/>
+              <a:t>12</a:t>
+            </a:fld>
+            <a:endParaRPr lang="en-US"/>
+          </a:p>
+        </p:txBody>
+      </p:sp>
+      <p:sp>
+        <p:nvSpPr>
+          <p:cNvPr id="11" name="TextBox 10">
+            <a:extLst>
+              <a:ext uri="{FF2B5EF4-FFF2-40B4-BE49-F238E27FC236}">
+                <a16:creationId xmlns:a16="http://schemas.microsoft.com/office/drawing/2014/main" id="{FAA30F7E-C7B0-F754-647F-2A15BC4F1687}"/>
+              </a:ext>
+            </a:extLst>
+          </p:cNvPr>
+          <p:cNvSpPr txBox="1"/>
+          <p:nvPr/>
+        </p:nvSpPr>
+        <p:spPr>
+          <a:xfrm>
+            <a:off x="0" y="0"/>
+            <a:ext cx="2399311" cy="553998"/>
+          </a:xfrm>
+          <a:prstGeom prst="rect">
+            <a:avLst/>
+          </a:prstGeom>
+          <a:noFill/>
+        </p:spPr>
+        <p:txBody>
+          <a:bodyPr wrap="none" rtlCol="0">
+            <a:spAutoFit/>
+          </a:bodyPr>
+          <a:lstStyle/>
+          <a:p>
+            <a:r>
+              <a:rPr lang="en-US" sz="3000" b="1" dirty="0">
+                <a:latin typeface="Times New Roman" panose="02020603050405020304" pitchFamily="18" charset="0"/>
+                <a:cs typeface="Times New Roman" panose="02020603050405020304" pitchFamily="18" charset="0"/>
+              </a:rPr>
+              <a:t>Decision Tree</a:t>
+            </a:r>
+            <a:endParaRPr lang="vi-VN" sz="3000" b="1" dirty="0">
+              <a:latin typeface="Times New Roman" panose="02020603050405020304" pitchFamily="18" charset="0"/>
+              <a:cs typeface="Times New Roman" panose="02020603050405020304" pitchFamily="18" charset="0"/>
+            </a:endParaRPr>
+          </a:p>
+        </p:txBody>
+      </p:sp>
+      <p:pic>
+        <p:nvPicPr>
+          <p:cNvPr id="3" name="Picture 2">
+            <a:extLst>
+              <a:ext uri="{FF2B5EF4-FFF2-40B4-BE49-F238E27FC236}">
+                <a16:creationId xmlns:a16="http://schemas.microsoft.com/office/drawing/2014/main" id="{7E5CCD62-FC29-0E9A-E885-5A2764378881}"/>
+              </a:ext>
+            </a:extLst>
+          </p:cNvPr>
+          <p:cNvPicPr>
+            <a:picLocks noChangeAspect="1"/>
+          </p:cNvPicPr>
+          <p:nvPr/>
+        </p:nvPicPr>
+        <p:blipFill>
+          <a:blip r:embed="rId2"/>
+          <a:stretch>
+            <a:fillRect/>
+          </a:stretch>
+        </p:blipFill>
+        <p:spPr>
+          <a:xfrm>
+            <a:off x="2259805" y="553998"/>
+            <a:ext cx="8670791" cy="6082305"/>
+          </a:xfrm>
+          <a:prstGeom prst="rect">
+            <a:avLst/>
+          </a:prstGeom>
+        </p:spPr>
+      </p:pic>
+    </p:spTree>
+    <p:extLst>
+      <p:ext uri="{BB962C8B-B14F-4D97-AF65-F5344CB8AC3E}">
+        <p14:creationId xmlns:p14="http://schemas.microsoft.com/office/powerpoint/2010/main" val="586792464"/>
       </p:ext>
     </p:extLst>
   </p:cSld>
@@ -4164,7 +4128,7 @@
           <p:cNvPr id="4" name="Slide Number Placeholder 3">
             <a:extLst>
               <a:ext uri="{FF2B5EF4-FFF2-40B4-BE49-F238E27FC236}">
-                <a16:creationId xmlns:a16="http://schemas.microsoft.com/office/drawing/2014/main" id="{C4135173-597D-6764-F55A-389FC5CCD573}"/>
+                <a16:creationId xmlns:a16="http://schemas.microsoft.com/office/drawing/2014/main" id="{34340BF6-A44C-63DA-5471-D2420BAA3E3D}"/>
               </a:ext>
             </a:extLst>
           </p:cNvPr>
@@ -4190,10 +4154,10 @@
       </p:sp>
       <p:sp>
         <p:nvSpPr>
-          <p:cNvPr id="17" name="TextBox 16">
+          <p:cNvPr id="9" name="TextBox 8">
             <a:extLst>
               <a:ext uri="{FF2B5EF4-FFF2-40B4-BE49-F238E27FC236}">
-                <a16:creationId xmlns:a16="http://schemas.microsoft.com/office/drawing/2014/main" id="{26C045E9-54C1-E65B-B72A-FA28518DEA3A}"/>
+                <a16:creationId xmlns:a16="http://schemas.microsoft.com/office/drawing/2014/main" id="{18203DFC-1C96-C735-7419-18B7F1DB1064}"/>
               </a:ext>
             </a:extLst>
           </p:cNvPr>
@@ -4202,8 +4166,8 @@
         </p:nvSpPr>
         <p:spPr>
           <a:xfrm>
-            <a:off x="290694" y="0"/>
-            <a:ext cx="4649030" cy="1015663"/>
+            <a:off x="254000" y="139700"/>
+            <a:ext cx="4416594" cy="553998"/>
           </a:xfrm>
           <a:prstGeom prst="rect">
             <a:avLst/>
@@ -4221,7 +4185,7 @@
                 <a:latin typeface="Times New Roman" panose="02020603050405020304" pitchFamily="18" charset="0"/>
                 <a:cs typeface="Times New Roman" panose="02020603050405020304" pitchFamily="18" charset="0"/>
               </a:rPr>
-              <a:t>Sự</a:t>
+              <a:t>Dự</a:t>
             </a:r>
             <a:r>
               <a:rPr lang="en-US" sz="3000" b="1" dirty="0">
@@ -4235,7 +4199,7 @@
                 <a:latin typeface="Times New Roman" panose="02020603050405020304" pitchFamily="18" charset="0"/>
                 <a:cs typeface="Times New Roman" panose="02020603050405020304" pitchFamily="18" charset="0"/>
               </a:rPr>
-              <a:t>ảnh</a:t>
+              <a:t>đoán</a:t>
             </a:r>
             <a:r>
               <a:rPr lang="en-US" sz="3000" b="1" dirty="0">
@@ -4249,7 +4213,7 @@
                 <a:latin typeface="Times New Roman" panose="02020603050405020304" pitchFamily="18" charset="0"/>
                 <a:cs typeface="Times New Roman" panose="02020603050405020304" pitchFamily="18" charset="0"/>
               </a:rPr>
-              <a:t>hưởng</a:t>
+              <a:t>dựa</a:t>
             </a:r>
             <a:r>
               <a:rPr lang="en-US" sz="3000" b="1" dirty="0">
@@ -4263,7 +4227,7 @@
                 <a:latin typeface="Times New Roman" panose="02020603050405020304" pitchFamily="18" charset="0"/>
                 <a:cs typeface="Times New Roman" panose="02020603050405020304" pitchFamily="18" charset="0"/>
               </a:rPr>
-              <a:t>đến</a:t>
+              <a:t>trên</a:t>
             </a:r>
             <a:r>
               <a:rPr lang="en-US" sz="3000" b="1" dirty="0">
@@ -4277,25 +4241,15 @@
                 <a:latin typeface="Times New Roman" panose="02020603050405020304" pitchFamily="18" charset="0"/>
                 <a:cs typeface="Times New Roman" panose="02020603050405020304" pitchFamily="18" charset="0"/>
               </a:rPr>
-              <a:t>mô</a:t>
+              <a:t>tập</a:t>
             </a:r>
             <a:r>
               <a:rPr lang="en-US" sz="3000" b="1" dirty="0">
                 <a:latin typeface="Times New Roman" panose="02020603050405020304" pitchFamily="18" charset="0"/>
                 <a:cs typeface="Times New Roman" panose="02020603050405020304" pitchFamily="18" charset="0"/>
               </a:rPr>
-              <a:t> </a:t>
-            </a:r>
-            <a:r>
-              <a:rPr lang="en-US" sz="3000" b="1" dirty="0" err="1">
-                <a:latin typeface="Times New Roman" panose="02020603050405020304" pitchFamily="18" charset="0"/>
-                <a:cs typeface="Times New Roman" panose="02020603050405020304" pitchFamily="18" charset="0"/>
-              </a:rPr>
-              <a:t>hình</a:t>
-            </a:r>
-            <a:endParaRPr lang="vi-VN" sz="3200" b="1" dirty="0"/>
-          </a:p>
-          <a:p>
+              <a:t> test</a:t>
+            </a:r>
             <a:endParaRPr lang="vi-VN" sz="3000" b="1" dirty="0">
               <a:latin typeface="Times New Roman" panose="02020603050405020304" pitchFamily="18" charset="0"/>
               <a:cs typeface="Times New Roman" panose="02020603050405020304" pitchFamily="18" charset="0"/>
@@ -4303,195 +4257,213 @@
           </a:p>
         </p:txBody>
       </p:sp>
-      <p:graphicFrame>
-        <p:nvGraphicFramePr>
-          <p:cNvPr id="6" name="Table 7">
+      <p:sp>
+        <p:nvSpPr>
+          <p:cNvPr id="10" name="TextBox 9">
             <a:extLst>
               <a:ext uri="{FF2B5EF4-FFF2-40B4-BE49-F238E27FC236}">
-                <a16:creationId xmlns:a16="http://schemas.microsoft.com/office/drawing/2014/main" id="{54841457-8376-2302-A533-39F811BE7190}"/>
+                <a16:creationId xmlns:a16="http://schemas.microsoft.com/office/drawing/2014/main" id="{8807E794-0D15-D602-E996-D420B5AB7727}"/>
               </a:ext>
             </a:extLst>
           </p:cNvPr>
-          <p:cNvGraphicFramePr>
-            <a:graphicFrameLocks noGrp="1"/>
-          </p:cNvGraphicFramePr>
+          <p:cNvSpPr txBox="1"/>
           <p:nvPr/>
-        </p:nvGraphicFramePr>
-        <p:xfrm>
-          <a:off x="1521097" y="1908386"/>
-          <a:ext cx="9149806" cy="2415420"/>
-        </p:xfrm>
-        <a:graphic>
-          <a:graphicData uri="http://schemas.openxmlformats.org/drawingml/2006/table">
-            <a:tbl>
-              <a:tblPr firstRow="1" bandRow="1">
-                <a:tableStyleId>{5C22544A-7EE6-4342-B048-85BDC9FD1C3A}</a:tableStyleId>
-              </a:tblPr>
-              <a:tblGrid>
-                <a:gridCol w="4574903">
-                  <a:extLst>
-                    <a:ext uri="{9D8B030D-6E8A-4147-A177-3AD203B41FA5}">
-                      <a16:colId xmlns:a16="http://schemas.microsoft.com/office/drawing/2014/main" val="1084309117"/>
-                    </a:ext>
-                  </a:extLst>
-                </a:gridCol>
-                <a:gridCol w="4574903">
-                  <a:extLst>
-                    <a:ext uri="{9D8B030D-6E8A-4147-A177-3AD203B41FA5}">
-                      <a16:colId xmlns:a16="http://schemas.microsoft.com/office/drawing/2014/main" val="749428022"/>
-                    </a:ext>
-                  </a:extLst>
-                </a:gridCol>
-              </a:tblGrid>
-              <a:tr h="603855">
-                <a:tc>
-                  <a:txBody>
-                    <a:bodyPr/>
-                    <a:lstStyle/>
-                    <a:p>
-                      <a:pPr algn="ctr"/>
-                      <a:r>
-                        <a:rPr lang="vi-VN" dirty="0"/>
-                        <a:t>Biến tương quan đối với giá</a:t>
-                      </a:r>
-                    </a:p>
-                  </a:txBody>
-                  <a:tcPr/>
-                </a:tc>
-                <a:tc>
-                  <a:txBody>
-                    <a:bodyPr/>
-                    <a:lstStyle/>
-                    <a:p>
-                      <a:pPr algn="ctr"/>
-                      <a:r>
-                        <a:rPr lang="vi-VN" dirty="0"/>
-                        <a:t>R-squared</a:t>
-                      </a:r>
-                    </a:p>
-                  </a:txBody>
-                  <a:tcPr/>
-                </a:tc>
-                <a:extLst>
-                  <a:ext uri="{0D108BD9-81ED-4DB2-BD59-A6C34878D82A}">
-                    <a16:rowId xmlns:a16="http://schemas.microsoft.com/office/drawing/2014/main" val="694011950"/>
-                  </a:ext>
-                </a:extLst>
-              </a:tr>
-              <a:tr h="603855">
-                <a:tc>
-                  <a:txBody>
-                    <a:bodyPr/>
-                    <a:lstStyle/>
-                    <a:p>
-                      <a:pPr algn="ctr"/>
-                      <a:r>
-                        <a:rPr lang="vi-VN" dirty="0"/>
-                        <a:t>ram</a:t>
-                      </a:r>
-                    </a:p>
-                  </a:txBody>
-                  <a:tcPr/>
-                </a:tc>
-                <a:tc>
-                  <a:txBody>
-                    <a:bodyPr/>
-                    <a:lstStyle/>
-                    <a:p>
-                      <a:pPr algn="ctr"/>
-                      <a:r>
-                        <a:rPr lang="vi-VN" dirty="0"/>
-                        <a:t>0.84</a:t>
-                      </a:r>
-                    </a:p>
-                  </a:txBody>
-                  <a:tcPr/>
-                </a:tc>
-                <a:extLst>
-                  <a:ext uri="{0D108BD9-81ED-4DB2-BD59-A6C34878D82A}">
-                    <a16:rowId xmlns:a16="http://schemas.microsoft.com/office/drawing/2014/main" val="1746795365"/>
-                  </a:ext>
-                </a:extLst>
-              </a:tr>
-              <a:tr h="603855">
-                <a:tc>
-                  <a:txBody>
-                    <a:bodyPr/>
-                    <a:lstStyle/>
-                    <a:p>
-                      <a:pPr algn="ctr"/>
-                      <a:r>
-                        <a:rPr lang="vi-VN" dirty="0"/>
-                        <a:t>ram+ battery_power</a:t>
-                      </a:r>
-                    </a:p>
-                  </a:txBody>
-                  <a:tcPr/>
-                </a:tc>
-                <a:tc>
-                  <a:txBody>
-                    <a:bodyPr/>
-                    <a:lstStyle/>
-                    <a:p>
-                      <a:pPr algn="ctr"/>
-                      <a:r>
-                        <a:rPr lang="vi-VN" dirty="0"/>
-                        <a:t>0.88</a:t>
-                      </a:r>
-                    </a:p>
-                  </a:txBody>
-                  <a:tcPr/>
-                </a:tc>
-                <a:extLst>
-                  <a:ext uri="{0D108BD9-81ED-4DB2-BD59-A6C34878D82A}">
-                    <a16:rowId xmlns:a16="http://schemas.microsoft.com/office/drawing/2014/main" val="1680074031"/>
-                  </a:ext>
-                </a:extLst>
-              </a:tr>
-              <a:tr h="603855">
-                <a:tc>
-                  <a:txBody>
-                    <a:bodyPr/>
-                    <a:lstStyle/>
-                    <a:p>
-                      <a:pPr algn="ctr"/>
-                      <a:r>
-                        <a:rPr lang="en-GB" dirty="0" err="1"/>
-                        <a:t>ram+battery_power+px_height</a:t>
-                      </a:r>
-                      <a:endParaRPr lang="vi-VN" dirty="0"/>
-                    </a:p>
-                  </a:txBody>
-                  <a:tcPr/>
-                </a:tc>
-                <a:tc>
-                  <a:txBody>
-                    <a:bodyPr/>
-                    <a:lstStyle/>
-                    <a:p>
-                      <a:pPr algn="ctr"/>
-                      <a:r>
-                        <a:rPr lang="vi-VN" dirty="0"/>
-                        <a:t>0.91</a:t>
-                      </a:r>
-                    </a:p>
-                  </a:txBody>
-                  <a:tcPr/>
-                </a:tc>
-                <a:extLst>
-                  <a:ext uri="{0D108BD9-81ED-4DB2-BD59-A6C34878D82A}">
-                    <a16:rowId xmlns:a16="http://schemas.microsoft.com/office/drawing/2014/main" val="3367016082"/>
-                  </a:ext>
-                </a:extLst>
-              </a:tr>
-            </a:tbl>
-          </a:graphicData>
-        </a:graphic>
-      </p:graphicFrame>
+        </p:nvSpPr>
+        <p:spPr>
+          <a:xfrm>
+            <a:off x="368299" y="3980051"/>
+            <a:ext cx="9382697" cy="553998"/>
+          </a:xfrm>
+          <a:prstGeom prst="rect">
+            <a:avLst/>
+          </a:prstGeom>
+          <a:noFill/>
+        </p:spPr>
+        <p:txBody>
+          <a:bodyPr wrap="none" rtlCol="0">
+            <a:spAutoFit/>
+          </a:bodyPr>
+          <a:lstStyle/>
+          <a:p>
+            <a:r>
+              <a:rPr lang="en-US" sz="3000" b="1" dirty="0" err="1">
+                <a:latin typeface="Times New Roman" panose="02020603050405020304" pitchFamily="18" charset="0"/>
+                <a:cs typeface="Times New Roman" panose="02020603050405020304" pitchFamily="18" charset="0"/>
+              </a:rPr>
+              <a:t>Tính</a:t>
+            </a:r>
+            <a:r>
+              <a:rPr lang="en-US" sz="3000" b="1" dirty="0">
+                <a:latin typeface="Times New Roman" panose="02020603050405020304" pitchFamily="18" charset="0"/>
+                <a:cs typeface="Times New Roman" panose="02020603050405020304" pitchFamily="18" charset="0"/>
+              </a:rPr>
+              <a:t> </a:t>
+            </a:r>
+            <a:r>
+              <a:rPr lang="en-US" sz="3000" b="1" dirty="0" err="1">
+                <a:latin typeface="Times New Roman" panose="02020603050405020304" pitchFamily="18" charset="0"/>
+                <a:cs typeface="Times New Roman" panose="02020603050405020304" pitchFamily="18" charset="0"/>
+              </a:rPr>
+              <a:t>độ</a:t>
+            </a:r>
+            <a:r>
+              <a:rPr lang="en-US" sz="3000" b="1" dirty="0">
+                <a:latin typeface="Times New Roman" panose="02020603050405020304" pitchFamily="18" charset="0"/>
+                <a:cs typeface="Times New Roman" panose="02020603050405020304" pitchFamily="18" charset="0"/>
+              </a:rPr>
+              <a:t> </a:t>
+            </a:r>
+            <a:r>
+              <a:rPr lang="en-US" sz="3000" b="1" dirty="0" err="1">
+                <a:latin typeface="Times New Roman" panose="02020603050405020304" pitchFamily="18" charset="0"/>
+                <a:cs typeface="Times New Roman" panose="02020603050405020304" pitchFamily="18" charset="0"/>
+              </a:rPr>
+              <a:t>chính</a:t>
+            </a:r>
+            <a:r>
+              <a:rPr lang="en-US" sz="3000" b="1" dirty="0">
+                <a:latin typeface="Times New Roman" panose="02020603050405020304" pitchFamily="18" charset="0"/>
+                <a:cs typeface="Times New Roman" panose="02020603050405020304" pitchFamily="18" charset="0"/>
+              </a:rPr>
+              <a:t> </a:t>
+            </a:r>
+            <a:r>
+              <a:rPr lang="en-US" sz="3000" b="1" dirty="0" err="1">
+                <a:latin typeface="Times New Roman" panose="02020603050405020304" pitchFamily="18" charset="0"/>
+                <a:cs typeface="Times New Roman" panose="02020603050405020304" pitchFamily="18" charset="0"/>
+              </a:rPr>
+              <a:t>xác</a:t>
+            </a:r>
+            <a:r>
+              <a:rPr lang="en-US" sz="3000" b="1" dirty="0">
+                <a:latin typeface="Times New Roman" panose="02020603050405020304" pitchFamily="18" charset="0"/>
+                <a:cs typeface="Times New Roman" panose="02020603050405020304" pitchFamily="18" charset="0"/>
+              </a:rPr>
+              <a:t> </a:t>
+            </a:r>
+            <a:r>
+              <a:rPr lang="en-US" sz="3000" b="1" dirty="0" err="1">
+                <a:latin typeface="Times New Roman" panose="02020603050405020304" pitchFamily="18" charset="0"/>
+                <a:cs typeface="Times New Roman" panose="02020603050405020304" pitchFamily="18" charset="0"/>
+              </a:rPr>
+              <a:t>của</a:t>
+            </a:r>
+            <a:r>
+              <a:rPr lang="en-US" sz="3000" b="1" dirty="0">
+                <a:latin typeface="Times New Roman" panose="02020603050405020304" pitchFamily="18" charset="0"/>
+                <a:cs typeface="Times New Roman" panose="02020603050405020304" pitchFamily="18" charset="0"/>
+              </a:rPr>
+              <a:t> </a:t>
+            </a:r>
+            <a:r>
+              <a:rPr lang="en-US" sz="3000" b="1" dirty="0" err="1">
+                <a:latin typeface="Times New Roman" panose="02020603050405020304" pitchFamily="18" charset="0"/>
+                <a:cs typeface="Times New Roman" panose="02020603050405020304" pitchFamily="18" charset="0"/>
+              </a:rPr>
+              <a:t>mô</a:t>
+            </a:r>
+            <a:r>
+              <a:rPr lang="en-US" sz="3000" b="1" dirty="0">
+                <a:latin typeface="Times New Roman" panose="02020603050405020304" pitchFamily="18" charset="0"/>
+                <a:cs typeface="Times New Roman" panose="02020603050405020304" pitchFamily="18" charset="0"/>
+              </a:rPr>
+              <a:t> </a:t>
+            </a:r>
+            <a:r>
+              <a:rPr lang="en-US" sz="3000" b="1" dirty="0" err="1">
+                <a:latin typeface="Times New Roman" panose="02020603050405020304" pitchFamily="18" charset="0"/>
+                <a:cs typeface="Times New Roman" panose="02020603050405020304" pitchFamily="18" charset="0"/>
+              </a:rPr>
+              <a:t>hình</a:t>
+            </a:r>
+            <a:r>
+              <a:rPr lang="en-US" sz="3000" b="1" dirty="0">
+                <a:latin typeface="Times New Roman" panose="02020603050405020304" pitchFamily="18" charset="0"/>
+                <a:cs typeface="Times New Roman" panose="02020603050405020304" pitchFamily="18" charset="0"/>
+              </a:rPr>
+              <a:t> </a:t>
+            </a:r>
+            <a:r>
+              <a:rPr lang="en-US" sz="3000" b="1" dirty="0" err="1">
+                <a:latin typeface="Times New Roman" panose="02020603050405020304" pitchFamily="18" charset="0"/>
+                <a:cs typeface="Times New Roman" panose="02020603050405020304" pitchFamily="18" charset="0"/>
+              </a:rPr>
+              <a:t>bằng</a:t>
+            </a:r>
+            <a:r>
+              <a:rPr lang="en-US" sz="3000" b="1" dirty="0">
+                <a:latin typeface="Times New Roman" panose="02020603050405020304" pitchFamily="18" charset="0"/>
+                <a:cs typeface="Times New Roman" panose="02020603050405020304" pitchFamily="18" charset="0"/>
+              </a:rPr>
+              <a:t> confusion matrix:</a:t>
+            </a:r>
+          </a:p>
+        </p:txBody>
+      </p:sp>
+      <p:pic>
+        <p:nvPicPr>
+          <p:cNvPr id="7" name="Picture 6">
+            <a:extLst>
+              <a:ext uri="{FF2B5EF4-FFF2-40B4-BE49-F238E27FC236}">
+                <a16:creationId xmlns:a16="http://schemas.microsoft.com/office/drawing/2014/main" id="{11788ECF-6248-703E-9610-76B5DED01855}"/>
+              </a:ext>
+            </a:extLst>
+          </p:cNvPr>
+          <p:cNvPicPr>
+            <a:picLocks noChangeAspect="1"/>
+          </p:cNvPicPr>
+          <p:nvPr/>
+        </p:nvPicPr>
+        <p:blipFill>
+          <a:blip r:embed="rId2"/>
+          <a:stretch>
+            <a:fillRect/>
+          </a:stretch>
+        </p:blipFill>
+        <p:spPr>
+          <a:xfrm>
+            <a:off x="3971558" y="802153"/>
+            <a:ext cx="5862354" cy="3066462"/>
+          </a:xfrm>
+          <a:prstGeom prst="rect">
+            <a:avLst/>
+          </a:prstGeom>
+        </p:spPr>
+      </p:pic>
+      <p:pic>
+        <p:nvPicPr>
+          <p:cNvPr id="12" name="Picture 11">
+            <a:extLst>
+              <a:ext uri="{FF2B5EF4-FFF2-40B4-BE49-F238E27FC236}">
+                <a16:creationId xmlns:a16="http://schemas.microsoft.com/office/drawing/2014/main" id="{03A630E5-4E96-354E-9948-C18A905264BD}"/>
+              </a:ext>
+            </a:extLst>
+          </p:cNvPr>
+          <p:cNvPicPr>
+            <a:picLocks noChangeAspect="1"/>
+          </p:cNvPicPr>
+          <p:nvPr/>
+        </p:nvPicPr>
+        <p:blipFill>
+          <a:blip r:embed="rId3"/>
+          <a:stretch>
+            <a:fillRect/>
+          </a:stretch>
+        </p:blipFill>
+        <p:spPr>
+          <a:xfrm>
+            <a:off x="2462297" y="4854002"/>
+            <a:ext cx="9288991" cy="1263576"/>
+          </a:xfrm>
+          <a:prstGeom prst="rect">
+            <a:avLst/>
+          </a:prstGeom>
+        </p:spPr>
+      </p:pic>
     </p:spTree>
     <p:extLst>
       <p:ext uri="{BB962C8B-B14F-4D97-AF65-F5344CB8AC3E}">
-        <p14:creationId xmlns:p14="http://schemas.microsoft.com/office/powerpoint/2010/main" val="2076951143"/>
+        <p14:creationId xmlns:p14="http://schemas.microsoft.com/office/powerpoint/2010/main" val="3884836523"/>
       </p:ext>
     </p:extLst>
   </p:cSld>
@@ -4523,504 +4495,6 @@
           <p:cNvPr id="4" name="Slide Number Placeholder 3">
             <a:extLst>
               <a:ext uri="{FF2B5EF4-FFF2-40B4-BE49-F238E27FC236}">
-                <a16:creationId xmlns:a16="http://schemas.microsoft.com/office/drawing/2014/main" id="{BB3483FB-3D4B-C99D-5BC6-7D4BD3C4EC55}"/>
-              </a:ext>
-            </a:extLst>
-          </p:cNvPr>
-          <p:cNvSpPr>
-            <a:spLocks noGrp="1"/>
-          </p:cNvSpPr>
-          <p:nvPr>
-            <p:ph type="sldNum" sz="quarter" idx="12"/>
-          </p:nvPr>
-        </p:nvSpPr>
-        <p:spPr/>
-        <p:txBody>
-          <a:bodyPr/>
-          <a:lstStyle/>
-          <a:p>
-            <a:fld id="{D1E82683-5C6A-4808-A0A5-6DC033041A1F}" type="slidenum">
-              <a:rPr lang="en-US" smtClean="0"/>
-              <a:t>14</a:t>
-            </a:fld>
-            <a:endParaRPr lang="en-US"/>
-          </a:p>
-        </p:txBody>
-      </p:sp>
-      <p:pic>
-        <p:nvPicPr>
-          <p:cNvPr id="6" name="Picture 5">
-            <a:extLst>
-              <a:ext uri="{FF2B5EF4-FFF2-40B4-BE49-F238E27FC236}">
-                <a16:creationId xmlns:a16="http://schemas.microsoft.com/office/drawing/2014/main" id="{967DE219-DDBD-98D9-30CF-54F8C9290DA2}"/>
-              </a:ext>
-            </a:extLst>
-          </p:cNvPr>
-          <p:cNvPicPr>
-            <a:picLocks noChangeAspect="1"/>
-          </p:cNvPicPr>
-          <p:nvPr/>
-        </p:nvPicPr>
-        <p:blipFill>
-          <a:blip r:embed="rId2"/>
-          <a:stretch>
-            <a:fillRect/>
-          </a:stretch>
-        </p:blipFill>
-        <p:spPr>
-          <a:xfrm>
-            <a:off x="2145838" y="948531"/>
-            <a:ext cx="7900323" cy="4960938"/>
-          </a:xfrm>
-          <a:prstGeom prst="rect">
-            <a:avLst/>
-          </a:prstGeom>
-        </p:spPr>
-      </p:pic>
-      <p:sp>
-        <p:nvSpPr>
-          <p:cNvPr id="11" name="TextBox 10">
-            <a:extLst>
-              <a:ext uri="{FF2B5EF4-FFF2-40B4-BE49-F238E27FC236}">
-                <a16:creationId xmlns:a16="http://schemas.microsoft.com/office/drawing/2014/main" id="{FAA30F7E-C7B0-F754-647F-2A15BC4F1687}"/>
-              </a:ext>
-            </a:extLst>
-          </p:cNvPr>
-          <p:cNvSpPr txBox="1"/>
-          <p:nvPr/>
-        </p:nvSpPr>
-        <p:spPr>
-          <a:xfrm>
-            <a:off x="0" y="0"/>
-            <a:ext cx="2399311" cy="553998"/>
-          </a:xfrm>
-          <a:prstGeom prst="rect">
-            <a:avLst/>
-          </a:prstGeom>
-          <a:noFill/>
-        </p:spPr>
-        <p:txBody>
-          <a:bodyPr wrap="none" rtlCol="0">
-            <a:spAutoFit/>
-          </a:bodyPr>
-          <a:lstStyle/>
-          <a:p>
-            <a:r>
-              <a:rPr lang="en-US" sz="3000" b="1" dirty="0">
-                <a:latin typeface="Times New Roman" panose="02020603050405020304" pitchFamily="18" charset="0"/>
-                <a:cs typeface="Times New Roman" panose="02020603050405020304" pitchFamily="18" charset="0"/>
-              </a:rPr>
-              <a:t>Decision Tree</a:t>
-            </a:r>
-            <a:endParaRPr lang="vi-VN" sz="3000" b="1" dirty="0">
-              <a:latin typeface="Times New Roman" panose="02020603050405020304" pitchFamily="18" charset="0"/>
-              <a:cs typeface="Times New Roman" panose="02020603050405020304" pitchFamily="18" charset="0"/>
-            </a:endParaRPr>
-          </a:p>
-        </p:txBody>
-      </p:sp>
-    </p:spTree>
-    <p:extLst>
-      <p:ext uri="{BB962C8B-B14F-4D97-AF65-F5344CB8AC3E}">
-        <p14:creationId xmlns:p14="http://schemas.microsoft.com/office/powerpoint/2010/main" val="586792464"/>
-      </p:ext>
-    </p:extLst>
-  </p:cSld>
-  <p:clrMapOvr>
-    <a:masterClrMapping/>
-  </p:clrMapOvr>
-</p:sld>
-</file>
-
-<file path=ppt/slides/slide15.xml><?xml version="1.0" encoding="utf-8"?>
-<p:sld xmlns:a="http://schemas.openxmlformats.org/drawingml/2006/main" xmlns:r="http://schemas.openxmlformats.org/officeDocument/2006/relationships" xmlns:p="http://schemas.openxmlformats.org/presentationml/2006/main">
-  <p:cSld>
-    <p:spTree>
-      <p:nvGrpSpPr>
-        <p:cNvPr id="1" name=""/>
-        <p:cNvGrpSpPr/>
-        <p:nvPr/>
-      </p:nvGrpSpPr>
-      <p:grpSpPr>
-        <a:xfrm>
-          <a:off x="0" y="0"/>
-          <a:ext cx="0" cy="0"/>
-          <a:chOff x="0" y="0"/>
-          <a:chExt cx="0" cy="0"/>
-        </a:xfrm>
-      </p:grpSpPr>
-      <p:sp>
-        <p:nvSpPr>
-          <p:cNvPr id="4" name="Slide Number Placeholder 3">
-            <a:extLst>
-              <a:ext uri="{FF2B5EF4-FFF2-40B4-BE49-F238E27FC236}">
-                <a16:creationId xmlns:a16="http://schemas.microsoft.com/office/drawing/2014/main" id="{34340BF6-A44C-63DA-5471-D2420BAA3E3D}"/>
-              </a:ext>
-            </a:extLst>
-          </p:cNvPr>
-          <p:cNvSpPr>
-            <a:spLocks noGrp="1"/>
-          </p:cNvSpPr>
-          <p:nvPr>
-            <p:ph type="sldNum" sz="quarter" idx="12"/>
-          </p:nvPr>
-        </p:nvSpPr>
-        <p:spPr/>
-        <p:txBody>
-          <a:bodyPr/>
-          <a:lstStyle/>
-          <a:p>
-            <a:fld id="{D1E82683-5C6A-4808-A0A5-6DC033041A1F}" type="slidenum">
-              <a:rPr lang="en-US" smtClean="0"/>
-              <a:t>15</a:t>
-            </a:fld>
-            <a:endParaRPr lang="en-US"/>
-          </a:p>
-        </p:txBody>
-      </p:sp>
-      <p:pic>
-        <p:nvPicPr>
-          <p:cNvPr id="6" name="Picture 5">
-            <a:extLst>
-              <a:ext uri="{FF2B5EF4-FFF2-40B4-BE49-F238E27FC236}">
-                <a16:creationId xmlns:a16="http://schemas.microsoft.com/office/drawing/2014/main" id="{8C70DFFB-23D0-C4BA-E3D0-2F6B18F3D6B7}"/>
-              </a:ext>
-            </a:extLst>
-          </p:cNvPr>
-          <p:cNvPicPr>
-            <a:picLocks noChangeAspect="1"/>
-          </p:cNvPicPr>
-          <p:nvPr/>
-        </p:nvPicPr>
-        <p:blipFill>
-          <a:blip r:embed="rId2"/>
-          <a:stretch>
-            <a:fillRect/>
-          </a:stretch>
-        </p:blipFill>
-        <p:spPr>
-          <a:xfrm>
-            <a:off x="3404979" y="276999"/>
-            <a:ext cx="5382041" cy="3325980"/>
-          </a:xfrm>
-          <a:prstGeom prst="rect">
-            <a:avLst/>
-          </a:prstGeom>
-        </p:spPr>
-      </p:pic>
-      <p:pic>
-        <p:nvPicPr>
-          <p:cNvPr id="8" name="Picture 7">
-            <a:extLst>
-              <a:ext uri="{FF2B5EF4-FFF2-40B4-BE49-F238E27FC236}">
-                <a16:creationId xmlns:a16="http://schemas.microsoft.com/office/drawing/2014/main" id="{AD8A3E9B-6952-2564-C95A-F5625FC50161}"/>
-              </a:ext>
-            </a:extLst>
-          </p:cNvPr>
-          <p:cNvPicPr>
-            <a:picLocks noChangeAspect="1"/>
-          </p:cNvPicPr>
-          <p:nvPr/>
-        </p:nvPicPr>
-        <p:blipFill>
-          <a:blip r:embed="rId3"/>
-          <a:stretch>
-            <a:fillRect/>
-          </a:stretch>
-        </p:blipFill>
-        <p:spPr>
-          <a:xfrm>
-            <a:off x="3344639" y="4774877"/>
-            <a:ext cx="5991627" cy="990923"/>
-          </a:xfrm>
-          <a:prstGeom prst="rect">
-            <a:avLst/>
-          </a:prstGeom>
-        </p:spPr>
-      </p:pic>
-      <p:sp>
-        <p:nvSpPr>
-          <p:cNvPr id="9" name="TextBox 8">
-            <a:extLst>
-              <a:ext uri="{FF2B5EF4-FFF2-40B4-BE49-F238E27FC236}">
-                <a16:creationId xmlns:a16="http://schemas.microsoft.com/office/drawing/2014/main" id="{18203DFC-1C96-C735-7419-18B7F1DB1064}"/>
-              </a:ext>
-            </a:extLst>
-          </p:cNvPr>
-          <p:cNvSpPr txBox="1"/>
-          <p:nvPr/>
-        </p:nvSpPr>
-        <p:spPr>
-          <a:xfrm>
-            <a:off x="254000" y="139700"/>
-            <a:ext cx="4416594" cy="553998"/>
-          </a:xfrm>
-          <a:prstGeom prst="rect">
-            <a:avLst/>
-          </a:prstGeom>
-          <a:noFill/>
-        </p:spPr>
-        <p:txBody>
-          <a:bodyPr wrap="none" rtlCol="0">
-            <a:spAutoFit/>
-          </a:bodyPr>
-          <a:lstStyle/>
-          <a:p>
-            <a:r>
-              <a:rPr lang="en-US" sz="3000" b="1" dirty="0" err="1">
-                <a:latin typeface="Times New Roman" panose="02020603050405020304" pitchFamily="18" charset="0"/>
-                <a:cs typeface="Times New Roman" panose="02020603050405020304" pitchFamily="18" charset="0"/>
-              </a:rPr>
-              <a:t>Dự</a:t>
-            </a:r>
-            <a:r>
-              <a:rPr lang="en-US" sz="3000" b="1" dirty="0">
-                <a:latin typeface="Times New Roman" panose="02020603050405020304" pitchFamily="18" charset="0"/>
-                <a:cs typeface="Times New Roman" panose="02020603050405020304" pitchFamily="18" charset="0"/>
-              </a:rPr>
-              <a:t> </a:t>
-            </a:r>
-            <a:r>
-              <a:rPr lang="en-US" sz="3000" b="1" dirty="0" err="1">
-                <a:latin typeface="Times New Roman" panose="02020603050405020304" pitchFamily="18" charset="0"/>
-                <a:cs typeface="Times New Roman" panose="02020603050405020304" pitchFamily="18" charset="0"/>
-              </a:rPr>
-              <a:t>đoán</a:t>
-            </a:r>
-            <a:r>
-              <a:rPr lang="en-US" sz="3000" b="1" dirty="0">
-                <a:latin typeface="Times New Roman" panose="02020603050405020304" pitchFamily="18" charset="0"/>
-                <a:cs typeface="Times New Roman" panose="02020603050405020304" pitchFamily="18" charset="0"/>
-              </a:rPr>
-              <a:t> </a:t>
-            </a:r>
-            <a:r>
-              <a:rPr lang="en-US" sz="3000" b="1" dirty="0" err="1">
-                <a:latin typeface="Times New Roman" panose="02020603050405020304" pitchFamily="18" charset="0"/>
-                <a:cs typeface="Times New Roman" panose="02020603050405020304" pitchFamily="18" charset="0"/>
-              </a:rPr>
-              <a:t>dựa</a:t>
-            </a:r>
-            <a:r>
-              <a:rPr lang="en-US" sz="3000" b="1" dirty="0">
-                <a:latin typeface="Times New Roman" panose="02020603050405020304" pitchFamily="18" charset="0"/>
-                <a:cs typeface="Times New Roman" panose="02020603050405020304" pitchFamily="18" charset="0"/>
-              </a:rPr>
-              <a:t> </a:t>
-            </a:r>
-            <a:r>
-              <a:rPr lang="en-US" sz="3000" b="1" dirty="0" err="1">
-                <a:latin typeface="Times New Roman" panose="02020603050405020304" pitchFamily="18" charset="0"/>
-                <a:cs typeface="Times New Roman" panose="02020603050405020304" pitchFamily="18" charset="0"/>
-              </a:rPr>
-              <a:t>trên</a:t>
-            </a:r>
-            <a:r>
-              <a:rPr lang="en-US" sz="3000" b="1" dirty="0">
-                <a:latin typeface="Times New Roman" panose="02020603050405020304" pitchFamily="18" charset="0"/>
-                <a:cs typeface="Times New Roman" panose="02020603050405020304" pitchFamily="18" charset="0"/>
-              </a:rPr>
-              <a:t> </a:t>
-            </a:r>
-            <a:r>
-              <a:rPr lang="en-US" sz="3000" b="1" dirty="0" err="1">
-                <a:latin typeface="Times New Roman" panose="02020603050405020304" pitchFamily="18" charset="0"/>
-                <a:cs typeface="Times New Roman" panose="02020603050405020304" pitchFamily="18" charset="0"/>
-              </a:rPr>
-              <a:t>tập</a:t>
-            </a:r>
-            <a:r>
-              <a:rPr lang="en-US" sz="3000" b="1" dirty="0">
-                <a:latin typeface="Times New Roman" panose="02020603050405020304" pitchFamily="18" charset="0"/>
-                <a:cs typeface="Times New Roman" panose="02020603050405020304" pitchFamily="18" charset="0"/>
-              </a:rPr>
-              <a:t> test</a:t>
-            </a:r>
-            <a:endParaRPr lang="vi-VN" sz="3000" b="1" dirty="0">
-              <a:latin typeface="Times New Roman" panose="02020603050405020304" pitchFamily="18" charset="0"/>
-              <a:cs typeface="Times New Roman" panose="02020603050405020304" pitchFamily="18" charset="0"/>
-            </a:endParaRPr>
-          </a:p>
-        </p:txBody>
-      </p:sp>
-      <p:sp>
-        <p:nvSpPr>
-          <p:cNvPr id="10" name="TextBox 9">
-            <a:extLst>
-              <a:ext uri="{FF2B5EF4-FFF2-40B4-BE49-F238E27FC236}">
-                <a16:creationId xmlns:a16="http://schemas.microsoft.com/office/drawing/2014/main" id="{8807E794-0D15-D602-E996-D420B5AB7727}"/>
-              </a:ext>
-            </a:extLst>
-          </p:cNvPr>
-          <p:cNvSpPr txBox="1"/>
-          <p:nvPr/>
-        </p:nvSpPr>
-        <p:spPr>
-          <a:xfrm>
-            <a:off x="368299" y="3980051"/>
-            <a:ext cx="9382697" cy="553998"/>
-          </a:xfrm>
-          <a:prstGeom prst="rect">
-            <a:avLst/>
-          </a:prstGeom>
-          <a:noFill/>
-        </p:spPr>
-        <p:txBody>
-          <a:bodyPr wrap="none" rtlCol="0">
-            <a:spAutoFit/>
-          </a:bodyPr>
-          <a:lstStyle/>
-          <a:p>
-            <a:r>
-              <a:rPr lang="en-US" sz="3000" b="1" dirty="0" err="1">
-                <a:latin typeface="Times New Roman" panose="02020603050405020304" pitchFamily="18" charset="0"/>
-                <a:cs typeface="Times New Roman" panose="02020603050405020304" pitchFamily="18" charset="0"/>
-              </a:rPr>
-              <a:t>Tính</a:t>
-            </a:r>
-            <a:r>
-              <a:rPr lang="en-US" sz="3000" b="1" dirty="0">
-                <a:latin typeface="Times New Roman" panose="02020603050405020304" pitchFamily="18" charset="0"/>
-                <a:cs typeface="Times New Roman" panose="02020603050405020304" pitchFamily="18" charset="0"/>
-              </a:rPr>
-              <a:t> </a:t>
-            </a:r>
-            <a:r>
-              <a:rPr lang="en-US" sz="3000" b="1" dirty="0" err="1">
-                <a:latin typeface="Times New Roman" panose="02020603050405020304" pitchFamily="18" charset="0"/>
-                <a:cs typeface="Times New Roman" panose="02020603050405020304" pitchFamily="18" charset="0"/>
-              </a:rPr>
-              <a:t>độ</a:t>
-            </a:r>
-            <a:r>
-              <a:rPr lang="en-US" sz="3000" b="1" dirty="0">
-                <a:latin typeface="Times New Roman" panose="02020603050405020304" pitchFamily="18" charset="0"/>
-                <a:cs typeface="Times New Roman" panose="02020603050405020304" pitchFamily="18" charset="0"/>
-              </a:rPr>
-              <a:t> </a:t>
-            </a:r>
-            <a:r>
-              <a:rPr lang="en-US" sz="3000" b="1" dirty="0" err="1">
-                <a:latin typeface="Times New Roman" panose="02020603050405020304" pitchFamily="18" charset="0"/>
-                <a:cs typeface="Times New Roman" panose="02020603050405020304" pitchFamily="18" charset="0"/>
-              </a:rPr>
-              <a:t>chính</a:t>
-            </a:r>
-            <a:r>
-              <a:rPr lang="en-US" sz="3000" b="1" dirty="0">
-                <a:latin typeface="Times New Roman" panose="02020603050405020304" pitchFamily="18" charset="0"/>
-                <a:cs typeface="Times New Roman" panose="02020603050405020304" pitchFamily="18" charset="0"/>
-              </a:rPr>
-              <a:t> </a:t>
-            </a:r>
-            <a:r>
-              <a:rPr lang="en-US" sz="3000" b="1" dirty="0" err="1">
-                <a:latin typeface="Times New Roman" panose="02020603050405020304" pitchFamily="18" charset="0"/>
-                <a:cs typeface="Times New Roman" panose="02020603050405020304" pitchFamily="18" charset="0"/>
-              </a:rPr>
-              <a:t>xác</a:t>
-            </a:r>
-            <a:r>
-              <a:rPr lang="en-US" sz="3000" b="1" dirty="0">
-                <a:latin typeface="Times New Roman" panose="02020603050405020304" pitchFamily="18" charset="0"/>
-                <a:cs typeface="Times New Roman" panose="02020603050405020304" pitchFamily="18" charset="0"/>
-              </a:rPr>
-              <a:t> </a:t>
-            </a:r>
-            <a:r>
-              <a:rPr lang="en-US" sz="3000" b="1" dirty="0" err="1">
-                <a:latin typeface="Times New Roman" panose="02020603050405020304" pitchFamily="18" charset="0"/>
-                <a:cs typeface="Times New Roman" panose="02020603050405020304" pitchFamily="18" charset="0"/>
-              </a:rPr>
-              <a:t>của</a:t>
-            </a:r>
-            <a:r>
-              <a:rPr lang="en-US" sz="3000" b="1" dirty="0">
-                <a:latin typeface="Times New Roman" panose="02020603050405020304" pitchFamily="18" charset="0"/>
-                <a:cs typeface="Times New Roman" panose="02020603050405020304" pitchFamily="18" charset="0"/>
-              </a:rPr>
-              <a:t> </a:t>
-            </a:r>
-            <a:r>
-              <a:rPr lang="en-US" sz="3000" b="1" dirty="0" err="1">
-                <a:latin typeface="Times New Roman" panose="02020603050405020304" pitchFamily="18" charset="0"/>
-                <a:cs typeface="Times New Roman" panose="02020603050405020304" pitchFamily="18" charset="0"/>
-              </a:rPr>
-              <a:t>mô</a:t>
-            </a:r>
-            <a:r>
-              <a:rPr lang="en-US" sz="3000" b="1" dirty="0">
-                <a:latin typeface="Times New Roman" panose="02020603050405020304" pitchFamily="18" charset="0"/>
-                <a:cs typeface="Times New Roman" panose="02020603050405020304" pitchFamily="18" charset="0"/>
-              </a:rPr>
-              <a:t> </a:t>
-            </a:r>
-            <a:r>
-              <a:rPr lang="en-US" sz="3000" b="1" dirty="0" err="1">
-                <a:latin typeface="Times New Roman" panose="02020603050405020304" pitchFamily="18" charset="0"/>
-                <a:cs typeface="Times New Roman" panose="02020603050405020304" pitchFamily="18" charset="0"/>
-              </a:rPr>
-              <a:t>hình</a:t>
-            </a:r>
-            <a:r>
-              <a:rPr lang="en-US" sz="3000" b="1" dirty="0">
-                <a:latin typeface="Times New Roman" panose="02020603050405020304" pitchFamily="18" charset="0"/>
-                <a:cs typeface="Times New Roman" panose="02020603050405020304" pitchFamily="18" charset="0"/>
-              </a:rPr>
-              <a:t> </a:t>
-            </a:r>
-            <a:r>
-              <a:rPr lang="en-US" sz="3000" b="1" dirty="0" err="1">
-                <a:latin typeface="Times New Roman" panose="02020603050405020304" pitchFamily="18" charset="0"/>
-                <a:cs typeface="Times New Roman" panose="02020603050405020304" pitchFamily="18" charset="0"/>
-              </a:rPr>
-              <a:t>bằng</a:t>
-            </a:r>
-            <a:r>
-              <a:rPr lang="en-US" sz="3000" b="1" dirty="0">
-                <a:latin typeface="Times New Roman" panose="02020603050405020304" pitchFamily="18" charset="0"/>
-                <a:cs typeface="Times New Roman" panose="02020603050405020304" pitchFamily="18" charset="0"/>
-              </a:rPr>
-              <a:t> confusion matrix:</a:t>
-            </a:r>
-          </a:p>
-        </p:txBody>
-      </p:sp>
-    </p:spTree>
-    <p:extLst>
-      <p:ext uri="{BB962C8B-B14F-4D97-AF65-F5344CB8AC3E}">
-        <p14:creationId xmlns:p14="http://schemas.microsoft.com/office/powerpoint/2010/main" val="3884836523"/>
-      </p:ext>
-    </p:extLst>
-  </p:cSld>
-  <p:clrMapOvr>
-    <a:masterClrMapping/>
-  </p:clrMapOvr>
-</p:sld>
-</file>
-
-<file path=ppt/slides/slide16.xml><?xml version="1.0" encoding="utf-8"?>
-<p:sld xmlns:a="http://schemas.openxmlformats.org/drawingml/2006/main" xmlns:r="http://schemas.openxmlformats.org/officeDocument/2006/relationships" xmlns:p="http://schemas.openxmlformats.org/presentationml/2006/main">
-  <p:cSld>
-    <p:spTree>
-      <p:nvGrpSpPr>
-        <p:cNvPr id="1" name=""/>
-        <p:cNvGrpSpPr/>
-        <p:nvPr/>
-      </p:nvGrpSpPr>
-      <p:grpSpPr>
-        <a:xfrm>
-          <a:off x="0" y="0"/>
-          <a:ext cx="0" cy="0"/>
-          <a:chOff x="0" y="0"/>
-          <a:chExt cx="0" cy="0"/>
-        </a:xfrm>
-      </p:grpSpPr>
-      <p:sp>
-        <p:nvSpPr>
-          <p:cNvPr id="4" name="Slide Number Placeholder 3">
-            <a:extLst>
-              <a:ext uri="{FF2B5EF4-FFF2-40B4-BE49-F238E27FC236}">
                 <a16:creationId xmlns:a16="http://schemas.microsoft.com/office/drawing/2014/main" id="{C4135173-597D-6764-F55A-389FC5CCD573}"/>
               </a:ext>
             </a:extLst>
@@ -5039,7 +4513,7 @@
           <a:p>
             <a:fld id="{D1E82683-5C6A-4808-A0A5-6DC033041A1F}" type="slidenum">
               <a:rPr lang="en-US" smtClean="0"/>
-              <a:t>16</a:t>
+              <a:t>14</a:t>
             </a:fld>
             <a:endParaRPr lang="en-US"/>
           </a:p>
@@ -5281,7 +4755,7 @@
 </p:sld>
 </file>
 
-<file path=ppt/slides/slide17.xml><?xml version="1.0" encoding="utf-8"?>
+<file path=ppt/slides/slide15.xml><?xml version="1.0" encoding="utf-8"?>
 <p:sld xmlns:a="http://schemas.openxmlformats.org/drawingml/2006/main" xmlns:r="http://schemas.openxmlformats.org/officeDocument/2006/relationships" xmlns:p="http://schemas.openxmlformats.org/presentationml/2006/main">
   <p:cSld>
     <p:spTree>
@@ -5321,7 +4795,7 @@
           <a:p>
             <a:fld id="{D1E82683-5C6A-4808-A0A5-6DC033041A1F}" type="slidenum">
               <a:rPr lang="en-US" smtClean="0"/>
-              <a:t>17</a:t>
+              <a:t>15</a:t>
             </a:fld>
             <a:endParaRPr lang="en-US"/>
           </a:p>
@@ -5422,7 +4896,7 @@
           <p:nvPr>
             <p:extLst>
               <p:ext uri="{D42A27DB-BD31-4B8C-83A1-F6EECF244321}">
-                <p14:modId xmlns:p14="http://schemas.microsoft.com/office/powerpoint/2010/main" val="412302957"/>
+                <p14:modId xmlns:p14="http://schemas.microsoft.com/office/powerpoint/2010/main" val="3195982505"/>
               </p:ext>
             </p:extLst>
           </p:nvPr>
@@ -5546,7 +5020,7 @@
                       <a:pPr algn="ctr"/>
                       <a:r>
                         <a:rPr lang="vi-VN" dirty="0"/>
-                        <a:t>0.89</a:t>
+                        <a:t>0.79</a:t>
                       </a:r>
                     </a:p>
                   </a:txBody>
@@ -5575,7 +5049,7 @@
 </p:sld>
 </file>
 
-<file path=ppt/slides/slide18.xml><?xml version="1.0" encoding="utf-8"?>
+<file path=ppt/slides/slide16.xml><?xml version="1.0" encoding="utf-8"?>
 <p:sld xmlns:a="http://schemas.openxmlformats.org/drawingml/2006/main" xmlns:r="http://schemas.openxmlformats.org/officeDocument/2006/relationships" xmlns:p="http://schemas.openxmlformats.org/presentationml/2006/main">
   <p:cSld>
     <p:spTree>
@@ -5615,7 +5089,7 @@
           <a:p>
             <a:fld id="{D1E82683-5C6A-4808-A0A5-6DC033041A1F}" type="slidenum">
               <a:rPr lang="en-US" smtClean="0"/>
-              <a:t>18</a:t>
+              <a:t>16</a:t>
             </a:fld>
             <a:endParaRPr lang="en-US"/>
           </a:p>
@@ -5798,7 +5272,7 @@
                     <a:p>
                       <a:pPr algn="ctr"/>
                       <a:r>
-                        <a:rPr lang="en-US"/>
+                        <a:rPr lang="en-US" dirty="0"/>
                         <a:t>MSE</a:t>
                       </a:r>
                       <a:endParaRPr lang="vi-VN" dirty="0"/>
@@ -5834,10 +5308,9 @@
                     <a:p>
                       <a:pPr algn="ctr"/>
                       <a:r>
-                        <a:rPr lang="vi-VN"/>
+                        <a:rPr lang="vi-VN" dirty="0"/>
                         <a:t>0.24</a:t>
                       </a:r>
-                      <a:endParaRPr lang="vi-VN" dirty="0"/>
                     </a:p>
                   </a:txBody>
                   <a:tcPr/>
@@ -5979,14 +5452,14 @@
           <p:nvPr>
             <p:extLst>
               <p:ext uri="{D42A27DB-BD31-4B8C-83A1-F6EECF244321}">
-                <p14:modId xmlns:p14="http://schemas.microsoft.com/office/powerpoint/2010/main" val="3490332569"/>
+                <p14:modId xmlns:p14="http://schemas.microsoft.com/office/powerpoint/2010/main" val="1343693578"/>
               </p:ext>
             </p:extLst>
           </p:nvPr>
         </p:nvGraphicFramePr>
         <p:xfrm>
           <a:off x="2506896" y="4105727"/>
-          <a:ext cx="7607300" cy="1483360"/>
+          <a:ext cx="7607300" cy="1507673"/>
         </p:xfrm>
         <a:graphic>
           <a:graphicData uri="http://schemas.openxmlformats.org/drawingml/2006/table">
@@ -6091,10 +5564,9 @@
                     <a:p>
                       <a:pPr algn="ctr"/>
                       <a:r>
-                        <a:rPr lang="vi-VN"/>
+                        <a:rPr lang="vi-VN" dirty="0"/>
                         <a:t>0.29</a:t>
                       </a:r>
-                      <a:endParaRPr lang="vi-VN" dirty="0"/>
                     </a:p>
                   </a:txBody>
                   <a:tcPr/>
@@ -6119,7 +5591,7 @@
                   </a:ext>
                 </a:extLst>
               </a:tr>
-              <a:tr h="370840">
+              <a:tr h="395153">
                 <a:tc>
                   <a:txBody>
                     <a:bodyPr/>
@@ -6311,7 +5783,7 @@
 </p:sld>
 </file>
 
-<file path=ppt/slides/slide19.xml><?xml version="1.0" encoding="utf-8"?>
+<file path=ppt/slides/slide17.xml><?xml version="1.0" encoding="utf-8"?>
 <p:sld xmlns:a="http://schemas.openxmlformats.org/drawingml/2006/main" xmlns:r="http://schemas.openxmlformats.org/officeDocument/2006/relationships" xmlns:p="http://schemas.openxmlformats.org/presentationml/2006/main">
   <p:cSld>
     <p:bg>
@@ -6360,7 +5832,7 @@
         </p:blipFill>
         <p:spPr>
           <a:xfrm>
-            <a:off x="1607840" y="779991"/>
+            <a:off x="2003065" y="460903"/>
             <a:ext cx="8185870" cy="6078009"/>
           </a:xfrm>
           <a:prstGeom prst="rect">
@@ -6408,7 +5880,7 @@
                   <a:spcPts val="600"/>
                 </a:spcAft>
               </a:pPr>
-              <a:t>19</a:t>
+              <a:t>17</a:t>
             </a:fld>
             <a:endParaRPr lang="en-US"/>
           </a:p>
@@ -6460,6 +5932,338 @@
     <p:extLst>
       <p:ext uri="{BB962C8B-B14F-4D97-AF65-F5344CB8AC3E}">
         <p14:creationId xmlns:p14="http://schemas.microsoft.com/office/powerpoint/2010/main" val="2090007731"/>
+      </p:ext>
+    </p:extLst>
+  </p:cSld>
+  <p:clrMapOvr>
+    <a:masterClrMapping/>
+  </p:clrMapOvr>
+</p:sld>
+</file>
+
+<file path=ppt/slides/slide18.xml><?xml version="1.0" encoding="utf-8"?>
+<p:sld xmlns:a="http://schemas.openxmlformats.org/drawingml/2006/main" xmlns:r="http://schemas.openxmlformats.org/officeDocument/2006/relationships" xmlns:p="http://schemas.openxmlformats.org/presentationml/2006/main">
+  <p:cSld>
+    <p:bg>
+      <p:bgPr>
+        <a:solidFill>
+          <a:schemeClr val="bg1"/>
+        </a:solidFill>
+        <a:effectLst/>
+      </p:bgPr>
+    </p:bg>
+    <p:spTree>
+      <p:nvGrpSpPr>
+        <p:cNvPr id="1" name=""/>
+        <p:cNvGrpSpPr/>
+        <p:nvPr/>
+      </p:nvGrpSpPr>
+      <p:grpSpPr>
+        <a:xfrm>
+          <a:off x="0" y="0"/>
+          <a:ext cx="0" cy="0"/>
+          <a:chOff x="0" y="0"/>
+          <a:chExt cx="0" cy="0"/>
+        </a:xfrm>
+      </p:grpSpPr>
+      <p:pic>
+        <p:nvPicPr>
+          <p:cNvPr id="6" name="Content Placeholder 5">
+            <a:extLst>
+              <a:ext uri="{FF2B5EF4-FFF2-40B4-BE49-F238E27FC236}">
+                <a16:creationId xmlns:a16="http://schemas.microsoft.com/office/drawing/2014/main" id="{54B60A52-26CC-4FCC-E034-032E2CAFFAE5}"/>
+              </a:ext>
+            </a:extLst>
+          </p:cNvPr>
+          <p:cNvPicPr>
+            <a:picLocks noGrp="1" noChangeAspect="1"/>
+          </p:cNvPicPr>
+          <p:nvPr>
+            <p:ph idx="1"/>
+          </p:nvPr>
+        </p:nvPicPr>
+        <p:blipFill>
+          <a:blip r:embed="rId2"/>
+          <a:stretch>
+            <a:fillRect/>
+          </a:stretch>
+        </p:blipFill>
+        <p:spPr>
+          <a:xfrm>
+            <a:off x="605365" y="796395"/>
+            <a:ext cx="9774499" cy="5742517"/>
+          </a:xfrm>
+          <a:prstGeom prst="rect">
+            <a:avLst/>
+          </a:prstGeom>
+        </p:spPr>
+      </p:pic>
+      <p:sp>
+        <p:nvSpPr>
+          <p:cNvPr id="4" name="Slide Number Placeholder 3">
+            <a:extLst>
+              <a:ext uri="{FF2B5EF4-FFF2-40B4-BE49-F238E27FC236}">
+                <a16:creationId xmlns:a16="http://schemas.microsoft.com/office/drawing/2014/main" id="{BDA356ED-7CDF-D9A4-8CF0-1527E61B46EE}"/>
+              </a:ext>
+            </a:extLst>
+          </p:cNvPr>
+          <p:cNvSpPr>
+            <a:spLocks noGrp="1"/>
+          </p:cNvSpPr>
+          <p:nvPr>
+            <p:ph type="sldNum" sz="quarter" idx="12"/>
+          </p:nvPr>
+        </p:nvSpPr>
+        <p:spPr>
+          <a:xfrm>
+            <a:off x="8610600" y="6356350"/>
+            <a:ext cx="2743200" cy="365125"/>
+          </a:xfrm>
+        </p:spPr>
+        <p:txBody>
+          <a:bodyPr vert="horz" lIns="91440" tIns="45720" rIns="91440" bIns="45720" rtlCol="0" anchor="ctr">
+            <a:normAutofit/>
+          </a:bodyPr>
+          <a:lstStyle/>
+          <a:p>
+            <a:pPr>
+              <a:spcAft>
+                <a:spcPts val="600"/>
+              </a:spcAft>
+            </a:pPr>
+            <a:fld id="{D1E82683-5C6A-4808-A0A5-6DC033041A1F}" type="slidenum">
+              <a:rPr lang="en-US" smtClean="0"/>
+              <a:pPr>
+                <a:spcAft>
+                  <a:spcPts val="600"/>
+                </a:spcAft>
+              </a:pPr>
+              <a:t>18</a:t>
+            </a:fld>
+            <a:endParaRPr lang="en-US"/>
+          </a:p>
+        </p:txBody>
+      </p:sp>
+      <p:sp>
+        <p:nvSpPr>
+          <p:cNvPr id="9" name="TextBox 8">
+            <a:extLst>
+              <a:ext uri="{FF2B5EF4-FFF2-40B4-BE49-F238E27FC236}">
+                <a16:creationId xmlns:a16="http://schemas.microsoft.com/office/drawing/2014/main" id="{8B442AB2-F481-E1CF-8309-34A53CB2EF70}"/>
+              </a:ext>
+            </a:extLst>
+          </p:cNvPr>
+          <p:cNvSpPr txBox="1"/>
+          <p:nvPr/>
+        </p:nvSpPr>
+        <p:spPr>
+          <a:xfrm>
+            <a:off x="0" y="0"/>
+            <a:ext cx="4894866" cy="553998"/>
+          </a:xfrm>
+          <a:prstGeom prst="rect">
+            <a:avLst/>
+          </a:prstGeom>
+          <a:noFill/>
+        </p:spPr>
+        <p:txBody>
+          <a:bodyPr wrap="none" rtlCol="0">
+            <a:spAutoFit/>
+          </a:bodyPr>
+          <a:lstStyle/>
+          <a:p>
+            <a:r>
+              <a:rPr lang="en-US" sz="3000" b="1" dirty="0">
+                <a:latin typeface="Times New Roman" panose="02020603050405020304" pitchFamily="18" charset="0"/>
+                <a:cs typeface="Times New Roman" panose="02020603050405020304" pitchFamily="18" charset="0"/>
+              </a:rPr>
+              <a:t>Summary Linear Regression</a:t>
+            </a:r>
+            <a:endParaRPr lang="vi-VN" sz="3000" b="1" dirty="0">
+              <a:latin typeface="Times New Roman" panose="02020603050405020304" pitchFamily="18" charset="0"/>
+              <a:cs typeface="Times New Roman" panose="02020603050405020304" pitchFamily="18" charset="0"/>
+            </a:endParaRPr>
+          </a:p>
+        </p:txBody>
+      </p:sp>
+    </p:spTree>
+    <p:extLst>
+      <p:ext uri="{BB962C8B-B14F-4D97-AF65-F5344CB8AC3E}">
+        <p14:creationId xmlns:p14="http://schemas.microsoft.com/office/powerpoint/2010/main" val="1379571226"/>
+      </p:ext>
+    </p:extLst>
+  </p:cSld>
+  <p:clrMapOvr>
+    <a:masterClrMapping/>
+  </p:clrMapOvr>
+</p:sld>
+</file>
+
+<file path=ppt/slides/slide19.xml><?xml version="1.0" encoding="utf-8"?>
+<p:sld xmlns:a="http://schemas.openxmlformats.org/drawingml/2006/main" xmlns:r="http://schemas.openxmlformats.org/officeDocument/2006/relationships" xmlns:p="http://schemas.openxmlformats.org/presentationml/2006/main">
+  <p:cSld>
+    <p:spTree>
+      <p:nvGrpSpPr>
+        <p:cNvPr id="1" name=""/>
+        <p:cNvGrpSpPr/>
+        <p:nvPr/>
+      </p:nvGrpSpPr>
+      <p:grpSpPr>
+        <a:xfrm>
+          <a:off x="0" y="0"/>
+          <a:ext cx="0" cy="0"/>
+          <a:chOff x="0" y="0"/>
+          <a:chExt cx="0" cy="0"/>
+        </a:xfrm>
+      </p:grpSpPr>
+      <p:sp>
+        <p:nvSpPr>
+          <p:cNvPr id="2" name="Title 1">
+            <a:extLst>
+              <a:ext uri="{FF2B5EF4-FFF2-40B4-BE49-F238E27FC236}">
+                <a16:creationId xmlns:a16="http://schemas.microsoft.com/office/drawing/2014/main" id="{E4F1A210-F6D5-DFBA-D657-98482CCFC09D}"/>
+              </a:ext>
+            </a:extLst>
+          </p:cNvPr>
+          <p:cNvSpPr>
+            <a:spLocks noGrp="1"/>
+          </p:cNvSpPr>
+          <p:nvPr>
+            <p:ph type="title"/>
+          </p:nvPr>
+        </p:nvSpPr>
+        <p:spPr/>
+        <p:txBody>
+          <a:bodyPr/>
+          <a:lstStyle/>
+          <a:p>
+            <a:r>
+              <a:rPr lang="en-US" dirty="0" err="1"/>
+              <a:t>Kết</a:t>
+            </a:r>
+            <a:r>
+              <a:rPr lang="en-US" dirty="0"/>
+              <a:t> </a:t>
+            </a:r>
+            <a:r>
+              <a:rPr lang="en-US" dirty="0" err="1"/>
+              <a:t>Luận</a:t>
+            </a:r>
+            <a:endParaRPr lang="vi-VN" dirty="0"/>
+          </a:p>
+        </p:txBody>
+      </p:sp>
+      <p:sp>
+        <p:nvSpPr>
+          <p:cNvPr id="3" name="Content Placeholder 2">
+            <a:extLst>
+              <a:ext uri="{FF2B5EF4-FFF2-40B4-BE49-F238E27FC236}">
+                <a16:creationId xmlns:a16="http://schemas.microsoft.com/office/drawing/2014/main" id="{BC56601A-668F-7F32-EFD4-30E1C7435747}"/>
+              </a:ext>
+            </a:extLst>
+          </p:cNvPr>
+          <p:cNvSpPr>
+            <a:spLocks noGrp="1"/>
+          </p:cNvSpPr>
+          <p:nvPr>
+            <p:ph idx="1"/>
+          </p:nvPr>
+        </p:nvSpPr>
+        <p:spPr>
+          <a:xfrm>
+            <a:off x="749300" y="1690688"/>
+            <a:ext cx="10515600" cy="4351338"/>
+          </a:xfrm>
+        </p:spPr>
+        <p:txBody>
+          <a:bodyPr>
+            <a:noAutofit/>
+          </a:bodyPr>
+          <a:lstStyle/>
+          <a:p>
+            <a:pPr marL="0" indent="0">
+              <a:lnSpc>
+                <a:spcPct val="120000"/>
+              </a:lnSpc>
+              <a:buNone/>
+            </a:pPr>
+            <a:r>
+              <a:rPr lang="vi-VN" sz="1500" dirty="0">
+                <a:latin typeface="+mj-lt"/>
+              </a:rPr>
+              <a:t>-Mô hình nào tốt hơn: SVM , Linear Regression, KNN, Decision Tree?</a:t>
+            </a:r>
+          </a:p>
+          <a:p>
+            <a:pPr marL="0" indent="0">
+              <a:lnSpc>
+                <a:spcPct val="120000"/>
+              </a:lnSpc>
+              <a:buNone/>
+            </a:pPr>
+            <a:r>
+              <a:rPr lang="vi-VN" sz="1500" dirty="0">
+                <a:latin typeface="+mj-lt"/>
+              </a:rPr>
+              <a:t>-Giải quyết câu hỏi trọng tâm của Nhóm: Tính năng nào quan trọng nhất trong việc dự đoán Giá điện thoại di động?</a:t>
+            </a:r>
+          </a:p>
+          <a:p>
+            <a:pPr marL="0" indent="0">
+              <a:lnSpc>
+                <a:spcPct val="120000"/>
+              </a:lnSpc>
+              <a:buNone/>
+            </a:pPr>
+            <a:r>
+              <a:rPr lang="vi-VN" sz="1500" dirty="0">
+                <a:latin typeface="+mj-lt"/>
+                <a:sym typeface="Wingdings" panose="05000000000000000000" pitchFamily="2" charset="2"/>
+              </a:rPr>
+              <a:t> </a:t>
+            </a:r>
+            <a:r>
+              <a:rPr lang="vi-VN" sz="1500" dirty="0">
+                <a:latin typeface="+mj-lt"/>
+              </a:rPr>
+              <a:t>Tóm lại: các tính năng quan trọng nhất trong việc dự đoán giá của một chiếc Điện thoại di động là ram, battery power, pixel height.</a:t>
+            </a:r>
+          </a:p>
+        </p:txBody>
+      </p:sp>
+      <p:sp>
+        <p:nvSpPr>
+          <p:cNvPr id="4" name="Slide Number Placeholder 3">
+            <a:extLst>
+              <a:ext uri="{FF2B5EF4-FFF2-40B4-BE49-F238E27FC236}">
+                <a16:creationId xmlns:a16="http://schemas.microsoft.com/office/drawing/2014/main" id="{C4135173-597D-6764-F55A-389FC5CCD573}"/>
+              </a:ext>
+            </a:extLst>
+          </p:cNvPr>
+          <p:cNvSpPr>
+            <a:spLocks noGrp="1"/>
+          </p:cNvSpPr>
+          <p:nvPr>
+            <p:ph type="sldNum" sz="quarter" idx="12"/>
+          </p:nvPr>
+        </p:nvSpPr>
+        <p:spPr/>
+        <p:txBody>
+          <a:bodyPr/>
+          <a:lstStyle/>
+          <a:p>
+            <a:fld id="{D1E82683-5C6A-4808-A0A5-6DC033041A1F}" type="slidenum">
+              <a:rPr lang="en-US" smtClean="0"/>
+              <a:t>19</a:t>
+            </a:fld>
+            <a:endParaRPr lang="en-US"/>
+          </a:p>
+        </p:txBody>
+      </p:sp>
+    </p:spTree>
+    <p:extLst>
+      <p:ext uri="{BB962C8B-B14F-4D97-AF65-F5344CB8AC3E}">
+        <p14:creationId xmlns:p14="http://schemas.microsoft.com/office/powerpoint/2010/main" val="765333561"/>
       </p:ext>
     </p:extLst>
   </p:cSld>
@@ -7209,387 +7013,6 @@
           <a:chExt cx="0" cy="0"/>
         </a:xfrm>
       </p:grpSpPr>
-      <p:pic>
-        <p:nvPicPr>
-          <p:cNvPr id="6" name="Content Placeholder 5">
-            <a:extLst>
-              <a:ext uri="{FF2B5EF4-FFF2-40B4-BE49-F238E27FC236}">
-                <a16:creationId xmlns:a16="http://schemas.microsoft.com/office/drawing/2014/main" id="{54B60A52-26CC-4FCC-E034-032E2CAFFAE5}"/>
-              </a:ext>
-            </a:extLst>
-          </p:cNvPr>
-          <p:cNvPicPr>
-            <a:picLocks noGrp="1" noChangeAspect="1"/>
-          </p:cNvPicPr>
-          <p:nvPr>
-            <p:ph idx="1"/>
-          </p:nvPr>
-        </p:nvPicPr>
-        <p:blipFill>
-          <a:blip r:embed="rId2"/>
-          <a:stretch>
-            <a:fillRect/>
-          </a:stretch>
-        </p:blipFill>
-        <p:spPr>
-          <a:xfrm>
-            <a:off x="605365" y="796395"/>
-            <a:ext cx="9774499" cy="5742517"/>
-          </a:xfrm>
-          <a:prstGeom prst="rect">
-            <a:avLst/>
-          </a:prstGeom>
-        </p:spPr>
-      </p:pic>
-      <p:sp>
-        <p:nvSpPr>
-          <p:cNvPr id="4" name="Slide Number Placeholder 3">
-            <a:extLst>
-              <a:ext uri="{FF2B5EF4-FFF2-40B4-BE49-F238E27FC236}">
-                <a16:creationId xmlns:a16="http://schemas.microsoft.com/office/drawing/2014/main" id="{BDA356ED-7CDF-D9A4-8CF0-1527E61B46EE}"/>
-              </a:ext>
-            </a:extLst>
-          </p:cNvPr>
-          <p:cNvSpPr>
-            <a:spLocks noGrp="1"/>
-          </p:cNvSpPr>
-          <p:nvPr>
-            <p:ph type="sldNum" sz="quarter" idx="12"/>
-          </p:nvPr>
-        </p:nvSpPr>
-        <p:spPr>
-          <a:xfrm>
-            <a:off x="8610600" y="6356350"/>
-            <a:ext cx="2743200" cy="365125"/>
-          </a:xfrm>
-        </p:spPr>
-        <p:txBody>
-          <a:bodyPr vert="horz" lIns="91440" tIns="45720" rIns="91440" bIns="45720" rtlCol="0" anchor="ctr">
-            <a:normAutofit/>
-          </a:bodyPr>
-          <a:lstStyle/>
-          <a:p>
-            <a:pPr>
-              <a:spcAft>
-                <a:spcPts val="600"/>
-              </a:spcAft>
-            </a:pPr>
-            <a:fld id="{D1E82683-5C6A-4808-A0A5-6DC033041A1F}" type="slidenum">
-              <a:rPr lang="en-US" smtClean="0"/>
-              <a:pPr>
-                <a:spcAft>
-                  <a:spcPts val="600"/>
-                </a:spcAft>
-              </a:pPr>
-              <a:t>20</a:t>
-            </a:fld>
-            <a:endParaRPr lang="en-US"/>
-          </a:p>
-        </p:txBody>
-      </p:sp>
-      <p:sp>
-        <p:nvSpPr>
-          <p:cNvPr id="9" name="TextBox 8">
-            <a:extLst>
-              <a:ext uri="{FF2B5EF4-FFF2-40B4-BE49-F238E27FC236}">
-                <a16:creationId xmlns:a16="http://schemas.microsoft.com/office/drawing/2014/main" id="{8B442AB2-F481-E1CF-8309-34A53CB2EF70}"/>
-              </a:ext>
-            </a:extLst>
-          </p:cNvPr>
-          <p:cNvSpPr txBox="1"/>
-          <p:nvPr/>
-        </p:nvSpPr>
-        <p:spPr>
-          <a:xfrm>
-            <a:off x="0" y="0"/>
-            <a:ext cx="4894866" cy="553998"/>
-          </a:xfrm>
-          <a:prstGeom prst="rect">
-            <a:avLst/>
-          </a:prstGeom>
-          <a:noFill/>
-        </p:spPr>
-        <p:txBody>
-          <a:bodyPr wrap="none" rtlCol="0">
-            <a:spAutoFit/>
-          </a:bodyPr>
-          <a:lstStyle/>
-          <a:p>
-            <a:r>
-              <a:rPr lang="en-US" sz="3000" b="1" dirty="0">
-                <a:latin typeface="Times New Roman" panose="02020603050405020304" pitchFamily="18" charset="0"/>
-                <a:cs typeface="Times New Roman" panose="02020603050405020304" pitchFamily="18" charset="0"/>
-              </a:rPr>
-              <a:t>Summary Linear Regression</a:t>
-            </a:r>
-            <a:endParaRPr lang="vi-VN" sz="3000" b="1" dirty="0">
-              <a:latin typeface="Times New Roman" panose="02020603050405020304" pitchFamily="18" charset="0"/>
-              <a:cs typeface="Times New Roman" panose="02020603050405020304" pitchFamily="18" charset="0"/>
-            </a:endParaRPr>
-          </a:p>
-        </p:txBody>
-      </p:sp>
-    </p:spTree>
-    <p:extLst>
-      <p:ext uri="{BB962C8B-B14F-4D97-AF65-F5344CB8AC3E}">
-        <p14:creationId xmlns:p14="http://schemas.microsoft.com/office/powerpoint/2010/main" val="1379571226"/>
-      </p:ext>
-    </p:extLst>
-  </p:cSld>
-  <p:clrMapOvr>
-    <a:masterClrMapping/>
-  </p:clrMapOvr>
-</p:sld>
-</file>
-
-<file path=ppt/slides/slide21.xml><?xml version="1.0" encoding="utf-8"?>
-<p:sld xmlns:a="http://schemas.openxmlformats.org/drawingml/2006/main" xmlns:r="http://schemas.openxmlformats.org/officeDocument/2006/relationships" xmlns:p="http://schemas.openxmlformats.org/presentationml/2006/main">
-  <p:cSld>
-    <p:spTree>
-      <p:nvGrpSpPr>
-        <p:cNvPr id="1" name=""/>
-        <p:cNvGrpSpPr/>
-        <p:nvPr/>
-      </p:nvGrpSpPr>
-      <p:grpSpPr>
-        <a:xfrm>
-          <a:off x="0" y="0"/>
-          <a:ext cx="0" cy="0"/>
-          <a:chOff x="0" y="0"/>
-          <a:chExt cx="0" cy="0"/>
-        </a:xfrm>
-      </p:grpSpPr>
-      <p:sp>
-        <p:nvSpPr>
-          <p:cNvPr id="2" name="Title 1">
-            <a:extLst>
-              <a:ext uri="{FF2B5EF4-FFF2-40B4-BE49-F238E27FC236}">
-                <a16:creationId xmlns:a16="http://schemas.microsoft.com/office/drawing/2014/main" id="{E4F1A210-F6D5-DFBA-D657-98482CCFC09D}"/>
-              </a:ext>
-            </a:extLst>
-          </p:cNvPr>
-          <p:cNvSpPr>
-            <a:spLocks noGrp="1"/>
-          </p:cNvSpPr>
-          <p:nvPr>
-            <p:ph type="title"/>
-          </p:nvPr>
-        </p:nvSpPr>
-        <p:spPr/>
-        <p:txBody>
-          <a:bodyPr/>
-          <a:lstStyle/>
-          <a:p>
-            <a:r>
-              <a:rPr lang="en-US" dirty="0" err="1"/>
-              <a:t>Kết</a:t>
-            </a:r>
-            <a:r>
-              <a:rPr lang="en-US" dirty="0"/>
-              <a:t> </a:t>
-            </a:r>
-            <a:r>
-              <a:rPr lang="en-US" dirty="0" err="1"/>
-              <a:t>Luận</a:t>
-            </a:r>
-            <a:endParaRPr lang="vi-VN" dirty="0"/>
-          </a:p>
-        </p:txBody>
-      </p:sp>
-      <p:sp>
-        <p:nvSpPr>
-          <p:cNvPr id="3" name="Content Placeholder 2">
-            <a:extLst>
-              <a:ext uri="{FF2B5EF4-FFF2-40B4-BE49-F238E27FC236}">
-                <a16:creationId xmlns:a16="http://schemas.microsoft.com/office/drawing/2014/main" id="{BC56601A-668F-7F32-EFD4-30E1C7435747}"/>
-              </a:ext>
-            </a:extLst>
-          </p:cNvPr>
-          <p:cNvSpPr>
-            <a:spLocks noGrp="1"/>
-          </p:cNvSpPr>
-          <p:nvPr>
-            <p:ph idx="1"/>
-          </p:nvPr>
-        </p:nvSpPr>
-        <p:spPr>
-          <a:xfrm>
-            <a:off x="749300" y="1690688"/>
-            <a:ext cx="10515600" cy="4351338"/>
-          </a:xfrm>
-        </p:spPr>
-        <p:txBody>
-          <a:bodyPr>
-            <a:noAutofit/>
-          </a:bodyPr>
-          <a:lstStyle/>
-          <a:p>
-            <a:pPr marL="0" indent="0">
-              <a:lnSpc>
-                <a:spcPct val="120000"/>
-              </a:lnSpc>
-              <a:buNone/>
-            </a:pPr>
-            <a:r>
-              <a:rPr lang="vi-VN" sz="1500" dirty="0">
-                <a:latin typeface="+mj-lt"/>
-              </a:rPr>
-              <a:t>-Mô hình nào tốt hơn: SVM , Linear Regression, KNN, Decision Tree?</a:t>
-            </a:r>
-          </a:p>
-          <a:p>
-            <a:pPr marL="0" indent="0">
-              <a:lnSpc>
-                <a:spcPct val="120000"/>
-              </a:lnSpc>
-              <a:buNone/>
-            </a:pPr>
-            <a:r>
-              <a:rPr lang="vi-VN" sz="1500" dirty="0">
-                <a:latin typeface="+mj-lt"/>
-              </a:rPr>
-              <a:t>-Từ kết quả, Nhóm thấy rằng các giá trị của Mô hình Linear Regression cho RMSE và MSE tương ứng nhỏ hơn </a:t>
-            </a:r>
-          </a:p>
-          <a:p>
-            <a:pPr marL="0" indent="0">
-              <a:lnSpc>
-                <a:spcPct val="120000"/>
-              </a:lnSpc>
-              <a:buNone/>
-            </a:pPr>
-            <a:r>
-              <a:rPr lang="vi-VN" sz="1500" dirty="0">
-                <a:latin typeface="+mj-lt"/>
-              </a:rPr>
-              <a:t>-Vì vậy, Mô hình Linear Regression hoạt động tốt hơn mô hình SVM , Linear Regression, KNN, Decision Tree</a:t>
-            </a:r>
-          </a:p>
-          <a:p>
-            <a:pPr marL="0" indent="0">
-              <a:lnSpc>
-                <a:spcPct val="120000"/>
-              </a:lnSpc>
-              <a:buNone/>
-            </a:pPr>
-            <a:r>
-              <a:rPr lang="vi-VN" sz="1500" dirty="0">
-                <a:latin typeface="+mj-lt"/>
-              </a:rPr>
-              <a:t>-Giải quyết câu hỏi trọng tâm của Nhóm: Tính năng nào quan trọng nhất trong việc dự đoán Giá điện thoại di động?</a:t>
-            </a:r>
-          </a:p>
-          <a:p>
-            <a:pPr marL="0" indent="0">
-              <a:lnSpc>
-                <a:spcPct val="120000"/>
-              </a:lnSpc>
-              <a:buNone/>
-            </a:pPr>
-            <a:r>
-              <a:rPr lang="vi-VN" sz="1500" dirty="0">
-                <a:latin typeface="+mj-lt"/>
-              </a:rPr>
-              <a:t>-Đầu tiên, nhìn vào ma trận tương quan, Nhóm thấy rằng ram là biến có tương quan nhất với phạm vi giá, năng lượng pin là biến có tương quan nhiều thứ hai với phạm vi giá và chiều cao px là biến tương quan thứ ba với phạm vi giá.</a:t>
-            </a:r>
-          </a:p>
-          <a:p>
-            <a:pPr marL="0" indent="0">
-              <a:lnSpc>
-                <a:spcPct val="120000"/>
-              </a:lnSpc>
-              <a:buNone/>
-            </a:pPr>
-            <a:r>
-              <a:rPr lang="vi-VN" sz="1500" dirty="0">
-                <a:latin typeface="+mj-lt"/>
-              </a:rPr>
-              <a:t>- Ở  phần summary của Mô hình Linear Regression, thấy rằng cả 3 biến (ram, battery power, pixel height) đều có t-values cao, nghĩa là chúng đều quan trọng trong việc dự đoán biến y của nhóm. Cụ thể, ram có t-values cao nhất, battery power, có t-values cao thứ hai và pixel height có t-values cao thứ ba. "Thứ tự của tầm quan trọng thay đổi" này trực tiếp tương ứng với những phát hiện của nhóm từ ma trận tương quan nhóm đã làm!</a:t>
-            </a:r>
-          </a:p>
-          <a:p>
-            <a:pPr marL="0" indent="0">
-              <a:lnSpc>
-                <a:spcPct val="120000"/>
-              </a:lnSpc>
-              <a:buNone/>
-            </a:pPr>
-            <a:r>
-              <a:rPr lang="vi-VN" sz="1500" dirty="0">
-                <a:latin typeface="+mj-lt"/>
-              </a:rPr>
-              <a:t>-Tóm lại, các tính năng quan trọng nhất trong việc dự đoán giá của một chiếc Điện thoại di động là ram, battery power, pixel height.</a:t>
-            </a:r>
-          </a:p>
-        </p:txBody>
-      </p:sp>
-      <p:sp>
-        <p:nvSpPr>
-          <p:cNvPr id="4" name="Slide Number Placeholder 3">
-            <a:extLst>
-              <a:ext uri="{FF2B5EF4-FFF2-40B4-BE49-F238E27FC236}">
-                <a16:creationId xmlns:a16="http://schemas.microsoft.com/office/drawing/2014/main" id="{C4135173-597D-6764-F55A-389FC5CCD573}"/>
-              </a:ext>
-            </a:extLst>
-          </p:cNvPr>
-          <p:cNvSpPr>
-            <a:spLocks noGrp="1"/>
-          </p:cNvSpPr>
-          <p:nvPr>
-            <p:ph type="sldNum" sz="quarter" idx="12"/>
-          </p:nvPr>
-        </p:nvSpPr>
-        <p:spPr/>
-        <p:txBody>
-          <a:bodyPr/>
-          <a:lstStyle/>
-          <a:p>
-            <a:fld id="{D1E82683-5C6A-4808-A0A5-6DC033041A1F}" type="slidenum">
-              <a:rPr lang="en-US" smtClean="0"/>
-              <a:t>21</a:t>
-            </a:fld>
-            <a:endParaRPr lang="en-US"/>
-          </a:p>
-        </p:txBody>
-      </p:sp>
-    </p:spTree>
-    <p:extLst>
-      <p:ext uri="{BB962C8B-B14F-4D97-AF65-F5344CB8AC3E}">
-        <p14:creationId xmlns:p14="http://schemas.microsoft.com/office/powerpoint/2010/main" val="765333561"/>
-      </p:ext>
-    </p:extLst>
-  </p:cSld>
-  <p:clrMapOvr>
-    <a:masterClrMapping/>
-  </p:clrMapOvr>
-</p:sld>
-</file>
-
-<file path=ppt/slides/slide22.xml><?xml version="1.0" encoding="utf-8"?>
-<p:sld xmlns:a="http://schemas.openxmlformats.org/drawingml/2006/main" xmlns:r="http://schemas.openxmlformats.org/officeDocument/2006/relationships" xmlns:p="http://schemas.openxmlformats.org/presentationml/2006/main">
-  <p:cSld>
-    <p:bg>
-      <p:bgPr>
-        <a:solidFill>
-          <a:schemeClr val="bg1"/>
-        </a:solidFill>
-        <a:effectLst/>
-      </p:bgPr>
-    </p:bg>
-    <p:spTree>
-      <p:nvGrpSpPr>
-        <p:cNvPr id="1" name=""/>
-        <p:cNvGrpSpPr/>
-        <p:nvPr/>
-      </p:nvGrpSpPr>
-      <p:grpSpPr>
-        <a:xfrm>
-          <a:off x="0" y="0"/>
-          <a:ext cx="0" cy="0"/>
-          <a:chOff x="0" y="0"/>
-          <a:chExt cx="0" cy="0"/>
-        </a:xfrm>
-      </p:grpSpPr>
       <p:sp>
         <p:nvSpPr>
           <p:cNvPr id="71" name="Rectangle 70">
@@ -7836,7 +7259,7 @@
                   <a:spcPts val="600"/>
                 </a:spcAft>
               </a:pPr>
-              <a:t>22</a:t>
+              <a:t>20</a:t>
             </a:fld>
             <a:endParaRPr lang="en-US">
               <a:solidFill>
@@ -10663,6 +10086,14 @@
 <file path=ppt/slides/slide7.xml><?xml version="1.0" encoding="utf-8"?>
 <p:sld xmlns:a="http://schemas.openxmlformats.org/drawingml/2006/main" xmlns:r="http://schemas.openxmlformats.org/officeDocument/2006/relationships" xmlns:p="http://schemas.openxmlformats.org/presentationml/2006/main">
   <p:cSld>
+    <p:bg>
+      <p:bgPr>
+        <a:solidFill>
+          <a:schemeClr val="bg1"/>
+        </a:solidFill>
+        <a:effectLst/>
+      </p:bgPr>
+    </p:bg>
     <p:spTree>
       <p:nvGrpSpPr>
         <p:cNvPr id="1" name=""/>
@@ -10679,256 +10110,13 @@
       </p:grpSpPr>
       <p:sp>
         <p:nvSpPr>
-          <p:cNvPr id="2" name="Title 1"/>
-          <p:cNvSpPr>
-            <a:spLocks noGrp="1"/>
-          </p:cNvSpPr>
-          <p:nvPr>
-            <p:ph type="title"/>
-          </p:nvPr>
-        </p:nvSpPr>
-        <p:spPr>
-          <a:xfrm>
-            <a:off x="48718" y="0"/>
-            <a:ext cx="10515600" cy="759482"/>
-          </a:xfrm>
-        </p:spPr>
-        <p:txBody>
-          <a:bodyPr/>
-          <a:lstStyle/>
-          <a:p>
-            <a:r>
-              <a:rPr lang="en-US" b="1" dirty="0" err="1">
-                <a:latin typeface="Times New Roman" panose="02020603050405020304" pitchFamily="18" charset="0"/>
-                <a:ea typeface="Yu Gothic" panose="020B0400000000000000" pitchFamily="34" charset="-128"/>
-                <a:cs typeface="Times New Roman" panose="02020603050405020304" pitchFamily="18" charset="0"/>
-              </a:rPr>
-              <a:t>Tiền</a:t>
-            </a:r>
-            <a:r>
-              <a:rPr lang="en-US" b="1" dirty="0">
-                <a:latin typeface="Times New Roman" panose="02020603050405020304" pitchFamily="18" charset="0"/>
-                <a:ea typeface="Yu Gothic" panose="020B0400000000000000" pitchFamily="34" charset="-128"/>
-                <a:cs typeface="Times New Roman" panose="02020603050405020304" pitchFamily="18" charset="0"/>
-              </a:rPr>
-              <a:t> </a:t>
-            </a:r>
-            <a:r>
-              <a:rPr lang="en-US" b="1" dirty="0" err="1">
-                <a:latin typeface="Times New Roman" panose="02020603050405020304" pitchFamily="18" charset="0"/>
-                <a:ea typeface="Yu Gothic" panose="020B0400000000000000" pitchFamily="34" charset="-128"/>
-                <a:cs typeface="Times New Roman" panose="02020603050405020304" pitchFamily="18" charset="0"/>
-              </a:rPr>
-              <a:t>Xử</a:t>
-            </a:r>
-            <a:r>
-              <a:rPr lang="en-US" b="1" dirty="0">
-                <a:latin typeface="Times New Roman" panose="02020603050405020304" pitchFamily="18" charset="0"/>
-                <a:ea typeface="Yu Gothic" panose="020B0400000000000000" pitchFamily="34" charset="-128"/>
-                <a:cs typeface="Times New Roman" panose="02020603050405020304" pitchFamily="18" charset="0"/>
-              </a:rPr>
-              <a:t> </a:t>
-            </a:r>
-            <a:r>
-              <a:rPr lang="en-US" b="1" dirty="0" err="1">
-                <a:latin typeface="Times New Roman" panose="02020603050405020304" pitchFamily="18" charset="0"/>
-                <a:ea typeface="Yu Gothic" panose="020B0400000000000000" pitchFamily="34" charset="-128"/>
-                <a:cs typeface="Times New Roman" panose="02020603050405020304" pitchFamily="18" charset="0"/>
-              </a:rPr>
-              <a:t>Lý</a:t>
-            </a:r>
-            <a:endParaRPr lang="en-US" b="1" dirty="0">
-              <a:latin typeface="Times New Roman" panose="02020603050405020304" pitchFamily="18" charset="0"/>
-              <a:ea typeface="Yu Gothic" panose="020B0400000000000000" pitchFamily="34" charset="-128"/>
-              <a:cs typeface="Times New Roman" panose="02020603050405020304" pitchFamily="18" charset="0"/>
-            </a:endParaRPr>
-          </a:p>
-        </p:txBody>
-      </p:sp>
-      <p:sp>
-        <p:nvSpPr>
-          <p:cNvPr id="3" name="Content Placeholder 2"/>
-          <p:cNvSpPr>
-            <a:spLocks noGrp="1"/>
-          </p:cNvSpPr>
-          <p:nvPr>
-            <p:ph idx="1"/>
-          </p:nvPr>
-        </p:nvSpPr>
-        <p:spPr>
-          <a:xfrm>
-            <a:off x="283564" y="896312"/>
-            <a:ext cx="5022954" cy="5854260"/>
-          </a:xfrm>
-        </p:spPr>
-        <p:txBody>
-          <a:bodyPr>
-            <a:normAutofit fontScale="77500" lnSpcReduction="20000"/>
-          </a:bodyPr>
-          <a:lstStyle/>
-          <a:p>
-            <a:pPr>
-              <a:lnSpc>
-                <a:spcPct val="120000"/>
-              </a:lnSpc>
-            </a:pPr>
-            <a:r>
-              <a:rPr lang="vi-VN" sz="2800" dirty="0">
-                <a:latin typeface="Times New Roman" panose="02020603050405020304" pitchFamily="18" charset="0"/>
-                <a:cs typeface="Times New Roman" panose="02020603050405020304" pitchFamily="18" charset="0"/>
-              </a:rPr>
-              <a:t>Id</a:t>
-            </a:r>
-          </a:p>
-          <a:p>
-            <a:pPr>
-              <a:lnSpc>
-                <a:spcPct val="120000"/>
-              </a:lnSpc>
-            </a:pPr>
-            <a:r>
-              <a:rPr lang="vi-VN" sz="2800" dirty="0">
-                <a:latin typeface="Times New Roman" panose="02020603050405020304" pitchFamily="18" charset="0"/>
-                <a:cs typeface="Times New Roman" panose="02020603050405020304" pitchFamily="18" charset="0"/>
-              </a:rPr>
-              <a:t>battery_power: Tổng năng lượng pin có thể lưu trữ</a:t>
-            </a:r>
-          </a:p>
-          <a:p>
-            <a:pPr>
-              <a:lnSpc>
-                <a:spcPct val="120000"/>
-              </a:lnSpc>
-            </a:pPr>
-            <a:r>
-              <a:rPr lang="vi-VN" sz="2800" dirty="0">
-                <a:latin typeface="Times New Roman" panose="02020603050405020304" pitchFamily="18" charset="0"/>
-                <a:cs typeface="Times New Roman" panose="02020603050405020304" pitchFamily="18" charset="0"/>
-              </a:rPr>
-              <a:t>blue: Có bluetooth hay không</a:t>
-            </a:r>
-          </a:p>
-          <a:p>
-            <a:pPr>
-              <a:lnSpc>
-                <a:spcPct val="120000"/>
-              </a:lnSpc>
-            </a:pPr>
-            <a:r>
-              <a:rPr lang="vi-VN" sz="2800" dirty="0">
-                <a:latin typeface="Times New Roman" panose="02020603050405020304" pitchFamily="18" charset="0"/>
-                <a:cs typeface="Times New Roman" panose="02020603050405020304" pitchFamily="18" charset="0"/>
-              </a:rPr>
-              <a:t>clock_speed:tốc độ mà bộ vi xử lý thực hiện các lệnh</a:t>
-            </a:r>
-          </a:p>
-          <a:p>
-            <a:pPr>
-              <a:lnSpc>
-                <a:spcPct val="120000"/>
-              </a:lnSpc>
-            </a:pPr>
-            <a:r>
-              <a:rPr lang="vi-VN" sz="2800" dirty="0">
-                <a:latin typeface="Times New Roman" panose="02020603050405020304" pitchFamily="18" charset="0"/>
-                <a:cs typeface="Times New Roman" panose="02020603050405020304" pitchFamily="18" charset="0"/>
-              </a:rPr>
-              <a:t>dual_sim: có hỗ trợ hai sim hay không</a:t>
-            </a:r>
-          </a:p>
-          <a:p>
-            <a:pPr>
-              <a:lnSpc>
-                <a:spcPct val="120000"/>
-              </a:lnSpc>
-            </a:pPr>
-            <a:r>
-              <a:rPr lang="vi-VN" sz="2800" dirty="0">
-                <a:latin typeface="Times New Roman" panose="02020603050405020304" pitchFamily="18" charset="0"/>
-                <a:cs typeface="Times New Roman" panose="02020603050405020304" pitchFamily="18" charset="0"/>
-              </a:rPr>
-              <a:t>fc: Độ phân giải camera trước</a:t>
-            </a:r>
-          </a:p>
-          <a:p>
-            <a:pPr>
-              <a:lnSpc>
-                <a:spcPct val="120000"/>
-              </a:lnSpc>
-            </a:pPr>
-            <a:r>
-              <a:rPr lang="vi-VN" sz="2800" dirty="0">
-                <a:latin typeface="Times New Roman" panose="02020603050405020304" pitchFamily="18" charset="0"/>
-                <a:cs typeface="Times New Roman" panose="02020603050405020304" pitchFamily="18" charset="0"/>
-              </a:rPr>
-              <a:t>four_g: có 4g hay không</a:t>
-            </a:r>
-          </a:p>
-          <a:p>
-            <a:pPr>
-              <a:lnSpc>
-                <a:spcPct val="120000"/>
-              </a:lnSpc>
-            </a:pPr>
-            <a:r>
-              <a:rPr lang="vi-VN" sz="2800" dirty="0">
-                <a:latin typeface="Times New Roman" panose="02020603050405020304" pitchFamily="18" charset="0"/>
-                <a:cs typeface="Times New Roman" panose="02020603050405020304" pitchFamily="18" charset="0"/>
-              </a:rPr>
-              <a:t>int_memory: dung lượng bộ nhớ trong</a:t>
-            </a:r>
-          </a:p>
-          <a:p>
-            <a:pPr>
-              <a:lnSpc>
-                <a:spcPct val="120000"/>
-              </a:lnSpc>
-            </a:pPr>
-            <a:r>
-              <a:rPr lang="vi-VN" sz="2800" dirty="0">
-                <a:latin typeface="Times New Roman" panose="02020603050405020304" pitchFamily="18" charset="0"/>
-                <a:cs typeface="Times New Roman" panose="02020603050405020304" pitchFamily="18" charset="0"/>
-              </a:rPr>
-              <a:t>m_dep: độ dày điện thoại</a:t>
-            </a:r>
-          </a:p>
-          <a:p>
-            <a:pPr>
-              <a:lnSpc>
-                <a:spcPct val="120000"/>
-              </a:lnSpc>
-            </a:pPr>
-            <a:r>
-              <a:rPr lang="vi-VN" sz="2800" dirty="0">
-                <a:latin typeface="Times New Roman" panose="02020603050405020304" pitchFamily="18" charset="0"/>
-                <a:cs typeface="Times New Roman" panose="02020603050405020304" pitchFamily="18" charset="0"/>
-              </a:rPr>
-              <a:t>mobile_wt: độ nặng điện thoại</a:t>
-            </a:r>
-          </a:p>
-          <a:p>
-            <a:pPr>
-              <a:lnSpc>
-                <a:spcPct val="120000"/>
-              </a:lnSpc>
-            </a:pPr>
-            <a:r>
-              <a:rPr lang="vi-VN" sz="2800" dirty="0">
-                <a:latin typeface="Times New Roman" panose="02020603050405020304" pitchFamily="18" charset="0"/>
-                <a:cs typeface="Times New Roman" panose="02020603050405020304" pitchFamily="18" charset="0"/>
-              </a:rPr>
-              <a:t>n_cores:Số lõi của bộ xử lý</a:t>
-            </a:r>
-            <a:endParaRPr lang="en-US" b="1" dirty="0">
-              <a:latin typeface="Times New Roman" panose="02020603050405020304" pitchFamily="18" charset="0"/>
-              <a:cs typeface="Times New Roman" panose="02020603050405020304" pitchFamily="18" charset="0"/>
-            </a:endParaRPr>
-          </a:p>
-        </p:txBody>
-      </p:sp>
-      <p:sp>
-        <p:nvSpPr>
-          <p:cNvPr id="4" name="Slide Number Placeholder 3"/>
+          <p:cNvPr id="4" name="Slide Number Placeholder 3">
+            <a:extLst>
+              <a:ext uri="{FF2B5EF4-FFF2-40B4-BE49-F238E27FC236}">
+                <a16:creationId xmlns:a16="http://schemas.microsoft.com/office/drawing/2014/main" id="{32013F41-7BFE-EDDA-B55A-016545B96255}"/>
+              </a:ext>
+            </a:extLst>
+          </p:cNvPr>
           <p:cNvSpPr>
             <a:spLocks noGrp="1"/>
           </p:cNvSpPr>
@@ -10936,376 +10124,119 @@
             <p:ph type="sldNum" sz="quarter" idx="12"/>
           </p:nvPr>
         </p:nvSpPr>
-        <p:spPr/>
-        <p:txBody>
-          <a:bodyPr/>
+        <p:spPr>
+          <a:xfrm>
+            <a:off x="8610600" y="6356350"/>
+            <a:ext cx="2743200" cy="365125"/>
+          </a:xfrm>
+        </p:spPr>
+        <p:txBody>
+          <a:bodyPr vert="horz" lIns="91440" tIns="45720" rIns="91440" bIns="45720" rtlCol="0" anchor="ctr">
+            <a:normAutofit/>
+          </a:bodyPr>
           <a:lstStyle/>
           <a:p>
+            <a:pPr>
+              <a:spcAft>
+                <a:spcPts val="600"/>
+              </a:spcAft>
+            </a:pPr>
             <a:fld id="{D1E82683-5C6A-4808-A0A5-6DC033041A1F}" type="slidenum">
-              <a:rPr lang="en-US" smtClean="0">
-                <a:latin typeface="Times New Roman" panose="02020603050405020304" pitchFamily="18" charset="0"/>
-                <a:cs typeface="Times New Roman" panose="02020603050405020304" pitchFamily="18" charset="0"/>
-              </a:rPr>
+              <a:rPr lang="en-US" smtClean="0"/>
+              <a:pPr>
+                <a:spcAft>
+                  <a:spcPts val="600"/>
+                </a:spcAft>
+              </a:pPr>
               <a:t>7</a:t>
             </a:fld>
-            <a:endParaRPr lang="en-US">
+            <a:endParaRPr lang="en-US"/>
+          </a:p>
+        </p:txBody>
+      </p:sp>
+      <p:sp>
+        <p:nvSpPr>
+          <p:cNvPr id="7" name="TextBox 6">
+            <a:extLst>
+              <a:ext uri="{FF2B5EF4-FFF2-40B4-BE49-F238E27FC236}">
+                <a16:creationId xmlns:a16="http://schemas.microsoft.com/office/drawing/2014/main" id="{E389E0C4-B161-87AF-AB10-2491EA84BC3E}"/>
+              </a:ext>
+            </a:extLst>
+          </p:cNvPr>
+          <p:cNvSpPr txBox="1"/>
+          <p:nvPr/>
+        </p:nvSpPr>
+        <p:spPr>
+          <a:xfrm>
+            <a:off x="0" y="0"/>
+            <a:ext cx="2305439" cy="553998"/>
+          </a:xfrm>
+          <a:prstGeom prst="rect">
+            <a:avLst/>
+          </a:prstGeom>
+          <a:noFill/>
+        </p:spPr>
+        <p:txBody>
+          <a:bodyPr wrap="none" rtlCol="0">
+            <a:spAutoFit/>
+          </a:bodyPr>
+          <a:lstStyle/>
+          <a:p>
+            <a:r>
+              <a:rPr lang="en-US" sz="3000" b="1" dirty="0" err="1">
+                <a:latin typeface="Times New Roman" panose="02020603050405020304" pitchFamily="18" charset="0"/>
+                <a:cs typeface="Times New Roman" panose="02020603050405020304" pitchFamily="18" charset="0"/>
+              </a:rPr>
+              <a:t>Tương</a:t>
+            </a:r>
+            <a:r>
+              <a:rPr lang="en-US" sz="3000" b="1" dirty="0">
+                <a:latin typeface="Times New Roman" panose="02020603050405020304" pitchFamily="18" charset="0"/>
+                <a:cs typeface="Times New Roman" panose="02020603050405020304" pitchFamily="18" charset="0"/>
+              </a:rPr>
+              <a:t> Quan</a:t>
+            </a:r>
+            <a:endParaRPr lang="vi-VN" sz="3000" b="1" dirty="0">
               <a:latin typeface="Times New Roman" panose="02020603050405020304" pitchFamily="18" charset="0"/>
               <a:cs typeface="Times New Roman" panose="02020603050405020304" pitchFamily="18" charset="0"/>
             </a:endParaRPr>
           </a:p>
         </p:txBody>
       </p:sp>
-      <p:sp>
-        <p:nvSpPr>
-          <p:cNvPr id="5" name="Content Placeholder 2">
+      <p:pic>
+        <p:nvPicPr>
+          <p:cNvPr id="3" name="Picture 2">
             <a:extLst>
               <a:ext uri="{FF2B5EF4-FFF2-40B4-BE49-F238E27FC236}">
-                <a16:creationId xmlns:a16="http://schemas.microsoft.com/office/drawing/2014/main" id="{C633D742-CB07-8BFC-F95F-5AE4F3914E15}"/>
+                <a16:creationId xmlns:a16="http://schemas.microsoft.com/office/drawing/2014/main" id="{D4F4F911-B5DF-499D-130F-20E11409D423}"/>
               </a:ext>
             </a:extLst>
           </p:cNvPr>
-          <p:cNvSpPr txBox="1">
-            <a:spLocks/>
-          </p:cNvSpPr>
+          <p:cNvPicPr>
+            <a:picLocks noChangeAspect="1"/>
+          </p:cNvPicPr>
           <p:nvPr/>
-        </p:nvSpPr>
+        </p:nvPicPr>
+        <p:blipFill>
+          <a:blip r:embed="rId2"/>
+          <a:stretch>
+            <a:fillRect/>
+          </a:stretch>
+        </p:blipFill>
         <p:spPr>
           <a:xfrm>
-            <a:off x="6096000" y="867215"/>
-            <a:ext cx="5022954" cy="5854260"/>
+            <a:off x="2671199" y="269676"/>
+            <a:ext cx="8496302" cy="6451799"/>
           </a:xfrm>
           <a:prstGeom prst="rect">
             <a:avLst/>
           </a:prstGeom>
         </p:spPr>
-        <p:txBody>
-          <a:bodyPr vert="horz" lIns="91440" tIns="45720" rIns="91440" bIns="45720" rtlCol="0">
-            <a:normAutofit fontScale="62500" lnSpcReduction="20000"/>
-          </a:bodyPr>
-          <a:lstStyle>
-            <a:lvl1pPr marL="228600" indent="-228600" algn="l" defTabSz="914400" rtl="0" eaLnBrk="1" latinLnBrk="0" hangingPunct="1">
-              <a:lnSpc>
-                <a:spcPct val="90000"/>
-              </a:lnSpc>
-              <a:spcBef>
-                <a:spcPts val="1000"/>
-              </a:spcBef>
-              <a:buFont typeface="Arial" panose="020B0604020202020204" pitchFamily="34" charset="0"/>
-              <a:buChar char="•"/>
-              <a:defRPr sz="2800" kern="1200">
-                <a:solidFill>
-                  <a:schemeClr val="tx1"/>
-                </a:solidFill>
-                <a:latin typeface="+mn-lt"/>
-                <a:ea typeface="+mn-ea"/>
-                <a:cs typeface="+mn-cs"/>
-              </a:defRPr>
-            </a:lvl1pPr>
-            <a:lvl2pPr marL="685800" indent="-228600" algn="l" defTabSz="914400" rtl="0" eaLnBrk="1" latinLnBrk="0" hangingPunct="1">
-              <a:lnSpc>
-                <a:spcPct val="90000"/>
-              </a:lnSpc>
-              <a:spcBef>
-                <a:spcPts val="500"/>
-              </a:spcBef>
-              <a:buFont typeface="Arial" panose="020B0604020202020204" pitchFamily="34" charset="0"/>
-              <a:buChar char="•"/>
-              <a:defRPr sz="2400" kern="1200">
-                <a:solidFill>
-                  <a:schemeClr val="tx1"/>
-                </a:solidFill>
-                <a:latin typeface="+mn-lt"/>
-                <a:ea typeface="+mn-ea"/>
-                <a:cs typeface="+mn-cs"/>
-              </a:defRPr>
-            </a:lvl2pPr>
-            <a:lvl3pPr marL="1143000" indent="-228600" algn="l" defTabSz="914400" rtl="0" eaLnBrk="1" latinLnBrk="0" hangingPunct="1">
-              <a:lnSpc>
-                <a:spcPct val="90000"/>
-              </a:lnSpc>
-              <a:spcBef>
-                <a:spcPts val="500"/>
-              </a:spcBef>
-              <a:buFont typeface="Arial" panose="020B0604020202020204" pitchFamily="34" charset="0"/>
-              <a:buChar char="•"/>
-              <a:defRPr sz="2000" kern="1200">
-                <a:solidFill>
-                  <a:schemeClr val="tx1"/>
-                </a:solidFill>
-                <a:latin typeface="+mn-lt"/>
-                <a:ea typeface="+mn-ea"/>
-                <a:cs typeface="+mn-cs"/>
-              </a:defRPr>
-            </a:lvl3pPr>
-            <a:lvl4pPr marL="1600200" indent="-228600" algn="l" defTabSz="914400" rtl="0" eaLnBrk="1" latinLnBrk="0" hangingPunct="1">
-              <a:lnSpc>
-                <a:spcPct val="90000"/>
-              </a:lnSpc>
-              <a:spcBef>
-                <a:spcPts val="500"/>
-              </a:spcBef>
-              <a:buFont typeface="Arial" panose="020B0604020202020204" pitchFamily="34" charset="0"/>
-              <a:buChar char="•"/>
-              <a:defRPr sz="1800" kern="1200">
-                <a:solidFill>
-                  <a:schemeClr val="tx1"/>
-                </a:solidFill>
-                <a:latin typeface="+mn-lt"/>
-                <a:ea typeface="+mn-ea"/>
-                <a:cs typeface="+mn-cs"/>
-              </a:defRPr>
-            </a:lvl4pPr>
-            <a:lvl5pPr marL="2057400" indent="-228600" algn="l" defTabSz="914400" rtl="0" eaLnBrk="1" latinLnBrk="0" hangingPunct="1">
-              <a:lnSpc>
-                <a:spcPct val="90000"/>
-              </a:lnSpc>
-              <a:spcBef>
-                <a:spcPts val="500"/>
-              </a:spcBef>
-              <a:buFont typeface="Arial" panose="020B0604020202020204" pitchFamily="34" charset="0"/>
-              <a:buChar char="•"/>
-              <a:defRPr sz="1800" kern="1200">
-                <a:solidFill>
-                  <a:schemeClr val="tx1"/>
-                </a:solidFill>
-                <a:latin typeface="+mn-lt"/>
-                <a:ea typeface="+mn-ea"/>
-                <a:cs typeface="+mn-cs"/>
-              </a:defRPr>
-            </a:lvl5pPr>
-            <a:lvl6pPr marL="2514600" indent="-228600" algn="l" defTabSz="914400" rtl="0" eaLnBrk="1" latinLnBrk="0" hangingPunct="1">
-              <a:lnSpc>
-                <a:spcPct val="90000"/>
-              </a:lnSpc>
-              <a:spcBef>
-                <a:spcPts val="500"/>
-              </a:spcBef>
-              <a:buFont typeface="Arial" panose="020B0604020202020204" pitchFamily="34" charset="0"/>
-              <a:buChar char="•"/>
-              <a:defRPr sz="1800" kern="1200">
-                <a:solidFill>
-                  <a:schemeClr val="tx1"/>
-                </a:solidFill>
-                <a:latin typeface="+mn-lt"/>
-                <a:ea typeface="+mn-ea"/>
-                <a:cs typeface="+mn-cs"/>
-              </a:defRPr>
-            </a:lvl6pPr>
-            <a:lvl7pPr marL="2971800" indent="-228600" algn="l" defTabSz="914400" rtl="0" eaLnBrk="1" latinLnBrk="0" hangingPunct="1">
-              <a:lnSpc>
-                <a:spcPct val="90000"/>
-              </a:lnSpc>
-              <a:spcBef>
-                <a:spcPts val="500"/>
-              </a:spcBef>
-              <a:buFont typeface="Arial" panose="020B0604020202020204" pitchFamily="34" charset="0"/>
-              <a:buChar char="•"/>
-              <a:defRPr sz="1800" kern="1200">
-                <a:solidFill>
-                  <a:schemeClr val="tx1"/>
-                </a:solidFill>
-                <a:latin typeface="+mn-lt"/>
-                <a:ea typeface="+mn-ea"/>
-                <a:cs typeface="+mn-cs"/>
-              </a:defRPr>
-            </a:lvl7pPr>
-            <a:lvl8pPr marL="3429000" indent="-228600" algn="l" defTabSz="914400" rtl="0" eaLnBrk="1" latinLnBrk="0" hangingPunct="1">
-              <a:lnSpc>
-                <a:spcPct val="90000"/>
-              </a:lnSpc>
-              <a:spcBef>
-                <a:spcPts val="500"/>
-              </a:spcBef>
-              <a:buFont typeface="Arial" panose="020B0604020202020204" pitchFamily="34" charset="0"/>
-              <a:buChar char="•"/>
-              <a:defRPr sz="1800" kern="1200">
-                <a:solidFill>
-                  <a:schemeClr val="tx1"/>
-                </a:solidFill>
-                <a:latin typeface="+mn-lt"/>
-                <a:ea typeface="+mn-ea"/>
-                <a:cs typeface="+mn-cs"/>
-              </a:defRPr>
-            </a:lvl8pPr>
-            <a:lvl9pPr marL="3886200" indent="-228600" algn="l" defTabSz="914400" rtl="0" eaLnBrk="1" latinLnBrk="0" hangingPunct="1">
-              <a:lnSpc>
-                <a:spcPct val="90000"/>
-              </a:lnSpc>
-              <a:spcBef>
-                <a:spcPts val="500"/>
-              </a:spcBef>
-              <a:buFont typeface="Arial" panose="020B0604020202020204" pitchFamily="34" charset="0"/>
-              <a:buChar char="•"/>
-              <a:defRPr sz="1800" kern="1200">
-                <a:solidFill>
-                  <a:schemeClr val="tx1"/>
-                </a:solidFill>
-                <a:latin typeface="+mn-lt"/>
-                <a:ea typeface="+mn-ea"/>
-                <a:cs typeface="+mn-cs"/>
-              </a:defRPr>
-            </a:lvl9pPr>
-          </a:lstStyle>
-          <a:p>
-            <a:pPr>
-              <a:lnSpc>
-                <a:spcPct val="120000"/>
-              </a:lnSpc>
-            </a:pPr>
-            <a:r>
-              <a:rPr lang="vi-VN" sz="2800" dirty="0">
-                <a:latin typeface="Times New Roman" panose="02020603050405020304" pitchFamily="18" charset="0"/>
-                <a:cs typeface="Times New Roman" panose="02020603050405020304" pitchFamily="18" charset="0"/>
-              </a:rPr>
-              <a:t>pc: Độ phân giải camera sau</a:t>
-            </a:r>
-          </a:p>
-          <a:p>
-            <a:pPr>
-              <a:lnSpc>
-                <a:spcPct val="120000"/>
-              </a:lnSpc>
-            </a:pPr>
-            <a:r>
-              <a:rPr lang="vi-VN" sz="2800" dirty="0">
-                <a:latin typeface="Times New Roman" panose="02020603050405020304" pitchFamily="18" charset="0"/>
-                <a:cs typeface="Times New Roman" panose="02020603050405020304" pitchFamily="18" charset="0"/>
-              </a:rPr>
-              <a:t>px_height: chiều cao của độ phân giải màn hình</a:t>
-            </a:r>
-          </a:p>
-          <a:p>
-            <a:pPr>
-              <a:lnSpc>
-                <a:spcPct val="120000"/>
-              </a:lnSpc>
-            </a:pPr>
-            <a:r>
-              <a:rPr lang="vi-VN" sz="2800" dirty="0">
-                <a:latin typeface="Times New Roman" panose="02020603050405020304" pitchFamily="18" charset="0"/>
-                <a:cs typeface="Times New Roman" panose="02020603050405020304" pitchFamily="18" charset="0"/>
-              </a:rPr>
-              <a:t>px_width: chiều rộng của độ phân giải màn hình</a:t>
-            </a:r>
-          </a:p>
-          <a:p>
-            <a:pPr>
-              <a:lnSpc>
-                <a:spcPct val="120000"/>
-              </a:lnSpc>
-            </a:pPr>
-            <a:r>
-              <a:rPr lang="vi-VN" sz="2800" dirty="0">
-                <a:latin typeface="Times New Roman" panose="02020603050405020304" pitchFamily="18" charset="0"/>
-                <a:cs typeface="Times New Roman" panose="02020603050405020304" pitchFamily="18" charset="0"/>
-              </a:rPr>
-              <a:t>ram: Dung lượng của Ram</a:t>
-            </a:r>
-          </a:p>
-          <a:p>
-            <a:pPr>
-              <a:lnSpc>
-                <a:spcPct val="120000"/>
-              </a:lnSpc>
-            </a:pPr>
-            <a:r>
-              <a:rPr lang="vi-VN" sz="2800" dirty="0">
-                <a:latin typeface="Times New Roman" panose="02020603050405020304" pitchFamily="18" charset="0"/>
-                <a:cs typeface="Times New Roman" panose="02020603050405020304" pitchFamily="18" charset="0"/>
-              </a:rPr>
-              <a:t>sc_h: chiều cao màn hình</a:t>
-            </a:r>
-          </a:p>
-          <a:p>
-            <a:pPr>
-              <a:lnSpc>
-                <a:spcPct val="120000"/>
-              </a:lnSpc>
-            </a:pPr>
-            <a:r>
-              <a:rPr lang="vi-VN" sz="2800" dirty="0">
-                <a:latin typeface="Times New Roman" panose="02020603050405020304" pitchFamily="18" charset="0"/>
-                <a:cs typeface="Times New Roman" panose="02020603050405020304" pitchFamily="18" charset="0"/>
-              </a:rPr>
-              <a:t>sc_w: chiều rộng màn hình</a:t>
-            </a:r>
-          </a:p>
-          <a:p>
-            <a:pPr>
-              <a:lnSpc>
-                <a:spcPct val="120000"/>
-              </a:lnSpc>
-            </a:pPr>
-            <a:r>
-              <a:rPr lang="vi-VN" sz="2800" dirty="0">
-                <a:latin typeface="Times New Roman" panose="02020603050405020304" pitchFamily="18" charset="0"/>
-                <a:cs typeface="Times New Roman" panose="02020603050405020304" pitchFamily="18" charset="0"/>
-              </a:rPr>
-              <a:t>talk_time: thời gian dài nhất khi sạc điện thoại</a:t>
-            </a:r>
-          </a:p>
-          <a:p>
-            <a:pPr>
-              <a:lnSpc>
-                <a:spcPct val="120000"/>
-              </a:lnSpc>
-            </a:pPr>
-            <a:r>
-              <a:rPr lang="vi-VN" sz="2800" dirty="0">
-                <a:latin typeface="Times New Roman" panose="02020603050405020304" pitchFamily="18" charset="0"/>
-                <a:cs typeface="Times New Roman" panose="02020603050405020304" pitchFamily="18" charset="0"/>
-              </a:rPr>
-              <a:t>three_g: có 3g hay không</a:t>
-            </a:r>
-          </a:p>
-          <a:p>
-            <a:pPr>
-              <a:lnSpc>
-                <a:spcPct val="120000"/>
-              </a:lnSpc>
-            </a:pPr>
-            <a:r>
-              <a:rPr lang="vi-VN" sz="2800" dirty="0">
-                <a:latin typeface="Times New Roman" panose="02020603050405020304" pitchFamily="18" charset="0"/>
-                <a:cs typeface="Times New Roman" panose="02020603050405020304" pitchFamily="18" charset="0"/>
-              </a:rPr>
-              <a:t>touch_screen: có màn hình cảm ứng hay không</a:t>
-            </a:r>
-          </a:p>
-          <a:p>
-            <a:pPr>
-              <a:lnSpc>
-                <a:spcPct val="120000"/>
-              </a:lnSpc>
-            </a:pPr>
-            <a:r>
-              <a:rPr lang="vi-VN" sz="2800" dirty="0">
-                <a:latin typeface="Times New Roman" panose="02020603050405020304" pitchFamily="18" charset="0"/>
-                <a:cs typeface="Times New Roman" panose="02020603050405020304" pitchFamily="18" charset="0"/>
-              </a:rPr>
-              <a:t>wifi: có wifi hay không</a:t>
-            </a:r>
-          </a:p>
-          <a:p>
-            <a:pPr>
-              <a:lnSpc>
-                <a:spcPct val="120000"/>
-              </a:lnSpc>
-            </a:pPr>
-            <a:r>
-              <a:rPr lang="vi-VN" sz="2800" dirty="0">
-                <a:latin typeface="Times New Roman" panose="02020603050405020304" pitchFamily="18" charset="0"/>
-                <a:cs typeface="Times New Roman" panose="02020603050405020304" pitchFamily="18" charset="0"/>
-              </a:rPr>
-              <a:t>price_range: khoảng giá trị chi phí điện thoại (0,1,2,3)</a:t>
-            </a:r>
-          </a:p>
-        </p:txBody>
-      </p:sp>
+      </p:pic>
     </p:spTree>
     <p:extLst>
       <p:ext uri="{BB962C8B-B14F-4D97-AF65-F5344CB8AC3E}">
-        <p14:creationId xmlns:p14="http://schemas.microsoft.com/office/powerpoint/2010/main" val="1205681812"/>
+        <p14:creationId xmlns:p14="http://schemas.microsoft.com/office/powerpoint/2010/main" val="3008127566"/>
       </p:ext>
     </p:extLst>
   </p:cSld>
@@ -11340,12 +10271,107 @@
           <a:chExt cx="0" cy="0"/>
         </a:xfrm>
       </p:grpSpPr>
+      <p:sp>
+        <p:nvSpPr>
+          <p:cNvPr id="4" name="Slide Number Placeholder 3">
+            <a:extLst>
+              <a:ext uri="{FF2B5EF4-FFF2-40B4-BE49-F238E27FC236}">
+                <a16:creationId xmlns:a16="http://schemas.microsoft.com/office/drawing/2014/main" id="{9E571214-7EB9-5CEC-B634-18F90CF6CADC}"/>
+              </a:ext>
+            </a:extLst>
+          </p:cNvPr>
+          <p:cNvSpPr>
+            <a:spLocks noGrp="1"/>
+          </p:cNvSpPr>
+          <p:nvPr>
+            <p:ph type="sldNum" sz="quarter" idx="12"/>
+          </p:nvPr>
+        </p:nvSpPr>
+        <p:spPr>
+          <a:xfrm>
+            <a:off x="8610600" y="6356350"/>
+            <a:ext cx="2743200" cy="365125"/>
+          </a:xfrm>
+        </p:spPr>
+        <p:txBody>
+          <a:bodyPr vert="horz" lIns="91440" tIns="45720" rIns="91440" bIns="45720" rtlCol="0" anchor="ctr">
+            <a:normAutofit/>
+          </a:bodyPr>
+          <a:lstStyle/>
+          <a:p>
+            <a:pPr>
+              <a:spcAft>
+                <a:spcPts val="600"/>
+              </a:spcAft>
+            </a:pPr>
+            <a:fld id="{D1E82683-5C6A-4808-A0A5-6DC033041A1F}" type="slidenum">
+              <a:rPr lang="en-US" smtClean="0"/>
+              <a:pPr>
+                <a:spcAft>
+                  <a:spcPts val="600"/>
+                </a:spcAft>
+              </a:pPr>
+              <a:t>8</a:t>
+            </a:fld>
+            <a:endParaRPr lang="en-US"/>
+          </a:p>
+        </p:txBody>
+      </p:sp>
+      <p:sp>
+        <p:nvSpPr>
+          <p:cNvPr id="7" name="TextBox 6">
+            <a:extLst>
+              <a:ext uri="{FF2B5EF4-FFF2-40B4-BE49-F238E27FC236}">
+                <a16:creationId xmlns:a16="http://schemas.microsoft.com/office/drawing/2014/main" id="{20ECBCB2-8E05-769B-05FD-5F6AF6656AD4}"/>
+              </a:ext>
+            </a:extLst>
+          </p:cNvPr>
+          <p:cNvSpPr txBox="1"/>
+          <p:nvPr/>
+        </p:nvSpPr>
+        <p:spPr>
+          <a:xfrm>
+            <a:off x="0" y="0"/>
+            <a:ext cx="2305439" cy="553998"/>
+          </a:xfrm>
+          <a:prstGeom prst="rect">
+            <a:avLst/>
+          </a:prstGeom>
+          <a:noFill/>
+        </p:spPr>
+        <p:txBody>
+          <a:bodyPr wrap="none" rtlCol="0">
+            <a:spAutoFit/>
+          </a:bodyPr>
+          <a:lstStyle/>
+          <a:p>
+            <a:r>
+              <a:rPr lang="en-US" sz="3000" b="1" dirty="0" err="1">
+                <a:latin typeface="Times New Roman" panose="02020603050405020304" pitchFamily="18" charset="0"/>
+                <a:cs typeface="Times New Roman" panose="02020603050405020304" pitchFamily="18" charset="0"/>
+              </a:rPr>
+              <a:t>Tương</a:t>
+            </a:r>
+            <a:r>
+              <a:rPr lang="en-US" sz="3000" b="1" dirty="0">
+                <a:latin typeface="Times New Roman" panose="02020603050405020304" pitchFamily="18" charset="0"/>
+                <a:cs typeface="Times New Roman" panose="02020603050405020304" pitchFamily="18" charset="0"/>
+              </a:rPr>
+              <a:t> Quan</a:t>
+            </a:r>
+            <a:endParaRPr lang="vi-VN" sz="3000" b="1" dirty="0">
+              <a:latin typeface="Times New Roman" panose="02020603050405020304" pitchFamily="18" charset="0"/>
+              <a:cs typeface="Times New Roman" panose="02020603050405020304" pitchFamily="18" charset="0"/>
+            </a:endParaRPr>
+          </a:p>
+        </p:txBody>
+      </p:sp>
       <p:pic>
         <p:nvPicPr>
-          <p:cNvPr id="6" name="Picture 5">
+          <p:cNvPr id="8" name="Picture 7">
             <a:extLst>
               <a:ext uri="{FF2B5EF4-FFF2-40B4-BE49-F238E27FC236}">
-                <a16:creationId xmlns:a16="http://schemas.microsoft.com/office/drawing/2014/main" id="{47BCFA95-776C-4406-0F37-5D82C05AC6A5}"/>
+                <a16:creationId xmlns:a16="http://schemas.microsoft.com/office/drawing/2014/main" id="{D1A94EC0-3A09-A4F1-600F-A427130F2175}"/>
               </a:ext>
             </a:extLst>
           </p:cNvPr>
@@ -11362,113 +10388,18 @@
         </p:blipFill>
         <p:spPr>
           <a:xfrm>
-            <a:off x="1881783" y="740515"/>
-            <a:ext cx="9125220" cy="5798397"/>
+            <a:off x="2767634" y="553998"/>
+            <a:ext cx="8134827" cy="6167477"/>
           </a:xfrm>
           <a:prstGeom prst="rect">
             <a:avLst/>
           </a:prstGeom>
         </p:spPr>
       </p:pic>
-      <p:sp>
-        <p:nvSpPr>
-          <p:cNvPr id="4" name="Slide Number Placeholder 3">
-            <a:extLst>
-              <a:ext uri="{FF2B5EF4-FFF2-40B4-BE49-F238E27FC236}">
-                <a16:creationId xmlns:a16="http://schemas.microsoft.com/office/drawing/2014/main" id="{32013F41-7BFE-EDDA-B55A-016545B96255}"/>
-              </a:ext>
-            </a:extLst>
-          </p:cNvPr>
-          <p:cNvSpPr>
-            <a:spLocks noGrp="1"/>
-          </p:cNvSpPr>
-          <p:nvPr>
-            <p:ph type="sldNum" sz="quarter" idx="12"/>
-          </p:nvPr>
-        </p:nvSpPr>
-        <p:spPr>
-          <a:xfrm>
-            <a:off x="8610600" y="6356350"/>
-            <a:ext cx="2743200" cy="365125"/>
-          </a:xfrm>
-        </p:spPr>
-        <p:txBody>
-          <a:bodyPr vert="horz" lIns="91440" tIns="45720" rIns="91440" bIns="45720" rtlCol="0" anchor="ctr">
-            <a:normAutofit/>
-          </a:bodyPr>
-          <a:lstStyle/>
-          <a:p>
-            <a:pPr>
-              <a:spcAft>
-                <a:spcPts val="600"/>
-              </a:spcAft>
-            </a:pPr>
-            <a:fld id="{D1E82683-5C6A-4808-A0A5-6DC033041A1F}" type="slidenum">
-              <a:rPr lang="en-US" smtClean="0"/>
-              <a:pPr>
-                <a:spcAft>
-                  <a:spcPts val="600"/>
-                </a:spcAft>
-              </a:pPr>
-              <a:t>8</a:t>
-            </a:fld>
-            <a:endParaRPr lang="en-US"/>
-          </a:p>
-        </p:txBody>
-      </p:sp>
-      <p:sp>
-        <p:nvSpPr>
-          <p:cNvPr id="7" name="TextBox 6">
-            <a:extLst>
-              <a:ext uri="{FF2B5EF4-FFF2-40B4-BE49-F238E27FC236}">
-                <a16:creationId xmlns:a16="http://schemas.microsoft.com/office/drawing/2014/main" id="{E389E0C4-B161-87AF-AB10-2491EA84BC3E}"/>
-              </a:ext>
-            </a:extLst>
-          </p:cNvPr>
-          <p:cNvSpPr txBox="1"/>
-          <p:nvPr/>
-        </p:nvSpPr>
-        <p:spPr>
-          <a:xfrm>
-            <a:off x="0" y="0"/>
-            <a:ext cx="2305439" cy="553998"/>
-          </a:xfrm>
-          <a:prstGeom prst="rect">
-            <a:avLst/>
-          </a:prstGeom>
-          <a:noFill/>
-        </p:spPr>
-        <p:txBody>
-          <a:bodyPr wrap="none" rtlCol="0">
-            <a:spAutoFit/>
-          </a:bodyPr>
-          <a:lstStyle/>
-          <a:p>
-            <a:r>
-              <a:rPr lang="en-US" sz="3000" b="1" dirty="0" err="1">
-                <a:latin typeface="Times New Roman" panose="02020603050405020304" pitchFamily="18" charset="0"/>
-                <a:cs typeface="Times New Roman" panose="02020603050405020304" pitchFamily="18" charset="0"/>
-              </a:rPr>
-              <a:t>Tương</a:t>
-            </a:r>
-            <a:r>
-              <a:rPr lang="en-US" sz="3000" b="1" dirty="0">
-                <a:latin typeface="Times New Roman" panose="02020603050405020304" pitchFamily="18" charset="0"/>
-                <a:cs typeface="Times New Roman" panose="02020603050405020304" pitchFamily="18" charset="0"/>
-              </a:rPr>
-              <a:t> Quan</a:t>
-            </a:r>
-            <a:endParaRPr lang="vi-VN" sz="3000" b="1" dirty="0">
-              <a:latin typeface="Times New Roman" panose="02020603050405020304" pitchFamily="18" charset="0"/>
-              <a:cs typeface="Times New Roman" panose="02020603050405020304" pitchFamily="18" charset="0"/>
-            </a:endParaRPr>
-          </a:p>
-        </p:txBody>
-      </p:sp>
     </p:spTree>
     <p:extLst>
       <p:ext uri="{BB962C8B-B14F-4D97-AF65-F5344CB8AC3E}">
-        <p14:creationId xmlns:p14="http://schemas.microsoft.com/office/powerpoint/2010/main" val="3008127566"/>
+        <p14:creationId xmlns:p14="http://schemas.microsoft.com/office/powerpoint/2010/main" val="1474499354"/>
       </p:ext>
     </p:extLst>
   </p:cSld>
@@ -11505,17 +10436,19 @@
       </p:grpSpPr>
       <p:pic>
         <p:nvPicPr>
-          <p:cNvPr id="6" name="Picture 5">
+          <p:cNvPr id="6" name="Content Placeholder 5">
             <a:extLst>
               <a:ext uri="{FF2B5EF4-FFF2-40B4-BE49-F238E27FC236}">
-                <a16:creationId xmlns:a16="http://schemas.microsoft.com/office/drawing/2014/main" id="{0714FB3C-D526-5FAB-5955-60FF1A338F78}"/>
+                <a16:creationId xmlns:a16="http://schemas.microsoft.com/office/drawing/2014/main" id="{54716314-7F6A-F603-6B47-A45283558541}"/>
               </a:ext>
             </a:extLst>
           </p:cNvPr>
           <p:cNvPicPr>
-            <a:picLocks noChangeAspect="1"/>
+            <a:picLocks noGrp="1" noChangeAspect="1"/>
           </p:cNvPicPr>
-          <p:nvPr/>
+          <p:nvPr>
+            <p:ph idx="1"/>
+          </p:nvPr>
         </p:nvPicPr>
         <p:blipFill>
           <a:blip r:embed="rId2"/>
@@ -11525,8 +10458,8 @@
         </p:blipFill>
         <p:spPr>
           <a:xfrm>
-            <a:off x="2045705" y="558525"/>
-            <a:ext cx="8673877" cy="6162950"/>
+            <a:off x="2102403" y="643466"/>
+            <a:ext cx="8713992" cy="6078009"/>
           </a:xfrm>
           <a:prstGeom prst="rect">
             <a:avLst/>
@@ -11538,7 +10471,7 @@
           <p:cNvPr id="4" name="Slide Number Placeholder 3">
             <a:extLst>
               <a:ext uri="{FF2B5EF4-FFF2-40B4-BE49-F238E27FC236}">
-                <a16:creationId xmlns:a16="http://schemas.microsoft.com/office/drawing/2014/main" id="{9E571214-7EB9-5CEC-B634-18F90CF6CADC}"/>
+                <a16:creationId xmlns:a16="http://schemas.microsoft.com/office/drawing/2014/main" id="{238225F0-E9A8-2D61-CA3F-B32F7A60EB22}"/>
               </a:ext>
             </a:extLst>
           </p:cNvPr>
@@ -11581,10 +10514,10 @@
       </p:sp>
       <p:sp>
         <p:nvSpPr>
-          <p:cNvPr id="7" name="TextBox 6">
+          <p:cNvPr id="8" name="TextBox 7">
             <a:extLst>
               <a:ext uri="{FF2B5EF4-FFF2-40B4-BE49-F238E27FC236}">
-                <a16:creationId xmlns:a16="http://schemas.microsoft.com/office/drawing/2014/main" id="{20ECBCB2-8E05-769B-05FD-5F6AF6656AD4}"/>
+                <a16:creationId xmlns:a16="http://schemas.microsoft.com/office/drawing/2014/main" id="{8748D68A-21BF-7BC8-2158-3B8A3938D5B9}"/>
               </a:ext>
             </a:extLst>
           </p:cNvPr>
@@ -11631,7 +10564,7 @@
     </p:spTree>
     <p:extLst>
       <p:ext uri="{BB962C8B-B14F-4D97-AF65-F5344CB8AC3E}">
-        <p14:creationId xmlns:p14="http://schemas.microsoft.com/office/powerpoint/2010/main" val="1474499354"/>
+        <p14:creationId xmlns:p14="http://schemas.microsoft.com/office/powerpoint/2010/main" val="720044232"/>
       </p:ext>
     </p:extLst>
   </p:cSld>

--- a/Nhom10-report.pptx
+++ b/Nhom10-report.pptx
@@ -5,7 +5,7 @@
     <p:sldMasterId id="2147483648" r:id="rId1"/>
   </p:sldMasterIdLst>
   <p:notesMasterIdLst>
-    <p:notesMasterId r:id="rId22"/>
+    <p:notesMasterId r:id="rId23"/>
   </p:notesMasterIdLst>
   <p:sldIdLst>
     <p:sldId id="256" r:id="rId2"/>
@@ -14,20 +14,21 @@
     <p:sldId id="258" r:id="rId5"/>
     <p:sldId id="259" r:id="rId6"/>
     <p:sldId id="260" r:id="rId7"/>
-    <p:sldId id="261" r:id="rId8"/>
-    <p:sldId id="262" r:id="rId9"/>
-    <p:sldId id="263" r:id="rId10"/>
-    <p:sldId id="264" r:id="rId11"/>
-    <p:sldId id="265" r:id="rId12"/>
-    <p:sldId id="272" r:id="rId13"/>
-    <p:sldId id="273" r:id="rId14"/>
-    <p:sldId id="277" r:id="rId15"/>
-    <p:sldId id="276" r:id="rId16"/>
-    <p:sldId id="266" r:id="rId17"/>
-    <p:sldId id="269" r:id="rId18"/>
-    <p:sldId id="270" r:id="rId19"/>
-    <p:sldId id="267" r:id="rId20"/>
-    <p:sldId id="268" r:id="rId21"/>
+    <p:sldId id="280" r:id="rId8"/>
+    <p:sldId id="261" r:id="rId9"/>
+    <p:sldId id="262" r:id="rId10"/>
+    <p:sldId id="263" r:id="rId11"/>
+    <p:sldId id="264" r:id="rId12"/>
+    <p:sldId id="265" r:id="rId13"/>
+    <p:sldId id="272" r:id="rId14"/>
+    <p:sldId id="273" r:id="rId15"/>
+    <p:sldId id="277" r:id="rId16"/>
+    <p:sldId id="276" r:id="rId17"/>
+    <p:sldId id="266" r:id="rId18"/>
+    <p:sldId id="269" r:id="rId19"/>
+    <p:sldId id="270" r:id="rId20"/>
+    <p:sldId id="267" r:id="rId21"/>
+    <p:sldId id="268" r:id="rId22"/>
   </p:sldIdLst>
   <p:sldSz cx="12192000" cy="6858000"/>
   <p:notesSz cx="6858000" cy="9144000"/>
@@ -3675,6 +3676,171 @@
           <p:cNvPr id="6" name="Content Placeholder 5">
             <a:extLst>
               <a:ext uri="{FF2B5EF4-FFF2-40B4-BE49-F238E27FC236}">
+                <a16:creationId xmlns:a16="http://schemas.microsoft.com/office/drawing/2014/main" id="{54716314-7F6A-F603-6B47-A45283558541}"/>
+              </a:ext>
+            </a:extLst>
+          </p:cNvPr>
+          <p:cNvPicPr>
+            <a:picLocks noGrp="1" noChangeAspect="1"/>
+          </p:cNvPicPr>
+          <p:nvPr>
+            <p:ph idx="1"/>
+          </p:nvPr>
+        </p:nvPicPr>
+        <p:blipFill>
+          <a:blip r:embed="rId2"/>
+          <a:stretch>
+            <a:fillRect/>
+          </a:stretch>
+        </p:blipFill>
+        <p:spPr>
+          <a:xfrm>
+            <a:off x="2102403" y="643466"/>
+            <a:ext cx="8713992" cy="6078009"/>
+          </a:xfrm>
+          <a:prstGeom prst="rect">
+            <a:avLst/>
+          </a:prstGeom>
+        </p:spPr>
+      </p:pic>
+      <p:sp>
+        <p:nvSpPr>
+          <p:cNvPr id="4" name="Slide Number Placeholder 3">
+            <a:extLst>
+              <a:ext uri="{FF2B5EF4-FFF2-40B4-BE49-F238E27FC236}">
+                <a16:creationId xmlns:a16="http://schemas.microsoft.com/office/drawing/2014/main" id="{238225F0-E9A8-2D61-CA3F-B32F7A60EB22}"/>
+              </a:ext>
+            </a:extLst>
+          </p:cNvPr>
+          <p:cNvSpPr>
+            <a:spLocks noGrp="1"/>
+          </p:cNvSpPr>
+          <p:nvPr>
+            <p:ph type="sldNum" sz="quarter" idx="12"/>
+          </p:nvPr>
+        </p:nvSpPr>
+        <p:spPr>
+          <a:xfrm>
+            <a:off x="8610600" y="6356350"/>
+            <a:ext cx="2743200" cy="365125"/>
+          </a:xfrm>
+        </p:spPr>
+        <p:txBody>
+          <a:bodyPr vert="horz" lIns="91440" tIns="45720" rIns="91440" bIns="45720" rtlCol="0" anchor="ctr">
+            <a:normAutofit/>
+          </a:bodyPr>
+          <a:lstStyle/>
+          <a:p>
+            <a:pPr>
+              <a:spcAft>
+                <a:spcPts val="600"/>
+              </a:spcAft>
+            </a:pPr>
+            <a:fld id="{D1E82683-5C6A-4808-A0A5-6DC033041A1F}" type="slidenum">
+              <a:rPr lang="en-US" smtClean="0"/>
+              <a:pPr>
+                <a:spcAft>
+                  <a:spcPts val="600"/>
+                </a:spcAft>
+              </a:pPr>
+              <a:t>10</a:t>
+            </a:fld>
+            <a:endParaRPr lang="en-US"/>
+          </a:p>
+        </p:txBody>
+      </p:sp>
+      <p:sp>
+        <p:nvSpPr>
+          <p:cNvPr id="8" name="TextBox 7">
+            <a:extLst>
+              <a:ext uri="{FF2B5EF4-FFF2-40B4-BE49-F238E27FC236}">
+                <a16:creationId xmlns:a16="http://schemas.microsoft.com/office/drawing/2014/main" id="{8748D68A-21BF-7BC8-2158-3B8A3938D5B9}"/>
+              </a:ext>
+            </a:extLst>
+          </p:cNvPr>
+          <p:cNvSpPr txBox="1"/>
+          <p:nvPr/>
+        </p:nvSpPr>
+        <p:spPr>
+          <a:xfrm>
+            <a:off x="0" y="0"/>
+            <a:ext cx="2305439" cy="553998"/>
+          </a:xfrm>
+          <a:prstGeom prst="rect">
+            <a:avLst/>
+          </a:prstGeom>
+          <a:noFill/>
+        </p:spPr>
+        <p:txBody>
+          <a:bodyPr wrap="none" rtlCol="0">
+            <a:spAutoFit/>
+          </a:bodyPr>
+          <a:lstStyle/>
+          <a:p>
+            <a:r>
+              <a:rPr lang="en-US" sz="3000" b="1" dirty="0" err="1">
+                <a:latin typeface="Times New Roman" panose="02020603050405020304" pitchFamily="18" charset="0"/>
+                <a:cs typeface="Times New Roman" panose="02020603050405020304" pitchFamily="18" charset="0"/>
+              </a:rPr>
+              <a:t>Tương</a:t>
+            </a:r>
+            <a:r>
+              <a:rPr lang="en-US" sz="3000" b="1" dirty="0">
+                <a:latin typeface="Times New Roman" panose="02020603050405020304" pitchFamily="18" charset="0"/>
+                <a:cs typeface="Times New Roman" panose="02020603050405020304" pitchFamily="18" charset="0"/>
+              </a:rPr>
+              <a:t> Quan</a:t>
+            </a:r>
+            <a:endParaRPr lang="vi-VN" sz="3000" b="1" dirty="0">
+              <a:latin typeface="Times New Roman" panose="02020603050405020304" pitchFamily="18" charset="0"/>
+              <a:cs typeface="Times New Roman" panose="02020603050405020304" pitchFamily="18" charset="0"/>
+            </a:endParaRPr>
+          </a:p>
+        </p:txBody>
+      </p:sp>
+    </p:spTree>
+    <p:extLst>
+      <p:ext uri="{BB962C8B-B14F-4D97-AF65-F5344CB8AC3E}">
+        <p14:creationId xmlns:p14="http://schemas.microsoft.com/office/powerpoint/2010/main" val="720044232"/>
+      </p:ext>
+    </p:extLst>
+  </p:cSld>
+  <p:clrMapOvr>
+    <a:masterClrMapping/>
+  </p:clrMapOvr>
+</p:sld>
+</file>
+
+<file path=ppt/slides/slide11.xml><?xml version="1.0" encoding="utf-8"?>
+<p:sld xmlns:a="http://schemas.openxmlformats.org/drawingml/2006/main" xmlns:r="http://schemas.openxmlformats.org/officeDocument/2006/relationships" xmlns:p="http://schemas.openxmlformats.org/presentationml/2006/main">
+  <p:cSld>
+    <p:bg>
+      <p:bgPr>
+        <a:solidFill>
+          <a:schemeClr val="bg1"/>
+        </a:solidFill>
+        <a:effectLst/>
+      </p:bgPr>
+    </p:bg>
+    <p:spTree>
+      <p:nvGrpSpPr>
+        <p:cNvPr id="1" name=""/>
+        <p:cNvGrpSpPr/>
+        <p:nvPr/>
+      </p:nvGrpSpPr>
+      <p:grpSpPr>
+        <a:xfrm>
+          <a:off x="0" y="0"/>
+          <a:ext cx="0" cy="0"/>
+          <a:chOff x="0" y="0"/>
+          <a:chExt cx="0" cy="0"/>
+        </a:xfrm>
+      </p:grpSpPr>
+      <p:pic>
+        <p:nvPicPr>
+          <p:cNvPr id="6" name="Content Placeholder 5">
+            <a:extLst>
+              <a:ext uri="{FF2B5EF4-FFF2-40B4-BE49-F238E27FC236}">
                 <a16:creationId xmlns:a16="http://schemas.microsoft.com/office/drawing/2014/main" id="{3FAC503C-5F00-F792-D192-70934FA89488}"/>
               </a:ext>
             </a:extLst>
@@ -3742,7 +3908,7 @@
                   <a:spcPts val="600"/>
                 </a:spcAft>
               </a:pPr>
-              <a:t>10</a:t>
+              <a:t>11</a:t>
             </a:fld>
             <a:endParaRPr lang="en-US"/>
           </a:p>
@@ -3810,7 +3976,7 @@
 </p:sld>
 </file>
 
-<file path=ppt/slides/slide11.xml><?xml version="1.0" encoding="utf-8"?>
+<file path=ppt/slides/slide12.xml><?xml version="1.0" encoding="utf-8"?>
 <p:sld xmlns:a="http://schemas.openxmlformats.org/drawingml/2006/main" xmlns:r="http://schemas.openxmlformats.org/officeDocument/2006/relationships" xmlns:p="http://schemas.openxmlformats.org/presentationml/2006/main">
   <p:cSld>
     <p:bg>
@@ -3907,7 +4073,7 @@
                   <a:spcPts val="600"/>
                 </a:spcAft>
               </a:pPr>
-              <a:t>11</a:t>
+              <a:t>12</a:t>
             </a:fld>
             <a:endParaRPr lang="en-US"/>
           </a:p>
@@ -3975,7 +4141,7 @@
 </p:sld>
 </file>
 
-<file path=ppt/slides/slide12.xml><?xml version="1.0" encoding="utf-8"?>
+<file path=ppt/slides/slide13.xml><?xml version="1.0" encoding="utf-8"?>
 <p:sld xmlns:a="http://schemas.openxmlformats.org/drawingml/2006/main" xmlns:r="http://schemas.openxmlformats.org/officeDocument/2006/relationships" xmlns:p="http://schemas.openxmlformats.org/presentationml/2006/main">
   <p:cSld>
     <p:spTree>
@@ -4015,7 +4181,7 @@
           <a:p>
             <a:fld id="{D1E82683-5C6A-4808-A0A5-6DC033041A1F}" type="slidenum">
               <a:rPr lang="en-US" smtClean="0"/>
-              <a:t>12</a:t>
+              <a:t>13</a:t>
             </a:fld>
             <a:endParaRPr lang="en-US"/>
           </a:p>
@@ -4106,7 +4272,7 @@
 </p:sld>
 </file>
 
-<file path=ppt/slides/slide13.xml><?xml version="1.0" encoding="utf-8"?>
+<file path=ppt/slides/slide14.xml><?xml version="1.0" encoding="utf-8"?>
 <p:sld xmlns:a="http://schemas.openxmlformats.org/drawingml/2006/main" xmlns:r="http://schemas.openxmlformats.org/officeDocument/2006/relationships" xmlns:p="http://schemas.openxmlformats.org/presentationml/2006/main">
   <p:cSld>
     <p:spTree>
@@ -4146,7 +4312,7 @@
           <a:p>
             <a:fld id="{D1E82683-5C6A-4808-A0A5-6DC033041A1F}" type="slidenum">
               <a:rPr lang="en-US" smtClean="0"/>
-              <a:t>13</a:t>
+              <a:t>14</a:t>
             </a:fld>
             <a:endParaRPr lang="en-US"/>
           </a:p>
@@ -4473,7 +4639,7 @@
 </p:sld>
 </file>
 
-<file path=ppt/slides/slide14.xml><?xml version="1.0" encoding="utf-8"?>
+<file path=ppt/slides/slide15.xml><?xml version="1.0" encoding="utf-8"?>
 <p:sld xmlns:a="http://schemas.openxmlformats.org/drawingml/2006/main" xmlns:r="http://schemas.openxmlformats.org/officeDocument/2006/relationships" xmlns:p="http://schemas.openxmlformats.org/presentationml/2006/main">
   <p:cSld>
     <p:spTree>
@@ -4513,7 +4679,7 @@
           <a:p>
             <a:fld id="{D1E82683-5C6A-4808-A0A5-6DC033041A1F}" type="slidenum">
               <a:rPr lang="en-US" smtClean="0"/>
-              <a:t>14</a:t>
+              <a:t>15</a:t>
             </a:fld>
             <a:endParaRPr lang="en-US"/>
           </a:p>
@@ -4755,7 +4921,7 @@
 </p:sld>
 </file>
 
-<file path=ppt/slides/slide15.xml><?xml version="1.0" encoding="utf-8"?>
+<file path=ppt/slides/slide16.xml><?xml version="1.0" encoding="utf-8"?>
 <p:sld xmlns:a="http://schemas.openxmlformats.org/drawingml/2006/main" xmlns:r="http://schemas.openxmlformats.org/officeDocument/2006/relationships" xmlns:p="http://schemas.openxmlformats.org/presentationml/2006/main">
   <p:cSld>
     <p:spTree>
@@ -4795,7 +4961,7 @@
           <a:p>
             <a:fld id="{D1E82683-5C6A-4808-A0A5-6DC033041A1F}" type="slidenum">
               <a:rPr lang="en-US" smtClean="0"/>
-              <a:t>15</a:t>
+              <a:t>16</a:t>
             </a:fld>
             <a:endParaRPr lang="en-US"/>
           </a:p>
@@ -5049,7 +5215,7 @@
 </p:sld>
 </file>
 
-<file path=ppt/slides/slide16.xml><?xml version="1.0" encoding="utf-8"?>
+<file path=ppt/slides/slide17.xml><?xml version="1.0" encoding="utf-8"?>
 <p:sld xmlns:a="http://schemas.openxmlformats.org/drawingml/2006/main" xmlns:r="http://schemas.openxmlformats.org/officeDocument/2006/relationships" xmlns:p="http://schemas.openxmlformats.org/presentationml/2006/main">
   <p:cSld>
     <p:spTree>
@@ -5089,7 +5255,7 @@
           <a:p>
             <a:fld id="{D1E82683-5C6A-4808-A0A5-6DC033041A1F}" type="slidenum">
               <a:rPr lang="en-US" smtClean="0"/>
-              <a:t>16</a:t>
+              <a:t>17</a:t>
             </a:fld>
             <a:endParaRPr lang="en-US"/>
           </a:p>
@@ -5783,7 +5949,7 @@
 </p:sld>
 </file>
 
-<file path=ppt/slides/slide17.xml><?xml version="1.0" encoding="utf-8"?>
+<file path=ppt/slides/slide18.xml><?xml version="1.0" encoding="utf-8"?>
 <p:sld xmlns:a="http://schemas.openxmlformats.org/drawingml/2006/main" xmlns:r="http://schemas.openxmlformats.org/officeDocument/2006/relationships" xmlns:p="http://schemas.openxmlformats.org/presentationml/2006/main">
   <p:cSld>
     <p:bg>
@@ -5880,7 +6046,7 @@
                   <a:spcPts val="600"/>
                 </a:spcAft>
               </a:pPr>
-              <a:t>17</a:t>
+              <a:t>18</a:t>
             </a:fld>
             <a:endParaRPr lang="en-US"/>
           </a:p>
@@ -5941,7 +6107,7 @@
 </p:sld>
 </file>
 
-<file path=ppt/slides/slide18.xml><?xml version="1.0" encoding="utf-8"?>
+<file path=ppt/slides/slide19.xml><?xml version="1.0" encoding="utf-8"?>
 <p:sld xmlns:a="http://schemas.openxmlformats.org/drawingml/2006/main" xmlns:r="http://schemas.openxmlformats.org/officeDocument/2006/relationships" xmlns:p="http://schemas.openxmlformats.org/presentationml/2006/main">
   <p:cSld>
     <p:bg>
@@ -6038,7 +6204,7 @@
                   <a:spcPts val="600"/>
                 </a:spcAft>
               </a:pPr>
-              <a:t>18</a:t>
+              <a:t>19</a:t>
             </a:fld>
             <a:endParaRPr lang="en-US"/>
           </a:p>
@@ -6090,180 +6256,6 @@
     <p:extLst>
       <p:ext uri="{BB962C8B-B14F-4D97-AF65-F5344CB8AC3E}">
         <p14:creationId xmlns:p14="http://schemas.microsoft.com/office/powerpoint/2010/main" val="1379571226"/>
-      </p:ext>
-    </p:extLst>
-  </p:cSld>
-  <p:clrMapOvr>
-    <a:masterClrMapping/>
-  </p:clrMapOvr>
-</p:sld>
-</file>
-
-<file path=ppt/slides/slide19.xml><?xml version="1.0" encoding="utf-8"?>
-<p:sld xmlns:a="http://schemas.openxmlformats.org/drawingml/2006/main" xmlns:r="http://schemas.openxmlformats.org/officeDocument/2006/relationships" xmlns:p="http://schemas.openxmlformats.org/presentationml/2006/main">
-  <p:cSld>
-    <p:spTree>
-      <p:nvGrpSpPr>
-        <p:cNvPr id="1" name=""/>
-        <p:cNvGrpSpPr/>
-        <p:nvPr/>
-      </p:nvGrpSpPr>
-      <p:grpSpPr>
-        <a:xfrm>
-          <a:off x="0" y="0"/>
-          <a:ext cx="0" cy="0"/>
-          <a:chOff x="0" y="0"/>
-          <a:chExt cx="0" cy="0"/>
-        </a:xfrm>
-      </p:grpSpPr>
-      <p:sp>
-        <p:nvSpPr>
-          <p:cNvPr id="2" name="Title 1">
-            <a:extLst>
-              <a:ext uri="{FF2B5EF4-FFF2-40B4-BE49-F238E27FC236}">
-                <a16:creationId xmlns:a16="http://schemas.microsoft.com/office/drawing/2014/main" id="{E4F1A210-F6D5-DFBA-D657-98482CCFC09D}"/>
-              </a:ext>
-            </a:extLst>
-          </p:cNvPr>
-          <p:cNvSpPr>
-            <a:spLocks noGrp="1"/>
-          </p:cNvSpPr>
-          <p:nvPr>
-            <p:ph type="title"/>
-          </p:nvPr>
-        </p:nvSpPr>
-        <p:spPr/>
-        <p:txBody>
-          <a:bodyPr/>
-          <a:lstStyle/>
-          <a:p>
-            <a:r>
-              <a:rPr lang="en-US" dirty="0" err="1"/>
-              <a:t>Kết</a:t>
-            </a:r>
-            <a:r>
-              <a:rPr lang="en-US" dirty="0"/>
-              <a:t> </a:t>
-            </a:r>
-            <a:r>
-              <a:rPr lang="en-US" dirty="0" err="1"/>
-              <a:t>Luận</a:t>
-            </a:r>
-            <a:endParaRPr lang="vi-VN" dirty="0"/>
-          </a:p>
-        </p:txBody>
-      </p:sp>
-      <p:sp>
-        <p:nvSpPr>
-          <p:cNvPr id="3" name="Content Placeholder 2">
-            <a:extLst>
-              <a:ext uri="{FF2B5EF4-FFF2-40B4-BE49-F238E27FC236}">
-                <a16:creationId xmlns:a16="http://schemas.microsoft.com/office/drawing/2014/main" id="{BC56601A-668F-7F32-EFD4-30E1C7435747}"/>
-              </a:ext>
-            </a:extLst>
-          </p:cNvPr>
-          <p:cNvSpPr>
-            <a:spLocks noGrp="1"/>
-          </p:cNvSpPr>
-          <p:nvPr>
-            <p:ph idx="1"/>
-          </p:nvPr>
-        </p:nvSpPr>
-        <p:spPr>
-          <a:xfrm>
-            <a:off x="749300" y="1690688"/>
-            <a:ext cx="10515600" cy="4351338"/>
-          </a:xfrm>
-        </p:spPr>
-        <p:txBody>
-          <a:bodyPr>
-            <a:noAutofit/>
-          </a:bodyPr>
-          <a:lstStyle/>
-          <a:p>
-            <a:pPr marL="0" indent="0">
-              <a:lnSpc>
-                <a:spcPct val="120000"/>
-              </a:lnSpc>
-              <a:buNone/>
-            </a:pPr>
-            <a:r>
-              <a:rPr lang="vi-VN" sz="1500" dirty="0">
-                <a:latin typeface="+mj-lt"/>
-              </a:rPr>
-              <a:t>-Mô hình nào tốt hơn: SVM , Linear Regression, KNN, Decision Tree?</a:t>
-            </a:r>
-          </a:p>
-          <a:p>
-            <a:pPr marL="0" indent="0">
-              <a:lnSpc>
-                <a:spcPct val="120000"/>
-              </a:lnSpc>
-              <a:buNone/>
-            </a:pPr>
-            <a:r>
-              <a:rPr lang="vi-VN" sz="1500" dirty="0">
-                <a:latin typeface="+mj-lt"/>
-              </a:rPr>
-              <a:t>-Giải quyết câu hỏi trọng tâm của Nhóm: Tính năng nào quan trọng nhất trong việc dự đoán Giá điện thoại di động?</a:t>
-            </a:r>
-          </a:p>
-          <a:p>
-            <a:pPr marL="0" indent="0">
-              <a:lnSpc>
-                <a:spcPct val="120000"/>
-              </a:lnSpc>
-              <a:buNone/>
-            </a:pPr>
-            <a:r>
-              <a:rPr lang="vi-VN" sz="1500" dirty="0">
-                <a:latin typeface="+mj-lt"/>
-                <a:sym typeface="Wingdings" panose="05000000000000000000" pitchFamily="2" charset="2"/>
-              </a:rPr>
-              <a:t> </a:t>
-            </a:r>
-            <a:r>
-              <a:rPr lang="vi-VN" sz="1500" dirty="0">
-                <a:latin typeface="+mj-lt"/>
-              </a:rPr>
-              <a:t>Tóm lại: các tính năng quan trọng nhất trong việc dự đoán giá của một chiếc Điện thoại di động là ram, battery power, pixel height.</a:t>
-            </a:r>
-          </a:p>
-        </p:txBody>
-      </p:sp>
-      <p:sp>
-        <p:nvSpPr>
-          <p:cNvPr id="4" name="Slide Number Placeholder 3">
-            <a:extLst>
-              <a:ext uri="{FF2B5EF4-FFF2-40B4-BE49-F238E27FC236}">
-                <a16:creationId xmlns:a16="http://schemas.microsoft.com/office/drawing/2014/main" id="{C4135173-597D-6764-F55A-389FC5CCD573}"/>
-              </a:ext>
-            </a:extLst>
-          </p:cNvPr>
-          <p:cNvSpPr>
-            <a:spLocks noGrp="1"/>
-          </p:cNvSpPr>
-          <p:nvPr>
-            <p:ph type="sldNum" sz="quarter" idx="12"/>
-          </p:nvPr>
-        </p:nvSpPr>
-        <p:spPr/>
-        <p:txBody>
-          <a:bodyPr/>
-          <a:lstStyle/>
-          <a:p>
-            <a:fld id="{D1E82683-5C6A-4808-A0A5-6DC033041A1F}" type="slidenum">
-              <a:rPr lang="en-US" smtClean="0"/>
-              <a:t>19</a:t>
-            </a:fld>
-            <a:endParaRPr lang="en-US"/>
-          </a:p>
-        </p:txBody>
-      </p:sp>
-    </p:spTree>
-    <p:extLst>
-      <p:ext uri="{BB962C8B-B14F-4D97-AF65-F5344CB8AC3E}">
-        <p14:creationId xmlns:p14="http://schemas.microsoft.com/office/powerpoint/2010/main" val="765333561"/>
       </p:ext>
     </p:extLst>
   </p:cSld>
@@ -6347,7 +6339,7 @@
             <p:ph idx="1"/>
             <p:extLst>
               <p:ext uri="{D42A27DB-BD31-4B8C-83A1-F6EECF244321}">
-                <p14:modId xmlns:p14="http://schemas.microsoft.com/office/powerpoint/2010/main" val="3018594607"/>
+                <p14:modId xmlns:p14="http://schemas.microsoft.com/office/powerpoint/2010/main" val="3744858214"/>
               </p:ext>
             </p:extLst>
           </p:nvPr>
@@ -6560,7 +6552,7 @@
                       </a:r>
                       <a:r>
                         <a:rPr lang="en-US" dirty="0"/>
-                        <a:t> , EDA</a:t>
+                        <a:t>, EDA</a:t>
                       </a:r>
                       <a:endParaRPr lang="vi-VN" dirty="0"/>
                     </a:p>
@@ -6644,7 +6636,7 @@
                       </a:r>
                       <a:r>
                         <a:rPr lang="en-US" dirty="0"/>
-                        <a:t> , EDA</a:t>
+                        <a:t>, EDA</a:t>
                       </a:r>
                       <a:endParaRPr lang="vi-VN" dirty="0"/>
                     </a:p>
@@ -6724,7 +6716,7 @@
                       </a:r>
                       <a:r>
                         <a:rPr lang="en-US" dirty="0"/>
-                        <a:t> , EDA</a:t>
+                        <a:t>, EDA</a:t>
                       </a:r>
                       <a:endParaRPr lang="vi-VN" dirty="0"/>
                     </a:p>
@@ -6991,6 +6983,180 @@
 <file path=ppt/slides/slide20.xml><?xml version="1.0" encoding="utf-8"?>
 <p:sld xmlns:a="http://schemas.openxmlformats.org/drawingml/2006/main" xmlns:r="http://schemas.openxmlformats.org/officeDocument/2006/relationships" xmlns:p="http://schemas.openxmlformats.org/presentationml/2006/main">
   <p:cSld>
+    <p:spTree>
+      <p:nvGrpSpPr>
+        <p:cNvPr id="1" name=""/>
+        <p:cNvGrpSpPr/>
+        <p:nvPr/>
+      </p:nvGrpSpPr>
+      <p:grpSpPr>
+        <a:xfrm>
+          <a:off x="0" y="0"/>
+          <a:ext cx="0" cy="0"/>
+          <a:chOff x="0" y="0"/>
+          <a:chExt cx="0" cy="0"/>
+        </a:xfrm>
+      </p:grpSpPr>
+      <p:sp>
+        <p:nvSpPr>
+          <p:cNvPr id="2" name="Title 1">
+            <a:extLst>
+              <a:ext uri="{FF2B5EF4-FFF2-40B4-BE49-F238E27FC236}">
+                <a16:creationId xmlns:a16="http://schemas.microsoft.com/office/drawing/2014/main" id="{E4F1A210-F6D5-DFBA-D657-98482CCFC09D}"/>
+              </a:ext>
+            </a:extLst>
+          </p:cNvPr>
+          <p:cNvSpPr>
+            <a:spLocks noGrp="1"/>
+          </p:cNvSpPr>
+          <p:nvPr>
+            <p:ph type="title"/>
+          </p:nvPr>
+        </p:nvSpPr>
+        <p:spPr/>
+        <p:txBody>
+          <a:bodyPr/>
+          <a:lstStyle/>
+          <a:p>
+            <a:r>
+              <a:rPr lang="en-US" dirty="0" err="1"/>
+              <a:t>Kết</a:t>
+            </a:r>
+            <a:r>
+              <a:rPr lang="en-US" dirty="0"/>
+              <a:t> </a:t>
+            </a:r>
+            <a:r>
+              <a:rPr lang="en-US" dirty="0" err="1"/>
+              <a:t>Luận</a:t>
+            </a:r>
+            <a:endParaRPr lang="vi-VN" dirty="0"/>
+          </a:p>
+        </p:txBody>
+      </p:sp>
+      <p:sp>
+        <p:nvSpPr>
+          <p:cNvPr id="3" name="Content Placeholder 2">
+            <a:extLst>
+              <a:ext uri="{FF2B5EF4-FFF2-40B4-BE49-F238E27FC236}">
+                <a16:creationId xmlns:a16="http://schemas.microsoft.com/office/drawing/2014/main" id="{BC56601A-668F-7F32-EFD4-30E1C7435747}"/>
+              </a:ext>
+            </a:extLst>
+          </p:cNvPr>
+          <p:cNvSpPr>
+            <a:spLocks noGrp="1"/>
+          </p:cNvSpPr>
+          <p:nvPr>
+            <p:ph idx="1"/>
+          </p:nvPr>
+        </p:nvSpPr>
+        <p:spPr>
+          <a:xfrm>
+            <a:off x="749300" y="1690688"/>
+            <a:ext cx="10515600" cy="4351338"/>
+          </a:xfrm>
+        </p:spPr>
+        <p:txBody>
+          <a:bodyPr>
+            <a:noAutofit/>
+          </a:bodyPr>
+          <a:lstStyle/>
+          <a:p>
+            <a:pPr marL="0" indent="0">
+              <a:lnSpc>
+                <a:spcPct val="120000"/>
+              </a:lnSpc>
+              <a:buNone/>
+            </a:pPr>
+            <a:r>
+              <a:rPr lang="vi-VN" sz="1500" dirty="0">
+                <a:latin typeface="+mj-lt"/>
+              </a:rPr>
+              <a:t>-Mô hình nào tốt hơn: SVM , Linear Regression, KNN, Decision Tree?</a:t>
+            </a:r>
+          </a:p>
+          <a:p>
+            <a:pPr marL="0" indent="0">
+              <a:lnSpc>
+                <a:spcPct val="120000"/>
+              </a:lnSpc>
+              <a:buNone/>
+            </a:pPr>
+            <a:r>
+              <a:rPr lang="vi-VN" sz="1500" dirty="0">
+                <a:latin typeface="+mj-lt"/>
+              </a:rPr>
+              <a:t>-Giải quyết câu hỏi trọng tâm của Nhóm: Tính năng nào quan trọng nhất trong việc dự đoán Giá điện thoại di động?</a:t>
+            </a:r>
+          </a:p>
+          <a:p>
+            <a:pPr marL="0" indent="0">
+              <a:lnSpc>
+                <a:spcPct val="120000"/>
+              </a:lnSpc>
+              <a:buNone/>
+            </a:pPr>
+            <a:r>
+              <a:rPr lang="vi-VN" sz="1500" dirty="0">
+                <a:latin typeface="+mj-lt"/>
+                <a:sym typeface="Wingdings" panose="05000000000000000000" pitchFamily="2" charset="2"/>
+              </a:rPr>
+              <a:t> </a:t>
+            </a:r>
+            <a:r>
+              <a:rPr lang="vi-VN" sz="1500" dirty="0">
+                <a:latin typeface="+mj-lt"/>
+              </a:rPr>
+              <a:t>Tóm lại: các tính năng quan trọng nhất trong việc dự đoán giá của một chiếc Điện thoại di động là ram, battery power, pixel height.</a:t>
+            </a:r>
+          </a:p>
+        </p:txBody>
+      </p:sp>
+      <p:sp>
+        <p:nvSpPr>
+          <p:cNvPr id="4" name="Slide Number Placeholder 3">
+            <a:extLst>
+              <a:ext uri="{FF2B5EF4-FFF2-40B4-BE49-F238E27FC236}">
+                <a16:creationId xmlns:a16="http://schemas.microsoft.com/office/drawing/2014/main" id="{C4135173-597D-6764-F55A-389FC5CCD573}"/>
+              </a:ext>
+            </a:extLst>
+          </p:cNvPr>
+          <p:cNvSpPr>
+            <a:spLocks noGrp="1"/>
+          </p:cNvSpPr>
+          <p:nvPr>
+            <p:ph type="sldNum" sz="quarter" idx="12"/>
+          </p:nvPr>
+        </p:nvSpPr>
+        <p:spPr/>
+        <p:txBody>
+          <a:bodyPr/>
+          <a:lstStyle/>
+          <a:p>
+            <a:fld id="{D1E82683-5C6A-4808-A0A5-6DC033041A1F}" type="slidenum">
+              <a:rPr lang="en-US" smtClean="0"/>
+              <a:t>20</a:t>
+            </a:fld>
+            <a:endParaRPr lang="en-US"/>
+          </a:p>
+        </p:txBody>
+      </p:sp>
+    </p:spTree>
+    <p:extLst>
+      <p:ext uri="{BB962C8B-B14F-4D97-AF65-F5344CB8AC3E}">
+        <p14:creationId xmlns:p14="http://schemas.microsoft.com/office/powerpoint/2010/main" val="765333561"/>
+      </p:ext>
+    </p:extLst>
+  </p:cSld>
+  <p:clrMapOvr>
+    <a:masterClrMapping/>
+  </p:clrMapOvr>
+</p:sld>
+</file>
+
+<file path=ppt/slides/slide21.xml><?xml version="1.0" encoding="utf-8"?>
+<p:sld xmlns:a="http://schemas.openxmlformats.org/drawingml/2006/main" xmlns:r="http://schemas.openxmlformats.org/officeDocument/2006/relationships" xmlns:p="http://schemas.openxmlformats.org/presentationml/2006/main">
+  <p:cSld>
     <p:bg>
       <p:bgPr>
         <a:solidFill>
@@ -7259,7 +7425,7 @@
                   <a:spcPts val="600"/>
                 </a:spcAft>
               </a:pPr>
-              <a:t>20</a:t>
+              <a:t>21</a:t>
             </a:fld>
             <a:endParaRPr lang="en-US">
               <a:solidFill>
@@ -9508,7 +9674,7 @@
                 <a:ea typeface="Yu Gothic" panose="020B0400000000000000" pitchFamily="34" charset="-128"/>
                 <a:cs typeface="Times New Roman" panose="02020603050405020304" pitchFamily="18" charset="0"/>
               </a:rPr>
-              <a:t>DATA</a:t>
+              <a:t>DATA:</a:t>
             </a:r>
           </a:p>
         </p:txBody>
@@ -10086,6 +10252,263 @@
 <file path=ppt/slides/slide7.xml><?xml version="1.0" encoding="utf-8"?>
 <p:sld xmlns:a="http://schemas.openxmlformats.org/drawingml/2006/main" xmlns:r="http://schemas.openxmlformats.org/officeDocument/2006/relationships" xmlns:p="http://schemas.openxmlformats.org/presentationml/2006/main">
   <p:cSld>
+    <p:spTree>
+      <p:nvGrpSpPr>
+        <p:cNvPr id="1" name=""/>
+        <p:cNvGrpSpPr/>
+        <p:nvPr/>
+      </p:nvGrpSpPr>
+      <p:grpSpPr>
+        <a:xfrm>
+          <a:off x="0" y="0"/>
+          <a:ext cx="0" cy="0"/>
+          <a:chOff x="0" y="0"/>
+          <a:chExt cx="0" cy="0"/>
+        </a:xfrm>
+      </p:grpSpPr>
+      <p:sp>
+        <p:nvSpPr>
+          <p:cNvPr id="2" name="Title 1"/>
+          <p:cNvSpPr>
+            <a:spLocks noGrp="1"/>
+          </p:cNvSpPr>
+          <p:nvPr>
+            <p:ph type="title"/>
+          </p:nvPr>
+        </p:nvSpPr>
+        <p:spPr>
+          <a:xfrm>
+            <a:off x="48718" y="0"/>
+            <a:ext cx="10515600" cy="759482"/>
+          </a:xfrm>
+        </p:spPr>
+        <p:txBody>
+          <a:bodyPr/>
+          <a:lstStyle/>
+          <a:p>
+            <a:r>
+              <a:rPr lang="en-US" b="1" dirty="0">
+                <a:latin typeface="Times New Roman" panose="02020603050405020304" pitchFamily="18" charset="0"/>
+                <a:ea typeface="Yu Gothic" panose="020B0400000000000000" pitchFamily="34" charset="-128"/>
+                <a:cs typeface="Times New Roman" panose="02020603050405020304" pitchFamily="18" charset="0"/>
+              </a:rPr>
+              <a:t>DATA:</a:t>
+            </a:r>
+          </a:p>
+        </p:txBody>
+      </p:sp>
+      <p:sp>
+        <p:nvSpPr>
+          <p:cNvPr id="4" name="Slide Number Placeholder 3"/>
+          <p:cNvSpPr>
+            <a:spLocks noGrp="1"/>
+          </p:cNvSpPr>
+          <p:nvPr>
+            <p:ph type="sldNum" sz="quarter" idx="12"/>
+          </p:nvPr>
+        </p:nvSpPr>
+        <p:spPr/>
+        <p:txBody>
+          <a:bodyPr/>
+          <a:lstStyle/>
+          <a:p>
+            <a:fld id="{D1E82683-5C6A-4808-A0A5-6DC033041A1F}" type="slidenum">
+              <a:rPr lang="en-US" smtClean="0">
+                <a:latin typeface="Times New Roman" panose="02020603050405020304" pitchFamily="18" charset="0"/>
+                <a:cs typeface="Times New Roman" panose="02020603050405020304" pitchFamily="18" charset="0"/>
+              </a:rPr>
+              <a:t>7</a:t>
+            </a:fld>
+            <a:endParaRPr lang="en-US">
+              <a:latin typeface="Times New Roman" panose="02020603050405020304" pitchFamily="18" charset="0"/>
+              <a:cs typeface="Times New Roman" panose="02020603050405020304" pitchFamily="18" charset="0"/>
+            </a:endParaRPr>
+          </a:p>
+        </p:txBody>
+      </p:sp>
+      <p:pic>
+        <p:nvPicPr>
+          <p:cNvPr id="9" name="Picture 8">
+            <a:extLst>
+              <a:ext uri="{FF2B5EF4-FFF2-40B4-BE49-F238E27FC236}">
+                <a16:creationId xmlns:a16="http://schemas.microsoft.com/office/drawing/2014/main" id="{F091CF72-4EB8-9AC6-C886-410C6271A842}"/>
+              </a:ext>
+            </a:extLst>
+          </p:cNvPr>
+          <p:cNvPicPr>
+            <a:picLocks noChangeAspect="1"/>
+          </p:cNvPicPr>
+          <p:nvPr/>
+        </p:nvPicPr>
+        <p:blipFill>
+          <a:blip r:embed="rId2"/>
+          <a:stretch>
+            <a:fillRect/>
+          </a:stretch>
+        </p:blipFill>
+        <p:spPr>
+          <a:xfrm>
+            <a:off x="584835" y="1132815"/>
+            <a:ext cx="10829925" cy="1680723"/>
+          </a:xfrm>
+          <a:prstGeom prst="rect">
+            <a:avLst/>
+          </a:prstGeom>
+        </p:spPr>
+      </p:pic>
+      <p:pic>
+        <p:nvPicPr>
+          <p:cNvPr id="10" name="Content Placeholder 9">
+            <a:extLst>
+              <a:ext uri="{FF2B5EF4-FFF2-40B4-BE49-F238E27FC236}">
+                <a16:creationId xmlns:a16="http://schemas.microsoft.com/office/drawing/2014/main" id="{844BAC17-B7CD-5E0F-83A9-1460BD787835}"/>
+              </a:ext>
+            </a:extLst>
+          </p:cNvPr>
+          <p:cNvPicPr>
+            <a:picLocks noGrp="1" noChangeAspect="1"/>
+          </p:cNvPicPr>
+          <p:nvPr>
+            <p:ph idx="1"/>
+          </p:nvPr>
+        </p:nvPicPr>
+        <p:blipFill>
+          <a:blip r:embed="rId3"/>
+          <a:stretch>
+            <a:fillRect/>
+          </a:stretch>
+        </p:blipFill>
+        <p:spPr>
+          <a:xfrm>
+            <a:off x="731410" y="3499817"/>
+            <a:ext cx="10729180" cy="3221658"/>
+          </a:xfrm>
+          <a:prstGeom prst="rect">
+            <a:avLst/>
+          </a:prstGeom>
+        </p:spPr>
+      </p:pic>
+      <p:sp>
+        <p:nvSpPr>
+          <p:cNvPr id="11" name="TextBox 10">
+            <a:extLst>
+              <a:ext uri="{FF2B5EF4-FFF2-40B4-BE49-F238E27FC236}">
+                <a16:creationId xmlns:a16="http://schemas.microsoft.com/office/drawing/2014/main" id="{FF671A35-BD5A-ACF1-B331-892B8854FE47}"/>
+              </a:ext>
+            </a:extLst>
+          </p:cNvPr>
+          <p:cNvSpPr txBox="1"/>
+          <p:nvPr/>
+        </p:nvSpPr>
+        <p:spPr>
+          <a:xfrm>
+            <a:off x="608800" y="578817"/>
+            <a:ext cx="2031133" cy="553998"/>
+          </a:xfrm>
+          <a:prstGeom prst="rect">
+            <a:avLst/>
+          </a:prstGeom>
+          <a:noFill/>
+        </p:spPr>
+        <p:txBody>
+          <a:bodyPr wrap="none" rtlCol="0">
+            <a:spAutoFit/>
+          </a:bodyPr>
+          <a:lstStyle/>
+          <a:p>
+            <a:r>
+              <a:rPr lang="en-US" sz="3000" b="1" dirty="0" err="1">
+                <a:latin typeface="Times New Roman" panose="02020603050405020304" pitchFamily="18" charset="0"/>
+                <a:cs typeface="Times New Roman" panose="02020603050405020304" pitchFamily="18" charset="0"/>
+              </a:rPr>
+              <a:t>Giá</a:t>
+            </a:r>
+            <a:r>
+              <a:rPr lang="en-US" sz="3000" b="1" dirty="0">
+                <a:latin typeface="Times New Roman" panose="02020603050405020304" pitchFamily="18" charset="0"/>
+                <a:cs typeface="Times New Roman" panose="02020603050405020304" pitchFamily="18" charset="0"/>
+              </a:rPr>
+              <a:t> </a:t>
+            </a:r>
+            <a:r>
+              <a:rPr lang="en-US" sz="3000" b="1" dirty="0" err="1">
+                <a:latin typeface="Times New Roman" panose="02020603050405020304" pitchFamily="18" charset="0"/>
+                <a:cs typeface="Times New Roman" panose="02020603050405020304" pitchFamily="18" charset="0"/>
+              </a:rPr>
+              <a:t>Trị</a:t>
+            </a:r>
+            <a:r>
+              <a:rPr lang="en-US" sz="3000" b="1" dirty="0">
+                <a:latin typeface="Times New Roman" panose="02020603050405020304" pitchFamily="18" charset="0"/>
+                <a:cs typeface="Times New Roman" panose="02020603050405020304" pitchFamily="18" charset="0"/>
+              </a:rPr>
+              <a:t> NA</a:t>
+            </a:r>
+            <a:endParaRPr lang="vi-VN" sz="3000" b="1" dirty="0">
+              <a:latin typeface="Times New Roman" panose="02020603050405020304" pitchFamily="18" charset="0"/>
+              <a:cs typeface="Times New Roman" panose="02020603050405020304" pitchFamily="18" charset="0"/>
+            </a:endParaRPr>
+          </a:p>
+        </p:txBody>
+      </p:sp>
+      <p:sp>
+        <p:nvSpPr>
+          <p:cNvPr id="12" name="TextBox 11">
+            <a:extLst>
+              <a:ext uri="{FF2B5EF4-FFF2-40B4-BE49-F238E27FC236}">
+                <a16:creationId xmlns:a16="http://schemas.microsoft.com/office/drawing/2014/main" id="{1E2A0657-5C13-471E-8A73-8CB69A322EB6}"/>
+              </a:ext>
+            </a:extLst>
+          </p:cNvPr>
+          <p:cNvSpPr txBox="1"/>
+          <p:nvPr/>
+        </p:nvSpPr>
+        <p:spPr>
+          <a:xfrm>
+            <a:off x="325101" y="2894227"/>
+            <a:ext cx="2654894" cy="553998"/>
+          </a:xfrm>
+          <a:prstGeom prst="rect">
+            <a:avLst/>
+          </a:prstGeom>
+          <a:noFill/>
+        </p:spPr>
+        <p:txBody>
+          <a:bodyPr wrap="none" rtlCol="0">
+            <a:spAutoFit/>
+          </a:bodyPr>
+          <a:lstStyle/>
+          <a:p>
+            <a:r>
+              <a:rPr lang="en-US" sz="3000" b="1" dirty="0">
+                <a:latin typeface="Times New Roman" panose="02020603050405020304" pitchFamily="18" charset="0"/>
+                <a:cs typeface="Times New Roman" panose="02020603050405020304" pitchFamily="18" charset="0"/>
+              </a:rPr>
+              <a:t>Overview Data</a:t>
+            </a:r>
+            <a:endParaRPr lang="vi-VN" sz="3000" b="1" dirty="0">
+              <a:latin typeface="Times New Roman" panose="02020603050405020304" pitchFamily="18" charset="0"/>
+              <a:cs typeface="Times New Roman" panose="02020603050405020304" pitchFamily="18" charset="0"/>
+            </a:endParaRPr>
+          </a:p>
+        </p:txBody>
+      </p:sp>
+    </p:spTree>
+    <p:extLst>
+      <p:ext uri="{BB962C8B-B14F-4D97-AF65-F5344CB8AC3E}">
+        <p14:creationId xmlns:p14="http://schemas.microsoft.com/office/powerpoint/2010/main" val="2424977659"/>
+      </p:ext>
+    </p:extLst>
+  </p:cSld>
+  <p:clrMapOvr>
+    <a:masterClrMapping/>
+  </p:clrMapOvr>
+</p:sld>
+</file>
+
+<file path=ppt/slides/slide8.xml><?xml version="1.0" encoding="utf-8"?>
+<p:sld xmlns:a="http://schemas.openxmlformats.org/drawingml/2006/main" xmlns:r="http://schemas.openxmlformats.org/officeDocument/2006/relationships" xmlns:p="http://schemas.openxmlformats.org/presentationml/2006/main">
+  <p:cSld>
     <p:bg>
       <p:bgPr>
         <a:solidFill>
@@ -10148,7 +10571,7 @@
                   <a:spcPts val="600"/>
                 </a:spcAft>
               </a:pPr>
-              <a:t>7</a:t>
+              <a:t>8</a:t>
             </a:fld>
             <a:endParaRPr lang="en-US"/>
           </a:p>
@@ -10246,7 +10669,7 @@
 </p:sld>
 </file>
 
-<file path=ppt/slides/slide8.xml><?xml version="1.0" encoding="utf-8"?>
+<file path=ppt/slides/slide9.xml><?xml version="1.0" encoding="utf-8"?>
 <p:sld xmlns:a="http://schemas.openxmlformats.org/drawingml/2006/main" xmlns:r="http://schemas.openxmlformats.org/officeDocument/2006/relationships" xmlns:p="http://schemas.openxmlformats.org/presentationml/2006/main">
   <p:cSld>
     <p:bg>
@@ -10311,7 +10734,7 @@
                   <a:spcPts val="600"/>
                 </a:spcAft>
               </a:pPr>
-              <a:t>8</a:t>
+              <a:t>9</a:t>
             </a:fld>
             <a:endParaRPr lang="en-US"/>
           </a:p>
@@ -10400,171 +10823,6 @@
     <p:extLst>
       <p:ext uri="{BB962C8B-B14F-4D97-AF65-F5344CB8AC3E}">
         <p14:creationId xmlns:p14="http://schemas.microsoft.com/office/powerpoint/2010/main" val="1474499354"/>
-      </p:ext>
-    </p:extLst>
-  </p:cSld>
-  <p:clrMapOvr>
-    <a:masterClrMapping/>
-  </p:clrMapOvr>
-</p:sld>
-</file>
-
-<file path=ppt/slides/slide9.xml><?xml version="1.0" encoding="utf-8"?>
-<p:sld xmlns:a="http://schemas.openxmlformats.org/drawingml/2006/main" xmlns:r="http://schemas.openxmlformats.org/officeDocument/2006/relationships" xmlns:p="http://schemas.openxmlformats.org/presentationml/2006/main">
-  <p:cSld>
-    <p:bg>
-      <p:bgPr>
-        <a:solidFill>
-          <a:schemeClr val="bg1"/>
-        </a:solidFill>
-        <a:effectLst/>
-      </p:bgPr>
-    </p:bg>
-    <p:spTree>
-      <p:nvGrpSpPr>
-        <p:cNvPr id="1" name=""/>
-        <p:cNvGrpSpPr/>
-        <p:nvPr/>
-      </p:nvGrpSpPr>
-      <p:grpSpPr>
-        <a:xfrm>
-          <a:off x="0" y="0"/>
-          <a:ext cx="0" cy="0"/>
-          <a:chOff x="0" y="0"/>
-          <a:chExt cx="0" cy="0"/>
-        </a:xfrm>
-      </p:grpSpPr>
-      <p:pic>
-        <p:nvPicPr>
-          <p:cNvPr id="6" name="Content Placeholder 5">
-            <a:extLst>
-              <a:ext uri="{FF2B5EF4-FFF2-40B4-BE49-F238E27FC236}">
-                <a16:creationId xmlns:a16="http://schemas.microsoft.com/office/drawing/2014/main" id="{54716314-7F6A-F603-6B47-A45283558541}"/>
-              </a:ext>
-            </a:extLst>
-          </p:cNvPr>
-          <p:cNvPicPr>
-            <a:picLocks noGrp="1" noChangeAspect="1"/>
-          </p:cNvPicPr>
-          <p:nvPr>
-            <p:ph idx="1"/>
-          </p:nvPr>
-        </p:nvPicPr>
-        <p:blipFill>
-          <a:blip r:embed="rId2"/>
-          <a:stretch>
-            <a:fillRect/>
-          </a:stretch>
-        </p:blipFill>
-        <p:spPr>
-          <a:xfrm>
-            <a:off x="2102403" y="643466"/>
-            <a:ext cx="8713992" cy="6078009"/>
-          </a:xfrm>
-          <a:prstGeom prst="rect">
-            <a:avLst/>
-          </a:prstGeom>
-        </p:spPr>
-      </p:pic>
-      <p:sp>
-        <p:nvSpPr>
-          <p:cNvPr id="4" name="Slide Number Placeholder 3">
-            <a:extLst>
-              <a:ext uri="{FF2B5EF4-FFF2-40B4-BE49-F238E27FC236}">
-                <a16:creationId xmlns:a16="http://schemas.microsoft.com/office/drawing/2014/main" id="{238225F0-E9A8-2D61-CA3F-B32F7A60EB22}"/>
-              </a:ext>
-            </a:extLst>
-          </p:cNvPr>
-          <p:cNvSpPr>
-            <a:spLocks noGrp="1"/>
-          </p:cNvSpPr>
-          <p:nvPr>
-            <p:ph type="sldNum" sz="quarter" idx="12"/>
-          </p:nvPr>
-        </p:nvSpPr>
-        <p:spPr>
-          <a:xfrm>
-            <a:off x="8610600" y="6356350"/>
-            <a:ext cx="2743200" cy="365125"/>
-          </a:xfrm>
-        </p:spPr>
-        <p:txBody>
-          <a:bodyPr vert="horz" lIns="91440" tIns="45720" rIns="91440" bIns="45720" rtlCol="0" anchor="ctr">
-            <a:normAutofit/>
-          </a:bodyPr>
-          <a:lstStyle/>
-          <a:p>
-            <a:pPr>
-              <a:spcAft>
-                <a:spcPts val="600"/>
-              </a:spcAft>
-            </a:pPr>
-            <a:fld id="{D1E82683-5C6A-4808-A0A5-6DC033041A1F}" type="slidenum">
-              <a:rPr lang="en-US" smtClean="0"/>
-              <a:pPr>
-                <a:spcAft>
-                  <a:spcPts val="600"/>
-                </a:spcAft>
-              </a:pPr>
-              <a:t>9</a:t>
-            </a:fld>
-            <a:endParaRPr lang="en-US"/>
-          </a:p>
-        </p:txBody>
-      </p:sp>
-      <p:sp>
-        <p:nvSpPr>
-          <p:cNvPr id="8" name="TextBox 7">
-            <a:extLst>
-              <a:ext uri="{FF2B5EF4-FFF2-40B4-BE49-F238E27FC236}">
-                <a16:creationId xmlns:a16="http://schemas.microsoft.com/office/drawing/2014/main" id="{8748D68A-21BF-7BC8-2158-3B8A3938D5B9}"/>
-              </a:ext>
-            </a:extLst>
-          </p:cNvPr>
-          <p:cNvSpPr txBox="1"/>
-          <p:nvPr/>
-        </p:nvSpPr>
-        <p:spPr>
-          <a:xfrm>
-            <a:off x="0" y="0"/>
-            <a:ext cx="2305439" cy="553998"/>
-          </a:xfrm>
-          <a:prstGeom prst="rect">
-            <a:avLst/>
-          </a:prstGeom>
-          <a:noFill/>
-        </p:spPr>
-        <p:txBody>
-          <a:bodyPr wrap="none" rtlCol="0">
-            <a:spAutoFit/>
-          </a:bodyPr>
-          <a:lstStyle/>
-          <a:p>
-            <a:r>
-              <a:rPr lang="en-US" sz="3000" b="1" dirty="0" err="1">
-                <a:latin typeface="Times New Roman" panose="02020603050405020304" pitchFamily="18" charset="0"/>
-                <a:cs typeface="Times New Roman" panose="02020603050405020304" pitchFamily="18" charset="0"/>
-              </a:rPr>
-              <a:t>Tương</a:t>
-            </a:r>
-            <a:r>
-              <a:rPr lang="en-US" sz="3000" b="1" dirty="0">
-                <a:latin typeface="Times New Roman" panose="02020603050405020304" pitchFamily="18" charset="0"/>
-                <a:cs typeface="Times New Roman" panose="02020603050405020304" pitchFamily="18" charset="0"/>
-              </a:rPr>
-              <a:t> Quan</a:t>
-            </a:r>
-            <a:endParaRPr lang="vi-VN" sz="3000" b="1" dirty="0">
-              <a:latin typeface="Times New Roman" panose="02020603050405020304" pitchFamily="18" charset="0"/>
-              <a:cs typeface="Times New Roman" panose="02020603050405020304" pitchFamily="18" charset="0"/>
-            </a:endParaRPr>
-          </a:p>
-        </p:txBody>
-      </p:sp>
-    </p:spTree>
-    <p:extLst>
-      <p:ext uri="{BB962C8B-B14F-4D97-AF65-F5344CB8AC3E}">
-        <p14:creationId xmlns:p14="http://schemas.microsoft.com/office/powerpoint/2010/main" val="720044232"/>
       </p:ext>
     </p:extLst>
   </p:cSld>

--- a/Nhom10-report.pptx
+++ b/Nhom10-report.pptx
@@ -5,7 +5,7 @@
     <p:sldMasterId id="2147483648" r:id="rId1"/>
   </p:sldMasterIdLst>
   <p:notesMasterIdLst>
-    <p:notesMasterId r:id="rId23"/>
+    <p:notesMasterId r:id="rId24"/>
   </p:notesMasterIdLst>
   <p:sldIdLst>
     <p:sldId id="256" r:id="rId2"/>
@@ -14,21 +14,22 @@
     <p:sldId id="258" r:id="rId5"/>
     <p:sldId id="259" r:id="rId6"/>
     <p:sldId id="260" r:id="rId7"/>
-    <p:sldId id="280" r:id="rId8"/>
-    <p:sldId id="261" r:id="rId9"/>
-    <p:sldId id="262" r:id="rId10"/>
-    <p:sldId id="263" r:id="rId11"/>
-    <p:sldId id="264" r:id="rId12"/>
-    <p:sldId id="265" r:id="rId13"/>
-    <p:sldId id="272" r:id="rId14"/>
-    <p:sldId id="273" r:id="rId15"/>
-    <p:sldId id="277" r:id="rId16"/>
-    <p:sldId id="276" r:id="rId17"/>
-    <p:sldId id="266" r:id="rId18"/>
-    <p:sldId id="269" r:id="rId19"/>
-    <p:sldId id="270" r:id="rId20"/>
-    <p:sldId id="267" r:id="rId21"/>
-    <p:sldId id="268" r:id="rId22"/>
+    <p:sldId id="281" r:id="rId8"/>
+    <p:sldId id="280" r:id="rId9"/>
+    <p:sldId id="261" r:id="rId10"/>
+    <p:sldId id="262" r:id="rId11"/>
+    <p:sldId id="263" r:id="rId12"/>
+    <p:sldId id="264" r:id="rId13"/>
+    <p:sldId id="265" r:id="rId14"/>
+    <p:sldId id="272" r:id="rId15"/>
+    <p:sldId id="273" r:id="rId16"/>
+    <p:sldId id="277" r:id="rId17"/>
+    <p:sldId id="276" r:id="rId18"/>
+    <p:sldId id="266" r:id="rId19"/>
+    <p:sldId id="269" r:id="rId20"/>
+    <p:sldId id="270" r:id="rId21"/>
+    <p:sldId id="267" r:id="rId22"/>
+    <p:sldId id="268" r:id="rId23"/>
   </p:sldIdLst>
   <p:sldSz cx="12192000" cy="6858000"/>
   <p:notesSz cx="6858000" cy="9144000"/>
@@ -217,7 +218,7 @@
           <a:p>
             <a:fld id="{48A62977-F16E-43C2-BF1E-4581F09EED31}" type="datetimeFigureOut">
               <a:rPr lang="en-US" smtClean="0"/>
-              <a:t>5/27/2022</a:t>
+              <a:t>5/31/2022</a:t>
             </a:fld>
             <a:endParaRPr lang="en-US"/>
           </a:p>
@@ -613,7 +614,7 @@
           <a:p>
             <a:fld id="{FC185471-DC1F-4008-A794-48562859E390}" type="datetime1">
               <a:rPr lang="en-US" smtClean="0"/>
-              <a:t>5/27/2022</a:t>
+              <a:t>5/31/2022</a:t>
             </a:fld>
             <a:endParaRPr lang="en-US"/>
           </a:p>
@@ -781,7 +782,7 @@
           <a:p>
             <a:fld id="{ECD10DEF-B11A-444B-8A2D-310F689394ED}" type="datetime1">
               <a:rPr lang="en-US" smtClean="0"/>
-              <a:t>5/27/2022</a:t>
+              <a:t>5/31/2022</a:t>
             </a:fld>
             <a:endParaRPr lang="en-US"/>
           </a:p>
@@ -959,7 +960,7 @@
           <a:p>
             <a:fld id="{9C395CF7-741E-4AD7-A061-8BA2D6E1FB9B}" type="datetime1">
               <a:rPr lang="en-US" smtClean="0"/>
-              <a:t>5/27/2022</a:t>
+              <a:t>5/31/2022</a:t>
             </a:fld>
             <a:endParaRPr lang="en-US"/>
           </a:p>
@@ -1127,7 +1128,7 @@
           <a:p>
             <a:fld id="{B46D805D-5BFE-47BD-B484-40196C3CB5DA}" type="datetime1">
               <a:rPr lang="en-US" smtClean="0"/>
-              <a:t>5/27/2022</a:t>
+              <a:t>5/31/2022</a:t>
             </a:fld>
             <a:endParaRPr lang="en-US"/>
           </a:p>
@@ -1372,7 +1373,7 @@
           <a:p>
             <a:fld id="{8EF09E42-11D2-47C6-9496-2A7845E160B9}" type="datetime1">
               <a:rPr lang="en-US" smtClean="0"/>
-              <a:t>5/27/2022</a:t>
+              <a:t>5/31/2022</a:t>
             </a:fld>
             <a:endParaRPr lang="en-US"/>
           </a:p>
@@ -1601,7 +1602,7 @@
           <a:p>
             <a:fld id="{C231AD3F-C210-4AC2-A244-DEE9B24FE838}" type="datetime1">
               <a:rPr lang="en-US" smtClean="0"/>
-              <a:t>5/27/2022</a:t>
+              <a:t>5/31/2022</a:t>
             </a:fld>
             <a:endParaRPr lang="en-US"/>
           </a:p>
@@ -1965,7 +1966,7 @@
           <a:p>
             <a:fld id="{2DFDD615-A466-4295-B871-EA555B9C4B5E}" type="datetime1">
               <a:rPr lang="en-US" smtClean="0"/>
-              <a:t>5/27/2022</a:t>
+              <a:t>5/31/2022</a:t>
             </a:fld>
             <a:endParaRPr lang="en-US"/>
           </a:p>
@@ -2082,7 +2083,7 @@
           <a:p>
             <a:fld id="{957C63D6-ADD9-4F28-B001-94E59944C49F}" type="datetime1">
               <a:rPr lang="en-US" smtClean="0"/>
-              <a:t>5/27/2022</a:t>
+              <a:t>5/31/2022</a:t>
             </a:fld>
             <a:endParaRPr lang="en-US"/>
           </a:p>
@@ -2177,7 +2178,7 @@
           <a:p>
             <a:fld id="{EEC55196-E06A-43BC-89D1-EA1D440F8A16}" type="datetime1">
               <a:rPr lang="en-US" smtClean="0"/>
-              <a:t>5/27/2022</a:t>
+              <a:t>5/31/2022</a:t>
             </a:fld>
             <a:endParaRPr lang="en-US"/>
           </a:p>
@@ -2452,7 +2453,7 @@
           <a:p>
             <a:fld id="{218AD66A-C71E-4480-9653-7EBC09D161E7}" type="datetime1">
               <a:rPr lang="en-US" smtClean="0"/>
-              <a:t>5/27/2022</a:t>
+              <a:t>5/31/2022</a:t>
             </a:fld>
             <a:endParaRPr lang="en-US"/>
           </a:p>
@@ -2704,7 +2705,7 @@
           <a:p>
             <a:fld id="{F5AA6B26-5554-4CB7-BCAA-7ECA19099CAE}" type="datetime1">
               <a:rPr lang="en-US" smtClean="0"/>
-              <a:t>5/27/2022</a:t>
+              <a:t>5/31/2022</a:t>
             </a:fld>
             <a:endParaRPr lang="en-US"/>
           </a:p>
@@ -2915,7 +2916,7 @@
           <a:p>
             <a:fld id="{2FFA8B41-688E-4A3F-8EF3-B4FB95B7E6C1}" type="datetime1">
               <a:rPr lang="en-US" smtClean="0"/>
-              <a:t>5/27/2022</a:t>
+              <a:t>5/31/2022</a:t>
             </a:fld>
             <a:endParaRPr lang="en-US"/>
           </a:p>
@@ -3671,44 +3672,12 @@
           <a:chExt cx="0" cy="0"/>
         </a:xfrm>
       </p:grpSpPr>
-      <p:pic>
-        <p:nvPicPr>
-          <p:cNvPr id="6" name="Content Placeholder 5">
-            <a:extLst>
-              <a:ext uri="{FF2B5EF4-FFF2-40B4-BE49-F238E27FC236}">
-                <a16:creationId xmlns:a16="http://schemas.microsoft.com/office/drawing/2014/main" id="{54716314-7F6A-F603-6B47-A45283558541}"/>
-              </a:ext>
-            </a:extLst>
-          </p:cNvPr>
-          <p:cNvPicPr>
-            <a:picLocks noGrp="1" noChangeAspect="1"/>
-          </p:cNvPicPr>
-          <p:nvPr>
-            <p:ph idx="1"/>
-          </p:nvPr>
-        </p:nvPicPr>
-        <p:blipFill>
-          <a:blip r:embed="rId2"/>
-          <a:stretch>
-            <a:fillRect/>
-          </a:stretch>
-        </p:blipFill>
-        <p:spPr>
-          <a:xfrm>
-            <a:off x="2102403" y="643466"/>
-            <a:ext cx="8713992" cy="6078009"/>
-          </a:xfrm>
-          <a:prstGeom prst="rect">
-            <a:avLst/>
-          </a:prstGeom>
-        </p:spPr>
-      </p:pic>
       <p:sp>
         <p:nvSpPr>
           <p:cNvPr id="4" name="Slide Number Placeholder 3">
             <a:extLst>
               <a:ext uri="{FF2B5EF4-FFF2-40B4-BE49-F238E27FC236}">
-                <a16:creationId xmlns:a16="http://schemas.microsoft.com/office/drawing/2014/main" id="{238225F0-E9A8-2D61-CA3F-B32F7A60EB22}"/>
+                <a16:creationId xmlns:a16="http://schemas.microsoft.com/office/drawing/2014/main" id="{9E571214-7EB9-5CEC-B634-18F90CF6CADC}"/>
               </a:ext>
             </a:extLst>
           </p:cNvPr>
@@ -3751,10 +3720,10 @@
       </p:sp>
       <p:sp>
         <p:nvSpPr>
-          <p:cNvPr id="8" name="TextBox 7">
+          <p:cNvPr id="7" name="TextBox 6">
             <a:extLst>
               <a:ext uri="{FF2B5EF4-FFF2-40B4-BE49-F238E27FC236}">
-                <a16:creationId xmlns:a16="http://schemas.microsoft.com/office/drawing/2014/main" id="{8748D68A-21BF-7BC8-2158-3B8A3938D5B9}"/>
+                <a16:creationId xmlns:a16="http://schemas.microsoft.com/office/drawing/2014/main" id="{20ECBCB2-8E05-769B-05FD-5F6AF6656AD4}"/>
               </a:ext>
             </a:extLst>
           </p:cNvPr>
@@ -3798,10 +3767,40 @@
           </a:p>
         </p:txBody>
       </p:sp>
+      <p:pic>
+        <p:nvPicPr>
+          <p:cNvPr id="8" name="Picture 7">
+            <a:extLst>
+              <a:ext uri="{FF2B5EF4-FFF2-40B4-BE49-F238E27FC236}">
+                <a16:creationId xmlns:a16="http://schemas.microsoft.com/office/drawing/2014/main" id="{D1A94EC0-3A09-A4F1-600F-A427130F2175}"/>
+              </a:ext>
+            </a:extLst>
+          </p:cNvPr>
+          <p:cNvPicPr>
+            <a:picLocks noChangeAspect="1"/>
+          </p:cNvPicPr>
+          <p:nvPr/>
+        </p:nvPicPr>
+        <p:blipFill>
+          <a:blip r:embed="rId2"/>
+          <a:stretch>
+            <a:fillRect/>
+          </a:stretch>
+        </p:blipFill>
+        <p:spPr>
+          <a:xfrm>
+            <a:off x="2767634" y="553998"/>
+            <a:ext cx="8134827" cy="6167477"/>
+          </a:xfrm>
+          <a:prstGeom prst="rect">
+            <a:avLst/>
+          </a:prstGeom>
+        </p:spPr>
+      </p:pic>
     </p:spTree>
     <p:extLst>
       <p:ext uri="{BB962C8B-B14F-4D97-AF65-F5344CB8AC3E}">
-        <p14:creationId xmlns:p14="http://schemas.microsoft.com/office/powerpoint/2010/main" val="720044232"/>
+        <p14:creationId xmlns:p14="http://schemas.microsoft.com/office/powerpoint/2010/main" val="1474499354"/>
       </p:ext>
     </p:extLst>
   </p:cSld>
@@ -3841,7 +3840,7 @@
           <p:cNvPr id="6" name="Content Placeholder 5">
             <a:extLst>
               <a:ext uri="{FF2B5EF4-FFF2-40B4-BE49-F238E27FC236}">
-                <a16:creationId xmlns:a16="http://schemas.microsoft.com/office/drawing/2014/main" id="{3FAC503C-5F00-F792-D192-70934FA89488}"/>
+                <a16:creationId xmlns:a16="http://schemas.microsoft.com/office/drawing/2014/main" id="{54716314-7F6A-F603-6B47-A45283558541}"/>
               </a:ext>
             </a:extLst>
           </p:cNvPr>
@@ -3860,8 +3859,8 @@
         </p:blipFill>
         <p:spPr>
           <a:xfrm>
-            <a:off x="2213724" y="643466"/>
-            <a:ext cx="8661370" cy="6214534"/>
+            <a:off x="2102403" y="643466"/>
+            <a:ext cx="8713992" cy="6078009"/>
           </a:xfrm>
           <a:prstGeom prst="rect">
             <a:avLst/>
@@ -3873,7 +3872,7 @@
           <p:cNvPr id="4" name="Slide Number Placeholder 3">
             <a:extLst>
               <a:ext uri="{FF2B5EF4-FFF2-40B4-BE49-F238E27FC236}">
-                <a16:creationId xmlns:a16="http://schemas.microsoft.com/office/drawing/2014/main" id="{ED4ABC93-B082-678D-5113-5B4DDF1900D9}"/>
+                <a16:creationId xmlns:a16="http://schemas.microsoft.com/office/drawing/2014/main" id="{238225F0-E9A8-2D61-CA3F-B32F7A60EB22}"/>
               </a:ext>
             </a:extLst>
           </p:cNvPr>
@@ -3916,10 +3915,10 @@
       </p:sp>
       <p:sp>
         <p:nvSpPr>
-          <p:cNvPr id="7" name="TextBox 6">
+          <p:cNvPr id="8" name="TextBox 7">
             <a:extLst>
               <a:ext uri="{FF2B5EF4-FFF2-40B4-BE49-F238E27FC236}">
-                <a16:creationId xmlns:a16="http://schemas.microsoft.com/office/drawing/2014/main" id="{3492CAF3-28D1-CA52-A435-9AFEECF01684}"/>
+                <a16:creationId xmlns:a16="http://schemas.microsoft.com/office/drawing/2014/main" id="{8748D68A-21BF-7BC8-2158-3B8A3938D5B9}"/>
               </a:ext>
             </a:extLst>
           </p:cNvPr>
@@ -3966,7 +3965,7 @@
     </p:spTree>
     <p:extLst>
       <p:ext uri="{BB962C8B-B14F-4D97-AF65-F5344CB8AC3E}">
-        <p14:creationId xmlns:p14="http://schemas.microsoft.com/office/powerpoint/2010/main" val="4214361526"/>
+        <p14:creationId xmlns:p14="http://schemas.microsoft.com/office/powerpoint/2010/main" val="720044232"/>
       </p:ext>
     </p:extLst>
   </p:cSld>
@@ -4006,6 +4005,171 @@
           <p:cNvPr id="6" name="Content Placeholder 5">
             <a:extLst>
               <a:ext uri="{FF2B5EF4-FFF2-40B4-BE49-F238E27FC236}">
+                <a16:creationId xmlns:a16="http://schemas.microsoft.com/office/drawing/2014/main" id="{3FAC503C-5F00-F792-D192-70934FA89488}"/>
+              </a:ext>
+            </a:extLst>
+          </p:cNvPr>
+          <p:cNvPicPr>
+            <a:picLocks noGrp="1" noChangeAspect="1"/>
+          </p:cNvPicPr>
+          <p:nvPr>
+            <p:ph idx="1"/>
+          </p:nvPr>
+        </p:nvPicPr>
+        <p:blipFill>
+          <a:blip r:embed="rId2"/>
+          <a:stretch>
+            <a:fillRect/>
+          </a:stretch>
+        </p:blipFill>
+        <p:spPr>
+          <a:xfrm>
+            <a:off x="2213724" y="643466"/>
+            <a:ext cx="8661370" cy="6214534"/>
+          </a:xfrm>
+          <a:prstGeom prst="rect">
+            <a:avLst/>
+          </a:prstGeom>
+        </p:spPr>
+      </p:pic>
+      <p:sp>
+        <p:nvSpPr>
+          <p:cNvPr id="4" name="Slide Number Placeholder 3">
+            <a:extLst>
+              <a:ext uri="{FF2B5EF4-FFF2-40B4-BE49-F238E27FC236}">
+                <a16:creationId xmlns:a16="http://schemas.microsoft.com/office/drawing/2014/main" id="{ED4ABC93-B082-678D-5113-5B4DDF1900D9}"/>
+              </a:ext>
+            </a:extLst>
+          </p:cNvPr>
+          <p:cNvSpPr>
+            <a:spLocks noGrp="1"/>
+          </p:cNvSpPr>
+          <p:nvPr>
+            <p:ph type="sldNum" sz="quarter" idx="12"/>
+          </p:nvPr>
+        </p:nvSpPr>
+        <p:spPr>
+          <a:xfrm>
+            <a:off x="8610600" y="6356350"/>
+            <a:ext cx="2743200" cy="365125"/>
+          </a:xfrm>
+        </p:spPr>
+        <p:txBody>
+          <a:bodyPr vert="horz" lIns="91440" tIns="45720" rIns="91440" bIns="45720" rtlCol="0" anchor="ctr">
+            <a:normAutofit/>
+          </a:bodyPr>
+          <a:lstStyle/>
+          <a:p>
+            <a:pPr>
+              <a:spcAft>
+                <a:spcPts val="600"/>
+              </a:spcAft>
+            </a:pPr>
+            <a:fld id="{D1E82683-5C6A-4808-A0A5-6DC033041A1F}" type="slidenum">
+              <a:rPr lang="en-US" smtClean="0"/>
+              <a:pPr>
+                <a:spcAft>
+                  <a:spcPts val="600"/>
+                </a:spcAft>
+              </a:pPr>
+              <a:t>12</a:t>
+            </a:fld>
+            <a:endParaRPr lang="en-US"/>
+          </a:p>
+        </p:txBody>
+      </p:sp>
+      <p:sp>
+        <p:nvSpPr>
+          <p:cNvPr id="7" name="TextBox 6">
+            <a:extLst>
+              <a:ext uri="{FF2B5EF4-FFF2-40B4-BE49-F238E27FC236}">
+                <a16:creationId xmlns:a16="http://schemas.microsoft.com/office/drawing/2014/main" id="{3492CAF3-28D1-CA52-A435-9AFEECF01684}"/>
+              </a:ext>
+            </a:extLst>
+          </p:cNvPr>
+          <p:cNvSpPr txBox="1"/>
+          <p:nvPr/>
+        </p:nvSpPr>
+        <p:spPr>
+          <a:xfrm>
+            <a:off x="0" y="0"/>
+            <a:ext cx="2305439" cy="553998"/>
+          </a:xfrm>
+          <a:prstGeom prst="rect">
+            <a:avLst/>
+          </a:prstGeom>
+          <a:noFill/>
+        </p:spPr>
+        <p:txBody>
+          <a:bodyPr wrap="none" rtlCol="0">
+            <a:spAutoFit/>
+          </a:bodyPr>
+          <a:lstStyle/>
+          <a:p>
+            <a:r>
+              <a:rPr lang="en-US" sz="3000" b="1" dirty="0" err="1">
+                <a:latin typeface="Times New Roman" panose="02020603050405020304" pitchFamily="18" charset="0"/>
+                <a:cs typeface="Times New Roman" panose="02020603050405020304" pitchFamily="18" charset="0"/>
+              </a:rPr>
+              <a:t>Tương</a:t>
+            </a:r>
+            <a:r>
+              <a:rPr lang="en-US" sz="3000" b="1" dirty="0">
+                <a:latin typeface="Times New Roman" panose="02020603050405020304" pitchFamily="18" charset="0"/>
+                <a:cs typeface="Times New Roman" panose="02020603050405020304" pitchFamily="18" charset="0"/>
+              </a:rPr>
+              <a:t> Quan</a:t>
+            </a:r>
+            <a:endParaRPr lang="vi-VN" sz="3000" b="1" dirty="0">
+              <a:latin typeface="Times New Roman" panose="02020603050405020304" pitchFamily="18" charset="0"/>
+              <a:cs typeface="Times New Roman" panose="02020603050405020304" pitchFamily="18" charset="0"/>
+            </a:endParaRPr>
+          </a:p>
+        </p:txBody>
+      </p:sp>
+    </p:spTree>
+    <p:extLst>
+      <p:ext uri="{BB962C8B-B14F-4D97-AF65-F5344CB8AC3E}">
+        <p14:creationId xmlns:p14="http://schemas.microsoft.com/office/powerpoint/2010/main" val="4214361526"/>
+      </p:ext>
+    </p:extLst>
+  </p:cSld>
+  <p:clrMapOvr>
+    <a:masterClrMapping/>
+  </p:clrMapOvr>
+</p:sld>
+</file>
+
+<file path=ppt/slides/slide13.xml><?xml version="1.0" encoding="utf-8"?>
+<p:sld xmlns:a="http://schemas.openxmlformats.org/drawingml/2006/main" xmlns:r="http://schemas.openxmlformats.org/officeDocument/2006/relationships" xmlns:p="http://schemas.openxmlformats.org/presentationml/2006/main">
+  <p:cSld>
+    <p:bg>
+      <p:bgPr>
+        <a:solidFill>
+          <a:schemeClr val="bg1"/>
+        </a:solidFill>
+        <a:effectLst/>
+      </p:bgPr>
+    </p:bg>
+    <p:spTree>
+      <p:nvGrpSpPr>
+        <p:cNvPr id="1" name=""/>
+        <p:cNvGrpSpPr/>
+        <p:nvPr/>
+      </p:nvGrpSpPr>
+      <p:grpSpPr>
+        <a:xfrm>
+          <a:off x="0" y="0"/>
+          <a:ext cx="0" cy="0"/>
+          <a:chOff x="0" y="0"/>
+          <a:chExt cx="0" cy="0"/>
+        </a:xfrm>
+      </p:grpSpPr>
+      <p:pic>
+        <p:nvPicPr>
+          <p:cNvPr id="6" name="Content Placeholder 5">
+            <a:extLst>
+              <a:ext uri="{FF2B5EF4-FFF2-40B4-BE49-F238E27FC236}">
                 <a16:creationId xmlns:a16="http://schemas.microsoft.com/office/drawing/2014/main" id="{EE843ABF-F9B4-3A95-B757-719B25005AA6}"/>
               </a:ext>
             </a:extLst>
@@ -4073,7 +4237,7 @@
                   <a:spcPts val="600"/>
                 </a:spcAft>
               </a:pPr>
-              <a:t>12</a:t>
+              <a:t>13</a:t>
             </a:fld>
             <a:endParaRPr lang="en-US"/>
           </a:p>
@@ -4141,7 +4305,7 @@
 </p:sld>
 </file>
 
-<file path=ppt/slides/slide13.xml><?xml version="1.0" encoding="utf-8"?>
+<file path=ppt/slides/slide14.xml><?xml version="1.0" encoding="utf-8"?>
 <p:sld xmlns:a="http://schemas.openxmlformats.org/drawingml/2006/main" xmlns:r="http://schemas.openxmlformats.org/officeDocument/2006/relationships" xmlns:p="http://schemas.openxmlformats.org/presentationml/2006/main">
   <p:cSld>
     <p:spTree>
@@ -4181,7 +4345,7 @@
           <a:p>
             <a:fld id="{D1E82683-5C6A-4808-A0A5-6DC033041A1F}" type="slidenum">
               <a:rPr lang="en-US" smtClean="0"/>
-              <a:t>13</a:t>
+              <a:t>14</a:t>
             </a:fld>
             <a:endParaRPr lang="en-US"/>
           </a:p>
@@ -4272,7 +4436,7 @@
 </p:sld>
 </file>
 
-<file path=ppt/slides/slide14.xml><?xml version="1.0" encoding="utf-8"?>
+<file path=ppt/slides/slide15.xml><?xml version="1.0" encoding="utf-8"?>
 <p:sld xmlns:a="http://schemas.openxmlformats.org/drawingml/2006/main" xmlns:r="http://schemas.openxmlformats.org/officeDocument/2006/relationships" xmlns:p="http://schemas.openxmlformats.org/presentationml/2006/main">
   <p:cSld>
     <p:spTree>
@@ -4312,7 +4476,7 @@
           <a:p>
             <a:fld id="{D1E82683-5C6A-4808-A0A5-6DC033041A1F}" type="slidenum">
               <a:rPr lang="en-US" smtClean="0"/>
-              <a:t>14</a:t>
+              <a:t>15</a:t>
             </a:fld>
             <a:endParaRPr lang="en-US"/>
           </a:p>
@@ -4639,7 +4803,7 @@
 </p:sld>
 </file>
 
-<file path=ppt/slides/slide15.xml><?xml version="1.0" encoding="utf-8"?>
+<file path=ppt/slides/slide16.xml><?xml version="1.0" encoding="utf-8"?>
 <p:sld xmlns:a="http://schemas.openxmlformats.org/drawingml/2006/main" xmlns:r="http://schemas.openxmlformats.org/officeDocument/2006/relationships" xmlns:p="http://schemas.openxmlformats.org/presentationml/2006/main">
   <p:cSld>
     <p:spTree>
@@ -4679,7 +4843,7 @@
           <a:p>
             <a:fld id="{D1E82683-5C6A-4808-A0A5-6DC033041A1F}" type="slidenum">
               <a:rPr lang="en-US" smtClean="0"/>
-              <a:t>15</a:t>
+              <a:t>16</a:t>
             </a:fld>
             <a:endParaRPr lang="en-US"/>
           </a:p>
@@ -4921,7 +5085,7 @@
 </p:sld>
 </file>
 
-<file path=ppt/slides/slide16.xml><?xml version="1.0" encoding="utf-8"?>
+<file path=ppt/slides/slide17.xml><?xml version="1.0" encoding="utf-8"?>
 <p:sld xmlns:a="http://schemas.openxmlformats.org/drawingml/2006/main" xmlns:r="http://schemas.openxmlformats.org/officeDocument/2006/relationships" xmlns:p="http://schemas.openxmlformats.org/presentationml/2006/main">
   <p:cSld>
     <p:spTree>
@@ -4961,7 +5125,7 @@
           <a:p>
             <a:fld id="{D1E82683-5C6A-4808-A0A5-6DC033041A1F}" type="slidenum">
               <a:rPr lang="en-US" smtClean="0"/>
-              <a:t>16</a:t>
+              <a:t>17</a:t>
             </a:fld>
             <a:endParaRPr lang="en-US"/>
           </a:p>
@@ -5062,7 +5226,7 @@
           <p:nvPr>
             <p:extLst>
               <p:ext uri="{D42A27DB-BD31-4B8C-83A1-F6EECF244321}">
-                <p14:modId xmlns:p14="http://schemas.microsoft.com/office/powerpoint/2010/main" val="3195982505"/>
+                <p14:modId xmlns:p14="http://schemas.microsoft.com/office/powerpoint/2010/main" val="3357275728"/>
               </p:ext>
             </p:extLst>
           </p:nvPr>
@@ -5151,7 +5315,7 @@
                       <a:pPr algn="ctr"/>
                       <a:r>
                         <a:rPr lang="vi-VN" dirty="0"/>
-                        <a:t>0.91</a:t>
+                        <a:t>0.94</a:t>
                       </a:r>
                     </a:p>
                   </a:txBody>
@@ -5215,7 +5379,7 @@
 </p:sld>
 </file>
 
-<file path=ppt/slides/slide17.xml><?xml version="1.0" encoding="utf-8"?>
+<file path=ppt/slides/slide18.xml><?xml version="1.0" encoding="utf-8"?>
 <p:sld xmlns:a="http://schemas.openxmlformats.org/drawingml/2006/main" xmlns:r="http://schemas.openxmlformats.org/officeDocument/2006/relationships" xmlns:p="http://schemas.openxmlformats.org/presentationml/2006/main">
   <p:cSld>
     <p:spTree>
@@ -5255,7 +5419,7 @@
           <a:p>
             <a:fld id="{D1E82683-5C6A-4808-A0A5-6DC033041A1F}" type="slidenum">
               <a:rPr lang="en-US" smtClean="0"/>
-              <a:t>17</a:t>
+              <a:t>18</a:t>
             </a:fld>
             <a:endParaRPr lang="en-US"/>
           </a:p>
@@ -5354,7 +5518,7 @@
           <p:nvPr>
             <p:extLst>
               <p:ext uri="{D42A27DB-BD31-4B8C-83A1-F6EECF244321}">
-                <p14:modId xmlns:p14="http://schemas.microsoft.com/office/powerpoint/2010/main" val="4267944032"/>
+                <p14:modId xmlns:p14="http://schemas.microsoft.com/office/powerpoint/2010/main" val="636502090"/>
               </p:ext>
             </p:extLst>
           </p:nvPr>
@@ -5475,7 +5639,7 @@
                       <a:pPr algn="ctr"/>
                       <a:r>
                         <a:rPr lang="vi-VN" dirty="0"/>
-                        <a:t>0.24</a:t>
+                        <a:t>0.26</a:t>
                       </a:r>
                     </a:p>
                   </a:txBody>
@@ -5489,7 +5653,7 @@
                       <a:pPr algn="ctr"/>
                       <a:r>
                         <a:rPr lang="vi-VN" dirty="0"/>
-                        <a:t>0.058</a:t>
+                        <a:t>0.07</a:t>
                       </a:r>
                     </a:p>
                   </a:txBody>
@@ -5618,7 +5782,7 @@
           <p:nvPr>
             <p:extLst>
               <p:ext uri="{D42A27DB-BD31-4B8C-83A1-F6EECF244321}">
-                <p14:modId xmlns:p14="http://schemas.microsoft.com/office/powerpoint/2010/main" val="1343693578"/>
+                <p14:modId xmlns:p14="http://schemas.microsoft.com/office/powerpoint/2010/main" val="3130006647"/>
               </p:ext>
             </p:extLst>
           </p:nvPr>
@@ -5731,7 +5895,7 @@
                       <a:pPr algn="ctr"/>
                       <a:r>
                         <a:rPr lang="vi-VN" dirty="0"/>
-                        <a:t>0.29</a:t>
+                        <a:t>0.28</a:t>
                       </a:r>
                     </a:p>
                   </a:txBody>
@@ -5745,7 +5909,7 @@
                       <a:pPr algn="ctr"/>
                       <a:r>
                         <a:rPr lang="vi-VN" dirty="0"/>
-                        <a:t>0.085</a:t>
+                        <a:t>0.0076</a:t>
                       </a:r>
                     </a:p>
                   </a:txBody>
@@ -5949,7 +6113,7 @@
 </p:sld>
 </file>
 
-<file path=ppt/slides/slide18.xml><?xml version="1.0" encoding="utf-8"?>
+<file path=ppt/slides/slide19.xml><?xml version="1.0" encoding="utf-8"?>
 <p:sld xmlns:a="http://schemas.openxmlformats.org/drawingml/2006/main" xmlns:r="http://schemas.openxmlformats.org/officeDocument/2006/relationships" xmlns:p="http://schemas.openxmlformats.org/presentationml/2006/main">
   <p:cSld>
     <p:bg>
@@ -6046,7 +6210,7 @@
                   <a:spcPts val="600"/>
                 </a:spcAft>
               </a:pPr>
-              <a:t>18</a:t>
+              <a:t>19</a:t>
             </a:fld>
             <a:endParaRPr lang="en-US"/>
           </a:p>
@@ -6098,164 +6262,6 @@
     <p:extLst>
       <p:ext uri="{BB962C8B-B14F-4D97-AF65-F5344CB8AC3E}">
         <p14:creationId xmlns:p14="http://schemas.microsoft.com/office/powerpoint/2010/main" val="2090007731"/>
-      </p:ext>
-    </p:extLst>
-  </p:cSld>
-  <p:clrMapOvr>
-    <a:masterClrMapping/>
-  </p:clrMapOvr>
-</p:sld>
-</file>
-
-<file path=ppt/slides/slide19.xml><?xml version="1.0" encoding="utf-8"?>
-<p:sld xmlns:a="http://schemas.openxmlformats.org/drawingml/2006/main" xmlns:r="http://schemas.openxmlformats.org/officeDocument/2006/relationships" xmlns:p="http://schemas.openxmlformats.org/presentationml/2006/main">
-  <p:cSld>
-    <p:bg>
-      <p:bgPr>
-        <a:solidFill>
-          <a:schemeClr val="bg1"/>
-        </a:solidFill>
-        <a:effectLst/>
-      </p:bgPr>
-    </p:bg>
-    <p:spTree>
-      <p:nvGrpSpPr>
-        <p:cNvPr id="1" name=""/>
-        <p:cNvGrpSpPr/>
-        <p:nvPr/>
-      </p:nvGrpSpPr>
-      <p:grpSpPr>
-        <a:xfrm>
-          <a:off x="0" y="0"/>
-          <a:ext cx="0" cy="0"/>
-          <a:chOff x="0" y="0"/>
-          <a:chExt cx="0" cy="0"/>
-        </a:xfrm>
-      </p:grpSpPr>
-      <p:pic>
-        <p:nvPicPr>
-          <p:cNvPr id="6" name="Content Placeholder 5">
-            <a:extLst>
-              <a:ext uri="{FF2B5EF4-FFF2-40B4-BE49-F238E27FC236}">
-                <a16:creationId xmlns:a16="http://schemas.microsoft.com/office/drawing/2014/main" id="{54B60A52-26CC-4FCC-E034-032E2CAFFAE5}"/>
-              </a:ext>
-            </a:extLst>
-          </p:cNvPr>
-          <p:cNvPicPr>
-            <a:picLocks noGrp="1" noChangeAspect="1"/>
-          </p:cNvPicPr>
-          <p:nvPr>
-            <p:ph idx="1"/>
-          </p:nvPr>
-        </p:nvPicPr>
-        <p:blipFill>
-          <a:blip r:embed="rId2"/>
-          <a:stretch>
-            <a:fillRect/>
-          </a:stretch>
-        </p:blipFill>
-        <p:spPr>
-          <a:xfrm>
-            <a:off x="605365" y="796395"/>
-            <a:ext cx="9774499" cy="5742517"/>
-          </a:xfrm>
-          <a:prstGeom prst="rect">
-            <a:avLst/>
-          </a:prstGeom>
-        </p:spPr>
-      </p:pic>
-      <p:sp>
-        <p:nvSpPr>
-          <p:cNvPr id="4" name="Slide Number Placeholder 3">
-            <a:extLst>
-              <a:ext uri="{FF2B5EF4-FFF2-40B4-BE49-F238E27FC236}">
-                <a16:creationId xmlns:a16="http://schemas.microsoft.com/office/drawing/2014/main" id="{BDA356ED-7CDF-D9A4-8CF0-1527E61B46EE}"/>
-              </a:ext>
-            </a:extLst>
-          </p:cNvPr>
-          <p:cNvSpPr>
-            <a:spLocks noGrp="1"/>
-          </p:cNvSpPr>
-          <p:nvPr>
-            <p:ph type="sldNum" sz="quarter" idx="12"/>
-          </p:nvPr>
-        </p:nvSpPr>
-        <p:spPr>
-          <a:xfrm>
-            <a:off x="8610600" y="6356350"/>
-            <a:ext cx="2743200" cy="365125"/>
-          </a:xfrm>
-        </p:spPr>
-        <p:txBody>
-          <a:bodyPr vert="horz" lIns="91440" tIns="45720" rIns="91440" bIns="45720" rtlCol="0" anchor="ctr">
-            <a:normAutofit/>
-          </a:bodyPr>
-          <a:lstStyle/>
-          <a:p>
-            <a:pPr>
-              <a:spcAft>
-                <a:spcPts val="600"/>
-              </a:spcAft>
-            </a:pPr>
-            <a:fld id="{D1E82683-5C6A-4808-A0A5-6DC033041A1F}" type="slidenum">
-              <a:rPr lang="en-US" smtClean="0"/>
-              <a:pPr>
-                <a:spcAft>
-                  <a:spcPts val="600"/>
-                </a:spcAft>
-              </a:pPr>
-              <a:t>19</a:t>
-            </a:fld>
-            <a:endParaRPr lang="en-US"/>
-          </a:p>
-        </p:txBody>
-      </p:sp>
-      <p:sp>
-        <p:nvSpPr>
-          <p:cNvPr id="9" name="TextBox 8">
-            <a:extLst>
-              <a:ext uri="{FF2B5EF4-FFF2-40B4-BE49-F238E27FC236}">
-                <a16:creationId xmlns:a16="http://schemas.microsoft.com/office/drawing/2014/main" id="{8B442AB2-F481-E1CF-8309-34A53CB2EF70}"/>
-              </a:ext>
-            </a:extLst>
-          </p:cNvPr>
-          <p:cNvSpPr txBox="1"/>
-          <p:nvPr/>
-        </p:nvSpPr>
-        <p:spPr>
-          <a:xfrm>
-            <a:off x="0" y="0"/>
-            <a:ext cx="4894866" cy="553998"/>
-          </a:xfrm>
-          <a:prstGeom prst="rect">
-            <a:avLst/>
-          </a:prstGeom>
-          <a:noFill/>
-        </p:spPr>
-        <p:txBody>
-          <a:bodyPr wrap="none" rtlCol="0">
-            <a:spAutoFit/>
-          </a:bodyPr>
-          <a:lstStyle/>
-          <a:p>
-            <a:r>
-              <a:rPr lang="en-US" sz="3000" b="1" dirty="0">
-                <a:latin typeface="Times New Roman" panose="02020603050405020304" pitchFamily="18" charset="0"/>
-                <a:cs typeface="Times New Roman" panose="02020603050405020304" pitchFamily="18" charset="0"/>
-              </a:rPr>
-              <a:t>Summary Linear Regression</a:t>
-            </a:r>
-            <a:endParaRPr lang="vi-VN" sz="3000" b="1" dirty="0">
-              <a:latin typeface="Times New Roman" panose="02020603050405020304" pitchFamily="18" charset="0"/>
-              <a:cs typeface="Times New Roman" panose="02020603050405020304" pitchFamily="18" charset="0"/>
-            </a:endParaRPr>
-          </a:p>
-        </p:txBody>
-      </p:sp>
-    </p:spTree>
-    <p:extLst>
-      <p:ext uri="{BB962C8B-B14F-4D97-AF65-F5344CB8AC3E}">
-        <p14:creationId xmlns:p14="http://schemas.microsoft.com/office/powerpoint/2010/main" val="1379571226"/>
       </p:ext>
     </p:extLst>
   </p:cSld>
@@ -6339,14 +6345,14 @@
             <p:ph idx="1"/>
             <p:extLst>
               <p:ext uri="{D42A27DB-BD31-4B8C-83A1-F6EECF244321}">
-                <p14:modId xmlns:p14="http://schemas.microsoft.com/office/powerpoint/2010/main" val="3744858214"/>
+                <p14:modId xmlns:p14="http://schemas.microsoft.com/office/powerpoint/2010/main" val="2088176022"/>
               </p:ext>
             </p:extLst>
           </p:nvPr>
         </p:nvGraphicFramePr>
         <p:xfrm>
-          <a:off x="838200" y="1825625"/>
-          <a:ext cx="10756900" cy="1849120"/>
+          <a:off x="330200" y="1825625"/>
+          <a:ext cx="11264899" cy="1849120"/>
         </p:xfrm>
         <a:graphic>
           <a:graphicData uri="http://schemas.openxmlformats.org/drawingml/2006/table">
@@ -6355,21 +6361,21 @@
                 <a:tableStyleId>{93296810-A885-4BE3-A3E7-6D5BEEA58F35}</a:tableStyleId>
               </a:tblPr>
               <a:tblGrid>
-                <a:gridCol w="3164629">
+                <a:gridCol w="2679700">
                   <a:extLst>
                     <a:ext uri="{9D8B030D-6E8A-4147-A177-3AD203B41FA5}">
                       <a16:colId xmlns:a16="http://schemas.microsoft.com/office/drawing/2014/main" val="3759280923"/>
                     </a:ext>
                   </a:extLst>
                 </a:gridCol>
-                <a:gridCol w="3164629">
+                <a:gridCol w="3060700">
                   <a:extLst>
                     <a:ext uri="{9D8B030D-6E8A-4147-A177-3AD203B41FA5}">
                       <a16:colId xmlns:a16="http://schemas.microsoft.com/office/drawing/2014/main" val="2277304484"/>
                     </a:ext>
                   </a:extLst>
                 </a:gridCol>
-                <a:gridCol w="4427642">
+                <a:gridCol w="5524499">
                   <a:extLst>
                     <a:ext uri="{9D8B030D-6E8A-4147-A177-3AD203B41FA5}">
                       <a16:colId xmlns:a16="http://schemas.microsoft.com/office/drawing/2014/main" val="703490220"/>
@@ -6552,7 +6558,7 @@
                       </a:r>
                       <a:r>
                         <a:rPr lang="en-US" dirty="0"/>
-                        <a:t>, EDA</a:t>
+                        <a:t> Linear regression, , EDA</a:t>
                       </a:r>
                       <a:endParaRPr lang="vi-VN" dirty="0"/>
                     </a:p>
@@ -6636,7 +6642,7 @@
                       </a:r>
                       <a:r>
                         <a:rPr lang="en-US" dirty="0"/>
-                        <a:t>, EDA</a:t>
+                        <a:t> support vector machine , EDA</a:t>
                       </a:r>
                       <a:endParaRPr lang="vi-VN" dirty="0"/>
                     </a:p>
@@ -6716,7 +6722,7 @@
                       </a:r>
                       <a:r>
                         <a:rPr lang="en-US" dirty="0"/>
-                        <a:t>, EDA</a:t>
+                        <a:t> k-nearest neighbors, EDA</a:t>
                       </a:r>
                       <a:endParaRPr lang="vi-VN" dirty="0"/>
                     </a:p>
@@ -6816,11 +6822,11 @@
                       </a:r>
                       <a:r>
                         <a:rPr lang="en-US" dirty="0" err="1"/>
-                        <a:t>Hình</a:t>
+                        <a:t>HìnhDecision</a:t>
                       </a:r>
                       <a:r>
                         <a:rPr lang="en-US" dirty="0"/>
-                        <a:t> , EDA, </a:t>
+                        <a:t> Tree , EDA, </a:t>
                       </a:r>
                       <a:r>
                         <a:rPr lang="en-US" dirty="0" err="1"/>
@@ -6983,6 +6989,14 @@
 <file path=ppt/slides/slide20.xml><?xml version="1.0" encoding="utf-8"?>
 <p:sld xmlns:a="http://schemas.openxmlformats.org/drawingml/2006/main" xmlns:r="http://schemas.openxmlformats.org/officeDocument/2006/relationships" xmlns:p="http://schemas.openxmlformats.org/presentationml/2006/main">
   <p:cSld>
+    <p:bg>
+      <p:bgPr>
+        <a:solidFill>
+          <a:schemeClr val="bg1"/>
+        </a:solidFill>
+        <a:effectLst/>
+      </p:bgPr>
+    </p:bg>
     <p:spTree>
       <p:nvGrpSpPr>
         <p:cNvPr id="1" name=""/>
@@ -6997,6 +7011,156 @@
           <a:chExt cx="0" cy="0"/>
         </a:xfrm>
       </p:grpSpPr>
+      <p:pic>
+        <p:nvPicPr>
+          <p:cNvPr id="6" name="Content Placeholder 5">
+            <a:extLst>
+              <a:ext uri="{FF2B5EF4-FFF2-40B4-BE49-F238E27FC236}">
+                <a16:creationId xmlns:a16="http://schemas.microsoft.com/office/drawing/2014/main" id="{54B60A52-26CC-4FCC-E034-032E2CAFFAE5}"/>
+              </a:ext>
+            </a:extLst>
+          </p:cNvPr>
+          <p:cNvPicPr>
+            <a:picLocks noGrp="1" noChangeAspect="1"/>
+          </p:cNvPicPr>
+          <p:nvPr>
+            <p:ph idx="1"/>
+          </p:nvPr>
+        </p:nvPicPr>
+        <p:blipFill>
+          <a:blip r:embed="rId2"/>
+          <a:stretch>
+            <a:fillRect/>
+          </a:stretch>
+        </p:blipFill>
+        <p:spPr>
+          <a:xfrm>
+            <a:off x="605365" y="796395"/>
+            <a:ext cx="9774499" cy="5742517"/>
+          </a:xfrm>
+          <a:prstGeom prst="rect">
+            <a:avLst/>
+          </a:prstGeom>
+        </p:spPr>
+      </p:pic>
+      <p:sp>
+        <p:nvSpPr>
+          <p:cNvPr id="4" name="Slide Number Placeholder 3">
+            <a:extLst>
+              <a:ext uri="{FF2B5EF4-FFF2-40B4-BE49-F238E27FC236}">
+                <a16:creationId xmlns:a16="http://schemas.microsoft.com/office/drawing/2014/main" id="{BDA356ED-7CDF-D9A4-8CF0-1527E61B46EE}"/>
+              </a:ext>
+            </a:extLst>
+          </p:cNvPr>
+          <p:cNvSpPr>
+            <a:spLocks noGrp="1"/>
+          </p:cNvSpPr>
+          <p:nvPr>
+            <p:ph type="sldNum" sz="quarter" idx="12"/>
+          </p:nvPr>
+        </p:nvSpPr>
+        <p:spPr>
+          <a:xfrm>
+            <a:off x="8610600" y="6356350"/>
+            <a:ext cx="2743200" cy="365125"/>
+          </a:xfrm>
+        </p:spPr>
+        <p:txBody>
+          <a:bodyPr vert="horz" lIns="91440" tIns="45720" rIns="91440" bIns="45720" rtlCol="0" anchor="ctr">
+            <a:normAutofit/>
+          </a:bodyPr>
+          <a:lstStyle/>
+          <a:p>
+            <a:pPr>
+              <a:spcAft>
+                <a:spcPts val="600"/>
+              </a:spcAft>
+            </a:pPr>
+            <a:fld id="{D1E82683-5C6A-4808-A0A5-6DC033041A1F}" type="slidenum">
+              <a:rPr lang="en-US" smtClean="0"/>
+              <a:pPr>
+                <a:spcAft>
+                  <a:spcPts val="600"/>
+                </a:spcAft>
+              </a:pPr>
+              <a:t>20</a:t>
+            </a:fld>
+            <a:endParaRPr lang="en-US"/>
+          </a:p>
+        </p:txBody>
+      </p:sp>
+      <p:sp>
+        <p:nvSpPr>
+          <p:cNvPr id="9" name="TextBox 8">
+            <a:extLst>
+              <a:ext uri="{FF2B5EF4-FFF2-40B4-BE49-F238E27FC236}">
+                <a16:creationId xmlns:a16="http://schemas.microsoft.com/office/drawing/2014/main" id="{8B442AB2-F481-E1CF-8309-34A53CB2EF70}"/>
+              </a:ext>
+            </a:extLst>
+          </p:cNvPr>
+          <p:cNvSpPr txBox="1"/>
+          <p:nvPr/>
+        </p:nvSpPr>
+        <p:spPr>
+          <a:xfrm>
+            <a:off x="0" y="0"/>
+            <a:ext cx="4894866" cy="553998"/>
+          </a:xfrm>
+          <a:prstGeom prst="rect">
+            <a:avLst/>
+          </a:prstGeom>
+          <a:noFill/>
+        </p:spPr>
+        <p:txBody>
+          <a:bodyPr wrap="none" rtlCol="0">
+            <a:spAutoFit/>
+          </a:bodyPr>
+          <a:lstStyle/>
+          <a:p>
+            <a:r>
+              <a:rPr lang="en-US" sz="3000" b="1" dirty="0">
+                <a:latin typeface="Times New Roman" panose="02020603050405020304" pitchFamily="18" charset="0"/>
+                <a:cs typeface="Times New Roman" panose="02020603050405020304" pitchFamily="18" charset="0"/>
+              </a:rPr>
+              <a:t>Summary Linear Regression</a:t>
+            </a:r>
+            <a:endParaRPr lang="vi-VN" sz="3000" b="1" dirty="0">
+              <a:latin typeface="Times New Roman" panose="02020603050405020304" pitchFamily="18" charset="0"/>
+              <a:cs typeface="Times New Roman" panose="02020603050405020304" pitchFamily="18" charset="0"/>
+            </a:endParaRPr>
+          </a:p>
+        </p:txBody>
+      </p:sp>
+    </p:spTree>
+    <p:extLst>
+      <p:ext uri="{BB962C8B-B14F-4D97-AF65-F5344CB8AC3E}">
+        <p14:creationId xmlns:p14="http://schemas.microsoft.com/office/powerpoint/2010/main" val="1379571226"/>
+      </p:ext>
+    </p:extLst>
+  </p:cSld>
+  <p:clrMapOvr>
+    <a:masterClrMapping/>
+  </p:clrMapOvr>
+</p:sld>
+</file>
+
+<file path=ppt/slides/slide21.xml><?xml version="1.0" encoding="utf-8"?>
+<p:sld xmlns:a="http://schemas.openxmlformats.org/drawingml/2006/main" xmlns:r="http://schemas.openxmlformats.org/officeDocument/2006/relationships" xmlns:p="http://schemas.openxmlformats.org/presentationml/2006/main">
+  <p:cSld>
+    <p:spTree>
+      <p:nvGrpSpPr>
+        <p:cNvPr id="1" name=""/>
+        <p:cNvGrpSpPr/>
+        <p:nvPr/>
+      </p:nvGrpSpPr>
+      <p:grpSpPr>
+        <a:xfrm>
+          <a:off x="0" y="0"/>
+          <a:ext cx="0" cy="0"/>
+          <a:chOff x="0" y="0"/>
+          <a:chExt cx="0" cy="0"/>
+        </a:xfrm>
+      </p:grpSpPr>
       <p:sp>
         <p:nvSpPr>
           <p:cNvPr id="2" name="Title 1">
@@ -7135,7 +7299,7 @@
           <a:p>
             <a:fld id="{D1E82683-5C6A-4808-A0A5-6DC033041A1F}" type="slidenum">
               <a:rPr lang="en-US" smtClean="0"/>
-              <a:t>20</a:t>
+              <a:t>21</a:t>
             </a:fld>
             <a:endParaRPr lang="en-US"/>
           </a:p>
@@ -7154,7 +7318,7 @@
 </p:sld>
 </file>
 
-<file path=ppt/slides/slide21.xml><?xml version="1.0" encoding="utf-8"?>
+<file path=ppt/slides/slide22.xml><?xml version="1.0" encoding="utf-8"?>
 <p:sld xmlns:a="http://schemas.openxmlformats.org/drawingml/2006/main" xmlns:r="http://schemas.openxmlformats.org/officeDocument/2006/relationships" xmlns:p="http://schemas.openxmlformats.org/presentationml/2006/main">
   <p:cSld>
     <p:bg>
@@ -7425,7 +7589,7 @@
                   <a:spcPts val="600"/>
                 </a:spcAft>
               </a:pPr>
-              <a:t>21</a:t>
+              <a:t>22</a:t>
             </a:fld>
             <a:endParaRPr lang="en-US">
               <a:solidFill>
@@ -10356,6 +10520,231 @@
           </a:prstGeom>
         </p:spPr>
       </p:pic>
+      <p:sp>
+        <p:nvSpPr>
+          <p:cNvPr id="11" name="TextBox 10">
+            <a:extLst>
+              <a:ext uri="{FF2B5EF4-FFF2-40B4-BE49-F238E27FC236}">
+                <a16:creationId xmlns:a16="http://schemas.microsoft.com/office/drawing/2014/main" id="{FF671A35-BD5A-ACF1-B331-892B8854FE47}"/>
+              </a:ext>
+            </a:extLst>
+          </p:cNvPr>
+          <p:cNvSpPr txBox="1"/>
+          <p:nvPr/>
+        </p:nvSpPr>
+        <p:spPr>
+          <a:xfrm>
+            <a:off x="608800" y="578817"/>
+            <a:ext cx="2031133" cy="553998"/>
+          </a:xfrm>
+          <a:prstGeom prst="rect">
+            <a:avLst/>
+          </a:prstGeom>
+          <a:noFill/>
+        </p:spPr>
+        <p:txBody>
+          <a:bodyPr wrap="none" rtlCol="0">
+            <a:spAutoFit/>
+          </a:bodyPr>
+          <a:lstStyle/>
+          <a:p>
+            <a:r>
+              <a:rPr lang="en-US" sz="3000" b="1" dirty="0" err="1">
+                <a:latin typeface="Times New Roman" panose="02020603050405020304" pitchFamily="18" charset="0"/>
+                <a:cs typeface="Times New Roman" panose="02020603050405020304" pitchFamily="18" charset="0"/>
+              </a:rPr>
+              <a:t>Giá</a:t>
+            </a:r>
+            <a:r>
+              <a:rPr lang="en-US" sz="3000" b="1" dirty="0">
+                <a:latin typeface="Times New Roman" panose="02020603050405020304" pitchFamily="18" charset="0"/>
+                <a:cs typeface="Times New Roman" panose="02020603050405020304" pitchFamily="18" charset="0"/>
+              </a:rPr>
+              <a:t> </a:t>
+            </a:r>
+            <a:r>
+              <a:rPr lang="en-US" sz="3000" b="1" dirty="0" err="1">
+                <a:latin typeface="Times New Roman" panose="02020603050405020304" pitchFamily="18" charset="0"/>
+                <a:cs typeface="Times New Roman" panose="02020603050405020304" pitchFamily="18" charset="0"/>
+              </a:rPr>
+              <a:t>Trị</a:t>
+            </a:r>
+            <a:r>
+              <a:rPr lang="en-US" sz="3000" b="1" dirty="0">
+                <a:latin typeface="Times New Roman" panose="02020603050405020304" pitchFamily="18" charset="0"/>
+                <a:cs typeface="Times New Roman" panose="02020603050405020304" pitchFamily="18" charset="0"/>
+              </a:rPr>
+              <a:t> NA</a:t>
+            </a:r>
+            <a:endParaRPr lang="vi-VN" sz="3000" b="1" dirty="0">
+              <a:latin typeface="Times New Roman" panose="02020603050405020304" pitchFamily="18" charset="0"/>
+              <a:cs typeface="Times New Roman" panose="02020603050405020304" pitchFamily="18" charset="0"/>
+            </a:endParaRPr>
+          </a:p>
+        </p:txBody>
+      </p:sp>
+      <p:sp>
+        <p:nvSpPr>
+          <p:cNvPr id="12" name="TextBox 11">
+            <a:extLst>
+              <a:ext uri="{FF2B5EF4-FFF2-40B4-BE49-F238E27FC236}">
+                <a16:creationId xmlns:a16="http://schemas.microsoft.com/office/drawing/2014/main" id="{1E2A0657-5C13-471E-8A73-8CB69A322EB6}"/>
+              </a:ext>
+            </a:extLst>
+          </p:cNvPr>
+          <p:cNvSpPr txBox="1"/>
+          <p:nvPr/>
+        </p:nvSpPr>
+        <p:spPr>
+          <a:xfrm>
+            <a:off x="325101" y="2894227"/>
+            <a:ext cx="1766830" cy="553998"/>
+          </a:xfrm>
+          <a:prstGeom prst="rect">
+            <a:avLst/>
+          </a:prstGeom>
+          <a:noFill/>
+        </p:spPr>
+        <p:txBody>
+          <a:bodyPr wrap="none" rtlCol="0">
+            <a:spAutoFit/>
+          </a:bodyPr>
+          <a:lstStyle/>
+          <a:p>
+            <a:r>
+              <a:rPr lang="en-US" sz="3000" b="1" dirty="0">
+                <a:latin typeface="Times New Roman" panose="02020603050405020304" pitchFamily="18" charset="0"/>
+                <a:cs typeface="Times New Roman" panose="02020603050405020304" pitchFamily="18" charset="0"/>
+              </a:rPr>
+              <a:t>Duplicate</a:t>
+            </a:r>
+            <a:endParaRPr lang="vi-VN" sz="3000" b="1" dirty="0">
+              <a:latin typeface="Times New Roman" panose="02020603050405020304" pitchFamily="18" charset="0"/>
+              <a:cs typeface="Times New Roman" panose="02020603050405020304" pitchFamily="18" charset="0"/>
+            </a:endParaRPr>
+          </a:p>
+        </p:txBody>
+      </p:sp>
+      <p:pic>
+        <p:nvPicPr>
+          <p:cNvPr id="7" name="Picture 6">
+            <a:extLst>
+              <a:ext uri="{FF2B5EF4-FFF2-40B4-BE49-F238E27FC236}">
+                <a16:creationId xmlns:a16="http://schemas.microsoft.com/office/drawing/2014/main" id="{D892138B-EF3A-C8E6-6D82-9AC3CE785C3E}"/>
+              </a:ext>
+            </a:extLst>
+          </p:cNvPr>
+          <p:cNvPicPr>
+            <a:picLocks noChangeAspect="1"/>
+          </p:cNvPicPr>
+          <p:nvPr/>
+        </p:nvPicPr>
+        <p:blipFill>
+          <a:blip r:embed="rId3"/>
+          <a:stretch>
+            <a:fillRect/>
+          </a:stretch>
+        </p:blipFill>
+        <p:spPr>
+          <a:xfrm>
+            <a:off x="253752" y="3609428"/>
+            <a:ext cx="11684495" cy="1973541"/>
+          </a:xfrm>
+          <a:prstGeom prst="rect">
+            <a:avLst/>
+          </a:prstGeom>
+        </p:spPr>
+      </p:pic>
+    </p:spTree>
+    <p:extLst>
+      <p:ext uri="{BB962C8B-B14F-4D97-AF65-F5344CB8AC3E}">
+        <p14:creationId xmlns:p14="http://schemas.microsoft.com/office/powerpoint/2010/main" val="2312504145"/>
+      </p:ext>
+    </p:extLst>
+  </p:cSld>
+  <p:clrMapOvr>
+    <a:masterClrMapping/>
+  </p:clrMapOvr>
+</p:sld>
+</file>
+
+<file path=ppt/slides/slide8.xml><?xml version="1.0" encoding="utf-8"?>
+<p:sld xmlns:a="http://schemas.openxmlformats.org/drawingml/2006/main" xmlns:r="http://schemas.openxmlformats.org/officeDocument/2006/relationships" xmlns:p="http://schemas.openxmlformats.org/presentationml/2006/main">
+  <p:cSld>
+    <p:spTree>
+      <p:nvGrpSpPr>
+        <p:cNvPr id="1" name=""/>
+        <p:cNvGrpSpPr/>
+        <p:nvPr/>
+      </p:nvGrpSpPr>
+      <p:grpSpPr>
+        <a:xfrm>
+          <a:off x="0" y="0"/>
+          <a:ext cx="0" cy="0"/>
+          <a:chOff x="0" y="0"/>
+          <a:chExt cx="0" cy="0"/>
+        </a:xfrm>
+      </p:grpSpPr>
+      <p:sp>
+        <p:nvSpPr>
+          <p:cNvPr id="2" name="Title 1"/>
+          <p:cNvSpPr>
+            <a:spLocks noGrp="1"/>
+          </p:cNvSpPr>
+          <p:nvPr>
+            <p:ph type="title"/>
+          </p:nvPr>
+        </p:nvSpPr>
+        <p:spPr>
+          <a:xfrm>
+            <a:off x="48718" y="0"/>
+            <a:ext cx="10515600" cy="759482"/>
+          </a:xfrm>
+        </p:spPr>
+        <p:txBody>
+          <a:bodyPr/>
+          <a:lstStyle/>
+          <a:p>
+            <a:r>
+              <a:rPr lang="en-US" b="1" dirty="0">
+                <a:latin typeface="Times New Roman" panose="02020603050405020304" pitchFamily="18" charset="0"/>
+                <a:ea typeface="Yu Gothic" panose="020B0400000000000000" pitchFamily="34" charset="-128"/>
+                <a:cs typeface="Times New Roman" panose="02020603050405020304" pitchFamily="18" charset="0"/>
+              </a:rPr>
+              <a:t>DATA:</a:t>
+            </a:r>
+          </a:p>
+        </p:txBody>
+      </p:sp>
+      <p:sp>
+        <p:nvSpPr>
+          <p:cNvPr id="4" name="Slide Number Placeholder 3"/>
+          <p:cNvSpPr>
+            <a:spLocks noGrp="1"/>
+          </p:cNvSpPr>
+          <p:nvPr>
+            <p:ph type="sldNum" sz="quarter" idx="12"/>
+          </p:nvPr>
+        </p:nvSpPr>
+        <p:spPr/>
+        <p:txBody>
+          <a:bodyPr/>
+          <a:lstStyle/>
+          <a:p>
+            <a:fld id="{D1E82683-5C6A-4808-A0A5-6DC033041A1F}" type="slidenum">
+              <a:rPr lang="en-US" smtClean="0">
+                <a:latin typeface="Times New Roman" panose="02020603050405020304" pitchFamily="18" charset="0"/>
+                <a:cs typeface="Times New Roman" panose="02020603050405020304" pitchFamily="18" charset="0"/>
+              </a:rPr>
+              <a:t>8</a:t>
+            </a:fld>
+            <a:endParaRPr lang="en-US">
+              <a:latin typeface="Times New Roman" panose="02020603050405020304" pitchFamily="18" charset="0"/>
+              <a:cs typeface="Times New Roman" panose="02020603050405020304" pitchFamily="18" charset="0"/>
+            </a:endParaRPr>
+          </a:p>
+        </p:txBody>
+      </p:sp>
       <p:pic>
         <p:nvPicPr>
           <p:cNvPr id="10" name="Content Placeholder 9">
@@ -10373,126 +10762,21 @@
           </p:nvPr>
         </p:nvPicPr>
         <p:blipFill>
-          <a:blip r:embed="rId3"/>
+          <a:blip r:embed="rId2"/>
           <a:stretch>
             <a:fillRect/>
           </a:stretch>
         </p:blipFill>
         <p:spPr>
           <a:xfrm>
-            <a:off x="731410" y="3499817"/>
-            <a:ext cx="10729180" cy="3221658"/>
+            <a:off x="624620" y="1219200"/>
+            <a:ext cx="10729180" cy="4904867"/>
           </a:xfrm>
           <a:prstGeom prst="rect">
             <a:avLst/>
           </a:prstGeom>
         </p:spPr>
       </p:pic>
-      <p:sp>
-        <p:nvSpPr>
-          <p:cNvPr id="11" name="TextBox 10">
-            <a:extLst>
-              <a:ext uri="{FF2B5EF4-FFF2-40B4-BE49-F238E27FC236}">
-                <a16:creationId xmlns:a16="http://schemas.microsoft.com/office/drawing/2014/main" id="{FF671A35-BD5A-ACF1-B331-892B8854FE47}"/>
-              </a:ext>
-            </a:extLst>
-          </p:cNvPr>
-          <p:cNvSpPr txBox="1"/>
-          <p:nvPr/>
-        </p:nvSpPr>
-        <p:spPr>
-          <a:xfrm>
-            <a:off x="608800" y="578817"/>
-            <a:ext cx="2031133" cy="553998"/>
-          </a:xfrm>
-          <a:prstGeom prst="rect">
-            <a:avLst/>
-          </a:prstGeom>
-          <a:noFill/>
-        </p:spPr>
-        <p:txBody>
-          <a:bodyPr wrap="none" rtlCol="0">
-            <a:spAutoFit/>
-          </a:bodyPr>
-          <a:lstStyle/>
-          <a:p>
-            <a:r>
-              <a:rPr lang="en-US" sz="3000" b="1" dirty="0" err="1">
-                <a:latin typeface="Times New Roman" panose="02020603050405020304" pitchFamily="18" charset="0"/>
-                <a:cs typeface="Times New Roman" panose="02020603050405020304" pitchFamily="18" charset="0"/>
-              </a:rPr>
-              <a:t>Giá</a:t>
-            </a:r>
-            <a:r>
-              <a:rPr lang="en-US" sz="3000" b="1" dirty="0">
-                <a:latin typeface="Times New Roman" panose="02020603050405020304" pitchFamily="18" charset="0"/>
-                <a:cs typeface="Times New Roman" panose="02020603050405020304" pitchFamily="18" charset="0"/>
-              </a:rPr>
-              <a:t> </a:t>
-            </a:r>
-            <a:r>
-              <a:rPr lang="en-US" sz="3000" b="1" dirty="0" err="1">
-                <a:latin typeface="Times New Roman" panose="02020603050405020304" pitchFamily="18" charset="0"/>
-                <a:cs typeface="Times New Roman" panose="02020603050405020304" pitchFamily="18" charset="0"/>
-              </a:rPr>
-              <a:t>Trị</a:t>
-            </a:r>
-            <a:r>
-              <a:rPr lang="en-US" sz="3000" b="1" dirty="0">
-                <a:latin typeface="Times New Roman" panose="02020603050405020304" pitchFamily="18" charset="0"/>
-                <a:cs typeface="Times New Roman" panose="02020603050405020304" pitchFamily="18" charset="0"/>
-              </a:rPr>
-              <a:t> NA</a:t>
-            </a:r>
-            <a:endParaRPr lang="vi-VN" sz="3000" b="1" dirty="0">
-              <a:latin typeface="Times New Roman" panose="02020603050405020304" pitchFamily="18" charset="0"/>
-              <a:cs typeface="Times New Roman" panose="02020603050405020304" pitchFamily="18" charset="0"/>
-            </a:endParaRPr>
-          </a:p>
-        </p:txBody>
-      </p:sp>
-      <p:sp>
-        <p:nvSpPr>
-          <p:cNvPr id="12" name="TextBox 11">
-            <a:extLst>
-              <a:ext uri="{FF2B5EF4-FFF2-40B4-BE49-F238E27FC236}">
-                <a16:creationId xmlns:a16="http://schemas.microsoft.com/office/drawing/2014/main" id="{1E2A0657-5C13-471E-8A73-8CB69A322EB6}"/>
-              </a:ext>
-            </a:extLst>
-          </p:cNvPr>
-          <p:cNvSpPr txBox="1"/>
-          <p:nvPr/>
-        </p:nvSpPr>
-        <p:spPr>
-          <a:xfrm>
-            <a:off x="325101" y="2894227"/>
-            <a:ext cx="2654894" cy="553998"/>
-          </a:xfrm>
-          <a:prstGeom prst="rect">
-            <a:avLst/>
-          </a:prstGeom>
-          <a:noFill/>
-        </p:spPr>
-        <p:txBody>
-          <a:bodyPr wrap="none" rtlCol="0">
-            <a:spAutoFit/>
-          </a:bodyPr>
-          <a:lstStyle/>
-          <a:p>
-            <a:r>
-              <a:rPr lang="en-US" sz="3000" b="1" dirty="0">
-                <a:latin typeface="Times New Roman" panose="02020603050405020304" pitchFamily="18" charset="0"/>
-                <a:cs typeface="Times New Roman" panose="02020603050405020304" pitchFamily="18" charset="0"/>
-              </a:rPr>
-              <a:t>Overview Data</a:t>
-            </a:r>
-            <a:endParaRPr lang="vi-VN" sz="3000" b="1" dirty="0">
-              <a:latin typeface="Times New Roman" panose="02020603050405020304" pitchFamily="18" charset="0"/>
-              <a:cs typeface="Times New Roman" panose="02020603050405020304" pitchFamily="18" charset="0"/>
-            </a:endParaRPr>
-          </a:p>
-        </p:txBody>
-      </p:sp>
     </p:spTree>
     <p:extLst>
       <p:ext uri="{BB962C8B-B14F-4D97-AF65-F5344CB8AC3E}">
@@ -10506,7 +10790,7 @@
 </p:sld>
 </file>
 
-<file path=ppt/slides/slide8.xml><?xml version="1.0" encoding="utf-8"?>
+<file path=ppt/slides/slide9.xml><?xml version="1.0" encoding="utf-8"?>
 <p:sld xmlns:a="http://schemas.openxmlformats.org/drawingml/2006/main" xmlns:r="http://schemas.openxmlformats.org/officeDocument/2006/relationships" xmlns:p="http://schemas.openxmlformats.org/presentationml/2006/main">
   <p:cSld>
     <p:bg>
@@ -10571,7 +10855,7 @@
                   <a:spcPts val="600"/>
                 </a:spcAft>
               </a:pPr>
-              <a:t>8</a:t>
+              <a:t>9</a:t>
             </a:fld>
             <a:endParaRPr lang="en-US"/>
           </a:p>
@@ -10660,169 +10944,6 @@
     <p:extLst>
       <p:ext uri="{BB962C8B-B14F-4D97-AF65-F5344CB8AC3E}">
         <p14:creationId xmlns:p14="http://schemas.microsoft.com/office/powerpoint/2010/main" val="3008127566"/>
-      </p:ext>
-    </p:extLst>
-  </p:cSld>
-  <p:clrMapOvr>
-    <a:masterClrMapping/>
-  </p:clrMapOvr>
-</p:sld>
-</file>
-
-<file path=ppt/slides/slide9.xml><?xml version="1.0" encoding="utf-8"?>
-<p:sld xmlns:a="http://schemas.openxmlformats.org/drawingml/2006/main" xmlns:r="http://schemas.openxmlformats.org/officeDocument/2006/relationships" xmlns:p="http://schemas.openxmlformats.org/presentationml/2006/main">
-  <p:cSld>
-    <p:bg>
-      <p:bgPr>
-        <a:solidFill>
-          <a:schemeClr val="bg1"/>
-        </a:solidFill>
-        <a:effectLst/>
-      </p:bgPr>
-    </p:bg>
-    <p:spTree>
-      <p:nvGrpSpPr>
-        <p:cNvPr id="1" name=""/>
-        <p:cNvGrpSpPr/>
-        <p:nvPr/>
-      </p:nvGrpSpPr>
-      <p:grpSpPr>
-        <a:xfrm>
-          <a:off x="0" y="0"/>
-          <a:ext cx="0" cy="0"/>
-          <a:chOff x="0" y="0"/>
-          <a:chExt cx="0" cy="0"/>
-        </a:xfrm>
-      </p:grpSpPr>
-      <p:sp>
-        <p:nvSpPr>
-          <p:cNvPr id="4" name="Slide Number Placeholder 3">
-            <a:extLst>
-              <a:ext uri="{FF2B5EF4-FFF2-40B4-BE49-F238E27FC236}">
-                <a16:creationId xmlns:a16="http://schemas.microsoft.com/office/drawing/2014/main" id="{9E571214-7EB9-5CEC-B634-18F90CF6CADC}"/>
-              </a:ext>
-            </a:extLst>
-          </p:cNvPr>
-          <p:cNvSpPr>
-            <a:spLocks noGrp="1"/>
-          </p:cNvSpPr>
-          <p:nvPr>
-            <p:ph type="sldNum" sz="quarter" idx="12"/>
-          </p:nvPr>
-        </p:nvSpPr>
-        <p:spPr>
-          <a:xfrm>
-            <a:off x="8610600" y="6356350"/>
-            <a:ext cx="2743200" cy="365125"/>
-          </a:xfrm>
-        </p:spPr>
-        <p:txBody>
-          <a:bodyPr vert="horz" lIns="91440" tIns="45720" rIns="91440" bIns="45720" rtlCol="0" anchor="ctr">
-            <a:normAutofit/>
-          </a:bodyPr>
-          <a:lstStyle/>
-          <a:p>
-            <a:pPr>
-              <a:spcAft>
-                <a:spcPts val="600"/>
-              </a:spcAft>
-            </a:pPr>
-            <a:fld id="{D1E82683-5C6A-4808-A0A5-6DC033041A1F}" type="slidenum">
-              <a:rPr lang="en-US" smtClean="0"/>
-              <a:pPr>
-                <a:spcAft>
-                  <a:spcPts val="600"/>
-                </a:spcAft>
-              </a:pPr>
-              <a:t>9</a:t>
-            </a:fld>
-            <a:endParaRPr lang="en-US"/>
-          </a:p>
-        </p:txBody>
-      </p:sp>
-      <p:sp>
-        <p:nvSpPr>
-          <p:cNvPr id="7" name="TextBox 6">
-            <a:extLst>
-              <a:ext uri="{FF2B5EF4-FFF2-40B4-BE49-F238E27FC236}">
-                <a16:creationId xmlns:a16="http://schemas.microsoft.com/office/drawing/2014/main" id="{20ECBCB2-8E05-769B-05FD-5F6AF6656AD4}"/>
-              </a:ext>
-            </a:extLst>
-          </p:cNvPr>
-          <p:cNvSpPr txBox="1"/>
-          <p:nvPr/>
-        </p:nvSpPr>
-        <p:spPr>
-          <a:xfrm>
-            <a:off x="0" y="0"/>
-            <a:ext cx="2305439" cy="553998"/>
-          </a:xfrm>
-          <a:prstGeom prst="rect">
-            <a:avLst/>
-          </a:prstGeom>
-          <a:noFill/>
-        </p:spPr>
-        <p:txBody>
-          <a:bodyPr wrap="none" rtlCol="0">
-            <a:spAutoFit/>
-          </a:bodyPr>
-          <a:lstStyle/>
-          <a:p>
-            <a:r>
-              <a:rPr lang="en-US" sz="3000" b="1" dirty="0" err="1">
-                <a:latin typeface="Times New Roman" panose="02020603050405020304" pitchFamily="18" charset="0"/>
-                <a:cs typeface="Times New Roman" panose="02020603050405020304" pitchFamily="18" charset="0"/>
-              </a:rPr>
-              <a:t>Tương</a:t>
-            </a:r>
-            <a:r>
-              <a:rPr lang="en-US" sz="3000" b="1" dirty="0">
-                <a:latin typeface="Times New Roman" panose="02020603050405020304" pitchFamily="18" charset="0"/>
-                <a:cs typeface="Times New Roman" panose="02020603050405020304" pitchFamily="18" charset="0"/>
-              </a:rPr>
-              <a:t> Quan</a:t>
-            </a:r>
-            <a:endParaRPr lang="vi-VN" sz="3000" b="1" dirty="0">
-              <a:latin typeface="Times New Roman" panose="02020603050405020304" pitchFamily="18" charset="0"/>
-              <a:cs typeface="Times New Roman" panose="02020603050405020304" pitchFamily="18" charset="0"/>
-            </a:endParaRPr>
-          </a:p>
-        </p:txBody>
-      </p:sp>
-      <p:pic>
-        <p:nvPicPr>
-          <p:cNvPr id="8" name="Picture 7">
-            <a:extLst>
-              <a:ext uri="{FF2B5EF4-FFF2-40B4-BE49-F238E27FC236}">
-                <a16:creationId xmlns:a16="http://schemas.microsoft.com/office/drawing/2014/main" id="{D1A94EC0-3A09-A4F1-600F-A427130F2175}"/>
-              </a:ext>
-            </a:extLst>
-          </p:cNvPr>
-          <p:cNvPicPr>
-            <a:picLocks noChangeAspect="1"/>
-          </p:cNvPicPr>
-          <p:nvPr/>
-        </p:nvPicPr>
-        <p:blipFill>
-          <a:blip r:embed="rId2"/>
-          <a:stretch>
-            <a:fillRect/>
-          </a:stretch>
-        </p:blipFill>
-        <p:spPr>
-          <a:xfrm>
-            <a:off x="2767634" y="553998"/>
-            <a:ext cx="8134827" cy="6167477"/>
-          </a:xfrm>
-          <a:prstGeom prst="rect">
-            <a:avLst/>
-          </a:prstGeom>
-        </p:spPr>
-      </p:pic>
-    </p:spTree>
-    <p:extLst>
-      <p:ext uri="{BB962C8B-B14F-4D97-AF65-F5344CB8AC3E}">
-        <p14:creationId xmlns:p14="http://schemas.microsoft.com/office/powerpoint/2010/main" val="1474499354"/>
       </p:ext>
     </p:extLst>
   </p:cSld>
